--- a/Jobs Analysis.pptx
+++ b/Jobs Analysis.pptx
@@ -6,14 +6,15 @@
   </p:sldMasterIdLst>
   <p:sldIdLst>
     <p:sldId id="256" r:id="rId2"/>
-    <p:sldId id="257" r:id="rId3"/>
-    <p:sldId id="260" r:id="rId4"/>
-    <p:sldId id="261" r:id="rId5"/>
-    <p:sldId id="262" r:id="rId6"/>
-    <p:sldId id="258" r:id="rId7"/>
-    <p:sldId id="263" r:id="rId8"/>
-    <p:sldId id="264" r:id="rId9"/>
-    <p:sldId id="265" r:id="rId10"/>
+    <p:sldId id="266" r:id="rId3"/>
+    <p:sldId id="257" r:id="rId4"/>
+    <p:sldId id="260" r:id="rId5"/>
+    <p:sldId id="261" r:id="rId6"/>
+    <p:sldId id="262" r:id="rId7"/>
+    <p:sldId id="258" r:id="rId8"/>
+    <p:sldId id="263" r:id="rId9"/>
+    <p:sldId id="264" r:id="rId10"/>
+    <p:sldId id="265" r:id="rId11"/>
   </p:sldIdLst>
   <p:sldSz cx="12192000" cy="6858000"/>
   <p:notesSz cx="6858000" cy="9144000"/>
@@ -1133,6 +1134,13 @@
         </dgm:presLayoutVars>
       </dgm:prSet>
       <dgm:spPr/>
+      <dgm:t>
+        <a:bodyPr/>
+        <a:lstStyle/>
+        <a:p>
+          <a:endParaRPr lang="en-US"/>
+        </a:p>
+      </dgm:t>
     </dgm:pt>
     <dgm:pt modelId="{09A57D60-8F37-4BB6-9FEC-A00BB874C2CE}" type="pres">
       <dgm:prSet presAssocID="{EE1BCD30-62CF-4CF2-BD7F-C7A7BD06C63C}" presName="compositeNode" presStyleCnt="0">
@@ -1145,6 +1153,13 @@
     <dgm:pt modelId="{70071FF4-E4BE-4600-8C3C-E8D99DD003D0}" type="pres">
       <dgm:prSet presAssocID="{EE1BCD30-62CF-4CF2-BD7F-C7A7BD06C63C}" presName="bgRect" presStyleLbl="bgAccFollowNode1" presStyleIdx="0" presStyleCnt="3"/>
       <dgm:spPr/>
+      <dgm:t>
+        <a:bodyPr/>
+        <a:lstStyle/>
+        <a:p>
+          <a:endParaRPr lang="en-US"/>
+        </a:p>
+      </dgm:t>
     </dgm:pt>
     <dgm:pt modelId="{42D03371-A196-438F-A26E-CFE731129DB1}" type="pres">
       <dgm:prSet presAssocID="{ACB80BCE-A2ED-449E-A9DC-47DF55D131D8}" presName="sibTransNodeCircle" presStyleLbl="alignNode1" presStyleIdx="0" presStyleCnt="6">
@@ -1154,6 +1169,13 @@
         </dgm:presLayoutVars>
       </dgm:prSet>
       <dgm:spPr/>
+      <dgm:t>
+        <a:bodyPr/>
+        <a:lstStyle/>
+        <a:p>
+          <a:endParaRPr lang="en-US"/>
+        </a:p>
+      </dgm:t>
     </dgm:pt>
     <dgm:pt modelId="{3DD3F65D-F005-41C5-9939-E8C7C7A3EE59}" type="pres">
       <dgm:prSet presAssocID="{EE1BCD30-62CF-4CF2-BD7F-C7A7BD06C63C}" presName="bottomLine" presStyleLbl="alignNode1" presStyleIdx="1" presStyleCnt="6">
@@ -1168,6 +1190,13 @@
         </dgm:presLayoutVars>
       </dgm:prSet>
       <dgm:spPr/>
+      <dgm:t>
+        <a:bodyPr/>
+        <a:lstStyle/>
+        <a:p>
+          <a:endParaRPr lang="en-US"/>
+        </a:p>
+      </dgm:t>
     </dgm:pt>
     <dgm:pt modelId="{8C93EFB9-4252-4B2A-A4FD-B31E0617A81C}" type="pres">
       <dgm:prSet presAssocID="{ACB80BCE-A2ED-449E-A9DC-47DF55D131D8}" presName="sibTrans" presStyleCnt="0"/>
@@ -1184,6 +1213,13 @@
     <dgm:pt modelId="{F64A0F65-A87B-4EA5-BF63-CC3CF24D1892}" type="pres">
       <dgm:prSet presAssocID="{2A8B8297-7E6D-4F86-9F87-40D25140CCA9}" presName="bgRect" presStyleLbl="bgAccFollowNode1" presStyleIdx="1" presStyleCnt="3"/>
       <dgm:spPr/>
+      <dgm:t>
+        <a:bodyPr/>
+        <a:lstStyle/>
+        <a:p>
+          <a:endParaRPr lang="en-US"/>
+        </a:p>
+      </dgm:t>
     </dgm:pt>
     <dgm:pt modelId="{AB61A1ED-BD40-4223-8596-EE7292E68E8D}" type="pres">
       <dgm:prSet presAssocID="{830E8122-5967-4D9E-BFD8-AAA9B0B61254}" presName="sibTransNodeCircle" presStyleLbl="alignNode1" presStyleIdx="2" presStyleCnt="6">
@@ -1193,6 +1229,13 @@
         </dgm:presLayoutVars>
       </dgm:prSet>
       <dgm:spPr/>
+      <dgm:t>
+        <a:bodyPr/>
+        <a:lstStyle/>
+        <a:p>
+          <a:endParaRPr lang="en-US"/>
+        </a:p>
+      </dgm:t>
     </dgm:pt>
     <dgm:pt modelId="{DDF2BB25-8A89-46F0-B778-67001C9041C9}" type="pres">
       <dgm:prSet presAssocID="{2A8B8297-7E6D-4F86-9F87-40D25140CCA9}" presName="bottomLine" presStyleLbl="alignNode1" presStyleIdx="3" presStyleCnt="6">
@@ -1207,6 +1250,13 @@
         </dgm:presLayoutVars>
       </dgm:prSet>
       <dgm:spPr/>
+      <dgm:t>
+        <a:bodyPr/>
+        <a:lstStyle/>
+        <a:p>
+          <a:endParaRPr lang="en-US"/>
+        </a:p>
+      </dgm:t>
     </dgm:pt>
     <dgm:pt modelId="{34EAC8DA-B3D1-4B21-81B8-81100C62490D}" type="pres">
       <dgm:prSet presAssocID="{830E8122-5967-4D9E-BFD8-AAA9B0B61254}" presName="sibTrans" presStyleCnt="0"/>
@@ -1223,6 +1273,13 @@
     <dgm:pt modelId="{B7DC95EA-EB5F-4C62-9BDD-1F0C72971ED4}" type="pres">
       <dgm:prSet presAssocID="{13876AFA-7058-48FC-8184-A90E8A7CD36C}" presName="bgRect" presStyleLbl="bgAccFollowNode1" presStyleIdx="2" presStyleCnt="3"/>
       <dgm:spPr/>
+      <dgm:t>
+        <a:bodyPr/>
+        <a:lstStyle/>
+        <a:p>
+          <a:endParaRPr lang="en-US"/>
+        </a:p>
+      </dgm:t>
     </dgm:pt>
     <dgm:pt modelId="{62707B22-23DD-4DBE-A0A0-AAB9AC9E1382}" type="pres">
       <dgm:prSet presAssocID="{C2368265-1E5D-49BC-98F4-27F05CDDBA57}" presName="sibTransNodeCircle" presStyleLbl="alignNode1" presStyleIdx="4" presStyleCnt="6">
@@ -1232,6 +1289,13 @@
         </dgm:presLayoutVars>
       </dgm:prSet>
       <dgm:spPr/>
+      <dgm:t>
+        <a:bodyPr/>
+        <a:lstStyle/>
+        <a:p>
+          <a:endParaRPr lang="en-US"/>
+        </a:p>
+      </dgm:t>
     </dgm:pt>
     <dgm:pt modelId="{B9A5B84F-8AF3-40C7-B00B-94E124AEAC23}" type="pres">
       <dgm:prSet presAssocID="{13876AFA-7058-48FC-8184-A90E8A7CD36C}" presName="bottomLine" presStyleLbl="alignNode1" presStyleIdx="5" presStyleCnt="6">
@@ -1246,22 +1310,29 @@
         </dgm:presLayoutVars>
       </dgm:prSet>
       <dgm:spPr/>
+      <dgm:t>
+        <a:bodyPr/>
+        <a:lstStyle/>
+        <a:p>
+          <a:endParaRPr lang="en-US"/>
+        </a:p>
+      </dgm:t>
     </dgm:pt>
   </dgm:ptLst>
   <dgm:cxnLst>
+    <dgm:cxn modelId="{A3A2BB31-28E8-4A1A-83BA-81F9201BF5BB}" srcId="{8CFF4F52-43D1-4C51-BF0C-325A9AB71E59}" destId="{EE1BCD30-62CF-4CF2-BD7F-C7A7BD06C63C}" srcOrd="0" destOrd="0" parTransId="{A18B9D12-E9DA-4F38-8D3C-9B88E54BC0E2}" sibTransId="{ACB80BCE-A2ED-449E-A9DC-47DF55D131D8}"/>
+    <dgm:cxn modelId="{4778E95A-C357-48A9-9703-54695FEA961D}" srcId="{8CFF4F52-43D1-4C51-BF0C-325A9AB71E59}" destId="{2A8B8297-7E6D-4F86-9F87-40D25140CCA9}" srcOrd="1" destOrd="0" parTransId="{4608FD4B-FF7A-432E-9481-7B3C80F4F396}" sibTransId="{830E8122-5967-4D9E-BFD8-AAA9B0B61254}"/>
+    <dgm:cxn modelId="{B760DE1E-1F0D-412F-9332-EEF995E2D263}" type="presOf" srcId="{C2368265-1E5D-49BC-98F4-27F05CDDBA57}" destId="{62707B22-23DD-4DBE-A0A0-AAB9AC9E1382}" srcOrd="0" destOrd="0" presId="urn:microsoft.com/office/officeart/2016/7/layout/BasicLinearProcessNumbered"/>
+    <dgm:cxn modelId="{9A0F589C-DB1F-439D-9274-04892B53B0F4}" type="presOf" srcId="{830E8122-5967-4D9E-BFD8-AAA9B0B61254}" destId="{AB61A1ED-BD40-4223-8596-EE7292E68E8D}" srcOrd="0" destOrd="0" presId="urn:microsoft.com/office/officeart/2016/7/layout/BasicLinearProcessNumbered"/>
+    <dgm:cxn modelId="{6FD2C166-A046-4F6F-9966-D7BCB5F433F3}" type="presOf" srcId="{EE1BCD30-62CF-4CF2-BD7F-C7A7BD06C63C}" destId="{70071FF4-E4BE-4600-8C3C-E8D99DD003D0}" srcOrd="0" destOrd="0" presId="urn:microsoft.com/office/officeart/2016/7/layout/BasicLinearProcessNumbered"/>
+    <dgm:cxn modelId="{18AF17F3-6F25-4609-B89F-7058D88B0BCB}" type="presOf" srcId="{13876AFA-7058-48FC-8184-A90E8A7CD36C}" destId="{230CDCA6-21FE-49B1-ADD2-DBDCC0FEB6B3}" srcOrd="1" destOrd="0" presId="urn:microsoft.com/office/officeart/2016/7/layout/BasicLinearProcessNumbered"/>
+    <dgm:cxn modelId="{181F1832-BE00-40F7-B149-15B2371B581B}" type="presOf" srcId="{ACB80BCE-A2ED-449E-A9DC-47DF55D131D8}" destId="{42D03371-A196-438F-A26E-CFE731129DB1}" srcOrd="0" destOrd="0" presId="urn:microsoft.com/office/officeart/2016/7/layout/BasicLinearProcessNumbered"/>
+    <dgm:cxn modelId="{01486A2A-8731-4C68-87DB-8A48DCC357C0}" type="presOf" srcId="{8CFF4F52-43D1-4C51-BF0C-325A9AB71E59}" destId="{41787B49-E0C6-4289-8162-AC2D3A8F4B50}" srcOrd="0" destOrd="0" presId="urn:microsoft.com/office/officeart/2016/7/layout/BasicLinearProcessNumbered"/>
+    <dgm:cxn modelId="{81E31569-9F78-4E1A-A6C7-9D79EACF44FC}" type="presOf" srcId="{13876AFA-7058-48FC-8184-A90E8A7CD36C}" destId="{B7DC95EA-EB5F-4C62-9BDD-1F0C72971ED4}" srcOrd="0" destOrd="0" presId="urn:microsoft.com/office/officeart/2016/7/layout/BasicLinearProcessNumbered"/>
     <dgm:cxn modelId="{5633121E-1A21-425C-9DC6-D5162E259413}" type="presOf" srcId="{2A8B8297-7E6D-4F86-9F87-40D25140CCA9}" destId="{F64A0F65-A87B-4EA5-BF63-CC3CF24D1892}" srcOrd="0" destOrd="0" presId="urn:microsoft.com/office/officeart/2016/7/layout/BasicLinearProcessNumbered"/>
-    <dgm:cxn modelId="{B760DE1E-1F0D-412F-9332-EEF995E2D263}" type="presOf" srcId="{C2368265-1E5D-49BC-98F4-27F05CDDBA57}" destId="{62707B22-23DD-4DBE-A0A0-AAB9AC9E1382}" srcOrd="0" destOrd="0" presId="urn:microsoft.com/office/officeart/2016/7/layout/BasicLinearProcessNumbered"/>
-    <dgm:cxn modelId="{01486A2A-8731-4C68-87DB-8A48DCC357C0}" type="presOf" srcId="{8CFF4F52-43D1-4C51-BF0C-325A9AB71E59}" destId="{41787B49-E0C6-4289-8162-AC2D3A8F4B50}" srcOrd="0" destOrd="0" presId="urn:microsoft.com/office/officeart/2016/7/layout/BasicLinearProcessNumbered"/>
+    <dgm:cxn modelId="{6EC5BEF1-A17B-4D8B-8616-11F9F2829543}" type="presOf" srcId="{EE1BCD30-62CF-4CF2-BD7F-C7A7BD06C63C}" destId="{4ABB5407-EDC5-45C2-AF17-A4858D2BC77B}" srcOrd="1" destOrd="0" presId="urn:microsoft.com/office/officeart/2016/7/layout/BasicLinearProcessNumbered"/>
+    <dgm:cxn modelId="{C8776197-DDBB-4380-BF71-3B32B34BB03E}" type="presOf" srcId="{2A8B8297-7E6D-4F86-9F87-40D25140CCA9}" destId="{BB211782-0D1B-4063-9226-4D318352255B}" srcOrd="1" destOrd="0" presId="urn:microsoft.com/office/officeart/2016/7/layout/BasicLinearProcessNumbered"/>
     <dgm:cxn modelId="{043C6B2B-1151-4D38-8F1C-F471901D7270}" srcId="{8CFF4F52-43D1-4C51-BF0C-325A9AB71E59}" destId="{13876AFA-7058-48FC-8184-A90E8A7CD36C}" srcOrd="2" destOrd="0" parTransId="{11E01D19-0B48-4036-A9AD-6EE4CF842D38}" sibTransId="{C2368265-1E5D-49BC-98F4-27F05CDDBA57}"/>
-    <dgm:cxn modelId="{A3A2BB31-28E8-4A1A-83BA-81F9201BF5BB}" srcId="{8CFF4F52-43D1-4C51-BF0C-325A9AB71E59}" destId="{EE1BCD30-62CF-4CF2-BD7F-C7A7BD06C63C}" srcOrd="0" destOrd="0" parTransId="{A18B9D12-E9DA-4F38-8D3C-9B88E54BC0E2}" sibTransId="{ACB80BCE-A2ED-449E-A9DC-47DF55D131D8}"/>
-    <dgm:cxn modelId="{181F1832-BE00-40F7-B149-15B2371B581B}" type="presOf" srcId="{ACB80BCE-A2ED-449E-A9DC-47DF55D131D8}" destId="{42D03371-A196-438F-A26E-CFE731129DB1}" srcOrd="0" destOrd="0" presId="urn:microsoft.com/office/officeart/2016/7/layout/BasicLinearProcessNumbered"/>
-    <dgm:cxn modelId="{6FD2C166-A046-4F6F-9966-D7BCB5F433F3}" type="presOf" srcId="{EE1BCD30-62CF-4CF2-BD7F-C7A7BD06C63C}" destId="{70071FF4-E4BE-4600-8C3C-E8D99DD003D0}" srcOrd="0" destOrd="0" presId="urn:microsoft.com/office/officeart/2016/7/layout/BasicLinearProcessNumbered"/>
-    <dgm:cxn modelId="{81E31569-9F78-4E1A-A6C7-9D79EACF44FC}" type="presOf" srcId="{13876AFA-7058-48FC-8184-A90E8A7CD36C}" destId="{B7DC95EA-EB5F-4C62-9BDD-1F0C72971ED4}" srcOrd="0" destOrd="0" presId="urn:microsoft.com/office/officeart/2016/7/layout/BasicLinearProcessNumbered"/>
-    <dgm:cxn modelId="{4778E95A-C357-48A9-9703-54695FEA961D}" srcId="{8CFF4F52-43D1-4C51-BF0C-325A9AB71E59}" destId="{2A8B8297-7E6D-4F86-9F87-40D25140CCA9}" srcOrd="1" destOrd="0" parTransId="{4608FD4B-FF7A-432E-9481-7B3C80F4F396}" sibTransId="{830E8122-5967-4D9E-BFD8-AAA9B0B61254}"/>
-    <dgm:cxn modelId="{C8776197-DDBB-4380-BF71-3B32B34BB03E}" type="presOf" srcId="{2A8B8297-7E6D-4F86-9F87-40D25140CCA9}" destId="{BB211782-0D1B-4063-9226-4D318352255B}" srcOrd="1" destOrd="0" presId="urn:microsoft.com/office/officeart/2016/7/layout/BasicLinearProcessNumbered"/>
-    <dgm:cxn modelId="{9A0F589C-DB1F-439D-9274-04892B53B0F4}" type="presOf" srcId="{830E8122-5967-4D9E-BFD8-AAA9B0B61254}" destId="{AB61A1ED-BD40-4223-8596-EE7292E68E8D}" srcOrd="0" destOrd="0" presId="urn:microsoft.com/office/officeart/2016/7/layout/BasicLinearProcessNumbered"/>
-    <dgm:cxn modelId="{6EC5BEF1-A17B-4D8B-8616-11F9F2829543}" type="presOf" srcId="{EE1BCD30-62CF-4CF2-BD7F-C7A7BD06C63C}" destId="{4ABB5407-EDC5-45C2-AF17-A4858D2BC77B}" srcOrd="1" destOrd="0" presId="urn:microsoft.com/office/officeart/2016/7/layout/BasicLinearProcessNumbered"/>
-    <dgm:cxn modelId="{18AF17F3-6F25-4609-B89F-7058D88B0BCB}" type="presOf" srcId="{13876AFA-7058-48FC-8184-A90E8A7CD36C}" destId="{230CDCA6-21FE-49B1-ADD2-DBDCC0FEB6B3}" srcOrd="1" destOrd="0" presId="urn:microsoft.com/office/officeart/2016/7/layout/BasicLinearProcessNumbered"/>
     <dgm:cxn modelId="{DC7B0455-5840-453F-8A0C-497527AD0140}" type="presParOf" srcId="{41787B49-E0C6-4289-8162-AC2D3A8F4B50}" destId="{09A57D60-8F37-4BB6-9FEC-A00BB874C2CE}" srcOrd="0" destOrd="0" presId="urn:microsoft.com/office/officeart/2016/7/layout/BasicLinearProcessNumbered"/>
     <dgm:cxn modelId="{2E111D49-C144-4AA0-9F47-D3DDBA572F49}" type="presParOf" srcId="{09A57D60-8F37-4BB6-9FEC-A00BB874C2CE}" destId="{70071FF4-E4BE-4600-8C3C-E8D99DD003D0}" srcOrd="0" destOrd="0" presId="urn:microsoft.com/office/officeart/2016/7/layout/BasicLinearProcessNumbered"/>
     <dgm:cxn modelId="{4818F058-DB94-4FBD-8C3C-27EB93E124BD}" type="presParOf" srcId="{09A57D60-8F37-4BB6-9FEC-A00BB874C2CE}" destId="{42D03371-A196-438F-A26E-CFE731129DB1}" srcOrd="1" destOrd="0" presId="urn:microsoft.com/office/officeart/2016/7/layout/BasicLinearProcessNumbered"/>
@@ -1353,7 +1424,7 @@
         </a:bodyPr>
         <a:lstStyle/>
         <a:p>
-          <a:pPr marL="0" lvl="0" indent="0" algn="l" defTabSz="1155700">
+          <a:pPr lvl="0" algn="l" defTabSz="1155700">
             <a:lnSpc>
               <a:spcPct val="90000"/>
             </a:lnSpc>
@@ -1363,7 +1434,6 @@
             <a:spcAft>
               <a:spcPct val="35000"/>
             </a:spcAft>
-            <a:buNone/>
           </a:pPr>
           <a:r>
             <a:rPr lang="en-US" sz="2600" kern="1200"/>
@@ -1465,7 +1535,7 @@
         </a:bodyPr>
         <a:lstStyle/>
         <a:p>
-          <a:pPr marL="0" lvl="0" indent="0" algn="ctr" defTabSz="2133600">
+          <a:pPr lvl="0" algn="ctr" defTabSz="2133600">
             <a:lnSpc>
               <a:spcPct val="90000"/>
             </a:lnSpc>
@@ -1475,7 +1545,6 @@
             <a:spcAft>
               <a:spcPct val="35000"/>
             </a:spcAft>
-            <a:buNone/>
           </a:pPr>
           <a:r>
             <a:rPr lang="en-US" sz="4800" kern="1200"/>
@@ -1627,7 +1696,7 @@
         </a:bodyPr>
         <a:lstStyle/>
         <a:p>
-          <a:pPr marL="0" lvl="0" indent="0" algn="l" defTabSz="1155700">
+          <a:pPr lvl="0" algn="l" defTabSz="1155700">
             <a:lnSpc>
               <a:spcPct val="90000"/>
             </a:lnSpc>
@@ -1637,7 +1706,6 @@
             <a:spcAft>
               <a:spcPct val="35000"/>
             </a:spcAft>
-            <a:buNone/>
           </a:pPr>
           <a:r>
             <a:rPr lang="en-US" sz="2600" kern="1200"/>
@@ -1739,7 +1807,7 @@
         </a:bodyPr>
         <a:lstStyle/>
         <a:p>
-          <a:pPr marL="0" lvl="0" indent="0" algn="ctr" defTabSz="2133600">
+          <a:pPr lvl="0" algn="ctr" defTabSz="2133600">
             <a:lnSpc>
               <a:spcPct val="90000"/>
             </a:lnSpc>
@@ -1749,7 +1817,6 @@
             <a:spcAft>
               <a:spcPct val="35000"/>
             </a:spcAft>
-            <a:buNone/>
           </a:pPr>
           <a:r>
             <a:rPr lang="en-US" sz="4800" kern="1200"/>
@@ -1901,7 +1968,7 @@
         </a:bodyPr>
         <a:lstStyle/>
         <a:p>
-          <a:pPr marL="0" lvl="0" indent="0" algn="l" defTabSz="1155700">
+          <a:pPr lvl="0" algn="l" defTabSz="1155700">
             <a:lnSpc>
               <a:spcPct val="90000"/>
             </a:lnSpc>
@@ -1911,7 +1978,6 @@
             <a:spcAft>
               <a:spcPct val="35000"/>
             </a:spcAft>
-            <a:buNone/>
           </a:pPr>
           <a:r>
             <a:rPr lang="en-US" sz="2600" kern="1200"/>
@@ -2013,7 +2079,7 @@
         </a:bodyPr>
         <a:lstStyle/>
         <a:p>
-          <a:pPr marL="0" lvl="0" indent="0" algn="ctr" defTabSz="2133600">
+          <a:pPr lvl="0" algn="ctr" defTabSz="2133600">
             <a:lnSpc>
               <a:spcPct val="90000"/>
             </a:lnSpc>
@@ -2023,7 +2089,6 @@
             <a:spcAft>
               <a:spcPct val="35000"/>
             </a:spcAft>
-            <a:buNone/>
           </a:pPr>
           <a:r>
             <a:rPr lang="en-US" sz="4800" kern="1200"/>
@@ -2389,7 +2454,7 @@
   </dgm:layoutNode>
   <dgm:extLst>
     <a:ext uri="{4F341089-5ED1-44EC-B178-C955D00A3D55}">
-      <dgm1611:autoBuNodeInfoLst xmlns:dgm1611="http://schemas.microsoft.com/office/drawing/2016/11/diagram">
+      <dgm1611:autoBuNodeInfoLst xmlns:dgm1611="http://schemas.microsoft.com/office/drawing/2016/11/diagram" xmlns="">
         <dgm1611:autoBuNodeInfo lvl="1" ptType="sibTrans">
           <dgm1611:buPr prefix="" leadZeros="0">
             <a:buAutoNum type="arabicParenBoth"/>
@@ -3483,7 +3548,7 @@
           <p:cNvPr id="2" name="Title 1">
             <a:extLst>
               <a:ext uri="{FF2B5EF4-FFF2-40B4-BE49-F238E27FC236}">
-                <a16:creationId xmlns:a16="http://schemas.microsoft.com/office/drawing/2014/main" id="{0E5A6455-32E9-48CB-A534-776C9E5C8D21}"/>
+                <a16:creationId xmlns:a16="http://schemas.microsoft.com/office/drawing/2014/main" xmlns="" id="{0E5A6455-32E9-48CB-A534-776C9E5C8D21}"/>
               </a:ext>
             </a:extLst>
           </p:cNvPr>
@@ -3520,7 +3585,7 @@
           <p:cNvPr id="3" name="Subtitle 2">
             <a:extLst>
               <a:ext uri="{FF2B5EF4-FFF2-40B4-BE49-F238E27FC236}">
-                <a16:creationId xmlns:a16="http://schemas.microsoft.com/office/drawing/2014/main" id="{E62A3EF1-C23F-4C08-A992-B6002C4D9239}"/>
+                <a16:creationId xmlns:a16="http://schemas.microsoft.com/office/drawing/2014/main" xmlns="" id="{E62A3EF1-C23F-4C08-A992-B6002C4D9239}"/>
               </a:ext>
             </a:extLst>
           </p:cNvPr>
@@ -3590,7 +3655,7 @@
           <p:cNvPr id="4" name="Date Placeholder 3">
             <a:extLst>
               <a:ext uri="{FF2B5EF4-FFF2-40B4-BE49-F238E27FC236}">
-                <a16:creationId xmlns:a16="http://schemas.microsoft.com/office/drawing/2014/main" id="{CF0C167C-1410-432A-9771-C9D5FA8E19C5}"/>
+                <a16:creationId xmlns:a16="http://schemas.microsoft.com/office/drawing/2014/main" xmlns="" id="{CF0C167C-1410-432A-9771-C9D5FA8E19C5}"/>
               </a:ext>
             </a:extLst>
           </p:cNvPr>
@@ -3608,7 +3673,7 @@
           <a:p>
             <a:fld id="{5DB46AF1-0ADA-4725-BD35-6C6336299D24}" type="datetimeFigureOut">
               <a:rPr lang="en-US" smtClean="0"/>
-              <a:t>12/4/2017</a:t>
+              <a:t>12/6/2017</a:t>
             </a:fld>
             <a:endParaRPr lang="en-US"/>
           </a:p>
@@ -3619,7 +3684,7 @@
           <p:cNvPr id="5" name="Footer Placeholder 4">
             <a:extLst>
               <a:ext uri="{FF2B5EF4-FFF2-40B4-BE49-F238E27FC236}">
-                <a16:creationId xmlns:a16="http://schemas.microsoft.com/office/drawing/2014/main" id="{EC237680-69F1-47C1-B1CC-BD6828C3E5EC}"/>
+                <a16:creationId xmlns:a16="http://schemas.microsoft.com/office/drawing/2014/main" xmlns="" id="{EC237680-69F1-47C1-B1CC-BD6828C3E5EC}"/>
               </a:ext>
             </a:extLst>
           </p:cNvPr>
@@ -3644,7 +3709,7 @@
           <p:cNvPr id="6" name="Slide Number Placeholder 5">
             <a:extLst>
               <a:ext uri="{FF2B5EF4-FFF2-40B4-BE49-F238E27FC236}">
-                <a16:creationId xmlns:a16="http://schemas.microsoft.com/office/drawing/2014/main" id="{18E5D654-0409-49E6-81EF-B75630B6FE03}"/>
+                <a16:creationId xmlns:a16="http://schemas.microsoft.com/office/drawing/2014/main" xmlns="" id="{18E5D654-0409-49E6-81EF-B75630B6FE03}"/>
               </a:ext>
             </a:extLst>
           </p:cNvPr>
@@ -3703,7 +3768,7 @@
           <p:cNvPr id="2" name="Title 1">
             <a:extLst>
               <a:ext uri="{FF2B5EF4-FFF2-40B4-BE49-F238E27FC236}">
-                <a16:creationId xmlns:a16="http://schemas.microsoft.com/office/drawing/2014/main" id="{9F9E12A1-F5D1-4085-9953-7B9108B62AA9}"/>
+                <a16:creationId xmlns:a16="http://schemas.microsoft.com/office/drawing/2014/main" xmlns="" id="{9F9E12A1-F5D1-4085-9953-7B9108B62AA9}"/>
               </a:ext>
             </a:extLst>
           </p:cNvPr>
@@ -3731,7 +3796,7 @@
           <p:cNvPr id="3" name="Vertical Text Placeholder 2">
             <a:extLst>
               <a:ext uri="{FF2B5EF4-FFF2-40B4-BE49-F238E27FC236}">
-                <a16:creationId xmlns:a16="http://schemas.microsoft.com/office/drawing/2014/main" id="{E421269A-EA53-4304-B4C4-B6DDFFB6591E}"/>
+                <a16:creationId xmlns:a16="http://schemas.microsoft.com/office/drawing/2014/main" xmlns="" id="{E421269A-EA53-4304-B4C4-B6DDFFB6591E}"/>
               </a:ext>
             </a:extLst>
           </p:cNvPr>
@@ -3788,7 +3853,7 @@
           <p:cNvPr id="4" name="Date Placeholder 3">
             <a:extLst>
               <a:ext uri="{FF2B5EF4-FFF2-40B4-BE49-F238E27FC236}">
-                <a16:creationId xmlns:a16="http://schemas.microsoft.com/office/drawing/2014/main" id="{1A5F55DC-D8A3-4A35-9B09-A8A8BF9FA895}"/>
+                <a16:creationId xmlns:a16="http://schemas.microsoft.com/office/drawing/2014/main" xmlns="" id="{1A5F55DC-D8A3-4A35-9B09-A8A8BF9FA895}"/>
               </a:ext>
             </a:extLst>
           </p:cNvPr>
@@ -3806,7 +3871,7 @@
           <a:p>
             <a:fld id="{5DB46AF1-0ADA-4725-BD35-6C6336299D24}" type="datetimeFigureOut">
               <a:rPr lang="en-US" smtClean="0"/>
-              <a:t>12/4/2017</a:t>
+              <a:t>12/6/2017</a:t>
             </a:fld>
             <a:endParaRPr lang="en-US"/>
           </a:p>
@@ -3817,7 +3882,7 @@
           <p:cNvPr id="5" name="Footer Placeholder 4">
             <a:extLst>
               <a:ext uri="{FF2B5EF4-FFF2-40B4-BE49-F238E27FC236}">
-                <a16:creationId xmlns:a16="http://schemas.microsoft.com/office/drawing/2014/main" id="{9A1BCE93-F269-4BB3-990D-75247E786AB3}"/>
+                <a16:creationId xmlns:a16="http://schemas.microsoft.com/office/drawing/2014/main" xmlns="" id="{9A1BCE93-F269-4BB3-990D-75247E786AB3}"/>
               </a:ext>
             </a:extLst>
           </p:cNvPr>
@@ -3842,7 +3907,7 @@
           <p:cNvPr id="6" name="Slide Number Placeholder 5">
             <a:extLst>
               <a:ext uri="{FF2B5EF4-FFF2-40B4-BE49-F238E27FC236}">
-                <a16:creationId xmlns:a16="http://schemas.microsoft.com/office/drawing/2014/main" id="{3E578BC2-FACE-46D1-954B-C381FCFE8C4A}"/>
+                <a16:creationId xmlns:a16="http://schemas.microsoft.com/office/drawing/2014/main" xmlns="" id="{3E578BC2-FACE-46D1-954B-C381FCFE8C4A}"/>
               </a:ext>
             </a:extLst>
           </p:cNvPr>
@@ -3901,7 +3966,7 @@
           <p:cNvPr id="2" name="Vertical Title 1">
             <a:extLst>
               <a:ext uri="{FF2B5EF4-FFF2-40B4-BE49-F238E27FC236}">
-                <a16:creationId xmlns:a16="http://schemas.microsoft.com/office/drawing/2014/main" id="{9A4C93D0-9E4F-4190-8F61-709704D79845}"/>
+                <a16:creationId xmlns:a16="http://schemas.microsoft.com/office/drawing/2014/main" xmlns="" id="{9A4C93D0-9E4F-4190-8F61-709704D79845}"/>
               </a:ext>
             </a:extLst>
           </p:cNvPr>
@@ -3934,7 +3999,7 @@
           <p:cNvPr id="3" name="Vertical Text Placeholder 2">
             <a:extLst>
               <a:ext uri="{FF2B5EF4-FFF2-40B4-BE49-F238E27FC236}">
-                <a16:creationId xmlns:a16="http://schemas.microsoft.com/office/drawing/2014/main" id="{981A7DA3-F2D8-4398-B0B9-6978FAF584E3}"/>
+                <a16:creationId xmlns:a16="http://schemas.microsoft.com/office/drawing/2014/main" xmlns="" id="{981A7DA3-F2D8-4398-B0B9-6978FAF584E3}"/>
               </a:ext>
             </a:extLst>
           </p:cNvPr>
@@ -3996,7 +4061,7 @@
           <p:cNvPr id="4" name="Date Placeholder 3">
             <a:extLst>
               <a:ext uri="{FF2B5EF4-FFF2-40B4-BE49-F238E27FC236}">
-                <a16:creationId xmlns:a16="http://schemas.microsoft.com/office/drawing/2014/main" id="{E854112A-A1B9-4DEE-8FA2-0A8D267675E5}"/>
+                <a16:creationId xmlns:a16="http://schemas.microsoft.com/office/drawing/2014/main" xmlns="" id="{E854112A-A1B9-4DEE-8FA2-0A8D267675E5}"/>
               </a:ext>
             </a:extLst>
           </p:cNvPr>
@@ -4014,7 +4079,7 @@
           <a:p>
             <a:fld id="{5DB46AF1-0ADA-4725-BD35-6C6336299D24}" type="datetimeFigureOut">
               <a:rPr lang="en-US" smtClean="0"/>
-              <a:t>12/4/2017</a:t>
+              <a:t>12/6/2017</a:t>
             </a:fld>
             <a:endParaRPr lang="en-US"/>
           </a:p>
@@ -4025,7 +4090,7 @@
           <p:cNvPr id="5" name="Footer Placeholder 4">
             <a:extLst>
               <a:ext uri="{FF2B5EF4-FFF2-40B4-BE49-F238E27FC236}">
-                <a16:creationId xmlns:a16="http://schemas.microsoft.com/office/drawing/2014/main" id="{D5CA260A-1EBB-434C-8073-EE77572DC29D}"/>
+                <a16:creationId xmlns:a16="http://schemas.microsoft.com/office/drawing/2014/main" xmlns="" id="{D5CA260A-1EBB-434C-8073-EE77572DC29D}"/>
               </a:ext>
             </a:extLst>
           </p:cNvPr>
@@ -4050,7 +4115,7 @@
           <p:cNvPr id="6" name="Slide Number Placeholder 5">
             <a:extLst>
               <a:ext uri="{FF2B5EF4-FFF2-40B4-BE49-F238E27FC236}">
-                <a16:creationId xmlns:a16="http://schemas.microsoft.com/office/drawing/2014/main" id="{C5F93D12-5642-442A-B723-744733780C9F}"/>
+                <a16:creationId xmlns:a16="http://schemas.microsoft.com/office/drawing/2014/main" xmlns="" id="{C5F93D12-5642-442A-B723-744733780C9F}"/>
               </a:ext>
             </a:extLst>
           </p:cNvPr>
@@ -4109,7 +4174,7 @@
           <p:cNvPr id="2" name="Title 1">
             <a:extLst>
               <a:ext uri="{FF2B5EF4-FFF2-40B4-BE49-F238E27FC236}">
-                <a16:creationId xmlns:a16="http://schemas.microsoft.com/office/drawing/2014/main" id="{046A50AB-EF2B-471D-AD6A-364DB65FF782}"/>
+                <a16:creationId xmlns:a16="http://schemas.microsoft.com/office/drawing/2014/main" xmlns="" id="{046A50AB-EF2B-471D-AD6A-364DB65FF782}"/>
               </a:ext>
             </a:extLst>
           </p:cNvPr>
@@ -4137,7 +4202,7 @@
           <p:cNvPr id="3" name="Content Placeholder 2">
             <a:extLst>
               <a:ext uri="{FF2B5EF4-FFF2-40B4-BE49-F238E27FC236}">
-                <a16:creationId xmlns:a16="http://schemas.microsoft.com/office/drawing/2014/main" id="{6ACC7FA0-5153-490A-92C2-4094B5A9E631}"/>
+                <a16:creationId xmlns:a16="http://schemas.microsoft.com/office/drawing/2014/main" xmlns="" id="{6ACC7FA0-5153-490A-92C2-4094B5A9E631}"/>
               </a:ext>
             </a:extLst>
           </p:cNvPr>
@@ -4194,7 +4259,7 @@
           <p:cNvPr id="4" name="Date Placeholder 3">
             <a:extLst>
               <a:ext uri="{FF2B5EF4-FFF2-40B4-BE49-F238E27FC236}">
-                <a16:creationId xmlns:a16="http://schemas.microsoft.com/office/drawing/2014/main" id="{5EEC1F64-ACC1-4E5F-B9B7-5A61089A6015}"/>
+                <a16:creationId xmlns:a16="http://schemas.microsoft.com/office/drawing/2014/main" xmlns="" id="{5EEC1F64-ACC1-4E5F-B9B7-5A61089A6015}"/>
               </a:ext>
             </a:extLst>
           </p:cNvPr>
@@ -4212,7 +4277,7 @@
           <a:p>
             <a:fld id="{5DB46AF1-0ADA-4725-BD35-6C6336299D24}" type="datetimeFigureOut">
               <a:rPr lang="en-US" smtClean="0"/>
-              <a:t>12/4/2017</a:t>
+              <a:t>12/6/2017</a:t>
             </a:fld>
             <a:endParaRPr lang="en-US"/>
           </a:p>
@@ -4223,7 +4288,7 @@
           <p:cNvPr id="5" name="Footer Placeholder 4">
             <a:extLst>
               <a:ext uri="{FF2B5EF4-FFF2-40B4-BE49-F238E27FC236}">
-                <a16:creationId xmlns:a16="http://schemas.microsoft.com/office/drawing/2014/main" id="{9B0CEAC4-6AC8-475E-9EF4-E43BFBC4411A}"/>
+                <a16:creationId xmlns:a16="http://schemas.microsoft.com/office/drawing/2014/main" xmlns="" id="{9B0CEAC4-6AC8-475E-9EF4-E43BFBC4411A}"/>
               </a:ext>
             </a:extLst>
           </p:cNvPr>
@@ -4248,7 +4313,7 @@
           <p:cNvPr id="6" name="Slide Number Placeholder 5">
             <a:extLst>
               <a:ext uri="{FF2B5EF4-FFF2-40B4-BE49-F238E27FC236}">
-                <a16:creationId xmlns:a16="http://schemas.microsoft.com/office/drawing/2014/main" id="{E0C92C27-15AE-4678-A65B-48B8EFF5D612}"/>
+                <a16:creationId xmlns:a16="http://schemas.microsoft.com/office/drawing/2014/main" xmlns="" id="{E0C92C27-15AE-4678-A65B-48B8EFF5D612}"/>
               </a:ext>
             </a:extLst>
           </p:cNvPr>
@@ -4307,7 +4372,7 @@
           <p:cNvPr id="2" name="Title 1">
             <a:extLst>
               <a:ext uri="{FF2B5EF4-FFF2-40B4-BE49-F238E27FC236}">
-                <a16:creationId xmlns:a16="http://schemas.microsoft.com/office/drawing/2014/main" id="{2055914B-E2E1-4313-A432-656D8A89F5D8}"/>
+                <a16:creationId xmlns:a16="http://schemas.microsoft.com/office/drawing/2014/main" xmlns="" id="{2055914B-E2E1-4313-A432-656D8A89F5D8}"/>
               </a:ext>
             </a:extLst>
           </p:cNvPr>
@@ -4344,7 +4409,7 @@
           <p:cNvPr id="3" name="Text Placeholder 2">
             <a:extLst>
               <a:ext uri="{FF2B5EF4-FFF2-40B4-BE49-F238E27FC236}">
-                <a16:creationId xmlns:a16="http://schemas.microsoft.com/office/drawing/2014/main" id="{C9F4B0FB-08A3-41CA-B0FA-372183FF96DF}"/>
+                <a16:creationId xmlns:a16="http://schemas.microsoft.com/office/drawing/2014/main" xmlns="" id="{C9F4B0FB-08A3-41CA-B0FA-372183FF96DF}"/>
               </a:ext>
             </a:extLst>
           </p:cNvPr>
@@ -4469,7 +4534,7 @@
           <p:cNvPr id="4" name="Date Placeholder 3">
             <a:extLst>
               <a:ext uri="{FF2B5EF4-FFF2-40B4-BE49-F238E27FC236}">
-                <a16:creationId xmlns:a16="http://schemas.microsoft.com/office/drawing/2014/main" id="{213FBAA4-74A7-4ADE-9427-E34C107B5558}"/>
+                <a16:creationId xmlns:a16="http://schemas.microsoft.com/office/drawing/2014/main" xmlns="" id="{213FBAA4-74A7-4ADE-9427-E34C107B5558}"/>
               </a:ext>
             </a:extLst>
           </p:cNvPr>
@@ -4487,7 +4552,7 @@
           <a:p>
             <a:fld id="{5DB46AF1-0ADA-4725-BD35-6C6336299D24}" type="datetimeFigureOut">
               <a:rPr lang="en-US" smtClean="0"/>
-              <a:t>12/4/2017</a:t>
+              <a:t>12/6/2017</a:t>
             </a:fld>
             <a:endParaRPr lang="en-US"/>
           </a:p>
@@ -4498,7 +4563,7 @@
           <p:cNvPr id="5" name="Footer Placeholder 4">
             <a:extLst>
               <a:ext uri="{FF2B5EF4-FFF2-40B4-BE49-F238E27FC236}">
-                <a16:creationId xmlns:a16="http://schemas.microsoft.com/office/drawing/2014/main" id="{E512A1D9-3203-4E22-98FA-F0A70607C4C2}"/>
+                <a16:creationId xmlns:a16="http://schemas.microsoft.com/office/drawing/2014/main" xmlns="" id="{E512A1D9-3203-4E22-98FA-F0A70607C4C2}"/>
               </a:ext>
             </a:extLst>
           </p:cNvPr>
@@ -4523,7 +4588,7 @@
           <p:cNvPr id="6" name="Slide Number Placeholder 5">
             <a:extLst>
               <a:ext uri="{FF2B5EF4-FFF2-40B4-BE49-F238E27FC236}">
-                <a16:creationId xmlns:a16="http://schemas.microsoft.com/office/drawing/2014/main" id="{880F944A-5161-42A1-AB8E-50F581B01CAE}"/>
+                <a16:creationId xmlns:a16="http://schemas.microsoft.com/office/drawing/2014/main" xmlns="" id="{880F944A-5161-42A1-AB8E-50F581B01CAE}"/>
               </a:ext>
             </a:extLst>
           </p:cNvPr>
@@ -4582,7 +4647,7 @@
           <p:cNvPr id="2" name="Title 1">
             <a:extLst>
               <a:ext uri="{FF2B5EF4-FFF2-40B4-BE49-F238E27FC236}">
-                <a16:creationId xmlns:a16="http://schemas.microsoft.com/office/drawing/2014/main" id="{661DBEC9-BAEF-435E-B2BA-10FF298B6F46}"/>
+                <a16:creationId xmlns:a16="http://schemas.microsoft.com/office/drawing/2014/main" xmlns="" id="{661DBEC9-BAEF-435E-B2BA-10FF298B6F46}"/>
               </a:ext>
             </a:extLst>
           </p:cNvPr>
@@ -4610,7 +4675,7 @@
           <p:cNvPr id="3" name="Content Placeholder 2">
             <a:extLst>
               <a:ext uri="{FF2B5EF4-FFF2-40B4-BE49-F238E27FC236}">
-                <a16:creationId xmlns:a16="http://schemas.microsoft.com/office/drawing/2014/main" id="{FD585331-8A9F-40FD-B2AD-4A1479FF1D75}"/>
+                <a16:creationId xmlns:a16="http://schemas.microsoft.com/office/drawing/2014/main" xmlns="" id="{FD585331-8A9F-40FD-B2AD-4A1479FF1D75}"/>
               </a:ext>
             </a:extLst>
           </p:cNvPr>
@@ -4672,7 +4737,7 @@
           <p:cNvPr id="4" name="Content Placeholder 3">
             <a:extLst>
               <a:ext uri="{FF2B5EF4-FFF2-40B4-BE49-F238E27FC236}">
-                <a16:creationId xmlns:a16="http://schemas.microsoft.com/office/drawing/2014/main" id="{B68BE426-C4CC-41C8-A06C-9B0D0AA841F9}"/>
+                <a16:creationId xmlns:a16="http://schemas.microsoft.com/office/drawing/2014/main" xmlns="" id="{B68BE426-C4CC-41C8-A06C-9B0D0AA841F9}"/>
               </a:ext>
             </a:extLst>
           </p:cNvPr>
@@ -4734,7 +4799,7 @@
           <p:cNvPr id="5" name="Date Placeholder 4">
             <a:extLst>
               <a:ext uri="{FF2B5EF4-FFF2-40B4-BE49-F238E27FC236}">
-                <a16:creationId xmlns:a16="http://schemas.microsoft.com/office/drawing/2014/main" id="{1F1AEA7F-24BD-400F-B00D-CCBADBC3ADD2}"/>
+                <a16:creationId xmlns:a16="http://schemas.microsoft.com/office/drawing/2014/main" xmlns="" id="{1F1AEA7F-24BD-400F-B00D-CCBADBC3ADD2}"/>
               </a:ext>
             </a:extLst>
           </p:cNvPr>
@@ -4752,7 +4817,7 @@
           <a:p>
             <a:fld id="{5DB46AF1-0ADA-4725-BD35-6C6336299D24}" type="datetimeFigureOut">
               <a:rPr lang="en-US" smtClean="0"/>
-              <a:t>12/4/2017</a:t>
+              <a:t>12/6/2017</a:t>
             </a:fld>
             <a:endParaRPr lang="en-US"/>
           </a:p>
@@ -4763,7 +4828,7 @@
           <p:cNvPr id="6" name="Footer Placeholder 5">
             <a:extLst>
               <a:ext uri="{FF2B5EF4-FFF2-40B4-BE49-F238E27FC236}">
-                <a16:creationId xmlns:a16="http://schemas.microsoft.com/office/drawing/2014/main" id="{1B5BB7DA-FEF6-4640-89F8-4C50D19C938B}"/>
+                <a16:creationId xmlns:a16="http://schemas.microsoft.com/office/drawing/2014/main" xmlns="" id="{1B5BB7DA-FEF6-4640-89F8-4C50D19C938B}"/>
               </a:ext>
             </a:extLst>
           </p:cNvPr>
@@ -4788,7 +4853,7 @@
           <p:cNvPr id="7" name="Slide Number Placeholder 6">
             <a:extLst>
               <a:ext uri="{FF2B5EF4-FFF2-40B4-BE49-F238E27FC236}">
-                <a16:creationId xmlns:a16="http://schemas.microsoft.com/office/drawing/2014/main" id="{1A5611D3-F8DE-4636-87D3-10685C3436C1}"/>
+                <a16:creationId xmlns:a16="http://schemas.microsoft.com/office/drawing/2014/main" xmlns="" id="{1A5611D3-F8DE-4636-87D3-10685C3436C1}"/>
               </a:ext>
             </a:extLst>
           </p:cNvPr>
@@ -4847,7 +4912,7 @@
           <p:cNvPr id="2" name="Title 1">
             <a:extLst>
               <a:ext uri="{FF2B5EF4-FFF2-40B4-BE49-F238E27FC236}">
-                <a16:creationId xmlns:a16="http://schemas.microsoft.com/office/drawing/2014/main" id="{317856E7-8804-4E0F-9BB0-D205195CB8FF}"/>
+                <a16:creationId xmlns:a16="http://schemas.microsoft.com/office/drawing/2014/main" xmlns="" id="{317856E7-8804-4E0F-9BB0-D205195CB8FF}"/>
               </a:ext>
             </a:extLst>
           </p:cNvPr>
@@ -4880,7 +4945,7 @@
           <p:cNvPr id="3" name="Text Placeholder 2">
             <a:extLst>
               <a:ext uri="{FF2B5EF4-FFF2-40B4-BE49-F238E27FC236}">
-                <a16:creationId xmlns:a16="http://schemas.microsoft.com/office/drawing/2014/main" id="{04E74B24-058D-450E-8E25-EEA7B2BFFCDE}"/>
+                <a16:creationId xmlns:a16="http://schemas.microsoft.com/office/drawing/2014/main" xmlns="" id="{04E74B24-058D-450E-8E25-EEA7B2BFFCDE}"/>
               </a:ext>
             </a:extLst>
           </p:cNvPr>
@@ -4951,7 +5016,7 @@
           <p:cNvPr id="4" name="Content Placeholder 3">
             <a:extLst>
               <a:ext uri="{FF2B5EF4-FFF2-40B4-BE49-F238E27FC236}">
-                <a16:creationId xmlns:a16="http://schemas.microsoft.com/office/drawing/2014/main" id="{1F443475-97F0-493B-94D4-BA1988739C8C}"/>
+                <a16:creationId xmlns:a16="http://schemas.microsoft.com/office/drawing/2014/main" xmlns="" id="{1F443475-97F0-493B-94D4-BA1988739C8C}"/>
               </a:ext>
             </a:extLst>
           </p:cNvPr>
@@ -5013,7 +5078,7 @@
           <p:cNvPr id="5" name="Text Placeholder 4">
             <a:extLst>
               <a:ext uri="{FF2B5EF4-FFF2-40B4-BE49-F238E27FC236}">
-                <a16:creationId xmlns:a16="http://schemas.microsoft.com/office/drawing/2014/main" id="{9123D4BC-8BB8-48D2-B641-2F92CD2C623A}"/>
+                <a16:creationId xmlns:a16="http://schemas.microsoft.com/office/drawing/2014/main" xmlns="" id="{9123D4BC-8BB8-48D2-B641-2F92CD2C623A}"/>
               </a:ext>
             </a:extLst>
           </p:cNvPr>
@@ -5084,7 +5149,7 @@
           <p:cNvPr id="6" name="Content Placeholder 5">
             <a:extLst>
               <a:ext uri="{FF2B5EF4-FFF2-40B4-BE49-F238E27FC236}">
-                <a16:creationId xmlns:a16="http://schemas.microsoft.com/office/drawing/2014/main" id="{E7F8F97D-4E32-4A85-872E-51681EA29BCE}"/>
+                <a16:creationId xmlns:a16="http://schemas.microsoft.com/office/drawing/2014/main" xmlns="" id="{E7F8F97D-4E32-4A85-872E-51681EA29BCE}"/>
               </a:ext>
             </a:extLst>
           </p:cNvPr>
@@ -5146,7 +5211,7 @@
           <p:cNvPr id="7" name="Date Placeholder 6">
             <a:extLst>
               <a:ext uri="{FF2B5EF4-FFF2-40B4-BE49-F238E27FC236}">
-                <a16:creationId xmlns:a16="http://schemas.microsoft.com/office/drawing/2014/main" id="{D5F3C5FC-06B1-41C1-8758-1A5D884122DF}"/>
+                <a16:creationId xmlns:a16="http://schemas.microsoft.com/office/drawing/2014/main" xmlns="" id="{D5F3C5FC-06B1-41C1-8758-1A5D884122DF}"/>
               </a:ext>
             </a:extLst>
           </p:cNvPr>
@@ -5164,7 +5229,7 @@
           <a:p>
             <a:fld id="{5DB46AF1-0ADA-4725-BD35-6C6336299D24}" type="datetimeFigureOut">
               <a:rPr lang="en-US" smtClean="0"/>
-              <a:t>12/4/2017</a:t>
+              <a:t>12/6/2017</a:t>
             </a:fld>
             <a:endParaRPr lang="en-US"/>
           </a:p>
@@ -5175,7 +5240,7 @@
           <p:cNvPr id="8" name="Footer Placeholder 7">
             <a:extLst>
               <a:ext uri="{FF2B5EF4-FFF2-40B4-BE49-F238E27FC236}">
-                <a16:creationId xmlns:a16="http://schemas.microsoft.com/office/drawing/2014/main" id="{EF0BE801-0DB8-423F-8791-0FFAFD3CD3D1}"/>
+                <a16:creationId xmlns:a16="http://schemas.microsoft.com/office/drawing/2014/main" xmlns="" id="{EF0BE801-0DB8-423F-8791-0FFAFD3CD3D1}"/>
               </a:ext>
             </a:extLst>
           </p:cNvPr>
@@ -5200,7 +5265,7 @@
           <p:cNvPr id="9" name="Slide Number Placeholder 8">
             <a:extLst>
               <a:ext uri="{FF2B5EF4-FFF2-40B4-BE49-F238E27FC236}">
-                <a16:creationId xmlns:a16="http://schemas.microsoft.com/office/drawing/2014/main" id="{E0E7725F-81F0-4D36-8AD5-2CA41A44487B}"/>
+                <a16:creationId xmlns:a16="http://schemas.microsoft.com/office/drawing/2014/main" xmlns="" id="{E0E7725F-81F0-4D36-8AD5-2CA41A44487B}"/>
               </a:ext>
             </a:extLst>
           </p:cNvPr>
@@ -5259,7 +5324,7 @@
           <p:cNvPr id="2" name="Title 1">
             <a:extLst>
               <a:ext uri="{FF2B5EF4-FFF2-40B4-BE49-F238E27FC236}">
-                <a16:creationId xmlns:a16="http://schemas.microsoft.com/office/drawing/2014/main" id="{2EEAAE47-4FCC-4994-B0FC-246BEA6029E9}"/>
+                <a16:creationId xmlns:a16="http://schemas.microsoft.com/office/drawing/2014/main" xmlns="" id="{2EEAAE47-4FCC-4994-B0FC-246BEA6029E9}"/>
               </a:ext>
             </a:extLst>
           </p:cNvPr>
@@ -5287,7 +5352,7 @@
           <p:cNvPr id="3" name="Date Placeholder 2">
             <a:extLst>
               <a:ext uri="{FF2B5EF4-FFF2-40B4-BE49-F238E27FC236}">
-                <a16:creationId xmlns:a16="http://schemas.microsoft.com/office/drawing/2014/main" id="{D5D029C3-37C1-4DA8-82BC-B23E13D5B434}"/>
+                <a16:creationId xmlns:a16="http://schemas.microsoft.com/office/drawing/2014/main" xmlns="" id="{D5D029C3-37C1-4DA8-82BC-B23E13D5B434}"/>
               </a:ext>
             </a:extLst>
           </p:cNvPr>
@@ -5305,7 +5370,7 @@
           <a:p>
             <a:fld id="{5DB46AF1-0ADA-4725-BD35-6C6336299D24}" type="datetimeFigureOut">
               <a:rPr lang="en-US" smtClean="0"/>
-              <a:t>12/4/2017</a:t>
+              <a:t>12/6/2017</a:t>
             </a:fld>
             <a:endParaRPr lang="en-US"/>
           </a:p>
@@ -5316,7 +5381,7 @@
           <p:cNvPr id="4" name="Footer Placeholder 3">
             <a:extLst>
               <a:ext uri="{FF2B5EF4-FFF2-40B4-BE49-F238E27FC236}">
-                <a16:creationId xmlns:a16="http://schemas.microsoft.com/office/drawing/2014/main" id="{BEE0201B-9E01-41FE-99E6-A795D85AA3DC}"/>
+                <a16:creationId xmlns:a16="http://schemas.microsoft.com/office/drawing/2014/main" xmlns="" id="{BEE0201B-9E01-41FE-99E6-A795D85AA3DC}"/>
               </a:ext>
             </a:extLst>
           </p:cNvPr>
@@ -5341,7 +5406,7 @@
           <p:cNvPr id="5" name="Slide Number Placeholder 4">
             <a:extLst>
               <a:ext uri="{FF2B5EF4-FFF2-40B4-BE49-F238E27FC236}">
-                <a16:creationId xmlns:a16="http://schemas.microsoft.com/office/drawing/2014/main" id="{B2E69B8E-5A13-45DE-9651-4483A6C622D3}"/>
+                <a16:creationId xmlns:a16="http://schemas.microsoft.com/office/drawing/2014/main" xmlns="" id="{B2E69B8E-5A13-45DE-9651-4483A6C622D3}"/>
               </a:ext>
             </a:extLst>
           </p:cNvPr>
@@ -5400,7 +5465,7 @@
           <p:cNvPr id="2" name="Date Placeholder 1">
             <a:extLst>
               <a:ext uri="{FF2B5EF4-FFF2-40B4-BE49-F238E27FC236}">
-                <a16:creationId xmlns:a16="http://schemas.microsoft.com/office/drawing/2014/main" id="{4EC813A3-585D-42CD-B1EE-A39E8FF10FED}"/>
+                <a16:creationId xmlns:a16="http://schemas.microsoft.com/office/drawing/2014/main" xmlns="" id="{4EC813A3-585D-42CD-B1EE-A39E8FF10FED}"/>
               </a:ext>
             </a:extLst>
           </p:cNvPr>
@@ -5418,7 +5483,7 @@
           <a:p>
             <a:fld id="{5DB46AF1-0ADA-4725-BD35-6C6336299D24}" type="datetimeFigureOut">
               <a:rPr lang="en-US" smtClean="0"/>
-              <a:t>12/4/2017</a:t>
+              <a:t>12/6/2017</a:t>
             </a:fld>
             <a:endParaRPr lang="en-US"/>
           </a:p>
@@ -5429,7 +5494,7 @@
           <p:cNvPr id="3" name="Footer Placeholder 2">
             <a:extLst>
               <a:ext uri="{FF2B5EF4-FFF2-40B4-BE49-F238E27FC236}">
-                <a16:creationId xmlns:a16="http://schemas.microsoft.com/office/drawing/2014/main" id="{6387ACBC-3713-4DF5-BBE9-F33EF05B2C4E}"/>
+                <a16:creationId xmlns:a16="http://schemas.microsoft.com/office/drawing/2014/main" xmlns="" id="{6387ACBC-3713-4DF5-BBE9-F33EF05B2C4E}"/>
               </a:ext>
             </a:extLst>
           </p:cNvPr>
@@ -5454,7 +5519,7 @@
           <p:cNvPr id="4" name="Slide Number Placeholder 3">
             <a:extLst>
               <a:ext uri="{FF2B5EF4-FFF2-40B4-BE49-F238E27FC236}">
-                <a16:creationId xmlns:a16="http://schemas.microsoft.com/office/drawing/2014/main" id="{801E5825-FFEC-45F9-BDC6-D817365A8B4A}"/>
+                <a16:creationId xmlns:a16="http://schemas.microsoft.com/office/drawing/2014/main" xmlns="" id="{801E5825-FFEC-45F9-BDC6-D817365A8B4A}"/>
               </a:ext>
             </a:extLst>
           </p:cNvPr>
@@ -5513,7 +5578,7 @@
           <p:cNvPr id="2" name="Title 1">
             <a:extLst>
               <a:ext uri="{FF2B5EF4-FFF2-40B4-BE49-F238E27FC236}">
-                <a16:creationId xmlns:a16="http://schemas.microsoft.com/office/drawing/2014/main" id="{31D276A3-AC75-4AB2-BC5B-06984997D595}"/>
+                <a16:creationId xmlns:a16="http://schemas.microsoft.com/office/drawing/2014/main" xmlns="" id="{31D276A3-AC75-4AB2-BC5B-06984997D595}"/>
               </a:ext>
             </a:extLst>
           </p:cNvPr>
@@ -5550,7 +5615,7 @@
           <p:cNvPr id="3" name="Content Placeholder 2">
             <a:extLst>
               <a:ext uri="{FF2B5EF4-FFF2-40B4-BE49-F238E27FC236}">
-                <a16:creationId xmlns:a16="http://schemas.microsoft.com/office/drawing/2014/main" id="{7C5B320C-FA08-4BAC-9C37-8AFD81B7AB76}"/>
+                <a16:creationId xmlns:a16="http://schemas.microsoft.com/office/drawing/2014/main" xmlns="" id="{7C5B320C-FA08-4BAC-9C37-8AFD81B7AB76}"/>
               </a:ext>
             </a:extLst>
           </p:cNvPr>
@@ -5640,7 +5705,7 @@
           <p:cNvPr id="4" name="Text Placeholder 3">
             <a:extLst>
               <a:ext uri="{FF2B5EF4-FFF2-40B4-BE49-F238E27FC236}">
-                <a16:creationId xmlns:a16="http://schemas.microsoft.com/office/drawing/2014/main" id="{35B9F58C-1A18-4D47-B128-ACC203385E7D}"/>
+                <a16:creationId xmlns:a16="http://schemas.microsoft.com/office/drawing/2014/main" xmlns="" id="{35B9F58C-1A18-4D47-B128-ACC203385E7D}"/>
               </a:ext>
             </a:extLst>
           </p:cNvPr>
@@ -5711,7 +5776,7 @@
           <p:cNvPr id="5" name="Date Placeholder 4">
             <a:extLst>
               <a:ext uri="{FF2B5EF4-FFF2-40B4-BE49-F238E27FC236}">
-                <a16:creationId xmlns:a16="http://schemas.microsoft.com/office/drawing/2014/main" id="{F27048DF-A2DA-42E9-BCDC-1ACB21C1E058}"/>
+                <a16:creationId xmlns:a16="http://schemas.microsoft.com/office/drawing/2014/main" xmlns="" id="{F27048DF-A2DA-42E9-BCDC-1ACB21C1E058}"/>
               </a:ext>
             </a:extLst>
           </p:cNvPr>
@@ -5729,7 +5794,7 @@
           <a:p>
             <a:fld id="{5DB46AF1-0ADA-4725-BD35-6C6336299D24}" type="datetimeFigureOut">
               <a:rPr lang="en-US" smtClean="0"/>
-              <a:t>12/4/2017</a:t>
+              <a:t>12/6/2017</a:t>
             </a:fld>
             <a:endParaRPr lang="en-US"/>
           </a:p>
@@ -5740,7 +5805,7 @@
           <p:cNvPr id="6" name="Footer Placeholder 5">
             <a:extLst>
               <a:ext uri="{FF2B5EF4-FFF2-40B4-BE49-F238E27FC236}">
-                <a16:creationId xmlns:a16="http://schemas.microsoft.com/office/drawing/2014/main" id="{2A2B2EE5-816D-43C3-AE97-20708178FD23}"/>
+                <a16:creationId xmlns:a16="http://schemas.microsoft.com/office/drawing/2014/main" xmlns="" id="{2A2B2EE5-816D-43C3-AE97-20708178FD23}"/>
               </a:ext>
             </a:extLst>
           </p:cNvPr>
@@ -5765,7 +5830,7 @@
           <p:cNvPr id="7" name="Slide Number Placeholder 6">
             <a:extLst>
               <a:ext uri="{FF2B5EF4-FFF2-40B4-BE49-F238E27FC236}">
-                <a16:creationId xmlns:a16="http://schemas.microsoft.com/office/drawing/2014/main" id="{0DE4D9FE-F822-4E88-9F1D-7C962271E10E}"/>
+                <a16:creationId xmlns:a16="http://schemas.microsoft.com/office/drawing/2014/main" xmlns="" id="{0DE4D9FE-F822-4E88-9F1D-7C962271E10E}"/>
               </a:ext>
             </a:extLst>
           </p:cNvPr>
@@ -5824,7 +5889,7 @@
           <p:cNvPr id="2" name="Title 1">
             <a:extLst>
               <a:ext uri="{FF2B5EF4-FFF2-40B4-BE49-F238E27FC236}">
-                <a16:creationId xmlns:a16="http://schemas.microsoft.com/office/drawing/2014/main" id="{C33DD697-1AAF-47FF-B7CF-57846B95DA8D}"/>
+                <a16:creationId xmlns:a16="http://schemas.microsoft.com/office/drawing/2014/main" xmlns="" id="{C33DD697-1AAF-47FF-B7CF-57846B95DA8D}"/>
               </a:ext>
             </a:extLst>
           </p:cNvPr>
@@ -5861,7 +5926,7 @@
           <p:cNvPr id="3" name="Picture Placeholder 2">
             <a:extLst>
               <a:ext uri="{FF2B5EF4-FFF2-40B4-BE49-F238E27FC236}">
-                <a16:creationId xmlns:a16="http://schemas.microsoft.com/office/drawing/2014/main" id="{F0358388-1B58-4C4E-923F-652DFAE3DB86}"/>
+                <a16:creationId xmlns:a16="http://schemas.microsoft.com/office/drawing/2014/main" xmlns="" id="{F0358388-1B58-4C4E-923F-652DFAE3DB86}"/>
               </a:ext>
             </a:extLst>
           </p:cNvPr>
@@ -5928,7 +5993,7 @@
           <p:cNvPr id="4" name="Text Placeholder 3">
             <a:extLst>
               <a:ext uri="{FF2B5EF4-FFF2-40B4-BE49-F238E27FC236}">
-                <a16:creationId xmlns:a16="http://schemas.microsoft.com/office/drawing/2014/main" id="{CB345D41-2160-4F6A-8CC7-1BEF267749BF}"/>
+                <a16:creationId xmlns:a16="http://schemas.microsoft.com/office/drawing/2014/main" xmlns="" id="{CB345D41-2160-4F6A-8CC7-1BEF267749BF}"/>
               </a:ext>
             </a:extLst>
           </p:cNvPr>
@@ -5999,7 +6064,7 @@
           <p:cNvPr id="5" name="Date Placeholder 4">
             <a:extLst>
               <a:ext uri="{FF2B5EF4-FFF2-40B4-BE49-F238E27FC236}">
-                <a16:creationId xmlns:a16="http://schemas.microsoft.com/office/drawing/2014/main" id="{2057258D-660A-4AA1-9F52-46BAC5B471BF}"/>
+                <a16:creationId xmlns:a16="http://schemas.microsoft.com/office/drawing/2014/main" xmlns="" id="{2057258D-660A-4AA1-9F52-46BAC5B471BF}"/>
               </a:ext>
             </a:extLst>
           </p:cNvPr>
@@ -6017,7 +6082,7 @@
           <a:p>
             <a:fld id="{5DB46AF1-0ADA-4725-BD35-6C6336299D24}" type="datetimeFigureOut">
               <a:rPr lang="en-US" smtClean="0"/>
-              <a:t>12/4/2017</a:t>
+              <a:t>12/6/2017</a:t>
             </a:fld>
             <a:endParaRPr lang="en-US"/>
           </a:p>
@@ -6028,7 +6093,7 @@
           <p:cNvPr id="6" name="Footer Placeholder 5">
             <a:extLst>
               <a:ext uri="{FF2B5EF4-FFF2-40B4-BE49-F238E27FC236}">
-                <a16:creationId xmlns:a16="http://schemas.microsoft.com/office/drawing/2014/main" id="{C732A2EC-3F3D-4028-8D35-ADDB9F40CFDD}"/>
+                <a16:creationId xmlns:a16="http://schemas.microsoft.com/office/drawing/2014/main" xmlns="" id="{C732A2EC-3F3D-4028-8D35-ADDB9F40CFDD}"/>
               </a:ext>
             </a:extLst>
           </p:cNvPr>
@@ -6053,7 +6118,7 @@
           <p:cNvPr id="7" name="Slide Number Placeholder 6">
             <a:extLst>
               <a:ext uri="{FF2B5EF4-FFF2-40B4-BE49-F238E27FC236}">
-                <a16:creationId xmlns:a16="http://schemas.microsoft.com/office/drawing/2014/main" id="{04225ADE-8FCD-4A6D-A303-20D21C38EBBC}"/>
+                <a16:creationId xmlns:a16="http://schemas.microsoft.com/office/drawing/2014/main" xmlns="" id="{04225ADE-8FCD-4A6D-A303-20D21C38EBBC}"/>
               </a:ext>
             </a:extLst>
           </p:cNvPr>
@@ -6117,7 +6182,7 @@
           <p:cNvPr id="2" name="Title Placeholder 1">
             <a:extLst>
               <a:ext uri="{FF2B5EF4-FFF2-40B4-BE49-F238E27FC236}">
-                <a16:creationId xmlns:a16="http://schemas.microsoft.com/office/drawing/2014/main" id="{75E1FC00-A59C-4A8C-8394-047BBF356FEC}"/>
+                <a16:creationId xmlns:a16="http://schemas.microsoft.com/office/drawing/2014/main" xmlns="" id="{75E1FC00-A59C-4A8C-8394-047BBF356FEC}"/>
               </a:ext>
             </a:extLst>
           </p:cNvPr>
@@ -6155,7 +6220,7 @@
           <p:cNvPr id="3" name="Text Placeholder 2">
             <a:extLst>
               <a:ext uri="{FF2B5EF4-FFF2-40B4-BE49-F238E27FC236}">
-                <a16:creationId xmlns:a16="http://schemas.microsoft.com/office/drawing/2014/main" id="{49B50697-B01F-482A-993E-CF668DF0F689}"/>
+                <a16:creationId xmlns:a16="http://schemas.microsoft.com/office/drawing/2014/main" xmlns="" id="{49B50697-B01F-482A-993E-CF668DF0F689}"/>
               </a:ext>
             </a:extLst>
           </p:cNvPr>
@@ -6222,7 +6287,7 @@
           <p:cNvPr id="4" name="Date Placeholder 3">
             <a:extLst>
               <a:ext uri="{FF2B5EF4-FFF2-40B4-BE49-F238E27FC236}">
-                <a16:creationId xmlns:a16="http://schemas.microsoft.com/office/drawing/2014/main" id="{DBD15D96-0EE3-48B3-AD8B-169BC79FD53D}"/>
+                <a16:creationId xmlns:a16="http://schemas.microsoft.com/office/drawing/2014/main" xmlns="" id="{DBD15D96-0EE3-48B3-AD8B-169BC79FD53D}"/>
               </a:ext>
             </a:extLst>
           </p:cNvPr>
@@ -6258,7 +6323,7 @@
           <a:p>
             <a:fld id="{5DB46AF1-0ADA-4725-BD35-6C6336299D24}" type="datetimeFigureOut">
               <a:rPr lang="en-US" smtClean="0"/>
-              <a:t>12/4/2017</a:t>
+              <a:t>12/6/2017</a:t>
             </a:fld>
             <a:endParaRPr lang="en-US"/>
           </a:p>
@@ -6269,7 +6334,7 @@
           <p:cNvPr id="5" name="Footer Placeholder 4">
             <a:extLst>
               <a:ext uri="{FF2B5EF4-FFF2-40B4-BE49-F238E27FC236}">
-                <a16:creationId xmlns:a16="http://schemas.microsoft.com/office/drawing/2014/main" id="{DB97C307-2B98-4703-A6E5-B6C10B3BB6B6}"/>
+                <a16:creationId xmlns:a16="http://schemas.microsoft.com/office/drawing/2014/main" xmlns="" id="{DB97C307-2B98-4703-A6E5-B6C10B3BB6B6}"/>
               </a:ext>
             </a:extLst>
           </p:cNvPr>
@@ -6312,7 +6377,7 @@
           <p:cNvPr id="6" name="Slide Number Placeholder 5">
             <a:extLst>
               <a:ext uri="{FF2B5EF4-FFF2-40B4-BE49-F238E27FC236}">
-                <a16:creationId xmlns:a16="http://schemas.microsoft.com/office/drawing/2014/main" id="{FCFF848E-9AF2-4D9A-944C-DACC80CB73CB}"/>
+                <a16:creationId xmlns:a16="http://schemas.microsoft.com/office/drawing/2014/main" xmlns="" id="{FCFF848E-9AF2-4D9A-944C-DACC80CB73CB}"/>
               </a:ext>
             </a:extLst>
           </p:cNvPr>
@@ -6680,7 +6745,7 @@
           <p:cNvPr id="2" name="Title 1">
             <a:extLst>
               <a:ext uri="{FF2B5EF4-FFF2-40B4-BE49-F238E27FC236}">
-                <a16:creationId xmlns:a16="http://schemas.microsoft.com/office/drawing/2014/main" id="{A7A1A309-1DF1-4436-9A28-D007A2CE1B1F}"/>
+                <a16:creationId xmlns:a16="http://schemas.microsoft.com/office/drawing/2014/main" xmlns="" id="{A7A1A309-1DF1-4436-9A28-D007A2CE1B1F}"/>
               </a:ext>
             </a:extLst>
           </p:cNvPr>
@@ -6708,7 +6773,7 @@
           <p:cNvPr id="3" name="Subtitle 2">
             <a:extLst>
               <a:ext uri="{FF2B5EF4-FFF2-40B4-BE49-F238E27FC236}">
-                <a16:creationId xmlns:a16="http://schemas.microsoft.com/office/drawing/2014/main" id="{51767DCD-B580-4CCB-A6AE-FF25F58690B8}"/>
+                <a16:creationId xmlns:a16="http://schemas.microsoft.com/office/drawing/2014/main" xmlns="" id="{51767DCD-B580-4CCB-A6AE-FF25F58690B8}"/>
               </a:ext>
             </a:extLst>
           </p:cNvPr>
@@ -6755,6 +6820,89 @@
     <p:extLst>
       <p:ext uri="{BB962C8B-B14F-4D97-AF65-F5344CB8AC3E}">
         <p14:creationId xmlns:p14="http://schemas.microsoft.com/office/powerpoint/2010/main" val="2929575327"/>
+      </p:ext>
+    </p:extLst>
+  </p:cSld>
+  <p:clrMapOvr>
+    <a:masterClrMapping/>
+  </p:clrMapOvr>
+</p:sld>
+</file>
+
+<file path=ppt/slides/slide10.xml><?xml version="1.0" encoding="utf-8"?>
+<p:sld xmlns:a="http://schemas.openxmlformats.org/drawingml/2006/main" xmlns:r="http://schemas.openxmlformats.org/officeDocument/2006/relationships" xmlns:p="http://schemas.openxmlformats.org/presentationml/2006/main">
+  <p:cSld>
+    <p:spTree>
+      <p:nvGrpSpPr>
+        <p:cNvPr id="1" name=""/>
+        <p:cNvGrpSpPr/>
+        <p:nvPr/>
+      </p:nvGrpSpPr>
+      <p:grpSpPr>
+        <a:xfrm>
+          <a:off x="0" y="0"/>
+          <a:ext cx="0" cy="0"/>
+          <a:chOff x="0" y="0"/>
+          <a:chExt cx="0" cy="0"/>
+        </a:xfrm>
+      </p:grpSpPr>
+      <p:sp>
+        <p:nvSpPr>
+          <p:cNvPr id="2" name="Title 1">
+            <a:extLst>
+              <a:ext uri="{FF2B5EF4-FFF2-40B4-BE49-F238E27FC236}">
+                <a16:creationId xmlns:a16="http://schemas.microsoft.com/office/drawing/2014/main" xmlns="" id="{431E01C7-00CA-49F7-95EA-982727D200FA}"/>
+              </a:ext>
+            </a:extLst>
+          </p:cNvPr>
+          <p:cNvSpPr>
+            <a:spLocks noGrp="1"/>
+          </p:cNvSpPr>
+          <p:nvPr>
+            <p:ph type="title"/>
+          </p:nvPr>
+        </p:nvSpPr>
+        <p:spPr/>
+        <p:txBody>
+          <a:bodyPr/>
+          <a:lstStyle/>
+          <a:p>
+            <a:r>
+              <a:rPr lang="en-US" dirty="0"/>
+              <a:t>Data Preparation</a:t>
+            </a:r>
+          </a:p>
+        </p:txBody>
+      </p:sp>
+      <p:sp>
+        <p:nvSpPr>
+          <p:cNvPr id="3" name="Content Placeholder 2">
+            <a:extLst>
+              <a:ext uri="{FF2B5EF4-FFF2-40B4-BE49-F238E27FC236}">
+                <a16:creationId xmlns:a16="http://schemas.microsoft.com/office/drawing/2014/main" xmlns="" id="{F5DB7329-84ED-4D41-A34F-4A454F832826}"/>
+              </a:ext>
+            </a:extLst>
+          </p:cNvPr>
+          <p:cNvSpPr>
+            <a:spLocks noGrp="1"/>
+          </p:cNvSpPr>
+          <p:nvPr>
+            <p:ph idx="1"/>
+          </p:nvPr>
+        </p:nvSpPr>
+        <p:spPr/>
+        <p:txBody>
+          <a:bodyPr/>
+          <a:lstStyle/>
+          <a:p>
+            <a:endParaRPr lang="en-US"/>
+          </a:p>
+        </p:txBody>
+      </p:sp>
+    </p:spTree>
+    <p:extLst>
+      <p:ext uri="{BB962C8B-B14F-4D97-AF65-F5344CB8AC3E}">
+        <p14:creationId xmlns:p14="http://schemas.microsoft.com/office/powerpoint/2010/main" val="2193895890"/>
       </p:ext>
     </p:extLst>
   </p:cSld>
@@ -6783,13 +6931,7 @@
       </p:grpSpPr>
       <p:sp>
         <p:nvSpPr>
-          <p:cNvPr id="2" name="Title 1">
-            <a:extLst>
-              <a:ext uri="{FF2B5EF4-FFF2-40B4-BE49-F238E27FC236}">
-                <a16:creationId xmlns:a16="http://schemas.microsoft.com/office/drawing/2014/main" id="{4482F9E1-0E2A-4916-A0BD-890D1EF8C8F7}"/>
-              </a:ext>
-            </a:extLst>
-          </p:cNvPr>
+          <p:cNvPr id="2" name="Title 1"/>
           <p:cNvSpPr>
             <a:spLocks noGrp="1"/>
           </p:cNvSpPr>
@@ -6802,118 +6944,93 @@
           <a:bodyPr/>
           <a:lstStyle/>
           <a:p>
-            <a:r>
-              <a:rPr lang="en-US" dirty="0"/>
-              <a:t>Overview</a:t>
-            </a:r>
+            <a:endParaRPr lang="en-US"/>
           </a:p>
         </p:txBody>
       </p:sp>
-      <p:sp>
-        <p:nvSpPr>
-          <p:cNvPr id="3" name="Content Placeholder 2">
-            <a:extLst>
-              <a:ext uri="{FF2B5EF4-FFF2-40B4-BE49-F238E27FC236}">
-                <a16:creationId xmlns:a16="http://schemas.microsoft.com/office/drawing/2014/main" id="{79EA8508-D4CA-449F-8625-EC079311D071}"/>
-              </a:ext>
-            </a:extLst>
-          </p:cNvPr>
-          <p:cNvSpPr>
-            <a:spLocks noGrp="1"/>
-          </p:cNvSpPr>
+      <p:pic>
+        <p:nvPicPr>
+          <p:cNvPr id="4" name="Picture 4" descr="See the source image"/>
+          <p:cNvPicPr>
+            <a:picLocks noGrp="1" noChangeAspect="1" noChangeArrowheads="1"/>
+          </p:cNvPicPr>
           <p:nvPr>
             <p:ph idx="1"/>
           </p:nvPr>
+        </p:nvPicPr>
+        <p:blipFill rotWithShape="1">
+          <a:blip r:embed="rId2">
+            <a:extLst>
+              <a:ext uri="{28A0092B-C50C-407E-A947-70E740481C1C}">
+                <a14:useLocalDpi xmlns:a14="http://schemas.microsoft.com/office/drawing/2010/main" val="0"/>
+              </a:ext>
+            </a:extLst>
+          </a:blip>
+          <a:srcRect t="16897" b="1"/>
+          <a:stretch/>
+        </p:blipFill>
+        <p:spPr bwMode="auto">
+          <a:xfrm>
+            <a:off x="2079380" y="1887415"/>
+            <a:ext cx="7371734" cy="4080791"/>
+          </a:xfrm>
+          <a:prstGeom prst="rect">
+            <a:avLst/>
+          </a:prstGeom>
+          <a:noFill/>
+          <a:extLst>
+            <a:ext uri="{909E8E84-426E-40DD-AFC4-6F175D3DCCD1}">
+              <a14:hiddenFill xmlns:a14="http://schemas.microsoft.com/office/drawing/2010/main">
+                <a:solidFill>
+                  <a:srgbClr val="FFFFFF"/>
+                </a:solidFill>
+              </a14:hiddenFill>
+            </a:ext>
+          </a:extLst>
+        </p:spPr>
+      </p:pic>
+      <p:sp>
+        <p:nvSpPr>
+          <p:cNvPr id="5" name="TextBox 4"/>
+          <p:cNvSpPr txBox="1"/>
+          <p:nvPr/>
         </p:nvSpPr>
-        <p:spPr/>
+        <p:spPr>
+          <a:xfrm>
+            <a:off x="6260123" y="6155956"/>
+            <a:ext cx="5439507" cy="702044"/>
+          </a:xfrm>
+          <a:prstGeom prst="rect">
+            <a:avLst/>
+          </a:prstGeom>
+          <a:noFill/>
+        </p:spPr>
         <p:txBody>
-          <a:bodyPr>
-            <a:normAutofit fontScale="92500" lnSpcReduction="10000"/>
+          <a:bodyPr wrap="square" rtlCol="0">
+            <a:spAutoFit/>
           </a:bodyPr>
           <a:lstStyle/>
           <a:p>
             <a:r>
-              <a:rPr lang="en-US" dirty="0"/>
-              <a:t>Business Purpose</a:t>
-            </a:r>
-          </a:p>
-          <a:p>
-            <a:r>
-              <a:rPr lang="en-US" dirty="0"/>
-              <a:t>Data Exploration</a:t>
-            </a:r>
-          </a:p>
-          <a:p>
-            <a:pPr lvl="1"/>
-            <a:r>
-              <a:rPr lang="en-US" dirty="0"/>
-              <a:t>Identifying the different types of information in the text</a:t>
-            </a:r>
-          </a:p>
-          <a:p>
-            <a:r>
-              <a:rPr lang="en-US" dirty="0"/>
-              <a:t>Data Preparation</a:t>
-            </a:r>
-          </a:p>
-          <a:p>
-            <a:pPr lvl="1"/>
-            <a:r>
-              <a:rPr lang="en-US" dirty="0"/>
-              <a:t>Separate preparation for each type of model</a:t>
-            </a:r>
-          </a:p>
-          <a:p>
-            <a:r>
-              <a:rPr lang="en-US" dirty="0"/>
-              <a:t>Modeling</a:t>
-            </a:r>
-          </a:p>
-          <a:p>
-            <a:pPr lvl="1"/>
-            <a:r>
-              <a:rPr lang="en-US" dirty="0"/>
-              <a:t>Topic modeling</a:t>
-            </a:r>
-          </a:p>
-          <a:p>
-            <a:pPr lvl="1"/>
-            <a:r>
-              <a:rPr lang="en-US" dirty="0" err="1"/>
-              <a:t>Ngrams</a:t>
-            </a:r>
-            <a:endParaRPr lang="en-US" dirty="0"/>
-          </a:p>
-          <a:p>
-            <a:pPr lvl="1"/>
-            <a:r>
-              <a:rPr lang="en-US" dirty="0" err="1"/>
-              <a:t>Tf-idf</a:t>
-            </a:r>
-            <a:r>
-              <a:rPr lang="en-US" dirty="0"/>
-              <a:t> ranking</a:t>
-            </a:r>
-          </a:p>
-          <a:p>
-            <a:pPr lvl="1"/>
-            <a:r>
-              <a:rPr lang="en-US" dirty="0"/>
-              <a:t>Jaccard similarity ranking</a:t>
-            </a:r>
-          </a:p>
-          <a:p>
-            <a:r>
-              <a:rPr lang="en-US" dirty="0"/>
-              <a:t>Evaluation</a:t>
-            </a:r>
+              <a:rPr lang="en-US" sz="800" dirty="0">
+                <a:solidFill>
+                  <a:schemeClr val="bg1">
+                    <a:lumMod val="75000"/>
+                  </a:schemeClr>
+                </a:solidFill>
+              </a:rPr>
+              <a:t>https://www.bing.com/images/search?view=detailV2&amp;ccid=Y9XgRZ8V&amp;id=1E283B45F3583F02D5E895D7A5073722633532B6&amp;thid=OIP.Y9XgRZ8VMJhjgsew2AF2ogEsDH&amp;mediaurl=http%3a%2f%2fimages.techhive.com%2fimages%2farticle%2f2016%2f03%2fcorrelation-one-100653446-primary.idge.jpg&amp;exph=413&amp;expw=620&amp;q=data+scientist+jobs&amp;simid=608030408846868974&amp;selectedIndex=2&amp;ajaxhist=0</a:t>
+            </a:r>
+          </a:p>
+          <a:p>
+            <a:endParaRPr lang="en-US" sz="800" dirty="0"/>
           </a:p>
         </p:txBody>
       </p:sp>
     </p:spTree>
     <p:extLst>
       <p:ext uri="{BB962C8B-B14F-4D97-AF65-F5344CB8AC3E}">
-        <p14:creationId xmlns:p14="http://schemas.microsoft.com/office/powerpoint/2010/main" val="3269489806"/>
+        <p14:creationId xmlns:p14="http://schemas.microsoft.com/office/powerpoint/2010/main" val="447779202"/>
       </p:ext>
     </p:extLst>
   </p:cSld>
@@ -6945,7 +7062,7 @@
           <p:cNvPr id="2" name="Title 1">
             <a:extLst>
               <a:ext uri="{FF2B5EF4-FFF2-40B4-BE49-F238E27FC236}">
-                <a16:creationId xmlns:a16="http://schemas.microsoft.com/office/drawing/2014/main" id="{8B0E9BBB-EA40-426A-A5A0-91C71F9BB2FA}"/>
+                <a16:creationId xmlns:a16="http://schemas.microsoft.com/office/drawing/2014/main" xmlns="" id="{4482F9E1-0E2A-4916-A0BD-890D1EF8C8F7}"/>
               </a:ext>
             </a:extLst>
           </p:cNvPr>
@@ -6963,7 +7080,7 @@
           <a:p>
             <a:r>
               <a:rPr lang="en-US" dirty="0"/>
-              <a:t>Business Purpose</a:t>
+              <a:t>Overview</a:t>
             </a:r>
           </a:p>
         </p:txBody>
@@ -6973,7 +7090,166 @@
           <p:cNvPr id="3" name="Content Placeholder 2">
             <a:extLst>
               <a:ext uri="{FF2B5EF4-FFF2-40B4-BE49-F238E27FC236}">
-                <a16:creationId xmlns:a16="http://schemas.microsoft.com/office/drawing/2014/main" id="{67BE32D7-523A-400E-9D07-EAF0C4B255E7}"/>
+                <a16:creationId xmlns:a16="http://schemas.microsoft.com/office/drawing/2014/main" xmlns="" id="{79EA8508-D4CA-449F-8625-EC079311D071}"/>
+              </a:ext>
+            </a:extLst>
+          </p:cNvPr>
+          <p:cNvSpPr>
+            <a:spLocks noGrp="1"/>
+          </p:cNvSpPr>
+          <p:nvPr>
+            <p:ph idx="1"/>
+          </p:nvPr>
+        </p:nvSpPr>
+        <p:spPr/>
+        <p:txBody>
+          <a:bodyPr>
+            <a:normAutofit fontScale="92500" lnSpcReduction="10000"/>
+          </a:bodyPr>
+          <a:lstStyle/>
+          <a:p>
+            <a:r>
+              <a:rPr lang="en-US" dirty="0"/>
+              <a:t>Business Purpose</a:t>
+            </a:r>
+          </a:p>
+          <a:p>
+            <a:r>
+              <a:rPr lang="en-US" dirty="0"/>
+              <a:t>Data Exploration</a:t>
+            </a:r>
+          </a:p>
+          <a:p>
+            <a:pPr lvl="1"/>
+            <a:r>
+              <a:rPr lang="en-US" dirty="0"/>
+              <a:t>Identifying the different types of information in the text</a:t>
+            </a:r>
+          </a:p>
+          <a:p>
+            <a:r>
+              <a:rPr lang="en-US" dirty="0"/>
+              <a:t>Data Preparation</a:t>
+            </a:r>
+          </a:p>
+          <a:p>
+            <a:pPr lvl="1"/>
+            <a:r>
+              <a:rPr lang="en-US" dirty="0"/>
+              <a:t>Separate preparation for each type of model</a:t>
+            </a:r>
+          </a:p>
+          <a:p>
+            <a:r>
+              <a:rPr lang="en-US" dirty="0"/>
+              <a:t>Modeling</a:t>
+            </a:r>
+          </a:p>
+          <a:p>
+            <a:pPr lvl="1"/>
+            <a:r>
+              <a:rPr lang="en-US" dirty="0"/>
+              <a:t>Topic modeling</a:t>
+            </a:r>
+          </a:p>
+          <a:p>
+            <a:pPr lvl="1"/>
+            <a:r>
+              <a:rPr lang="en-US" dirty="0" err="1"/>
+              <a:t>Ngrams</a:t>
+            </a:r>
+            <a:endParaRPr lang="en-US" dirty="0"/>
+          </a:p>
+          <a:p>
+            <a:pPr lvl="1"/>
+            <a:r>
+              <a:rPr lang="en-US" dirty="0" err="1"/>
+              <a:t>Tf-idf</a:t>
+            </a:r>
+            <a:r>
+              <a:rPr lang="en-US" dirty="0"/>
+              <a:t> ranking</a:t>
+            </a:r>
+          </a:p>
+          <a:p>
+            <a:pPr lvl="1"/>
+            <a:r>
+              <a:rPr lang="en-US" dirty="0"/>
+              <a:t>Jaccard similarity ranking</a:t>
+            </a:r>
+          </a:p>
+          <a:p>
+            <a:r>
+              <a:rPr lang="en-US" dirty="0"/>
+              <a:t>Evaluation</a:t>
+            </a:r>
+          </a:p>
+        </p:txBody>
+      </p:sp>
+    </p:spTree>
+    <p:extLst>
+      <p:ext uri="{BB962C8B-B14F-4D97-AF65-F5344CB8AC3E}">
+        <p14:creationId xmlns:p14="http://schemas.microsoft.com/office/powerpoint/2010/main" val="3269489806"/>
+      </p:ext>
+    </p:extLst>
+  </p:cSld>
+  <p:clrMapOvr>
+    <a:masterClrMapping/>
+  </p:clrMapOvr>
+</p:sld>
+</file>
+
+<file path=ppt/slides/slide4.xml><?xml version="1.0" encoding="utf-8"?>
+<p:sld xmlns:a="http://schemas.openxmlformats.org/drawingml/2006/main" xmlns:r="http://schemas.openxmlformats.org/officeDocument/2006/relationships" xmlns:p="http://schemas.openxmlformats.org/presentationml/2006/main">
+  <p:cSld>
+    <p:spTree>
+      <p:nvGrpSpPr>
+        <p:cNvPr id="1" name=""/>
+        <p:cNvGrpSpPr/>
+        <p:nvPr/>
+      </p:nvGrpSpPr>
+      <p:grpSpPr>
+        <a:xfrm>
+          <a:off x="0" y="0"/>
+          <a:ext cx="0" cy="0"/>
+          <a:chOff x="0" y="0"/>
+          <a:chExt cx="0" cy="0"/>
+        </a:xfrm>
+      </p:grpSpPr>
+      <p:sp>
+        <p:nvSpPr>
+          <p:cNvPr id="2" name="Title 1">
+            <a:extLst>
+              <a:ext uri="{FF2B5EF4-FFF2-40B4-BE49-F238E27FC236}">
+                <a16:creationId xmlns:a16="http://schemas.microsoft.com/office/drawing/2014/main" xmlns="" id="{8B0E9BBB-EA40-426A-A5A0-91C71F9BB2FA}"/>
+              </a:ext>
+            </a:extLst>
+          </p:cNvPr>
+          <p:cNvSpPr>
+            <a:spLocks noGrp="1"/>
+          </p:cNvSpPr>
+          <p:nvPr>
+            <p:ph type="title"/>
+          </p:nvPr>
+        </p:nvSpPr>
+        <p:spPr/>
+        <p:txBody>
+          <a:bodyPr/>
+          <a:lstStyle/>
+          <a:p>
+            <a:r>
+              <a:rPr lang="en-US" dirty="0"/>
+              <a:t>Business Purpose</a:t>
+            </a:r>
+          </a:p>
+        </p:txBody>
+      </p:sp>
+      <p:sp>
+        <p:nvSpPr>
+          <p:cNvPr id="3" name="Content Placeholder 2">
+            <a:extLst>
+              <a:ext uri="{FF2B5EF4-FFF2-40B4-BE49-F238E27FC236}">
+                <a16:creationId xmlns:a16="http://schemas.microsoft.com/office/drawing/2014/main" xmlns="" id="{67BE32D7-523A-400E-9D07-EAF0C4B255E7}"/>
               </a:ext>
             </a:extLst>
           </p:cNvPr>
@@ -7035,7 +7311,7 @@
           <p:cNvPr id="4" name="Picture 3">
             <a:extLst>
               <a:ext uri="{FF2B5EF4-FFF2-40B4-BE49-F238E27FC236}">
-                <a16:creationId xmlns:a16="http://schemas.microsoft.com/office/drawing/2014/main" id="{3980A69F-2DAE-42ED-ACD6-D0736AAAB22E}"/>
+                <a16:creationId xmlns:a16="http://schemas.microsoft.com/office/drawing/2014/main" xmlns="" id="{3980A69F-2DAE-42ED-ACD6-D0736AAAB22E}"/>
               </a:ext>
             </a:extLst>
           </p:cNvPr>
@@ -7073,7 +7349,7 @@
 </p:sld>
 </file>
 
-<file path=ppt/slides/slide4.xml><?xml version="1.0" encoding="utf-8"?>
+<file path=ppt/slides/slide5.xml><?xml version="1.0" encoding="utf-8"?>
 <p:sld xmlns:a="http://schemas.openxmlformats.org/drawingml/2006/main" xmlns:r="http://schemas.openxmlformats.org/officeDocument/2006/relationships" xmlns:p="http://schemas.openxmlformats.org/presentationml/2006/main">
   <p:cSld>
     <p:spTree>
@@ -7095,7 +7371,7 @@
           <p:cNvPr id="2" name="Title 1">
             <a:extLst>
               <a:ext uri="{FF2B5EF4-FFF2-40B4-BE49-F238E27FC236}">
-                <a16:creationId xmlns:a16="http://schemas.microsoft.com/office/drawing/2014/main" id="{A7EA68FD-1699-4720-8471-CC8230837D2B}"/>
+                <a16:creationId xmlns:a16="http://schemas.microsoft.com/office/drawing/2014/main" xmlns="" id="{A7EA68FD-1699-4720-8471-CC8230837D2B}"/>
               </a:ext>
             </a:extLst>
           </p:cNvPr>
@@ -7123,7 +7399,7 @@
           <p:cNvPr id="3" name="Content Placeholder 2">
             <a:extLst>
               <a:ext uri="{FF2B5EF4-FFF2-40B4-BE49-F238E27FC236}">
-                <a16:creationId xmlns:a16="http://schemas.microsoft.com/office/drawing/2014/main" id="{57293EC2-8FBD-4FDB-9A7C-C32C65EA540C}"/>
+                <a16:creationId xmlns:a16="http://schemas.microsoft.com/office/drawing/2014/main" xmlns="" id="{57293EC2-8FBD-4FDB-9A7C-C32C65EA540C}"/>
               </a:ext>
             </a:extLst>
           </p:cNvPr>
@@ -7195,7 +7471,7 @@
 </p:sld>
 </file>
 
-<file path=ppt/slides/slide5.xml><?xml version="1.0" encoding="utf-8"?>
+<file path=ppt/slides/slide6.xml><?xml version="1.0" encoding="utf-8"?>
 <p:sld xmlns:a="http://schemas.openxmlformats.org/drawingml/2006/main" xmlns:r="http://schemas.openxmlformats.org/officeDocument/2006/relationships" xmlns:p="http://schemas.openxmlformats.org/presentationml/2006/main">
   <p:cSld>
     <p:bg>
@@ -7225,7 +7501,7 @@
           <p:cNvPr id="2" name="Title 1">
             <a:extLst>
               <a:ext uri="{FF2B5EF4-FFF2-40B4-BE49-F238E27FC236}">
-                <a16:creationId xmlns:a16="http://schemas.microsoft.com/office/drawing/2014/main" id="{5FD12CE6-B8AD-439F-87A2-3DC9356BF40E}"/>
+                <a16:creationId xmlns:a16="http://schemas.microsoft.com/office/drawing/2014/main" xmlns="" id="{5FD12CE6-B8AD-439F-87A2-3DC9356BF40E}"/>
               </a:ext>
             </a:extLst>
           </p:cNvPr>
@@ -7293,7 +7569,7 @@
 </p:sld>
 </file>
 
-<file path=ppt/slides/slide6.xml><?xml version="1.0" encoding="utf-8"?>
+<file path=ppt/slides/slide7.xml><?xml version="1.0" encoding="utf-8"?>
 <p:sld xmlns:a="http://schemas.openxmlformats.org/drawingml/2006/main" xmlns:r="http://schemas.openxmlformats.org/officeDocument/2006/relationships" xmlns:p="http://schemas.openxmlformats.org/presentationml/2006/main">
   <p:cSld>
     <p:spTree>
@@ -7315,7 +7591,7 @@
           <p:cNvPr id="1026" name="Picture 2" descr="By Kenneth Jensen [CC BY-SA 3.0 (https://creativecommons.org/licenses/by-sa/3.0)], via Wikimedia Commons" title="CRISP-DM Process Diagram">
             <a:extLst>
               <a:ext uri="{FF2B5EF4-FFF2-40B4-BE49-F238E27FC236}">
-                <a16:creationId xmlns:a16="http://schemas.microsoft.com/office/drawing/2014/main" id="{65C1A1A8-115F-4B79-ADEA-40D629657C47}"/>
+                <a16:creationId xmlns:a16="http://schemas.microsoft.com/office/drawing/2014/main" xmlns="" id="{65C1A1A8-115F-4B79-ADEA-40D629657C47}"/>
               </a:ext>
             </a:extLst>
           </p:cNvPr>
@@ -7384,7 +7660,7 @@
           <p:cNvPr id="4" name="Rectangle 3">
             <a:extLst>
               <a:ext uri="{FF2B5EF4-FFF2-40B4-BE49-F238E27FC236}">
-                <a16:creationId xmlns:a16="http://schemas.microsoft.com/office/drawing/2014/main" id="{879B85E4-B7E3-4F8F-A251-8821E6D9BFC6}"/>
+                <a16:creationId xmlns:a16="http://schemas.microsoft.com/office/drawing/2014/main" xmlns="" id="{879B85E4-B7E3-4F8F-A251-8821E6D9BFC6}"/>
               </a:ext>
             </a:extLst>
           </p:cNvPr>
@@ -7416,239 +7692,49 @@
           </a:p>
         </p:txBody>
       </p:sp>
-    </p:spTree>
-    <p:extLst>
-      <p:ext uri="{BB962C8B-B14F-4D97-AF65-F5344CB8AC3E}">
-        <p14:creationId xmlns:p14="http://schemas.microsoft.com/office/powerpoint/2010/main" val="2955001397"/>
-      </p:ext>
-    </p:extLst>
-  </p:cSld>
-  <p:clrMapOvr>
-    <a:masterClrMapping/>
-  </p:clrMapOvr>
-</p:sld>
-</file>
-
-<file path=ppt/slides/slide7.xml><?xml version="1.0" encoding="utf-8"?>
-<p:sld xmlns:a="http://schemas.openxmlformats.org/drawingml/2006/main" xmlns:r="http://schemas.openxmlformats.org/officeDocument/2006/relationships" xmlns:p="http://schemas.openxmlformats.org/presentationml/2006/main">
-  <p:cSld>
-    <p:spTree>
-      <p:nvGrpSpPr>
-        <p:cNvPr id="1" name=""/>
-        <p:cNvGrpSpPr/>
-        <p:nvPr/>
-      </p:nvGrpSpPr>
-      <p:grpSpPr>
-        <a:xfrm>
-          <a:off x="0" y="0"/>
-          <a:ext cx="0" cy="0"/>
-          <a:chOff x="0" y="0"/>
-          <a:chExt cx="0" cy="0"/>
-        </a:xfrm>
-      </p:grpSpPr>
       <p:sp>
         <p:nvSpPr>
-          <p:cNvPr id="2" name="Title 1">
-            <a:extLst>
-              <a:ext uri="{FF2B5EF4-FFF2-40B4-BE49-F238E27FC236}">
-                <a16:creationId xmlns:a16="http://schemas.microsoft.com/office/drawing/2014/main" id="{73FABB48-3700-49DB-9BA2-BA4EA4237E1D}"/>
-              </a:ext>
-            </a:extLst>
-          </p:cNvPr>
-          <p:cNvSpPr>
-            <a:spLocks noGrp="1"/>
-          </p:cNvSpPr>
-          <p:nvPr>
-            <p:ph type="title"/>
-          </p:nvPr>
+          <p:cNvPr id="5" name="Rounded Rectangle 4"/>
+          <p:cNvSpPr/>
+          <p:nvPr/>
         </p:nvSpPr>
-        <p:spPr/>
+        <p:spPr>
+          <a:xfrm>
+            <a:off x="7975388" y="1797465"/>
+            <a:ext cx="1937173" cy="520338"/>
+          </a:xfrm>
+          <a:prstGeom prst="roundRect">
+            <a:avLst/>
+          </a:prstGeom>
+          <a:solidFill>
+            <a:srgbClr val="3241C1"/>
+          </a:solidFill>
+          <a:ln/>
+        </p:spPr>
+        <p:style>
+          <a:lnRef idx="1">
+            <a:schemeClr val="accent1"/>
+          </a:lnRef>
+          <a:fillRef idx="3">
+            <a:schemeClr val="accent1"/>
+          </a:fillRef>
+          <a:effectRef idx="2">
+            <a:schemeClr val="accent1"/>
+          </a:effectRef>
+          <a:fontRef idx="minor">
+            <a:schemeClr val="lt1"/>
+          </a:fontRef>
+        </p:style>
         <p:txBody>
           <a:bodyPr/>
           <a:lstStyle/>
           <a:p>
             <a:r>
-              <a:rPr lang="en-US" dirty="0"/>
-              <a:t>Data Exploration</a:t>
-            </a:r>
-          </a:p>
-        </p:txBody>
-      </p:sp>
-      <p:sp>
-        <p:nvSpPr>
-          <p:cNvPr id="3" name="Text Placeholder 2">
-            <a:extLst>
-              <a:ext uri="{FF2B5EF4-FFF2-40B4-BE49-F238E27FC236}">
-                <a16:creationId xmlns:a16="http://schemas.microsoft.com/office/drawing/2014/main" id="{DB01AD3C-BD8E-43B5-8B90-C53EF8878AD9}"/>
-              </a:ext>
-            </a:extLst>
-          </p:cNvPr>
-          <p:cNvSpPr>
-            <a:spLocks noGrp="1"/>
-          </p:cNvSpPr>
-          <p:nvPr>
-            <p:ph type="body" idx="1"/>
-          </p:nvPr>
-        </p:nvSpPr>
-        <p:spPr/>
-        <p:txBody>
-          <a:bodyPr>
-            <a:normAutofit/>
-          </a:bodyPr>
-          <a:lstStyle/>
-          <a:p>
-            <a:r>
-              <a:rPr lang="en-US" sz="3600" dirty="0"/>
-              <a:t>Job Posting</a:t>
-            </a:r>
-          </a:p>
-        </p:txBody>
-      </p:sp>
-      <p:sp>
-        <p:nvSpPr>
-          <p:cNvPr id="4" name="Content Placeholder 3">
-            <a:extLst>
-              <a:ext uri="{FF2B5EF4-FFF2-40B4-BE49-F238E27FC236}">
-                <a16:creationId xmlns:a16="http://schemas.microsoft.com/office/drawing/2014/main" id="{0F8795B0-6709-43D7-9376-17B051E509F4}"/>
-              </a:ext>
-            </a:extLst>
-          </p:cNvPr>
-          <p:cNvSpPr>
-            <a:spLocks noGrp="1"/>
-          </p:cNvSpPr>
-          <p:nvPr>
-            <p:ph sz="half" idx="2"/>
-          </p:nvPr>
-        </p:nvSpPr>
-        <p:spPr/>
-        <p:txBody>
-          <a:bodyPr/>
-          <a:lstStyle/>
-          <a:p>
-            <a:r>
-              <a:rPr lang="en-US" dirty="0" err="1"/>
-              <a:t>Webscraped</a:t>
-            </a:r>
-            <a:r>
-              <a:rPr lang="en-US" dirty="0"/>
-              <a:t> in &lt;XML&gt; format</a:t>
-            </a:r>
-          </a:p>
-          <a:p>
-            <a:r>
-              <a:rPr lang="en-US" dirty="0"/>
-              <a:t>Sectioned by company</a:t>
-            </a:r>
-          </a:p>
-          <a:p>
-            <a:pPr lvl="1"/>
-            <a:r>
-              <a:rPr lang="en-US" dirty="0"/>
-              <a:t>Job Title</a:t>
-            </a:r>
-          </a:p>
-          <a:p>
-            <a:pPr lvl="1"/>
-            <a:r>
-              <a:rPr lang="en-US" dirty="0"/>
-              <a:t>Location</a:t>
-            </a:r>
-          </a:p>
-          <a:p>
-            <a:pPr lvl="1"/>
-            <a:r>
-              <a:rPr lang="en-US" dirty="0"/>
-              <a:t>Summary / Narrative</a:t>
-            </a:r>
-          </a:p>
-          <a:p>
-            <a:pPr lvl="1"/>
-            <a:r>
-              <a:rPr lang="en-US" dirty="0"/>
-              <a:t>Required Attributes</a:t>
-            </a:r>
-          </a:p>
-          <a:p>
-            <a:pPr lvl="1"/>
-            <a:r>
-              <a:rPr lang="en-US" dirty="0"/>
-              <a:t>Highly Desired Attributes</a:t>
-            </a:r>
-          </a:p>
-          <a:p>
-            <a:r>
-              <a:rPr lang="en-US" dirty="0"/>
-              <a:t>Many documents available</a:t>
-            </a:r>
-          </a:p>
-        </p:txBody>
-      </p:sp>
-      <p:sp>
-        <p:nvSpPr>
-          <p:cNvPr id="5" name="Text Placeholder 4">
-            <a:extLst>
-              <a:ext uri="{FF2B5EF4-FFF2-40B4-BE49-F238E27FC236}">
-                <a16:creationId xmlns:a16="http://schemas.microsoft.com/office/drawing/2014/main" id="{729737A3-0902-44B8-B2A7-99BF05EDB3C3}"/>
-              </a:ext>
-            </a:extLst>
-          </p:cNvPr>
-          <p:cNvSpPr>
-            <a:spLocks noGrp="1"/>
-          </p:cNvSpPr>
-          <p:nvPr>
-            <p:ph type="body" sz="quarter" idx="3"/>
-          </p:nvPr>
-        </p:nvSpPr>
-        <p:spPr/>
-        <p:txBody>
-          <a:bodyPr>
-            <a:normAutofit/>
-          </a:bodyPr>
-          <a:lstStyle/>
-          <a:p>
-            <a:r>
-              <a:rPr lang="en-US" sz="3600" dirty="0"/>
-              <a:t>Resume</a:t>
-            </a:r>
-          </a:p>
-        </p:txBody>
-      </p:sp>
-      <p:sp>
-        <p:nvSpPr>
-          <p:cNvPr id="6" name="Content Placeholder 5">
-            <a:extLst>
-              <a:ext uri="{FF2B5EF4-FFF2-40B4-BE49-F238E27FC236}">
-                <a16:creationId xmlns:a16="http://schemas.microsoft.com/office/drawing/2014/main" id="{127A6CB6-59CD-4DFD-82FA-05E871C91DBA}"/>
-              </a:ext>
-            </a:extLst>
-          </p:cNvPr>
-          <p:cNvSpPr>
-            <a:spLocks noGrp="1"/>
-          </p:cNvSpPr>
-          <p:nvPr>
-            <p:ph sz="quarter" idx="4"/>
-          </p:nvPr>
-        </p:nvSpPr>
-        <p:spPr/>
-        <p:txBody>
-          <a:bodyPr/>
-          <a:lstStyle/>
-          <a:p>
-            <a:r>
-              <a:rPr lang="en-US" dirty="0"/>
-              <a:t>Non-uniform</a:t>
-            </a:r>
-          </a:p>
-          <a:p>
-            <a:r>
-              <a:rPr lang="en-US" dirty="0"/>
-              <a:t>Mix of narrative, lists, matrixes, etc. </a:t>
-            </a:r>
-          </a:p>
-          <a:p>
-            <a:r>
-              <a:rPr lang="en-US" dirty="0"/>
-              <a:t>Limited documents available</a:t>
+              <a:rPr lang="en-US" sz="1200" dirty="0">
+                <a:latin typeface="Avenir Light"/>
+                <a:cs typeface="Avenir Light"/>
+              </a:rPr>
+              <a:t>Define a question and an approach</a:t>
             </a:r>
           </a:p>
         </p:txBody>
@@ -7656,7 +7742,7 @@
     </p:spTree>
     <p:extLst>
       <p:ext uri="{BB962C8B-B14F-4D97-AF65-F5344CB8AC3E}">
-        <p14:creationId xmlns:p14="http://schemas.microsoft.com/office/powerpoint/2010/main" val="362660068"/>
+        <p14:creationId xmlns:p14="http://schemas.microsoft.com/office/powerpoint/2010/main" val="2955001397"/>
       </p:ext>
     </p:extLst>
   </p:cSld>
@@ -7685,10 +7771,10 @@
       </p:grpSpPr>
       <p:sp>
         <p:nvSpPr>
-          <p:cNvPr id="7" name="Title 6">
+          <p:cNvPr id="2" name="Title 1">
             <a:extLst>
               <a:ext uri="{FF2B5EF4-FFF2-40B4-BE49-F238E27FC236}">
-                <a16:creationId xmlns:a16="http://schemas.microsoft.com/office/drawing/2014/main" id="{2C34020D-3B18-4966-9758-2A964095CD9F}"/>
+                <a16:creationId xmlns:a16="http://schemas.microsoft.com/office/drawing/2014/main" xmlns="" id="{73FABB48-3700-49DB-9BA2-BA4EA4237E1D}"/>
               </a:ext>
             </a:extLst>
           </p:cNvPr>
@@ -7711,40 +7797,189 @@
           </a:p>
         </p:txBody>
       </p:sp>
-      <p:pic>
-        <p:nvPicPr>
-          <p:cNvPr id="10" name="Picture 9">
+      <p:sp>
+        <p:nvSpPr>
+          <p:cNvPr id="3" name="Text Placeholder 2">
             <a:extLst>
               <a:ext uri="{FF2B5EF4-FFF2-40B4-BE49-F238E27FC236}">
-                <a16:creationId xmlns:a16="http://schemas.microsoft.com/office/drawing/2014/main" id="{DC3869E6-98AC-4567-B536-4A8E442A23D2}"/>
+                <a16:creationId xmlns:a16="http://schemas.microsoft.com/office/drawing/2014/main" xmlns="" id="{DB01AD3C-BD8E-43B5-8B90-C53EF8878AD9}"/>
               </a:ext>
             </a:extLst>
           </p:cNvPr>
-          <p:cNvPicPr>
-            <a:picLocks noChangeAspect="1"/>
-          </p:cNvPicPr>
-          <p:nvPr/>
-        </p:nvPicPr>
-        <p:blipFill>
-          <a:blip r:embed="rId2"/>
-          <a:stretch>
-            <a:fillRect/>
-          </a:stretch>
-        </p:blipFill>
-        <p:spPr>
-          <a:xfrm>
-            <a:off x="1817816" y="1773555"/>
-            <a:ext cx="8556368" cy="4826000"/>
-          </a:xfrm>
-          <a:prstGeom prst="rect">
-            <a:avLst/>
-          </a:prstGeom>
-        </p:spPr>
-      </p:pic>
+          <p:cNvSpPr>
+            <a:spLocks noGrp="1"/>
+          </p:cNvSpPr>
+          <p:nvPr>
+            <p:ph type="body" idx="1"/>
+          </p:nvPr>
+        </p:nvSpPr>
+        <p:spPr/>
+        <p:txBody>
+          <a:bodyPr>
+            <a:normAutofit/>
+          </a:bodyPr>
+          <a:lstStyle/>
+          <a:p>
+            <a:r>
+              <a:rPr lang="en-US" sz="3600" dirty="0"/>
+              <a:t>Job Posting</a:t>
+            </a:r>
+          </a:p>
+        </p:txBody>
+      </p:sp>
+      <p:sp>
+        <p:nvSpPr>
+          <p:cNvPr id="4" name="Content Placeholder 3">
+            <a:extLst>
+              <a:ext uri="{FF2B5EF4-FFF2-40B4-BE49-F238E27FC236}">
+                <a16:creationId xmlns:a16="http://schemas.microsoft.com/office/drawing/2014/main" xmlns="" id="{0F8795B0-6709-43D7-9376-17B051E509F4}"/>
+              </a:ext>
+            </a:extLst>
+          </p:cNvPr>
+          <p:cNvSpPr>
+            <a:spLocks noGrp="1"/>
+          </p:cNvSpPr>
+          <p:nvPr>
+            <p:ph sz="half" idx="2"/>
+          </p:nvPr>
+        </p:nvSpPr>
+        <p:spPr/>
+        <p:txBody>
+          <a:bodyPr/>
+          <a:lstStyle/>
+          <a:p>
+            <a:r>
+              <a:rPr lang="en-US" dirty="0" err="1"/>
+              <a:t>Webscraped</a:t>
+            </a:r>
+            <a:r>
+              <a:rPr lang="en-US" dirty="0"/>
+              <a:t> in &lt;XML&gt; format</a:t>
+            </a:r>
+          </a:p>
+          <a:p>
+            <a:r>
+              <a:rPr lang="en-US" dirty="0"/>
+              <a:t>Sectioned by company</a:t>
+            </a:r>
+          </a:p>
+          <a:p>
+            <a:pPr lvl="1"/>
+            <a:r>
+              <a:rPr lang="en-US" dirty="0"/>
+              <a:t>Job Title</a:t>
+            </a:r>
+          </a:p>
+          <a:p>
+            <a:pPr lvl="1"/>
+            <a:r>
+              <a:rPr lang="en-US" dirty="0"/>
+              <a:t>Location</a:t>
+            </a:r>
+          </a:p>
+          <a:p>
+            <a:pPr lvl="1"/>
+            <a:r>
+              <a:rPr lang="en-US" dirty="0"/>
+              <a:t>Summary / Narrative</a:t>
+            </a:r>
+          </a:p>
+          <a:p>
+            <a:pPr lvl="1"/>
+            <a:r>
+              <a:rPr lang="en-US" dirty="0"/>
+              <a:t>Required Attributes</a:t>
+            </a:r>
+          </a:p>
+          <a:p>
+            <a:pPr lvl="1"/>
+            <a:r>
+              <a:rPr lang="en-US" dirty="0"/>
+              <a:t>Highly Desired Attributes</a:t>
+            </a:r>
+          </a:p>
+          <a:p>
+            <a:r>
+              <a:rPr lang="en-US" dirty="0"/>
+              <a:t>Many documents available</a:t>
+            </a:r>
+          </a:p>
+        </p:txBody>
+      </p:sp>
+      <p:sp>
+        <p:nvSpPr>
+          <p:cNvPr id="5" name="Text Placeholder 4">
+            <a:extLst>
+              <a:ext uri="{FF2B5EF4-FFF2-40B4-BE49-F238E27FC236}">
+                <a16:creationId xmlns:a16="http://schemas.microsoft.com/office/drawing/2014/main" xmlns="" id="{729737A3-0902-44B8-B2A7-99BF05EDB3C3}"/>
+              </a:ext>
+            </a:extLst>
+          </p:cNvPr>
+          <p:cNvSpPr>
+            <a:spLocks noGrp="1"/>
+          </p:cNvSpPr>
+          <p:nvPr>
+            <p:ph type="body" sz="quarter" idx="3"/>
+          </p:nvPr>
+        </p:nvSpPr>
+        <p:spPr/>
+        <p:txBody>
+          <a:bodyPr>
+            <a:normAutofit/>
+          </a:bodyPr>
+          <a:lstStyle/>
+          <a:p>
+            <a:r>
+              <a:rPr lang="en-US" sz="3600" dirty="0"/>
+              <a:t>Resume</a:t>
+            </a:r>
+          </a:p>
+        </p:txBody>
+      </p:sp>
+      <p:sp>
+        <p:nvSpPr>
+          <p:cNvPr id="6" name="Content Placeholder 5">
+            <a:extLst>
+              <a:ext uri="{FF2B5EF4-FFF2-40B4-BE49-F238E27FC236}">
+                <a16:creationId xmlns:a16="http://schemas.microsoft.com/office/drawing/2014/main" xmlns="" id="{127A6CB6-59CD-4DFD-82FA-05E871C91DBA}"/>
+              </a:ext>
+            </a:extLst>
+          </p:cNvPr>
+          <p:cNvSpPr>
+            <a:spLocks noGrp="1"/>
+          </p:cNvSpPr>
+          <p:nvPr>
+            <p:ph sz="quarter" idx="4"/>
+          </p:nvPr>
+        </p:nvSpPr>
+        <p:spPr/>
+        <p:txBody>
+          <a:bodyPr/>
+          <a:lstStyle/>
+          <a:p>
+            <a:r>
+              <a:rPr lang="en-US" dirty="0"/>
+              <a:t>Non-uniform</a:t>
+            </a:r>
+          </a:p>
+          <a:p>
+            <a:r>
+              <a:rPr lang="en-US" dirty="0"/>
+              <a:t>Mix of narrative, lists, matrixes, etc. </a:t>
+            </a:r>
+          </a:p>
+          <a:p>
+            <a:r>
+              <a:rPr lang="en-US" dirty="0"/>
+              <a:t>Limited documents available</a:t>
+            </a:r>
+          </a:p>
+        </p:txBody>
+      </p:sp>
     </p:spTree>
     <p:extLst>
       <p:ext uri="{BB962C8B-B14F-4D97-AF65-F5344CB8AC3E}">
-        <p14:creationId xmlns:p14="http://schemas.microsoft.com/office/powerpoint/2010/main" val="1064126419"/>
+        <p14:creationId xmlns:p14="http://schemas.microsoft.com/office/powerpoint/2010/main" val="362660068"/>
       </p:ext>
     </p:extLst>
   </p:cSld>
@@ -7773,10 +8008,10 @@
       </p:grpSpPr>
       <p:sp>
         <p:nvSpPr>
-          <p:cNvPr id="2" name="Title 1">
+          <p:cNvPr id="7" name="Title 6">
             <a:extLst>
               <a:ext uri="{FF2B5EF4-FFF2-40B4-BE49-F238E27FC236}">
-                <a16:creationId xmlns:a16="http://schemas.microsoft.com/office/drawing/2014/main" id="{431E01C7-00CA-49F7-95EA-982727D200FA}"/>
+                <a16:creationId xmlns:a16="http://schemas.microsoft.com/office/drawing/2014/main" xmlns="" id="{2C34020D-3B18-4966-9758-2A964095CD9F}"/>
               </a:ext>
             </a:extLst>
           </p:cNvPr>
@@ -7794,40 +8029,45 @@
           <a:p>
             <a:r>
               <a:rPr lang="en-US" dirty="0"/>
-              <a:t>Data Preparation</a:t>
+              <a:t>Data Exploration</a:t>
             </a:r>
           </a:p>
         </p:txBody>
       </p:sp>
-      <p:sp>
-        <p:nvSpPr>
-          <p:cNvPr id="3" name="Content Placeholder 2">
+      <p:pic>
+        <p:nvPicPr>
+          <p:cNvPr id="10" name="Picture 9">
             <a:extLst>
               <a:ext uri="{FF2B5EF4-FFF2-40B4-BE49-F238E27FC236}">
-                <a16:creationId xmlns:a16="http://schemas.microsoft.com/office/drawing/2014/main" id="{F5DB7329-84ED-4D41-A34F-4A454F832826}"/>
+                <a16:creationId xmlns:a16="http://schemas.microsoft.com/office/drawing/2014/main" xmlns="" id="{DC3869E6-98AC-4567-B536-4A8E442A23D2}"/>
               </a:ext>
             </a:extLst>
           </p:cNvPr>
-          <p:cNvSpPr>
-            <a:spLocks noGrp="1"/>
-          </p:cNvSpPr>
-          <p:nvPr>
-            <p:ph idx="1"/>
-          </p:nvPr>
-        </p:nvSpPr>
-        <p:spPr/>
-        <p:txBody>
-          <a:bodyPr/>
-          <a:lstStyle/>
-          <a:p>
-            <a:endParaRPr lang="en-US"/>
-          </a:p>
-        </p:txBody>
-      </p:sp>
+          <p:cNvPicPr>
+            <a:picLocks noChangeAspect="1"/>
+          </p:cNvPicPr>
+          <p:nvPr/>
+        </p:nvPicPr>
+        <p:blipFill>
+          <a:blip r:embed="rId2"/>
+          <a:stretch>
+            <a:fillRect/>
+          </a:stretch>
+        </p:blipFill>
+        <p:spPr>
+          <a:xfrm>
+            <a:off x="1817816" y="1773555"/>
+            <a:ext cx="8556368" cy="4826000"/>
+          </a:xfrm>
+          <a:prstGeom prst="rect">
+            <a:avLst/>
+          </a:prstGeom>
+        </p:spPr>
+      </p:pic>
     </p:spTree>
     <p:extLst>
       <p:ext uri="{BB962C8B-B14F-4D97-AF65-F5344CB8AC3E}">
-        <p14:creationId xmlns:p14="http://schemas.microsoft.com/office/powerpoint/2010/main" val="2193895890"/>
+        <p14:creationId xmlns:p14="http://schemas.microsoft.com/office/powerpoint/2010/main" val="1064126419"/>
       </p:ext>
     </p:extLst>
   </p:cSld>
@@ -8126,7 +8366,7 @@
   <a:extraClrSchemeLst/>
   <a:extLst>
     <a:ext uri="{05A4C25C-085E-4340-85A3-A5531E510DB2}">
-      <thm15:themeFamily xmlns:thm15="http://schemas.microsoft.com/office/thememl/2012/main" name="Office Theme" id="{62F939B6-93AF-4DB8-9C6B-D6C7DFDC589F}" vid="{4A3C46E8-61CC-4603-A589-7422A47A8E4A}"/>
+      <thm15:themeFamily xmlns:thm15="http://schemas.microsoft.com/office/thememl/2012/main" xmlns="" name="Office Theme" id="{62F939B6-93AF-4DB8-9C6B-D6C7DFDC589F}" vid="{4A3C46E8-61CC-4603-A589-7422A47A8E4A}"/>
     </a:ext>
   </a:extLst>
 </a:theme>

--- a/Jobs Analysis.pptx
+++ b/Jobs Analysis.pptx
@@ -15,6 +15,15 @@
     <p:sldId id="263" r:id="rId9"/>
     <p:sldId id="264" r:id="rId10"/>
     <p:sldId id="265" r:id="rId11"/>
+    <p:sldId id="271" r:id="rId12"/>
+    <p:sldId id="272" r:id="rId13"/>
+    <p:sldId id="273" r:id="rId14"/>
+    <p:sldId id="274" r:id="rId15"/>
+    <p:sldId id="275" r:id="rId16"/>
+    <p:sldId id="267" r:id="rId17"/>
+    <p:sldId id="268" r:id="rId18"/>
+    <p:sldId id="269" r:id="rId19"/>
+    <p:sldId id="270" r:id="rId20"/>
   </p:sldIdLst>
   <p:sldSz cx="12192000" cy="6858000"/>
   <p:notesSz cx="6858000" cy="9144000"/>
@@ -113,6 +122,22 @@
       </a:defRPr>
     </a:lvl9pPr>
   </p:defaultTextStyle>
+  <p:extLst>
+    <p:ext uri="{EFAFB233-063F-42B5-8137-9DF3F51BA10A}">
+      <p15:sldGuideLst xmlns:p15="http://schemas.microsoft.com/office/powerpoint/2012/main">
+        <p15:guide id="1" orient="horz" pos="2160">
+          <p15:clr>
+            <a:srgbClr val="A4A3A4"/>
+          </p15:clr>
+        </p15:guide>
+        <p15:guide id="2" pos="3840">
+          <p15:clr>
+            <a:srgbClr val="A4A3A4"/>
+          </p15:clr>
+        </p15:guide>
+      </p15:sldGuideLst>
+    </p:ext>
+  </p:extLst>
 </p:presentation>
 </file>
 
@@ -1134,13 +1159,6 @@
         </dgm:presLayoutVars>
       </dgm:prSet>
       <dgm:spPr/>
-      <dgm:t>
-        <a:bodyPr/>
-        <a:lstStyle/>
-        <a:p>
-          <a:endParaRPr lang="en-US"/>
-        </a:p>
-      </dgm:t>
     </dgm:pt>
     <dgm:pt modelId="{09A57D60-8F37-4BB6-9FEC-A00BB874C2CE}" type="pres">
       <dgm:prSet presAssocID="{EE1BCD30-62CF-4CF2-BD7F-C7A7BD06C63C}" presName="compositeNode" presStyleCnt="0">
@@ -1153,13 +1171,6 @@
     <dgm:pt modelId="{70071FF4-E4BE-4600-8C3C-E8D99DD003D0}" type="pres">
       <dgm:prSet presAssocID="{EE1BCD30-62CF-4CF2-BD7F-C7A7BD06C63C}" presName="bgRect" presStyleLbl="bgAccFollowNode1" presStyleIdx="0" presStyleCnt="3"/>
       <dgm:spPr/>
-      <dgm:t>
-        <a:bodyPr/>
-        <a:lstStyle/>
-        <a:p>
-          <a:endParaRPr lang="en-US"/>
-        </a:p>
-      </dgm:t>
     </dgm:pt>
     <dgm:pt modelId="{42D03371-A196-438F-A26E-CFE731129DB1}" type="pres">
       <dgm:prSet presAssocID="{ACB80BCE-A2ED-449E-A9DC-47DF55D131D8}" presName="sibTransNodeCircle" presStyleLbl="alignNode1" presStyleIdx="0" presStyleCnt="6">
@@ -1169,13 +1180,6 @@
         </dgm:presLayoutVars>
       </dgm:prSet>
       <dgm:spPr/>
-      <dgm:t>
-        <a:bodyPr/>
-        <a:lstStyle/>
-        <a:p>
-          <a:endParaRPr lang="en-US"/>
-        </a:p>
-      </dgm:t>
     </dgm:pt>
     <dgm:pt modelId="{3DD3F65D-F005-41C5-9939-E8C7C7A3EE59}" type="pres">
       <dgm:prSet presAssocID="{EE1BCD30-62CF-4CF2-BD7F-C7A7BD06C63C}" presName="bottomLine" presStyleLbl="alignNode1" presStyleIdx="1" presStyleCnt="6">
@@ -1190,13 +1194,6 @@
         </dgm:presLayoutVars>
       </dgm:prSet>
       <dgm:spPr/>
-      <dgm:t>
-        <a:bodyPr/>
-        <a:lstStyle/>
-        <a:p>
-          <a:endParaRPr lang="en-US"/>
-        </a:p>
-      </dgm:t>
     </dgm:pt>
     <dgm:pt modelId="{8C93EFB9-4252-4B2A-A4FD-B31E0617A81C}" type="pres">
       <dgm:prSet presAssocID="{ACB80BCE-A2ED-449E-A9DC-47DF55D131D8}" presName="sibTrans" presStyleCnt="0"/>
@@ -1213,13 +1210,6 @@
     <dgm:pt modelId="{F64A0F65-A87B-4EA5-BF63-CC3CF24D1892}" type="pres">
       <dgm:prSet presAssocID="{2A8B8297-7E6D-4F86-9F87-40D25140CCA9}" presName="bgRect" presStyleLbl="bgAccFollowNode1" presStyleIdx="1" presStyleCnt="3"/>
       <dgm:spPr/>
-      <dgm:t>
-        <a:bodyPr/>
-        <a:lstStyle/>
-        <a:p>
-          <a:endParaRPr lang="en-US"/>
-        </a:p>
-      </dgm:t>
     </dgm:pt>
     <dgm:pt modelId="{AB61A1ED-BD40-4223-8596-EE7292E68E8D}" type="pres">
       <dgm:prSet presAssocID="{830E8122-5967-4D9E-BFD8-AAA9B0B61254}" presName="sibTransNodeCircle" presStyleLbl="alignNode1" presStyleIdx="2" presStyleCnt="6">
@@ -1229,13 +1219,6 @@
         </dgm:presLayoutVars>
       </dgm:prSet>
       <dgm:spPr/>
-      <dgm:t>
-        <a:bodyPr/>
-        <a:lstStyle/>
-        <a:p>
-          <a:endParaRPr lang="en-US"/>
-        </a:p>
-      </dgm:t>
     </dgm:pt>
     <dgm:pt modelId="{DDF2BB25-8A89-46F0-B778-67001C9041C9}" type="pres">
       <dgm:prSet presAssocID="{2A8B8297-7E6D-4F86-9F87-40D25140CCA9}" presName="bottomLine" presStyleLbl="alignNode1" presStyleIdx="3" presStyleCnt="6">
@@ -1250,13 +1233,6 @@
         </dgm:presLayoutVars>
       </dgm:prSet>
       <dgm:spPr/>
-      <dgm:t>
-        <a:bodyPr/>
-        <a:lstStyle/>
-        <a:p>
-          <a:endParaRPr lang="en-US"/>
-        </a:p>
-      </dgm:t>
     </dgm:pt>
     <dgm:pt modelId="{34EAC8DA-B3D1-4B21-81B8-81100C62490D}" type="pres">
       <dgm:prSet presAssocID="{830E8122-5967-4D9E-BFD8-AAA9B0B61254}" presName="sibTrans" presStyleCnt="0"/>
@@ -1273,13 +1249,6 @@
     <dgm:pt modelId="{B7DC95EA-EB5F-4C62-9BDD-1F0C72971ED4}" type="pres">
       <dgm:prSet presAssocID="{13876AFA-7058-48FC-8184-A90E8A7CD36C}" presName="bgRect" presStyleLbl="bgAccFollowNode1" presStyleIdx="2" presStyleCnt="3"/>
       <dgm:spPr/>
-      <dgm:t>
-        <a:bodyPr/>
-        <a:lstStyle/>
-        <a:p>
-          <a:endParaRPr lang="en-US"/>
-        </a:p>
-      </dgm:t>
     </dgm:pt>
     <dgm:pt modelId="{62707B22-23DD-4DBE-A0A0-AAB9AC9E1382}" type="pres">
       <dgm:prSet presAssocID="{C2368265-1E5D-49BC-98F4-27F05CDDBA57}" presName="sibTransNodeCircle" presStyleLbl="alignNode1" presStyleIdx="4" presStyleCnt="6">
@@ -1289,13 +1258,6 @@
         </dgm:presLayoutVars>
       </dgm:prSet>
       <dgm:spPr/>
-      <dgm:t>
-        <a:bodyPr/>
-        <a:lstStyle/>
-        <a:p>
-          <a:endParaRPr lang="en-US"/>
-        </a:p>
-      </dgm:t>
     </dgm:pt>
     <dgm:pt modelId="{B9A5B84F-8AF3-40C7-B00B-94E124AEAC23}" type="pres">
       <dgm:prSet presAssocID="{13876AFA-7058-48FC-8184-A90E8A7CD36C}" presName="bottomLine" presStyleLbl="alignNode1" presStyleIdx="5" presStyleCnt="6">
@@ -1310,29 +1272,22 @@
         </dgm:presLayoutVars>
       </dgm:prSet>
       <dgm:spPr/>
-      <dgm:t>
-        <a:bodyPr/>
-        <a:lstStyle/>
-        <a:p>
-          <a:endParaRPr lang="en-US"/>
-        </a:p>
-      </dgm:t>
     </dgm:pt>
   </dgm:ptLst>
   <dgm:cxnLst>
+    <dgm:cxn modelId="{5633121E-1A21-425C-9DC6-D5162E259413}" type="presOf" srcId="{2A8B8297-7E6D-4F86-9F87-40D25140CCA9}" destId="{F64A0F65-A87B-4EA5-BF63-CC3CF24D1892}" srcOrd="0" destOrd="0" presId="urn:microsoft.com/office/officeart/2016/7/layout/BasicLinearProcessNumbered"/>
+    <dgm:cxn modelId="{B760DE1E-1F0D-412F-9332-EEF995E2D263}" type="presOf" srcId="{C2368265-1E5D-49BC-98F4-27F05CDDBA57}" destId="{62707B22-23DD-4DBE-A0A0-AAB9AC9E1382}" srcOrd="0" destOrd="0" presId="urn:microsoft.com/office/officeart/2016/7/layout/BasicLinearProcessNumbered"/>
+    <dgm:cxn modelId="{01486A2A-8731-4C68-87DB-8A48DCC357C0}" type="presOf" srcId="{8CFF4F52-43D1-4C51-BF0C-325A9AB71E59}" destId="{41787B49-E0C6-4289-8162-AC2D3A8F4B50}" srcOrd="0" destOrd="0" presId="urn:microsoft.com/office/officeart/2016/7/layout/BasicLinearProcessNumbered"/>
+    <dgm:cxn modelId="{043C6B2B-1151-4D38-8F1C-F471901D7270}" srcId="{8CFF4F52-43D1-4C51-BF0C-325A9AB71E59}" destId="{13876AFA-7058-48FC-8184-A90E8A7CD36C}" srcOrd="2" destOrd="0" parTransId="{11E01D19-0B48-4036-A9AD-6EE4CF842D38}" sibTransId="{C2368265-1E5D-49BC-98F4-27F05CDDBA57}"/>
     <dgm:cxn modelId="{A3A2BB31-28E8-4A1A-83BA-81F9201BF5BB}" srcId="{8CFF4F52-43D1-4C51-BF0C-325A9AB71E59}" destId="{EE1BCD30-62CF-4CF2-BD7F-C7A7BD06C63C}" srcOrd="0" destOrd="0" parTransId="{A18B9D12-E9DA-4F38-8D3C-9B88E54BC0E2}" sibTransId="{ACB80BCE-A2ED-449E-A9DC-47DF55D131D8}"/>
+    <dgm:cxn modelId="{181F1832-BE00-40F7-B149-15B2371B581B}" type="presOf" srcId="{ACB80BCE-A2ED-449E-A9DC-47DF55D131D8}" destId="{42D03371-A196-438F-A26E-CFE731129DB1}" srcOrd="0" destOrd="0" presId="urn:microsoft.com/office/officeart/2016/7/layout/BasicLinearProcessNumbered"/>
+    <dgm:cxn modelId="{6FD2C166-A046-4F6F-9966-D7BCB5F433F3}" type="presOf" srcId="{EE1BCD30-62CF-4CF2-BD7F-C7A7BD06C63C}" destId="{70071FF4-E4BE-4600-8C3C-E8D99DD003D0}" srcOrd="0" destOrd="0" presId="urn:microsoft.com/office/officeart/2016/7/layout/BasicLinearProcessNumbered"/>
+    <dgm:cxn modelId="{81E31569-9F78-4E1A-A6C7-9D79EACF44FC}" type="presOf" srcId="{13876AFA-7058-48FC-8184-A90E8A7CD36C}" destId="{B7DC95EA-EB5F-4C62-9BDD-1F0C72971ED4}" srcOrd="0" destOrd="0" presId="urn:microsoft.com/office/officeart/2016/7/layout/BasicLinearProcessNumbered"/>
     <dgm:cxn modelId="{4778E95A-C357-48A9-9703-54695FEA961D}" srcId="{8CFF4F52-43D1-4C51-BF0C-325A9AB71E59}" destId="{2A8B8297-7E6D-4F86-9F87-40D25140CCA9}" srcOrd="1" destOrd="0" parTransId="{4608FD4B-FF7A-432E-9481-7B3C80F4F396}" sibTransId="{830E8122-5967-4D9E-BFD8-AAA9B0B61254}"/>
-    <dgm:cxn modelId="{B760DE1E-1F0D-412F-9332-EEF995E2D263}" type="presOf" srcId="{C2368265-1E5D-49BC-98F4-27F05CDDBA57}" destId="{62707B22-23DD-4DBE-A0A0-AAB9AC9E1382}" srcOrd="0" destOrd="0" presId="urn:microsoft.com/office/officeart/2016/7/layout/BasicLinearProcessNumbered"/>
+    <dgm:cxn modelId="{C8776197-DDBB-4380-BF71-3B32B34BB03E}" type="presOf" srcId="{2A8B8297-7E6D-4F86-9F87-40D25140CCA9}" destId="{BB211782-0D1B-4063-9226-4D318352255B}" srcOrd="1" destOrd="0" presId="urn:microsoft.com/office/officeart/2016/7/layout/BasicLinearProcessNumbered"/>
     <dgm:cxn modelId="{9A0F589C-DB1F-439D-9274-04892B53B0F4}" type="presOf" srcId="{830E8122-5967-4D9E-BFD8-AAA9B0B61254}" destId="{AB61A1ED-BD40-4223-8596-EE7292E68E8D}" srcOrd="0" destOrd="0" presId="urn:microsoft.com/office/officeart/2016/7/layout/BasicLinearProcessNumbered"/>
-    <dgm:cxn modelId="{6FD2C166-A046-4F6F-9966-D7BCB5F433F3}" type="presOf" srcId="{EE1BCD30-62CF-4CF2-BD7F-C7A7BD06C63C}" destId="{70071FF4-E4BE-4600-8C3C-E8D99DD003D0}" srcOrd="0" destOrd="0" presId="urn:microsoft.com/office/officeart/2016/7/layout/BasicLinearProcessNumbered"/>
+    <dgm:cxn modelId="{6EC5BEF1-A17B-4D8B-8616-11F9F2829543}" type="presOf" srcId="{EE1BCD30-62CF-4CF2-BD7F-C7A7BD06C63C}" destId="{4ABB5407-EDC5-45C2-AF17-A4858D2BC77B}" srcOrd="1" destOrd="0" presId="urn:microsoft.com/office/officeart/2016/7/layout/BasicLinearProcessNumbered"/>
     <dgm:cxn modelId="{18AF17F3-6F25-4609-B89F-7058D88B0BCB}" type="presOf" srcId="{13876AFA-7058-48FC-8184-A90E8A7CD36C}" destId="{230CDCA6-21FE-49B1-ADD2-DBDCC0FEB6B3}" srcOrd="1" destOrd="0" presId="urn:microsoft.com/office/officeart/2016/7/layout/BasicLinearProcessNumbered"/>
-    <dgm:cxn modelId="{181F1832-BE00-40F7-B149-15B2371B581B}" type="presOf" srcId="{ACB80BCE-A2ED-449E-A9DC-47DF55D131D8}" destId="{42D03371-A196-438F-A26E-CFE731129DB1}" srcOrd="0" destOrd="0" presId="urn:microsoft.com/office/officeart/2016/7/layout/BasicLinearProcessNumbered"/>
-    <dgm:cxn modelId="{01486A2A-8731-4C68-87DB-8A48DCC357C0}" type="presOf" srcId="{8CFF4F52-43D1-4C51-BF0C-325A9AB71E59}" destId="{41787B49-E0C6-4289-8162-AC2D3A8F4B50}" srcOrd="0" destOrd="0" presId="urn:microsoft.com/office/officeart/2016/7/layout/BasicLinearProcessNumbered"/>
-    <dgm:cxn modelId="{81E31569-9F78-4E1A-A6C7-9D79EACF44FC}" type="presOf" srcId="{13876AFA-7058-48FC-8184-A90E8A7CD36C}" destId="{B7DC95EA-EB5F-4C62-9BDD-1F0C72971ED4}" srcOrd="0" destOrd="0" presId="urn:microsoft.com/office/officeart/2016/7/layout/BasicLinearProcessNumbered"/>
-    <dgm:cxn modelId="{5633121E-1A21-425C-9DC6-D5162E259413}" type="presOf" srcId="{2A8B8297-7E6D-4F86-9F87-40D25140CCA9}" destId="{F64A0F65-A87B-4EA5-BF63-CC3CF24D1892}" srcOrd="0" destOrd="0" presId="urn:microsoft.com/office/officeart/2016/7/layout/BasicLinearProcessNumbered"/>
-    <dgm:cxn modelId="{6EC5BEF1-A17B-4D8B-8616-11F9F2829543}" type="presOf" srcId="{EE1BCD30-62CF-4CF2-BD7F-C7A7BD06C63C}" destId="{4ABB5407-EDC5-45C2-AF17-A4858D2BC77B}" srcOrd="1" destOrd="0" presId="urn:microsoft.com/office/officeart/2016/7/layout/BasicLinearProcessNumbered"/>
-    <dgm:cxn modelId="{C8776197-DDBB-4380-BF71-3B32B34BB03E}" type="presOf" srcId="{2A8B8297-7E6D-4F86-9F87-40D25140CCA9}" destId="{BB211782-0D1B-4063-9226-4D318352255B}" srcOrd="1" destOrd="0" presId="urn:microsoft.com/office/officeart/2016/7/layout/BasicLinearProcessNumbered"/>
-    <dgm:cxn modelId="{043C6B2B-1151-4D38-8F1C-F471901D7270}" srcId="{8CFF4F52-43D1-4C51-BF0C-325A9AB71E59}" destId="{13876AFA-7058-48FC-8184-A90E8A7CD36C}" srcOrd="2" destOrd="0" parTransId="{11E01D19-0B48-4036-A9AD-6EE4CF842D38}" sibTransId="{C2368265-1E5D-49BC-98F4-27F05CDDBA57}"/>
     <dgm:cxn modelId="{DC7B0455-5840-453F-8A0C-497527AD0140}" type="presParOf" srcId="{41787B49-E0C6-4289-8162-AC2D3A8F4B50}" destId="{09A57D60-8F37-4BB6-9FEC-A00BB874C2CE}" srcOrd="0" destOrd="0" presId="urn:microsoft.com/office/officeart/2016/7/layout/BasicLinearProcessNumbered"/>
     <dgm:cxn modelId="{2E111D49-C144-4AA0-9F47-D3DDBA572F49}" type="presParOf" srcId="{09A57D60-8F37-4BB6-9FEC-A00BB874C2CE}" destId="{70071FF4-E4BE-4600-8C3C-E8D99DD003D0}" srcOrd="0" destOrd="0" presId="urn:microsoft.com/office/officeart/2016/7/layout/BasicLinearProcessNumbered"/>
     <dgm:cxn modelId="{4818F058-DB94-4FBD-8C3C-27EB93E124BD}" type="presParOf" srcId="{09A57D60-8F37-4BB6-9FEC-A00BB874C2CE}" destId="{42D03371-A196-438F-A26E-CFE731129DB1}" srcOrd="1" destOrd="0" presId="urn:microsoft.com/office/officeart/2016/7/layout/BasicLinearProcessNumbered"/>
@@ -1424,7 +1379,7 @@
         </a:bodyPr>
         <a:lstStyle/>
         <a:p>
-          <a:pPr lvl="0" algn="l" defTabSz="1155700">
+          <a:pPr marL="0" lvl="0" indent="0" algn="l" defTabSz="1155700">
             <a:lnSpc>
               <a:spcPct val="90000"/>
             </a:lnSpc>
@@ -1434,6 +1389,7 @@
             <a:spcAft>
               <a:spcPct val="35000"/>
             </a:spcAft>
+            <a:buNone/>
           </a:pPr>
           <a:r>
             <a:rPr lang="en-US" sz="2600" kern="1200"/>
@@ -1535,7 +1491,7 @@
         </a:bodyPr>
         <a:lstStyle/>
         <a:p>
-          <a:pPr lvl="0" algn="ctr" defTabSz="2133600">
+          <a:pPr marL="0" lvl="0" indent="0" algn="ctr" defTabSz="2133600">
             <a:lnSpc>
               <a:spcPct val="90000"/>
             </a:lnSpc>
@@ -1545,6 +1501,7 @@
             <a:spcAft>
               <a:spcPct val="35000"/>
             </a:spcAft>
+            <a:buNone/>
           </a:pPr>
           <a:r>
             <a:rPr lang="en-US" sz="4800" kern="1200"/>
@@ -1696,7 +1653,7 @@
         </a:bodyPr>
         <a:lstStyle/>
         <a:p>
-          <a:pPr lvl="0" algn="l" defTabSz="1155700">
+          <a:pPr marL="0" lvl="0" indent="0" algn="l" defTabSz="1155700">
             <a:lnSpc>
               <a:spcPct val="90000"/>
             </a:lnSpc>
@@ -1706,6 +1663,7 @@
             <a:spcAft>
               <a:spcPct val="35000"/>
             </a:spcAft>
+            <a:buNone/>
           </a:pPr>
           <a:r>
             <a:rPr lang="en-US" sz="2600" kern="1200"/>
@@ -1807,7 +1765,7 @@
         </a:bodyPr>
         <a:lstStyle/>
         <a:p>
-          <a:pPr lvl="0" algn="ctr" defTabSz="2133600">
+          <a:pPr marL="0" lvl="0" indent="0" algn="ctr" defTabSz="2133600">
             <a:lnSpc>
               <a:spcPct val="90000"/>
             </a:lnSpc>
@@ -1817,6 +1775,7 @@
             <a:spcAft>
               <a:spcPct val="35000"/>
             </a:spcAft>
+            <a:buNone/>
           </a:pPr>
           <a:r>
             <a:rPr lang="en-US" sz="4800" kern="1200"/>
@@ -1968,7 +1927,7 @@
         </a:bodyPr>
         <a:lstStyle/>
         <a:p>
-          <a:pPr lvl="0" algn="l" defTabSz="1155700">
+          <a:pPr marL="0" lvl="0" indent="0" algn="l" defTabSz="1155700">
             <a:lnSpc>
               <a:spcPct val="90000"/>
             </a:lnSpc>
@@ -1978,6 +1937,7 @@
             <a:spcAft>
               <a:spcPct val="35000"/>
             </a:spcAft>
+            <a:buNone/>
           </a:pPr>
           <a:r>
             <a:rPr lang="en-US" sz="2600" kern="1200"/>
@@ -2079,7 +2039,7 @@
         </a:bodyPr>
         <a:lstStyle/>
         <a:p>
-          <a:pPr lvl="0" algn="ctr" defTabSz="2133600">
+          <a:pPr marL="0" lvl="0" indent="0" algn="ctr" defTabSz="2133600">
             <a:lnSpc>
               <a:spcPct val="90000"/>
             </a:lnSpc>
@@ -2089,6 +2049,7 @@
             <a:spcAft>
               <a:spcPct val="35000"/>
             </a:spcAft>
+            <a:buNone/>
           </a:pPr>
           <a:r>
             <a:rPr lang="en-US" sz="4800" kern="1200"/>
@@ -2454,7 +2415,7 @@
   </dgm:layoutNode>
   <dgm:extLst>
     <a:ext uri="{4F341089-5ED1-44EC-B178-C955D00A3D55}">
-      <dgm1611:autoBuNodeInfoLst xmlns:dgm1611="http://schemas.microsoft.com/office/drawing/2016/11/diagram" xmlns="">
+      <dgm1611:autoBuNodeInfoLst xmlns:dgm1611="http://schemas.microsoft.com/office/drawing/2016/11/diagram">
         <dgm1611:autoBuNodeInfo lvl="1" ptType="sibTrans">
           <dgm1611:buPr prefix="" leadZeros="0">
             <a:buAutoNum type="arabicParenBoth"/>
@@ -3548,7 +3509,7 @@
           <p:cNvPr id="2" name="Title 1">
             <a:extLst>
               <a:ext uri="{FF2B5EF4-FFF2-40B4-BE49-F238E27FC236}">
-                <a16:creationId xmlns:a16="http://schemas.microsoft.com/office/drawing/2014/main" xmlns="" id="{0E5A6455-32E9-48CB-A534-776C9E5C8D21}"/>
+                <a16:creationId xmlns:a16="http://schemas.microsoft.com/office/drawing/2014/main" id="{0E5A6455-32E9-48CB-A534-776C9E5C8D21}"/>
               </a:ext>
             </a:extLst>
           </p:cNvPr>
@@ -3585,7 +3546,7 @@
           <p:cNvPr id="3" name="Subtitle 2">
             <a:extLst>
               <a:ext uri="{FF2B5EF4-FFF2-40B4-BE49-F238E27FC236}">
-                <a16:creationId xmlns:a16="http://schemas.microsoft.com/office/drawing/2014/main" xmlns="" id="{E62A3EF1-C23F-4C08-A992-B6002C4D9239}"/>
+                <a16:creationId xmlns:a16="http://schemas.microsoft.com/office/drawing/2014/main" id="{E62A3EF1-C23F-4C08-A992-B6002C4D9239}"/>
               </a:ext>
             </a:extLst>
           </p:cNvPr>
@@ -3655,7 +3616,7 @@
           <p:cNvPr id="4" name="Date Placeholder 3">
             <a:extLst>
               <a:ext uri="{FF2B5EF4-FFF2-40B4-BE49-F238E27FC236}">
-                <a16:creationId xmlns:a16="http://schemas.microsoft.com/office/drawing/2014/main" xmlns="" id="{CF0C167C-1410-432A-9771-C9D5FA8E19C5}"/>
+                <a16:creationId xmlns:a16="http://schemas.microsoft.com/office/drawing/2014/main" id="{CF0C167C-1410-432A-9771-C9D5FA8E19C5}"/>
               </a:ext>
             </a:extLst>
           </p:cNvPr>
@@ -3673,7 +3634,7 @@
           <a:p>
             <a:fld id="{5DB46AF1-0ADA-4725-BD35-6C6336299D24}" type="datetimeFigureOut">
               <a:rPr lang="en-US" smtClean="0"/>
-              <a:t>12/6/2017</a:t>
+              <a:t>12/10/2017</a:t>
             </a:fld>
             <a:endParaRPr lang="en-US"/>
           </a:p>
@@ -3684,7 +3645,7 @@
           <p:cNvPr id="5" name="Footer Placeholder 4">
             <a:extLst>
               <a:ext uri="{FF2B5EF4-FFF2-40B4-BE49-F238E27FC236}">
-                <a16:creationId xmlns:a16="http://schemas.microsoft.com/office/drawing/2014/main" xmlns="" id="{EC237680-69F1-47C1-B1CC-BD6828C3E5EC}"/>
+                <a16:creationId xmlns:a16="http://schemas.microsoft.com/office/drawing/2014/main" id="{EC237680-69F1-47C1-B1CC-BD6828C3E5EC}"/>
               </a:ext>
             </a:extLst>
           </p:cNvPr>
@@ -3709,7 +3670,7 @@
           <p:cNvPr id="6" name="Slide Number Placeholder 5">
             <a:extLst>
               <a:ext uri="{FF2B5EF4-FFF2-40B4-BE49-F238E27FC236}">
-                <a16:creationId xmlns:a16="http://schemas.microsoft.com/office/drawing/2014/main" xmlns="" id="{18E5D654-0409-49E6-81EF-B75630B6FE03}"/>
+                <a16:creationId xmlns:a16="http://schemas.microsoft.com/office/drawing/2014/main" id="{18E5D654-0409-49E6-81EF-B75630B6FE03}"/>
               </a:ext>
             </a:extLst>
           </p:cNvPr>
@@ -3768,7 +3729,7 @@
           <p:cNvPr id="2" name="Title 1">
             <a:extLst>
               <a:ext uri="{FF2B5EF4-FFF2-40B4-BE49-F238E27FC236}">
-                <a16:creationId xmlns:a16="http://schemas.microsoft.com/office/drawing/2014/main" xmlns="" id="{9F9E12A1-F5D1-4085-9953-7B9108B62AA9}"/>
+                <a16:creationId xmlns:a16="http://schemas.microsoft.com/office/drawing/2014/main" id="{9F9E12A1-F5D1-4085-9953-7B9108B62AA9}"/>
               </a:ext>
             </a:extLst>
           </p:cNvPr>
@@ -3796,7 +3757,7 @@
           <p:cNvPr id="3" name="Vertical Text Placeholder 2">
             <a:extLst>
               <a:ext uri="{FF2B5EF4-FFF2-40B4-BE49-F238E27FC236}">
-                <a16:creationId xmlns:a16="http://schemas.microsoft.com/office/drawing/2014/main" xmlns="" id="{E421269A-EA53-4304-B4C4-B6DDFFB6591E}"/>
+                <a16:creationId xmlns:a16="http://schemas.microsoft.com/office/drawing/2014/main" id="{E421269A-EA53-4304-B4C4-B6DDFFB6591E}"/>
               </a:ext>
             </a:extLst>
           </p:cNvPr>
@@ -3853,7 +3814,7 @@
           <p:cNvPr id="4" name="Date Placeholder 3">
             <a:extLst>
               <a:ext uri="{FF2B5EF4-FFF2-40B4-BE49-F238E27FC236}">
-                <a16:creationId xmlns:a16="http://schemas.microsoft.com/office/drawing/2014/main" xmlns="" id="{1A5F55DC-D8A3-4A35-9B09-A8A8BF9FA895}"/>
+                <a16:creationId xmlns:a16="http://schemas.microsoft.com/office/drawing/2014/main" id="{1A5F55DC-D8A3-4A35-9B09-A8A8BF9FA895}"/>
               </a:ext>
             </a:extLst>
           </p:cNvPr>
@@ -3871,7 +3832,7 @@
           <a:p>
             <a:fld id="{5DB46AF1-0ADA-4725-BD35-6C6336299D24}" type="datetimeFigureOut">
               <a:rPr lang="en-US" smtClean="0"/>
-              <a:t>12/6/2017</a:t>
+              <a:t>12/10/2017</a:t>
             </a:fld>
             <a:endParaRPr lang="en-US"/>
           </a:p>
@@ -3882,7 +3843,7 @@
           <p:cNvPr id="5" name="Footer Placeholder 4">
             <a:extLst>
               <a:ext uri="{FF2B5EF4-FFF2-40B4-BE49-F238E27FC236}">
-                <a16:creationId xmlns:a16="http://schemas.microsoft.com/office/drawing/2014/main" xmlns="" id="{9A1BCE93-F269-4BB3-990D-75247E786AB3}"/>
+                <a16:creationId xmlns:a16="http://schemas.microsoft.com/office/drawing/2014/main" id="{9A1BCE93-F269-4BB3-990D-75247E786AB3}"/>
               </a:ext>
             </a:extLst>
           </p:cNvPr>
@@ -3907,7 +3868,7 @@
           <p:cNvPr id="6" name="Slide Number Placeholder 5">
             <a:extLst>
               <a:ext uri="{FF2B5EF4-FFF2-40B4-BE49-F238E27FC236}">
-                <a16:creationId xmlns:a16="http://schemas.microsoft.com/office/drawing/2014/main" xmlns="" id="{3E578BC2-FACE-46D1-954B-C381FCFE8C4A}"/>
+                <a16:creationId xmlns:a16="http://schemas.microsoft.com/office/drawing/2014/main" id="{3E578BC2-FACE-46D1-954B-C381FCFE8C4A}"/>
               </a:ext>
             </a:extLst>
           </p:cNvPr>
@@ -3966,7 +3927,7 @@
           <p:cNvPr id="2" name="Vertical Title 1">
             <a:extLst>
               <a:ext uri="{FF2B5EF4-FFF2-40B4-BE49-F238E27FC236}">
-                <a16:creationId xmlns:a16="http://schemas.microsoft.com/office/drawing/2014/main" xmlns="" id="{9A4C93D0-9E4F-4190-8F61-709704D79845}"/>
+                <a16:creationId xmlns:a16="http://schemas.microsoft.com/office/drawing/2014/main" id="{9A4C93D0-9E4F-4190-8F61-709704D79845}"/>
               </a:ext>
             </a:extLst>
           </p:cNvPr>
@@ -3999,7 +3960,7 @@
           <p:cNvPr id="3" name="Vertical Text Placeholder 2">
             <a:extLst>
               <a:ext uri="{FF2B5EF4-FFF2-40B4-BE49-F238E27FC236}">
-                <a16:creationId xmlns:a16="http://schemas.microsoft.com/office/drawing/2014/main" xmlns="" id="{981A7DA3-F2D8-4398-B0B9-6978FAF584E3}"/>
+                <a16:creationId xmlns:a16="http://schemas.microsoft.com/office/drawing/2014/main" id="{981A7DA3-F2D8-4398-B0B9-6978FAF584E3}"/>
               </a:ext>
             </a:extLst>
           </p:cNvPr>
@@ -4061,7 +4022,7 @@
           <p:cNvPr id="4" name="Date Placeholder 3">
             <a:extLst>
               <a:ext uri="{FF2B5EF4-FFF2-40B4-BE49-F238E27FC236}">
-                <a16:creationId xmlns:a16="http://schemas.microsoft.com/office/drawing/2014/main" xmlns="" id="{E854112A-A1B9-4DEE-8FA2-0A8D267675E5}"/>
+                <a16:creationId xmlns:a16="http://schemas.microsoft.com/office/drawing/2014/main" id="{E854112A-A1B9-4DEE-8FA2-0A8D267675E5}"/>
               </a:ext>
             </a:extLst>
           </p:cNvPr>
@@ -4079,7 +4040,7 @@
           <a:p>
             <a:fld id="{5DB46AF1-0ADA-4725-BD35-6C6336299D24}" type="datetimeFigureOut">
               <a:rPr lang="en-US" smtClean="0"/>
-              <a:t>12/6/2017</a:t>
+              <a:t>12/10/2017</a:t>
             </a:fld>
             <a:endParaRPr lang="en-US"/>
           </a:p>
@@ -4090,7 +4051,7 @@
           <p:cNvPr id="5" name="Footer Placeholder 4">
             <a:extLst>
               <a:ext uri="{FF2B5EF4-FFF2-40B4-BE49-F238E27FC236}">
-                <a16:creationId xmlns:a16="http://schemas.microsoft.com/office/drawing/2014/main" xmlns="" id="{D5CA260A-1EBB-434C-8073-EE77572DC29D}"/>
+                <a16:creationId xmlns:a16="http://schemas.microsoft.com/office/drawing/2014/main" id="{D5CA260A-1EBB-434C-8073-EE77572DC29D}"/>
               </a:ext>
             </a:extLst>
           </p:cNvPr>
@@ -4115,7 +4076,7 @@
           <p:cNvPr id="6" name="Slide Number Placeholder 5">
             <a:extLst>
               <a:ext uri="{FF2B5EF4-FFF2-40B4-BE49-F238E27FC236}">
-                <a16:creationId xmlns:a16="http://schemas.microsoft.com/office/drawing/2014/main" xmlns="" id="{C5F93D12-5642-442A-B723-744733780C9F}"/>
+                <a16:creationId xmlns:a16="http://schemas.microsoft.com/office/drawing/2014/main" id="{C5F93D12-5642-442A-B723-744733780C9F}"/>
               </a:ext>
             </a:extLst>
           </p:cNvPr>
@@ -4174,7 +4135,7 @@
           <p:cNvPr id="2" name="Title 1">
             <a:extLst>
               <a:ext uri="{FF2B5EF4-FFF2-40B4-BE49-F238E27FC236}">
-                <a16:creationId xmlns:a16="http://schemas.microsoft.com/office/drawing/2014/main" xmlns="" id="{046A50AB-EF2B-471D-AD6A-364DB65FF782}"/>
+                <a16:creationId xmlns:a16="http://schemas.microsoft.com/office/drawing/2014/main" id="{046A50AB-EF2B-471D-AD6A-364DB65FF782}"/>
               </a:ext>
             </a:extLst>
           </p:cNvPr>
@@ -4202,7 +4163,7 @@
           <p:cNvPr id="3" name="Content Placeholder 2">
             <a:extLst>
               <a:ext uri="{FF2B5EF4-FFF2-40B4-BE49-F238E27FC236}">
-                <a16:creationId xmlns:a16="http://schemas.microsoft.com/office/drawing/2014/main" xmlns="" id="{6ACC7FA0-5153-490A-92C2-4094B5A9E631}"/>
+                <a16:creationId xmlns:a16="http://schemas.microsoft.com/office/drawing/2014/main" id="{6ACC7FA0-5153-490A-92C2-4094B5A9E631}"/>
               </a:ext>
             </a:extLst>
           </p:cNvPr>
@@ -4259,7 +4220,7 @@
           <p:cNvPr id="4" name="Date Placeholder 3">
             <a:extLst>
               <a:ext uri="{FF2B5EF4-FFF2-40B4-BE49-F238E27FC236}">
-                <a16:creationId xmlns:a16="http://schemas.microsoft.com/office/drawing/2014/main" xmlns="" id="{5EEC1F64-ACC1-4E5F-B9B7-5A61089A6015}"/>
+                <a16:creationId xmlns:a16="http://schemas.microsoft.com/office/drawing/2014/main" id="{5EEC1F64-ACC1-4E5F-B9B7-5A61089A6015}"/>
               </a:ext>
             </a:extLst>
           </p:cNvPr>
@@ -4277,7 +4238,7 @@
           <a:p>
             <a:fld id="{5DB46AF1-0ADA-4725-BD35-6C6336299D24}" type="datetimeFigureOut">
               <a:rPr lang="en-US" smtClean="0"/>
-              <a:t>12/6/2017</a:t>
+              <a:t>12/10/2017</a:t>
             </a:fld>
             <a:endParaRPr lang="en-US"/>
           </a:p>
@@ -4288,7 +4249,7 @@
           <p:cNvPr id="5" name="Footer Placeholder 4">
             <a:extLst>
               <a:ext uri="{FF2B5EF4-FFF2-40B4-BE49-F238E27FC236}">
-                <a16:creationId xmlns:a16="http://schemas.microsoft.com/office/drawing/2014/main" xmlns="" id="{9B0CEAC4-6AC8-475E-9EF4-E43BFBC4411A}"/>
+                <a16:creationId xmlns:a16="http://schemas.microsoft.com/office/drawing/2014/main" id="{9B0CEAC4-6AC8-475E-9EF4-E43BFBC4411A}"/>
               </a:ext>
             </a:extLst>
           </p:cNvPr>
@@ -4313,7 +4274,7 @@
           <p:cNvPr id="6" name="Slide Number Placeholder 5">
             <a:extLst>
               <a:ext uri="{FF2B5EF4-FFF2-40B4-BE49-F238E27FC236}">
-                <a16:creationId xmlns:a16="http://schemas.microsoft.com/office/drawing/2014/main" xmlns="" id="{E0C92C27-15AE-4678-A65B-48B8EFF5D612}"/>
+                <a16:creationId xmlns:a16="http://schemas.microsoft.com/office/drawing/2014/main" id="{E0C92C27-15AE-4678-A65B-48B8EFF5D612}"/>
               </a:ext>
             </a:extLst>
           </p:cNvPr>
@@ -4372,7 +4333,7 @@
           <p:cNvPr id="2" name="Title 1">
             <a:extLst>
               <a:ext uri="{FF2B5EF4-FFF2-40B4-BE49-F238E27FC236}">
-                <a16:creationId xmlns:a16="http://schemas.microsoft.com/office/drawing/2014/main" xmlns="" id="{2055914B-E2E1-4313-A432-656D8A89F5D8}"/>
+                <a16:creationId xmlns:a16="http://schemas.microsoft.com/office/drawing/2014/main" id="{2055914B-E2E1-4313-A432-656D8A89F5D8}"/>
               </a:ext>
             </a:extLst>
           </p:cNvPr>
@@ -4409,7 +4370,7 @@
           <p:cNvPr id="3" name="Text Placeholder 2">
             <a:extLst>
               <a:ext uri="{FF2B5EF4-FFF2-40B4-BE49-F238E27FC236}">
-                <a16:creationId xmlns:a16="http://schemas.microsoft.com/office/drawing/2014/main" xmlns="" id="{C9F4B0FB-08A3-41CA-B0FA-372183FF96DF}"/>
+                <a16:creationId xmlns:a16="http://schemas.microsoft.com/office/drawing/2014/main" id="{C9F4B0FB-08A3-41CA-B0FA-372183FF96DF}"/>
               </a:ext>
             </a:extLst>
           </p:cNvPr>
@@ -4534,7 +4495,7 @@
           <p:cNvPr id="4" name="Date Placeholder 3">
             <a:extLst>
               <a:ext uri="{FF2B5EF4-FFF2-40B4-BE49-F238E27FC236}">
-                <a16:creationId xmlns:a16="http://schemas.microsoft.com/office/drawing/2014/main" xmlns="" id="{213FBAA4-74A7-4ADE-9427-E34C107B5558}"/>
+                <a16:creationId xmlns:a16="http://schemas.microsoft.com/office/drawing/2014/main" id="{213FBAA4-74A7-4ADE-9427-E34C107B5558}"/>
               </a:ext>
             </a:extLst>
           </p:cNvPr>
@@ -4552,7 +4513,7 @@
           <a:p>
             <a:fld id="{5DB46AF1-0ADA-4725-BD35-6C6336299D24}" type="datetimeFigureOut">
               <a:rPr lang="en-US" smtClean="0"/>
-              <a:t>12/6/2017</a:t>
+              <a:t>12/10/2017</a:t>
             </a:fld>
             <a:endParaRPr lang="en-US"/>
           </a:p>
@@ -4563,7 +4524,7 @@
           <p:cNvPr id="5" name="Footer Placeholder 4">
             <a:extLst>
               <a:ext uri="{FF2B5EF4-FFF2-40B4-BE49-F238E27FC236}">
-                <a16:creationId xmlns:a16="http://schemas.microsoft.com/office/drawing/2014/main" xmlns="" id="{E512A1D9-3203-4E22-98FA-F0A70607C4C2}"/>
+                <a16:creationId xmlns:a16="http://schemas.microsoft.com/office/drawing/2014/main" id="{E512A1D9-3203-4E22-98FA-F0A70607C4C2}"/>
               </a:ext>
             </a:extLst>
           </p:cNvPr>
@@ -4588,7 +4549,7 @@
           <p:cNvPr id="6" name="Slide Number Placeholder 5">
             <a:extLst>
               <a:ext uri="{FF2B5EF4-FFF2-40B4-BE49-F238E27FC236}">
-                <a16:creationId xmlns:a16="http://schemas.microsoft.com/office/drawing/2014/main" xmlns="" id="{880F944A-5161-42A1-AB8E-50F581B01CAE}"/>
+                <a16:creationId xmlns:a16="http://schemas.microsoft.com/office/drawing/2014/main" id="{880F944A-5161-42A1-AB8E-50F581B01CAE}"/>
               </a:ext>
             </a:extLst>
           </p:cNvPr>
@@ -4647,7 +4608,7 @@
           <p:cNvPr id="2" name="Title 1">
             <a:extLst>
               <a:ext uri="{FF2B5EF4-FFF2-40B4-BE49-F238E27FC236}">
-                <a16:creationId xmlns:a16="http://schemas.microsoft.com/office/drawing/2014/main" xmlns="" id="{661DBEC9-BAEF-435E-B2BA-10FF298B6F46}"/>
+                <a16:creationId xmlns:a16="http://schemas.microsoft.com/office/drawing/2014/main" id="{661DBEC9-BAEF-435E-B2BA-10FF298B6F46}"/>
               </a:ext>
             </a:extLst>
           </p:cNvPr>
@@ -4675,7 +4636,7 @@
           <p:cNvPr id="3" name="Content Placeholder 2">
             <a:extLst>
               <a:ext uri="{FF2B5EF4-FFF2-40B4-BE49-F238E27FC236}">
-                <a16:creationId xmlns:a16="http://schemas.microsoft.com/office/drawing/2014/main" xmlns="" id="{FD585331-8A9F-40FD-B2AD-4A1479FF1D75}"/>
+                <a16:creationId xmlns:a16="http://schemas.microsoft.com/office/drawing/2014/main" id="{FD585331-8A9F-40FD-B2AD-4A1479FF1D75}"/>
               </a:ext>
             </a:extLst>
           </p:cNvPr>
@@ -4737,7 +4698,7 @@
           <p:cNvPr id="4" name="Content Placeholder 3">
             <a:extLst>
               <a:ext uri="{FF2B5EF4-FFF2-40B4-BE49-F238E27FC236}">
-                <a16:creationId xmlns:a16="http://schemas.microsoft.com/office/drawing/2014/main" xmlns="" id="{B68BE426-C4CC-41C8-A06C-9B0D0AA841F9}"/>
+                <a16:creationId xmlns:a16="http://schemas.microsoft.com/office/drawing/2014/main" id="{B68BE426-C4CC-41C8-A06C-9B0D0AA841F9}"/>
               </a:ext>
             </a:extLst>
           </p:cNvPr>
@@ -4799,7 +4760,7 @@
           <p:cNvPr id="5" name="Date Placeholder 4">
             <a:extLst>
               <a:ext uri="{FF2B5EF4-FFF2-40B4-BE49-F238E27FC236}">
-                <a16:creationId xmlns:a16="http://schemas.microsoft.com/office/drawing/2014/main" xmlns="" id="{1F1AEA7F-24BD-400F-B00D-CCBADBC3ADD2}"/>
+                <a16:creationId xmlns:a16="http://schemas.microsoft.com/office/drawing/2014/main" id="{1F1AEA7F-24BD-400F-B00D-CCBADBC3ADD2}"/>
               </a:ext>
             </a:extLst>
           </p:cNvPr>
@@ -4817,7 +4778,7 @@
           <a:p>
             <a:fld id="{5DB46AF1-0ADA-4725-BD35-6C6336299D24}" type="datetimeFigureOut">
               <a:rPr lang="en-US" smtClean="0"/>
-              <a:t>12/6/2017</a:t>
+              <a:t>12/10/2017</a:t>
             </a:fld>
             <a:endParaRPr lang="en-US"/>
           </a:p>
@@ -4828,7 +4789,7 @@
           <p:cNvPr id="6" name="Footer Placeholder 5">
             <a:extLst>
               <a:ext uri="{FF2B5EF4-FFF2-40B4-BE49-F238E27FC236}">
-                <a16:creationId xmlns:a16="http://schemas.microsoft.com/office/drawing/2014/main" xmlns="" id="{1B5BB7DA-FEF6-4640-89F8-4C50D19C938B}"/>
+                <a16:creationId xmlns:a16="http://schemas.microsoft.com/office/drawing/2014/main" id="{1B5BB7DA-FEF6-4640-89F8-4C50D19C938B}"/>
               </a:ext>
             </a:extLst>
           </p:cNvPr>
@@ -4853,7 +4814,7 @@
           <p:cNvPr id="7" name="Slide Number Placeholder 6">
             <a:extLst>
               <a:ext uri="{FF2B5EF4-FFF2-40B4-BE49-F238E27FC236}">
-                <a16:creationId xmlns:a16="http://schemas.microsoft.com/office/drawing/2014/main" xmlns="" id="{1A5611D3-F8DE-4636-87D3-10685C3436C1}"/>
+                <a16:creationId xmlns:a16="http://schemas.microsoft.com/office/drawing/2014/main" id="{1A5611D3-F8DE-4636-87D3-10685C3436C1}"/>
               </a:ext>
             </a:extLst>
           </p:cNvPr>
@@ -4912,7 +4873,7 @@
           <p:cNvPr id="2" name="Title 1">
             <a:extLst>
               <a:ext uri="{FF2B5EF4-FFF2-40B4-BE49-F238E27FC236}">
-                <a16:creationId xmlns:a16="http://schemas.microsoft.com/office/drawing/2014/main" xmlns="" id="{317856E7-8804-4E0F-9BB0-D205195CB8FF}"/>
+                <a16:creationId xmlns:a16="http://schemas.microsoft.com/office/drawing/2014/main" id="{317856E7-8804-4E0F-9BB0-D205195CB8FF}"/>
               </a:ext>
             </a:extLst>
           </p:cNvPr>
@@ -4945,7 +4906,7 @@
           <p:cNvPr id="3" name="Text Placeholder 2">
             <a:extLst>
               <a:ext uri="{FF2B5EF4-FFF2-40B4-BE49-F238E27FC236}">
-                <a16:creationId xmlns:a16="http://schemas.microsoft.com/office/drawing/2014/main" xmlns="" id="{04E74B24-058D-450E-8E25-EEA7B2BFFCDE}"/>
+                <a16:creationId xmlns:a16="http://schemas.microsoft.com/office/drawing/2014/main" id="{04E74B24-058D-450E-8E25-EEA7B2BFFCDE}"/>
               </a:ext>
             </a:extLst>
           </p:cNvPr>
@@ -5016,7 +4977,7 @@
           <p:cNvPr id="4" name="Content Placeholder 3">
             <a:extLst>
               <a:ext uri="{FF2B5EF4-FFF2-40B4-BE49-F238E27FC236}">
-                <a16:creationId xmlns:a16="http://schemas.microsoft.com/office/drawing/2014/main" xmlns="" id="{1F443475-97F0-493B-94D4-BA1988739C8C}"/>
+                <a16:creationId xmlns:a16="http://schemas.microsoft.com/office/drawing/2014/main" id="{1F443475-97F0-493B-94D4-BA1988739C8C}"/>
               </a:ext>
             </a:extLst>
           </p:cNvPr>
@@ -5078,7 +5039,7 @@
           <p:cNvPr id="5" name="Text Placeholder 4">
             <a:extLst>
               <a:ext uri="{FF2B5EF4-FFF2-40B4-BE49-F238E27FC236}">
-                <a16:creationId xmlns:a16="http://schemas.microsoft.com/office/drawing/2014/main" xmlns="" id="{9123D4BC-8BB8-48D2-B641-2F92CD2C623A}"/>
+                <a16:creationId xmlns:a16="http://schemas.microsoft.com/office/drawing/2014/main" id="{9123D4BC-8BB8-48D2-B641-2F92CD2C623A}"/>
               </a:ext>
             </a:extLst>
           </p:cNvPr>
@@ -5149,7 +5110,7 @@
           <p:cNvPr id="6" name="Content Placeholder 5">
             <a:extLst>
               <a:ext uri="{FF2B5EF4-FFF2-40B4-BE49-F238E27FC236}">
-                <a16:creationId xmlns:a16="http://schemas.microsoft.com/office/drawing/2014/main" xmlns="" id="{E7F8F97D-4E32-4A85-872E-51681EA29BCE}"/>
+                <a16:creationId xmlns:a16="http://schemas.microsoft.com/office/drawing/2014/main" id="{E7F8F97D-4E32-4A85-872E-51681EA29BCE}"/>
               </a:ext>
             </a:extLst>
           </p:cNvPr>
@@ -5211,7 +5172,7 @@
           <p:cNvPr id="7" name="Date Placeholder 6">
             <a:extLst>
               <a:ext uri="{FF2B5EF4-FFF2-40B4-BE49-F238E27FC236}">
-                <a16:creationId xmlns:a16="http://schemas.microsoft.com/office/drawing/2014/main" xmlns="" id="{D5F3C5FC-06B1-41C1-8758-1A5D884122DF}"/>
+                <a16:creationId xmlns:a16="http://schemas.microsoft.com/office/drawing/2014/main" id="{D5F3C5FC-06B1-41C1-8758-1A5D884122DF}"/>
               </a:ext>
             </a:extLst>
           </p:cNvPr>
@@ -5229,7 +5190,7 @@
           <a:p>
             <a:fld id="{5DB46AF1-0ADA-4725-BD35-6C6336299D24}" type="datetimeFigureOut">
               <a:rPr lang="en-US" smtClean="0"/>
-              <a:t>12/6/2017</a:t>
+              <a:t>12/10/2017</a:t>
             </a:fld>
             <a:endParaRPr lang="en-US"/>
           </a:p>
@@ -5240,7 +5201,7 @@
           <p:cNvPr id="8" name="Footer Placeholder 7">
             <a:extLst>
               <a:ext uri="{FF2B5EF4-FFF2-40B4-BE49-F238E27FC236}">
-                <a16:creationId xmlns:a16="http://schemas.microsoft.com/office/drawing/2014/main" xmlns="" id="{EF0BE801-0DB8-423F-8791-0FFAFD3CD3D1}"/>
+                <a16:creationId xmlns:a16="http://schemas.microsoft.com/office/drawing/2014/main" id="{EF0BE801-0DB8-423F-8791-0FFAFD3CD3D1}"/>
               </a:ext>
             </a:extLst>
           </p:cNvPr>
@@ -5265,7 +5226,7 @@
           <p:cNvPr id="9" name="Slide Number Placeholder 8">
             <a:extLst>
               <a:ext uri="{FF2B5EF4-FFF2-40B4-BE49-F238E27FC236}">
-                <a16:creationId xmlns:a16="http://schemas.microsoft.com/office/drawing/2014/main" xmlns="" id="{E0E7725F-81F0-4D36-8AD5-2CA41A44487B}"/>
+                <a16:creationId xmlns:a16="http://schemas.microsoft.com/office/drawing/2014/main" id="{E0E7725F-81F0-4D36-8AD5-2CA41A44487B}"/>
               </a:ext>
             </a:extLst>
           </p:cNvPr>
@@ -5324,7 +5285,7 @@
           <p:cNvPr id="2" name="Title 1">
             <a:extLst>
               <a:ext uri="{FF2B5EF4-FFF2-40B4-BE49-F238E27FC236}">
-                <a16:creationId xmlns:a16="http://schemas.microsoft.com/office/drawing/2014/main" xmlns="" id="{2EEAAE47-4FCC-4994-B0FC-246BEA6029E9}"/>
+                <a16:creationId xmlns:a16="http://schemas.microsoft.com/office/drawing/2014/main" id="{2EEAAE47-4FCC-4994-B0FC-246BEA6029E9}"/>
               </a:ext>
             </a:extLst>
           </p:cNvPr>
@@ -5352,7 +5313,7 @@
           <p:cNvPr id="3" name="Date Placeholder 2">
             <a:extLst>
               <a:ext uri="{FF2B5EF4-FFF2-40B4-BE49-F238E27FC236}">
-                <a16:creationId xmlns:a16="http://schemas.microsoft.com/office/drawing/2014/main" xmlns="" id="{D5D029C3-37C1-4DA8-82BC-B23E13D5B434}"/>
+                <a16:creationId xmlns:a16="http://schemas.microsoft.com/office/drawing/2014/main" id="{D5D029C3-37C1-4DA8-82BC-B23E13D5B434}"/>
               </a:ext>
             </a:extLst>
           </p:cNvPr>
@@ -5370,7 +5331,7 @@
           <a:p>
             <a:fld id="{5DB46AF1-0ADA-4725-BD35-6C6336299D24}" type="datetimeFigureOut">
               <a:rPr lang="en-US" smtClean="0"/>
-              <a:t>12/6/2017</a:t>
+              <a:t>12/10/2017</a:t>
             </a:fld>
             <a:endParaRPr lang="en-US"/>
           </a:p>
@@ -5381,7 +5342,7 @@
           <p:cNvPr id="4" name="Footer Placeholder 3">
             <a:extLst>
               <a:ext uri="{FF2B5EF4-FFF2-40B4-BE49-F238E27FC236}">
-                <a16:creationId xmlns:a16="http://schemas.microsoft.com/office/drawing/2014/main" xmlns="" id="{BEE0201B-9E01-41FE-99E6-A795D85AA3DC}"/>
+                <a16:creationId xmlns:a16="http://schemas.microsoft.com/office/drawing/2014/main" id="{BEE0201B-9E01-41FE-99E6-A795D85AA3DC}"/>
               </a:ext>
             </a:extLst>
           </p:cNvPr>
@@ -5406,7 +5367,7 @@
           <p:cNvPr id="5" name="Slide Number Placeholder 4">
             <a:extLst>
               <a:ext uri="{FF2B5EF4-FFF2-40B4-BE49-F238E27FC236}">
-                <a16:creationId xmlns:a16="http://schemas.microsoft.com/office/drawing/2014/main" xmlns="" id="{B2E69B8E-5A13-45DE-9651-4483A6C622D3}"/>
+                <a16:creationId xmlns:a16="http://schemas.microsoft.com/office/drawing/2014/main" id="{B2E69B8E-5A13-45DE-9651-4483A6C622D3}"/>
               </a:ext>
             </a:extLst>
           </p:cNvPr>
@@ -5465,7 +5426,7 @@
           <p:cNvPr id="2" name="Date Placeholder 1">
             <a:extLst>
               <a:ext uri="{FF2B5EF4-FFF2-40B4-BE49-F238E27FC236}">
-                <a16:creationId xmlns:a16="http://schemas.microsoft.com/office/drawing/2014/main" xmlns="" id="{4EC813A3-585D-42CD-B1EE-A39E8FF10FED}"/>
+                <a16:creationId xmlns:a16="http://schemas.microsoft.com/office/drawing/2014/main" id="{4EC813A3-585D-42CD-B1EE-A39E8FF10FED}"/>
               </a:ext>
             </a:extLst>
           </p:cNvPr>
@@ -5483,7 +5444,7 @@
           <a:p>
             <a:fld id="{5DB46AF1-0ADA-4725-BD35-6C6336299D24}" type="datetimeFigureOut">
               <a:rPr lang="en-US" smtClean="0"/>
-              <a:t>12/6/2017</a:t>
+              <a:t>12/10/2017</a:t>
             </a:fld>
             <a:endParaRPr lang="en-US"/>
           </a:p>
@@ -5494,7 +5455,7 @@
           <p:cNvPr id="3" name="Footer Placeholder 2">
             <a:extLst>
               <a:ext uri="{FF2B5EF4-FFF2-40B4-BE49-F238E27FC236}">
-                <a16:creationId xmlns:a16="http://schemas.microsoft.com/office/drawing/2014/main" xmlns="" id="{6387ACBC-3713-4DF5-BBE9-F33EF05B2C4E}"/>
+                <a16:creationId xmlns:a16="http://schemas.microsoft.com/office/drawing/2014/main" id="{6387ACBC-3713-4DF5-BBE9-F33EF05B2C4E}"/>
               </a:ext>
             </a:extLst>
           </p:cNvPr>
@@ -5519,7 +5480,7 @@
           <p:cNvPr id="4" name="Slide Number Placeholder 3">
             <a:extLst>
               <a:ext uri="{FF2B5EF4-FFF2-40B4-BE49-F238E27FC236}">
-                <a16:creationId xmlns:a16="http://schemas.microsoft.com/office/drawing/2014/main" xmlns="" id="{801E5825-FFEC-45F9-BDC6-D817365A8B4A}"/>
+                <a16:creationId xmlns:a16="http://schemas.microsoft.com/office/drawing/2014/main" id="{801E5825-FFEC-45F9-BDC6-D817365A8B4A}"/>
               </a:ext>
             </a:extLst>
           </p:cNvPr>
@@ -5578,7 +5539,7 @@
           <p:cNvPr id="2" name="Title 1">
             <a:extLst>
               <a:ext uri="{FF2B5EF4-FFF2-40B4-BE49-F238E27FC236}">
-                <a16:creationId xmlns:a16="http://schemas.microsoft.com/office/drawing/2014/main" xmlns="" id="{31D276A3-AC75-4AB2-BC5B-06984997D595}"/>
+                <a16:creationId xmlns:a16="http://schemas.microsoft.com/office/drawing/2014/main" id="{31D276A3-AC75-4AB2-BC5B-06984997D595}"/>
               </a:ext>
             </a:extLst>
           </p:cNvPr>
@@ -5615,7 +5576,7 @@
           <p:cNvPr id="3" name="Content Placeholder 2">
             <a:extLst>
               <a:ext uri="{FF2B5EF4-FFF2-40B4-BE49-F238E27FC236}">
-                <a16:creationId xmlns:a16="http://schemas.microsoft.com/office/drawing/2014/main" xmlns="" id="{7C5B320C-FA08-4BAC-9C37-8AFD81B7AB76}"/>
+                <a16:creationId xmlns:a16="http://schemas.microsoft.com/office/drawing/2014/main" id="{7C5B320C-FA08-4BAC-9C37-8AFD81B7AB76}"/>
               </a:ext>
             </a:extLst>
           </p:cNvPr>
@@ -5705,7 +5666,7 @@
           <p:cNvPr id="4" name="Text Placeholder 3">
             <a:extLst>
               <a:ext uri="{FF2B5EF4-FFF2-40B4-BE49-F238E27FC236}">
-                <a16:creationId xmlns:a16="http://schemas.microsoft.com/office/drawing/2014/main" xmlns="" id="{35B9F58C-1A18-4D47-B128-ACC203385E7D}"/>
+                <a16:creationId xmlns:a16="http://schemas.microsoft.com/office/drawing/2014/main" id="{35B9F58C-1A18-4D47-B128-ACC203385E7D}"/>
               </a:ext>
             </a:extLst>
           </p:cNvPr>
@@ -5776,7 +5737,7 @@
           <p:cNvPr id="5" name="Date Placeholder 4">
             <a:extLst>
               <a:ext uri="{FF2B5EF4-FFF2-40B4-BE49-F238E27FC236}">
-                <a16:creationId xmlns:a16="http://schemas.microsoft.com/office/drawing/2014/main" xmlns="" id="{F27048DF-A2DA-42E9-BCDC-1ACB21C1E058}"/>
+                <a16:creationId xmlns:a16="http://schemas.microsoft.com/office/drawing/2014/main" id="{F27048DF-A2DA-42E9-BCDC-1ACB21C1E058}"/>
               </a:ext>
             </a:extLst>
           </p:cNvPr>
@@ -5794,7 +5755,7 @@
           <a:p>
             <a:fld id="{5DB46AF1-0ADA-4725-BD35-6C6336299D24}" type="datetimeFigureOut">
               <a:rPr lang="en-US" smtClean="0"/>
-              <a:t>12/6/2017</a:t>
+              <a:t>12/10/2017</a:t>
             </a:fld>
             <a:endParaRPr lang="en-US"/>
           </a:p>
@@ -5805,7 +5766,7 @@
           <p:cNvPr id="6" name="Footer Placeholder 5">
             <a:extLst>
               <a:ext uri="{FF2B5EF4-FFF2-40B4-BE49-F238E27FC236}">
-                <a16:creationId xmlns:a16="http://schemas.microsoft.com/office/drawing/2014/main" xmlns="" id="{2A2B2EE5-816D-43C3-AE97-20708178FD23}"/>
+                <a16:creationId xmlns:a16="http://schemas.microsoft.com/office/drawing/2014/main" id="{2A2B2EE5-816D-43C3-AE97-20708178FD23}"/>
               </a:ext>
             </a:extLst>
           </p:cNvPr>
@@ -5830,7 +5791,7 @@
           <p:cNvPr id="7" name="Slide Number Placeholder 6">
             <a:extLst>
               <a:ext uri="{FF2B5EF4-FFF2-40B4-BE49-F238E27FC236}">
-                <a16:creationId xmlns:a16="http://schemas.microsoft.com/office/drawing/2014/main" xmlns="" id="{0DE4D9FE-F822-4E88-9F1D-7C962271E10E}"/>
+                <a16:creationId xmlns:a16="http://schemas.microsoft.com/office/drawing/2014/main" id="{0DE4D9FE-F822-4E88-9F1D-7C962271E10E}"/>
               </a:ext>
             </a:extLst>
           </p:cNvPr>
@@ -5889,7 +5850,7 @@
           <p:cNvPr id="2" name="Title 1">
             <a:extLst>
               <a:ext uri="{FF2B5EF4-FFF2-40B4-BE49-F238E27FC236}">
-                <a16:creationId xmlns:a16="http://schemas.microsoft.com/office/drawing/2014/main" xmlns="" id="{C33DD697-1AAF-47FF-B7CF-57846B95DA8D}"/>
+                <a16:creationId xmlns:a16="http://schemas.microsoft.com/office/drawing/2014/main" id="{C33DD697-1AAF-47FF-B7CF-57846B95DA8D}"/>
               </a:ext>
             </a:extLst>
           </p:cNvPr>
@@ -5926,7 +5887,7 @@
           <p:cNvPr id="3" name="Picture Placeholder 2">
             <a:extLst>
               <a:ext uri="{FF2B5EF4-FFF2-40B4-BE49-F238E27FC236}">
-                <a16:creationId xmlns:a16="http://schemas.microsoft.com/office/drawing/2014/main" xmlns="" id="{F0358388-1B58-4C4E-923F-652DFAE3DB86}"/>
+                <a16:creationId xmlns:a16="http://schemas.microsoft.com/office/drawing/2014/main" id="{F0358388-1B58-4C4E-923F-652DFAE3DB86}"/>
               </a:ext>
             </a:extLst>
           </p:cNvPr>
@@ -5993,7 +5954,7 @@
           <p:cNvPr id="4" name="Text Placeholder 3">
             <a:extLst>
               <a:ext uri="{FF2B5EF4-FFF2-40B4-BE49-F238E27FC236}">
-                <a16:creationId xmlns:a16="http://schemas.microsoft.com/office/drawing/2014/main" xmlns="" id="{CB345D41-2160-4F6A-8CC7-1BEF267749BF}"/>
+                <a16:creationId xmlns:a16="http://schemas.microsoft.com/office/drawing/2014/main" id="{CB345D41-2160-4F6A-8CC7-1BEF267749BF}"/>
               </a:ext>
             </a:extLst>
           </p:cNvPr>
@@ -6064,7 +6025,7 @@
           <p:cNvPr id="5" name="Date Placeholder 4">
             <a:extLst>
               <a:ext uri="{FF2B5EF4-FFF2-40B4-BE49-F238E27FC236}">
-                <a16:creationId xmlns:a16="http://schemas.microsoft.com/office/drawing/2014/main" xmlns="" id="{2057258D-660A-4AA1-9F52-46BAC5B471BF}"/>
+                <a16:creationId xmlns:a16="http://schemas.microsoft.com/office/drawing/2014/main" id="{2057258D-660A-4AA1-9F52-46BAC5B471BF}"/>
               </a:ext>
             </a:extLst>
           </p:cNvPr>
@@ -6082,7 +6043,7 @@
           <a:p>
             <a:fld id="{5DB46AF1-0ADA-4725-BD35-6C6336299D24}" type="datetimeFigureOut">
               <a:rPr lang="en-US" smtClean="0"/>
-              <a:t>12/6/2017</a:t>
+              <a:t>12/10/2017</a:t>
             </a:fld>
             <a:endParaRPr lang="en-US"/>
           </a:p>
@@ -6093,7 +6054,7 @@
           <p:cNvPr id="6" name="Footer Placeholder 5">
             <a:extLst>
               <a:ext uri="{FF2B5EF4-FFF2-40B4-BE49-F238E27FC236}">
-                <a16:creationId xmlns:a16="http://schemas.microsoft.com/office/drawing/2014/main" xmlns="" id="{C732A2EC-3F3D-4028-8D35-ADDB9F40CFDD}"/>
+                <a16:creationId xmlns:a16="http://schemas.microsoft.com/office/drawing/2014/main" id="{C732A2EC-3F3D-4028-8D35-ADDB9F40CFDD}"/>
               </a:ext>
             </a:extLst>
           </p:cNvPr>
@@ -6118,7 +6079,7 @@
           <p:cNvPr id="7" name="Slide Number Placeholder 6">
             <a:extLst>
               <a:ext uri="{FF2B5EF4-FFF2-40B4-BE49-F238E27FC236}">
-                <a16:creationId xmlns:a16="http://schemas.microsoft.com/office/drawing/2014/main" xmlns="" id="{04225ADE-8FCD-4A6D-A303-20D21C38EBBC}"/>
+                <a16:creationId xmlns:a16="http://schemas.microsoft.com/office/drawing/2014/main" id="{04225ADE-8FCD-4A6D-A303-20D21C38EBBC}"/>
               </a:ext>
             </a:extLst>
           </p:cNvPr>
@@ -6182,7 +6143,7 @@
           <p:cNvPr id="2" name="Title Placeholder 1">
             <a:extLst>
               <a:ext uri="{FF2B5EF4-FFF2-40B4-BE49-F238E27FC236}">
-                <a16:creationId xmlns:a16="http://schemas.microsoft.com/office/drawing/2014/main" xmlns="" id="{75E1FC00-A59C-4A8C-8394-047BBF356FEC}"/>
+                <a16:creationId xmlns:a16="http://schemas.microsoft.com/office/drawing/2014/main" id="{75E1FC00-A59C-4A8C-8394-047BBF356FEC}"/>
               </a:ext>
             </a:extLst>
           </p:cNvPr>
@@ -6220,7 +6181,7 @@
           <p:cNvPr id="3" name="Text Placeholder 2">
             <a:extLst>
               <a:ext uri="{FF2B5EF4-FFF2-40B4-BE49-F238E27FC236}">
-                <a16:creationId xmlns:a16="http://schemas.microsoft.com/office/drawing/2014/main" xmlns="" id="{49B50697-B01F-482A-993E-CF668DF0F689}"/>
+                <a16:creationId xmlns:a16="http://schemas.microsoft.com/office/drawing/2014/main" id="{49B50697-B01F-482A-993E-CF668DF0F689}"/>
               </a:ext>
             </a:extLst>
           </p:cNvPr>
@@ -6287,7 +6248,7 @@
           <p:cNvPr id="4" name="Date Placeholder 3">
             <a:extLst>
               <a:ext uri="{FF2B5EF4-FFF2-40B4-BE49-F238E27FC236}">
-                <a16:creationId xmlns:a16="http://schemas.microsoft.com/office/drawing/2014/main" xmlns="" id="{DBD15D96-0EE3-48B3-AD8B-169BC79FD53D}"/>
+                <a16:creationId xmlns:a16="http://schemas.microsoft.com/office/drawing/2014/main" id="{DBD15D96-0EE3-48B3-AD8B-169BC79FD53D}"/>
               </a:ext>
             </a:extLst>
           </p:cNvPr>
@@ -6323,7 +6284,7 @@
           <a:p>
             <a:fld id="{5DB46AF1-0ADA-4725-BD35-6C6336299D24}" type="datetimeFigureOut">
               <a:rPr lang="en-US" smtClean="0"/>
-              <a:t>12/6/2017</a:t>
+              <a:t>12/10/2017</a:t>
             </a:fld>
             <a:endParaRPr lang="en-US"/>
           </a:p>
@@ -6334,7 +6295,7 @@
           <p:cNvPr id="5" name="Footer Placeholder 4">
             <a:extLst>
               <a:ext uri="{FF2B5EF4-FFF2-40B4-BE49-F238E27FC236}">
-                <a16:creationId xmlns:a16="http://schemas.microsoft.com/office/drawing/2014/main" xmlns="" id="{DB97C307-2B98-4703-A6E5-B6C10B3BB6B6}"/>
+                <a16:creationId xmlns:a16="http://schemas.microsoft.com/office/drawing/2014/main" id="{DB97C307-2B98-4703-A6E5-B6C10B3BB6B6}"/>
               </a:ext>
             </a:extLst>
           </p:cNvPr>
@@ -6377,7 +6338,7 @@
           <p:cNvPr id="6" name="Slide Number Placeholder 5">
             <a:extLst>
               <a:ext uri="{FF2B5EF4-FFF2-40B4-BE49-F238E27FC236}">
-                <a16:creationId xmlns:a16="http://schemas.microsoft.com/office/drawing/2014/main" xmlns="" id="{FCFF848E-9AF2-4D9A-944C-DACC80CB73CB}"/>
+                <a16:creationId xmlns:a16="http://schemas.microsoft.com/office/drawing/2014/main" id="{FCFF848E-9AF2-4D9A-944C-DACC80CB73CB}"/>
               </a:ext>
             </a:extLst>
           </p:cNvPr>
@@ -6745,7 +6706,7 @@
           <p:cNvPr id="2" name="Title 1">
             <a:extLst>
               <a:ext uri="{FF2B5EF4-FFF2-40B4-BE49-F238E27FC236}">
-                <a16:creationId xmlns:a16="http://schemas.microsoft.com/office/drawing/2014/main" xmlns="" id="{A7A1A309-1DF1-4436-9A28-D007A2CE1B1F}"/>
+                <a16:creationId xmlns:a16="http://schemas.microsoft.com/office/drawing/2014/main" id="{A7A1A309-1DF1-4436-9A28-D007A2CE1B1F}"/>
               </a:ext>
             </a:extLst>
           </p:cNvPr>
@@ -6773,7 +6734,7 @@
           <p:cNvPr id="3" name="Subtitle 2">
             <a:extLst>
               <a:ext uri="{FF2B5EF4-FFF2-40B4-BE49-F238E27FC236}">
-                <a16:creationId xmlns:a16="http://schemas.microsoft.com/office/drawing/2014/main" xmlns="" id="{51767DCD-B580-4CCB-A6AE-FF25F58690B8}"/>
+                <a16:creationId xmlns:a16="http://schemas.microsoft.com/office/drawing/2014/main" id="{51767DCD-B580-4CCB-A6AE-FF25F58690B8}"/>
               </a:ext>
             </a:extLst>
           </p:cNvPr>
@@ -6851,7 +6812,7 @@
           <p:cNvPr id="2" name="Title 1">
             <a:extLst>
               <a:ext uri="{FF2B5EF4-FFF2-40B4-BE49-F238E27FC236}">
-                <a16:creationId xmlns:a16="http://schemas.microsoft.com/office/drawing/2014/main" xmlns="" id="{431E01C7-00CA-49F7-95EA-982727D200FA}"/>
+                <a16:creationId xmlns:a16="http://schemas.microsoft.com/office/drawing/2014/main" id="{431E01C7-00CA-49F7-95EA-982727D200FA}"/>
               </a:ext>
             </a:extLst>
           </p:cNvPr>
@@ -6879,7 +6840,7 @@
           <p:cNvPr id="3" name="Content Placeholder 2">
             <a:extLst>
               <a:ext uri="{FF2B5EF4-FFF2-40B4-BE49-F238E27FC236}">
-                <a16:creationId xmlns:a16="http://schemas.microsoft.com/office/drawing/2014/main" xmlns="" id="{F5DB7329-84ED-4D41-A34F-4A454F832826}"/>
+                <a16:creationId xmlns:a16="http://schemas.microsoft.com/office/drawing/2014/main" id="{F5DB7329-84ED-4D41-A34F-4A454F832826}"/>
               </a:ext>
             </a:extLst>
           </p:cNvPr>
@@ -6903,6 +6864,908 @@
     <p:extLst>
       <p:ext uri="{BB962C8B-B14F-4D97-AF65-F5344CB8AC3E}">
         <p14:creationId xmlns:p14="http://schemas.microsoft.com/office/powerpoint/2010/main" val="2193895890"/>
+      </p:ext>
+    </p:extLst>
+  </p:cSld>
+  <p:clrMapOvr>
+    <a:masterClrMapping/>
+  </p:clrMapOvr>
+</p:sld>
+</file>
+
+<file path=ppt/slides/slide11.xml><?xml version="1.0" encoding="utf-8"?>
+<p:sld xmlns:a="http://schemas.openxmlformats.org/drawingml/2006/main" xmlns:r="http://schemas.openxmlformats.org/officeDocument/2006/relationships" xmlns:p="http://schemas.openxmlformats.org/presentationml/2006/main">
+  <p:cSld>
+    <p:spTree>
+      <p:nvGrpSpPr>
+        <p:cNvPr id="1" name=""/>
+        <p:cNvGrpSpPr/>
+        <p:nvPr/>
+      </p:nvGrpSpPr>
+      <p:grpSpPr>
+        <a:xfrm>
+          <a:off x="0" y="0"/>
+          <a:ext cx="0" cy="0"/>
+          <a:chOff x="0" y="0"/>
+          <a:chExt cx="0" cy="0"/>
+        </a:xfrm>
+      </p:grpSpPr>
+      <p:sp>
+        <p:nvSpPr>
+          <p:cNvPr id="2" name="Title 1">
+            <a:extLst>
+              <a:ext uri="{FF2B5EF4-FFF2-40B4-BE49-F238E27FC236}">
+                <a16:creationId xmlns:a16="http://schemas.microsoft.com/office/drawing/2014/main" id="{DF4BD040-3148-46B7-8315-49487D3220ED}"/>
+              </a:ext>
+            </a:extLst>
+          </p:cNvPr>
+          <p:cNvSpPr>
+            <a:spLocks noGrp="1"/>
+          </p:cNvSpPr>
+          <p:nvPr>
+            <p:ph type="title"/>
+          </p:nvPr>
+        </p:nvSpPr>
+        <p:spPr/>
+        <p:txBody>
+          <a:bodyPr/>
+          <a:lstStyle/>
+          <a:p>
+            <a:endParaRPr lang="en-US"/>
+          </a:p>
+        </p:txBody>
+      </p:sp>
+      <p:sp>
+        <p:nvSpPr>
+          <p:cNvPr id="3" name="Content Placeholder 2">
+            <a:extLst>
+              <a:ext uri="{FF2B5EF4-FFF2-40B4-BE49-F238E27FC236}">
+                <a16:creationId xmlns:a16="http://schemas.microsoft.com/office/drawing/2014/main" id="{8B99EFF2-1FC7-48D1-9A16-9379548516E4}"/>
+              </a:ext>
+            </a:extLst>
+          </p:cNvPr>
+          <p:cNvSpPr>
+            <a:spLocks noGrp="1"/>
+          </p:cNvSpPr>
+          <p:nvPr>
+            <p:ph idx="1"/>
+          </p:nvPr>
+        </p:nvSpPr>
+        <p:spPr/>
+        <p:txBody>
+          <a:bodyPr/>
+          <a:lstStyle/>
+          <a:p>
+            <a:endParaRPr lang="en-US"/>
+          </a:p>
+        </p:txBody>
+      </p:sp>
+    </p:spTree>
+    <p:extLst>
+      <p:ext uri="{BB962C8B-B14F-4D97-AF65-F5344CB8AC3E}">
+        <p14:creationId xmlns:p14="http://schemas.microsoft.com/office/powerpoint/2010/main" val="3780717357"/>
+      </p:ext>
+    </p:extLst>
+  </p:cSld>
+  <p:clrMapOvr>
+    <a:masterClrMapping/>
+  </p:clrMapOvr>
+</p:sld>
+</file>
+
+<file path=ppt/slides/slide12.xml><?xml version="1.0" encoding="utf-8"?>
+<p:sld xmlns:a="http://schemas.openxmlformats.org/drawingml/2006/main" xmlns:r="http://schemas.openxmlformats.org/officeDocument/2006/relationships" xmlns:p="http://schemas.openxmlformats.org/presentationml/2006/main">
+  <p:cSld>
+    <p:spTree>
+      <p:nvGrpSpPr>
+        <p:cNvPr id="1" name=""/>
+        <p:cNvGrpSpPr/>
+        <p:nvPr/>
+      </p:nvGrpSpPr>
+      <p:grpSpPr>
+        <a:xfrm>
+          <a:off x="0" y="0"/>
+          <a:ext cx="0" cy="0"/>
+          <a:chOff x="0" y="0"/>
+          <a:chExt cx="0" cy="0"/>
+        </a:xfrm>
+      </p:grpSpPr>
+      <p:sp>
+        <p:nvSpPr>
+          <p:cNvPr id="2" name="Title 1">
+            <a:extLst>
+              <a:ext uri="{FF2B5EF4-FFF2-40B4-BE49-F238E27FC236}">
+                <a16:creationId xmlns:a16="http://schemas.microsoft.com/office/drawing/2014/main" id="{3898F6AF-E9E8-4A68-812F-CDD3B63A930E}"/>
+              </a:ext>
+            </a:extLst>
+          </p:cNvPr>
+          <p:cNvSpPr>
+            <a:spLocks noGrp="1"/>
+          </p:cNvSpPr>
+          <p:nvPr>
+            <p:ph type="title"/>
+          </p:nvPr>
+        </p:nvSpPr>
+        <p:spPr/>
+        <p:txBody>
+          <a:bodyPr/>
+          <a:lstStyle/>
+          <a:p>
+            <a:endParaRPr lang="en-US"/>
+          </a:p>
+        </p:txBody>
+      </p:sp>
+      <p:sp>
+        <p:nvSpPr>
+          <p:cNvPr id="3" name="Content Placeholder 2">
+            <a:extLst>
+              <a:ext uri="{FF2B5EF4-FFF2-40B4-BE49-F238E27FC236}">
+                <a16:creationId xmlns:a16="http://schemas.microsoft.com/office/drawing/2014/main" id="{0F4BB7E1-2D84-4BC8-AE75-D1F68EFD2145}"/>
+              </a:ext>
+            </a:extLst>
+          </p:cNvPr>
+          <p:cNvSpPr>
+            <a:spLocks noGrp="1"/>
+          </p:cNvSpPr>
+          <p:nvPr>
+            <p:ph idx="1"/>
+          </p:nvPr>
+        </p:nvSpPr>
+        <p:spPr/>
+        <p:txBody>
+          <a:bodyPr/>
+          <a:lstStyle/>
+          <a:p>
+            <a:endParaRPr lang="en-US"/>
+          </a:p>
+        </p:txBody>
+      </p:sp>
+    </p:spTree>
+    <p:extLst>
+      <p:ext uri="{BB962C8B-B14F-4D97-AF65-F5344CB8AC3E}">
+        <p14:creationId xmlns:p14="http://schemas.microsoft.com/office/powerpoint/2010/main" val="1443716197"/>
+      </p:ext>
+    </p:extLst>
+  </p:cSld>
+  <p:clrMapOvr>
+    <a:masterClrMapping/>
+  </p:clrMapOvr>
+</p:sld>
+</file>
+
+<file path=ppt/slides/slide13.xml><?xml version="1.0" encoding="utf-8"?>
+<p:sld xmlns:a="http://schemas.openxmlformats.org/drawingml/2006/main" xmlns:r="http://schemas.openxmlformats.org/officeDocument/2006/relationships" xmlns:p="http://schemas.openxmlformats.org/presentationml/2006/main">
+  <p:cSld>
+    <p:spTree>
+      <p:nvGrpSpPr>
+        <p:cNvPr id="1" name=""/>
+        <p:cNvGrpSpPr/>
+        <p:nvPr/>
+      </p:nvGrpSpPr>
+      <p:grpSpPr>
+        <a:xfrm>
+          <a:off x="0" y="0"/>
+          <a:ext cx="0" cy="0"/>
+          <a:chOff x="0" y="0"/>
+          <a:chExt cx="0" cy="0"/>
+        </a:xfrm>
+      </p:grpSpPr>
+      <p:sp>
+        <p:nvSpPr>
+          <p:cNvPr id="2" name="Title 1">
+            <a:extLst>
+              <a:ext uri="{FF2B5EF4-FFF2-40B4-BE49-F238E27FC236}">
+                <a16:creationId xmlns:a16="http://schemas.microsoft.com/office/drawing/2014/main" id="{C3BC1282-CD49-4DD7-A6B8-38ACBB33378E}"/>
+              </a:ext>
+            </a:extLst>
+          </p:cNvPr>
+          <p:cNvSpPr>
+            <a:spLocks noGrp="1"/>
+          </p:cNvSpPr>
+          <p:nvPr>
+            <p:ph type="title"/>
+          </p:nvPr>
+        </p:nvSpPr>
+        <p:spPr/>
+        <p:txBody>
+          <a:bodyPr/>
+          <a:lstStyle/>
+          <a:p>
+            <a:endParaRPr lang="en-US"/>
+          </a:p>
+        </p:txBody>
+      </p:sp>
+      <p:sp>
+        <p:nvSpPr>
+          <p:cNvPr id="3" name="Content Placeholder 2">
+            <a:extLst>
+              <a:ext uri="{FF2B5EF4-FFF2-40B4-BE49-F238E27FC236}">
+                <a16:creationId xmlns:a16="http://schemas.microsoft.com/office/drawing/2014/main" id="{ECC1FAA8-E5A9-4D54-A5B3-70F5E12D3C88}"/>
+              </a:ext>
+            </a:extLst>
+          </p:cNvPr>
+          <p:cNvSpPr>
+            <a:spLocks noGrp="1"/>
+          </p:cNvSpPr>
+          <p:nvPr>
+            <p:ph idx="1"/>
+          </p:nvPr>
+        </p:nvSpPr>
+        <p:spPr/>
+        <p:txBody>
+          <a:bodyPr/>
+          <a:lstStyle/>
+          <a:p>
+            <a:endParaRPr lang="en-US"/>
+          </a:p>
+        </p:txBody>
+      </p:sp>
+    </p:spTree>
+    <p:extLst>
+      <p:ext uri="{BB962C8B-B14F-4D97-AF65-F5344CB8AC3E}">
+        <p14:creationId xmlns:p14="http://schemas.microsoft.com/office/powerpoint/2010/main" val="3316973496"/>
+      </p:ext>
+    </p:extLst>
+  </p:cSld>
+  <p:clrMapOvr>
+    <a:masterClrMapping/>
+  </p:clrMapOvr>
+</p:sld>
+</file>
+
+<file path=ppt/slides/slide14.xml><?xml version="1.0" encoding="utf-8"?>
+<p:sld xmlns:a="http://schemas.openxmlformats.org/drawingml/2006/main" xmlns:r="http://schemas.openxmlformats.org/officeDocument/2006/relationships" xmlns:p="http://schemas.openxmlformats.org/presentationml/2006/main">
+  <p:cSld>
+    <p:bg>
+      <p:bgPr>
+        <a:solidFill>
+          <a:schemeClr val="bg1"/>
+        </a:solidFill>
+        <a:effectLst/>
+      </p:bgPr>
+    </p:bg>
+    <p:spTree>
+      <p:nvGrpSpPr>
+        <p:cNvPr id="1" name=""/>
+        <p:cNvGrpSpPr/>
+        <p:nvPr/>
+      </p:nvGrpSpPr>
+      <p:grpSpPr>
+        <a:xfrm>
+          <a:off x="0" y="0"/>
+          <a:ext cx="0" cy="0"/>
+          <a:chOff x="0" y="0"/>
+          <a:chExt cx="0" cy="0"/>
+        </a:xfrm>
+      </p:grpSpPr>
+      <p:pic>
+        <p:nvPicPr>
+          <p:cNvPr id="8" name="Content Placeholder 4">
+            <a:extLst>
+              <a:ext uri="{FF2B5EF4-FFF2-40B4-BE49-F238E27FC236}">
+                <a16:creationId xmlns:a16="http://schemas.microsoft.com/office/drawing/2014/main" id="{AEDEB640-5D50-4ED2-A8A2-D379B6AA4C90}"/>
+              </a:ext>
+            </a:extLst>
+          </p:cNvPr>
+          <p:cNvPicPr>
+            <a:picLocks noChangeAspect="1"/>
+          </p:cNvPicPr>
+          <p:nvPr/>
+        </p:nvPicPr>
+        <p:blipFill rotWithShape="1">
+          <a:blip r:embed="rId2">
+            <a:extLst>
+              <a:ext uri="{28A0092B-C50C-407E-A947-70E740481C1C}">
+                <a14:useLocalDpi xmlns:a14="http://schemas.microsoft.com/office/drawing/2010/main" val="0"/>
+              </a:ext>
+            </a:extLst>
+          </a:blip>
+          <a:srcRect t="12791" r="2" b="2"/>
+          <a:stretch/>
+        </p:blipFill>
+        <p:spPr>
+          <a:xfrm>
+            <a:off x="838200" y="1904281"/>
+            <a:ext cx="6233160" cy="4272681"/>
+          </a:xfrm>
+          <a:prstGeom prst="rect">
+            <a:avLst/>
+          </a:prstGeom>
+        </p:spPr>
+      </p:pic>
+      <p:sp>
+        <p:nvSpPr>
+          <p:cNvPr id="2" name="Title 1">
+            <a:extLst>
+              <a:ext uri="{FF2B5EF4-FFF2-40B4-BE49-F238E27FC236}">
+                <a16:creationId xmlns:a16="http://schemas.microsoft.com/office/drawing/2014/main" id="{9C13CFF0-AB61-4BA7-BF45-531D2E95DAA6}"/>
+              </a:ext>
+            </a:extLst>
+          </p:cNvPr>
+          <p:cNvSpPr>
+            <a:spLocks noGrp="1"/>
+          </p:cNvSpPr>
+          <p:nvPr>
+            <p:ph type="title"/>
+          </p:nvPr>
+        </p:nvSpPr>
+        <p:spPr>
+          <a:xfrm>
+            <a:off x="838200" y="365125"/>
+            <a:ext cx="10515600" cy="1325563"/>
+          </a:xfrm>
+        </p:spPr>
+        <p:txBody>
+          <a:bodyPr>
+            <a:normAutofit/>
+          </a:bodyPr>
+          <a:lstStyle/>
+          <a:p>
+            <a:r>
+              <a:rPr lang="en-US" dirty="0"/>
+              <a:t>Most Frequent Terms</a:t>
+            </a:r>
+          </a:p>
+        </p:txBody>
+      </p:sp>
+      <p:sp>
+        <p:nvSpPr>
+          <p:cNvPr id="10" name="Content Placeholder 9"/>
+          <p:cNvSpPr>
+            <a:spLocks noGrp="1"/>
+          </p:cNvSpPr>
+          <p:nvPr>
+            <p:ph idx="1"/>
+          </p:nvPr>
+        </p:nvSpPr>
+        <p:spPr>
+          <a:xfrm>
+            <a:off x="7552944" y="1825625"/>
+            <a:ext cx="3800856" cy="4351338"/>
+          </a:xfrm>
+        </p:spPr>
+        <p:txBody>
+          <a:bodyPr>
+            <a:normAutofit lnSpcReduction="10000"/>
+          </a:bodyPr>
+          <a:lstStyle/>
+          <a:p>
+            <a:pPr marL="0" indent="0">
+              <a:buNone/>
+            </a:pPr>
+            <a:r>
+              <a:rPr lang="en-US" sz="2000" dirty="0"/>
+              <a:t>Top Terms:</a:t>
+            </a:r>
+          </a:p>
+          <a:p>
+            <a:pPr marL="457200" indent="-457200">
+              <a:buAutoNum type="arabicPeriod"/>
+            </a:pPr>
+            <a:r>
+              <a:rPr lang="en-US" sz="2000" dirty="0"/>
+              <a:t>Data</a:t>
+            </a:r>
+          </a:p>
+          <a:p>
+            <a:pPr marL="457200" indent="-457200">
+              <a:buAutoNum type="arabicPeriod"/>
+            </a:pPr>
+            <a:r>
+              <a:rPr lang="en-US" sz="2000" dirty="0"/>
+              <a:t>Will</a:t>
+            </a:r>
+          </a:p>
+          <a:p>
+            <a:pPr marL="457200" indent="-457200">
+              <a:buAutoNum type="arabicPeriod"/>
+            </a:pPr>
+            <a:r>
+              <a:rPr lang="en-US" sz="2000" dirty="0"/>
+              <a:t>Team</a:t>
+            </a:r>
+          </a:p>
+          <a:p>
+            <a:pPr marL="457200" indent="-457200">
+              <a:buAutoNum type="arabicPeriod"/>
+            </a:pPr>
+            <a:r>
+              <a:rPr lang="en-US" sz="2000" dirty="0"/>
+              <a:t>Experience</a:t>
+            </a:r>
+          </a:p>
+          <a:p>
+            <a:pPr marL="457200" indent="-457200">
+              <a:buAutoNum type="arabicPeriod"/>
+            </a:pPr>
+            <a:r>
+              <a:rPr lang="en-US" sz="2000" dirty="0"/>
+              <a:t>Work</a:t>
+            </a:r>
+          </a:p>
+          <a:p>
+            <a:pPr marL="457200" indent="-457200">
+              <a:buAutoNum type="arabicPeriod"/>
+            </a:pPr>
+            <a:r>
+              <a:rPr lang="en-US" sz="2000" dirty="0"/>
+              <a:t>Apple</a:t>
+            </a:r>
+          </a:p>
+          <a:p>
+            <a:pPr marL="457200" indent="-457200">
+              <a:buAutoNum type="arabicPeriod"/>
+            </a:pPr>
+            <a:r>
+              <a:rPr lang="en-US" sz="2000" dirty="0"/>
+              <a:t>Design</a:t>
+            </a:r>
+          </a:p>
+          <a:p>
+            <a:pPr marL="457200" indent="-457200">
+              <a:buAutoNum type="arabicPeriod"/>
+            </a:pPr>
+            <a:r>
+              <a:rPr lang="en-US" sz="2000" dirty="0"/>
+              <a:t>Business</a:t>
+            </a:r>
+          </a:p>
+          <a:p>
+            <a:pPr marL="457200" indent="-457200">
+              <a:buAutoNum type="arabicPeriod"/>
+            </a:pPr>
+            <a:r>
+              <a:rPr lang="en-US" sz="2000" dirty="0"/>
+              <a:t>Engineering</a:t>
+            </a:r>
+          </a:p>
+          <a:p>
+            <a:pPr marL="457200" indent="-457200">
+              <a:buAutoNum type="arabicPeriod"/>
+            </a:pPr>
+            <a:r>
+              <a:rPr lang="en-US" sz="2000" dirty="0"/>
+              <a:t>Development</a:t>
+            </a:r>
+          </a:p>
+        </p:txBody>
+      </p:sp>
+    </p:spTree>
+    <p:extLst>
+      <p:ext uri="{BB962C8B-B14F-4D97-AF65-F5344CB8AC3E}">
+        <p14:creationId xmlns:p14="http://schemas.microsoft.com/office/powerpoint/2010/main" val="163728961"/>
+      </p:ext>
+    </p:extLst>
+  </p:cSld>
+  <p:clrMapOvr>
+    <a:masterClrMapping/>
+  </p:clrMapOvr>
+</p:sld>
+</file>
+
+<file path=ppt/slides/slide15.xml><?xml version="1.0" encoding="utf-8"?>
+<p:sld xmlns:a="http://schemas.openxmlformats.org/drawingml/2006/main" xmlns:r="http://schemas.openxmlformats.org/officeDocument/2006/relationships" xmlns:p="http://schemas.openxmlformats.org/presentationml/2006/main">
+  <p:cSld>
+    <p:bg>
+      <p:bgPr>
+        <a:solidFill>
+          <a:schemeClr val="bg1"/>
+        </a:solidFill>
+        <a:effectLst/>
+      </p:bgPr>
+    </p:bg>
+    <p:spTree>
+      <p:nvGrpSpPr>
+        <p:cNvPr id="1" name=""/>
+        <p:cNvGrpSpPr/>
+        <p:nvPr/>
+      </p:nvGrpSpPr>
+      <p:grpSpPr>
+        <a:xfrm>
+          <a:off x="0" y="0"/>
+          <a:ext cx="0" cy="0"/>
+          <a:chOff x="0" y="0"/>
+          <a:chExt cx="0" cy="0"/>
+        </a:xfrm>
+      </p:grpSpPr>
+      <p:pic>
+        <p:nvPicPr>
+          <p:cNvPr id="19" name="Content Placeholder 4">
+            <a:extLst>
+              <a:ext uri="{FF2B5EF4-FFF2-40B4-BE49-F238E27FC236}">
+                <a16:creationId xmlns:a16="http://schemas.microsoft.com/office/drawing/2014/main" id="{BF6A3F2C-5DF0-4F6B-BBF2-C59FA66C2A02}"/>
+              </a:ext>
+            </a:extLst>
+          </p:cNvPr>
+          <p:cNvPicPr>
+            <a:picLocks noChangeAspect="1"/>
+          </p:cNvPicPr>
+          <p:nvPr/>
+        </p:nvPicPr>
+        <p:blipFill rotWithShape="1">
+          <a:blip r:embed="rId2">
+            <a:extLst>
+              <a:ext uri="{28A0092B-C50C-407E-A947-70E740481C1C}">
+                <a14:useLocalDpi xmlns:a14="http://schemas.microsoft.com/office/drawing/2010/main" val="0"/>
+              </a:ext>
+            </a:extLst>
+          </a:blip>
+          <a:srcRect l="6730" r="6700" b="-4"/>
+          <a:stretch/>
+        </p:blipFill>
+        <p:spPr>
+          <a:xfrm>
+            <a:off x="4639056" y="10"/>
+            <a:ext cx="7552944" cy="6857990"/>
+          </a:xfrm>
+          <a:prstGeom prst="rect">
+            <a:avLst/>
+          </a:prstGeom>
+          <a:effectLst/>
+        </p:spPr>
+      </p:pic>
+      <p:sp>
+        <p:nvSpPr>
+          <p:cNvPr id="20" name="Content Placeholder 9"/>
+          <p:cNvSpPr>
+            <a:spLocks noGrp="1"/>
+          </p:cNvSpPr>
+          <p:nvPr>
+            <p:ph idx="1"/>
+          </p:nvPr>
+        </p:nvSpPr>
+        <p:spPr>
+          <a:xfrm>
+            <a:off x="648931" y="360218"/>
+            <a:ext cx="3651466" cy="5863601"/>
+          </a:xfrm>
+        </p:spPr>
+        <p:txBody>
+          <a:bodyPr>
+            <a:normAutofit/>
+          </a:bodyPr>
+          <a:lstStyle/>
+          <a:p>
+            <a:pPr marL="0" indent="0">
+              <a:buNone/>
+            </a:pPr>
+            <a:r>
+              <a:rPr lang="en-US" sz="1800" dirty="0"/>
+              <a:t>Visual of the top terms</a:t>
+            </a:r>
+          </a:p>
+        </p:txBody>
+      </p:sp>
+    </p:spTree>
+    <p:extLst>
+      <p:ext uri="{BB962C8B-B14F-4D97-AF65-F5344CB8AC3E}">
+        <p14:creationId xmlns:p14="http://schemas.microsoft.com/office/powerpoint/2010/main" val="85782808"/>
+      </p:ext>
+    </p:extLst>
+  </p:cSld>
+  <p:clrMapOvr>
+    <a:masterClrMapping/>
+  </p:clrMapOvr>
+</p:sld>
+</file>
+
+<file path=ppt/slides/slide16.xml><?xml version="1.0" encoding="utf-8"?>
+<p:sld xmlns:a="http://schemas.openxmlformats.org/drawingml/2006/main" xmlns:r="http://schemas.openxmlformats.org/officeDocument/2006/relationships" xmlns:p="http://schemas.openxmlformats.org/presentationml/2006/main">
+  <p:cSld>
+    <p:spTree>
+      <p:nvGrpSpPr>
+        <p:cNvPr id="1" name=""/>
+        <p:cNvGrpSpPr/>
+        <p:nvPr/>
+      </p:nvGrpSpPr>
+      <p:grpSpPr>
+        <a:xfrm>
+          <a:off x="0" y="0"/>
+          <a:ext cx="0" cy="0"/>
+          <a:chOff x="0" y="0"/>
+          <a:chExt cx="0" cy="0"/>
+        </a:xfrm>
+      </p:grpSpPr>
+      <p:sp>
+        <p:nvSpPr>
+          <p:cNvPr id="2" name="Title 1">
+            <a:extLst>
+              <a:ext uri="{FF2B5EF4-FFF2-40B4-BE49-F238E27FC236}">
+                <a16:creationId xmlns:a16="http://schemas.microsoft.com/office/drawing/2014/main" id="{69EB7ECF-A088-47A2-9B6D-A520E90F0F1F}"/>
+              </a:ext>
+            </a:extLst>
+          </p:cNvPr>
+          <p:cNvSpPr>
+            <a:spLocks noGrp="1"/>
+          </p:cNvSpPr>
+          <p:nvPr>
+            <p:ph type="title"/>
+          </p:nvPr>
+        </p:nvSpPr>
+        <p:spPr/>
+        <p:txBody>
+          <a:bodyPr/>
+          <a:lstStyle/>
+          <a:p>
+            <a:r>
+              <a:rPr lang="en-US" dirty="0"/>
+              <a:t>Evaluation</a:t>
+            </a:r>
+          </a:p>
+        </p:txBody>
+      </p:sp>
+      <p:sp>
+        <p:nvSpPr>
+          <p:cNvPr id="3" name="Content Placeholder 2">
+            <a:extLst>
+              <a:ext uri="{FF2B5EF4-FFF2-40B4-BE49-F238E27FC236}">
+                <a16:creationId xmlns:a16="http://schemas.microsoft.com/office/drawing/2014/main" id="{76A4FA34-4101-4DB8-BDB1-B2BFA4449A68}"/>
+              </a:ext>
+            </a:extLst>
+          </p:cNvPr>
+          <p:cNvSpPr>
+            <a:spLocks noGrp="1"/>
+          </p:cNvSpPr>
+          <p:nvPr>
+            <p:ph idx="1"/>
+          </p:nvPr>
+        </p:nvSpPr>
+        <p:spPr/>
+        <p:txBody>
+          <a:bodyPr/>
+          <a:lstStyle/>
+          <a:p>
+            <a:endParaRPr lang="en-US" dirty="0"/>
+          </a:p>
+        </p:txBody>
+      </p:sp>
+    </p:spTree>
+    <p:extLst>
+      <p:ext uri="{BB962C8B-B14F-4D97-AF65-F5344CB8AC3E}">
+        <p14:creationId xmlns:p14="http://schemas.microsoft.com/office/powerpoint/2010/main" val="3407193998"/>
+      </p:ext>
+    </p:extLst>
+  </p:cSld>
+  <p:clrMapOvr>
+    <a:masterClrMapping/>
+  </p:clrMapOvr>
+</p:sld>
+</file>
+
+<file path=ppt/slides/slide17.xml><?xml version="1.0" encoding="utf-8"?>
+<p:sld xmlns:a="http://schemas.openxmlformats.org/drawingml/2006/main" xmlns:r="http://schemas.openxmlformats.org/officeDocument/2006/relationships" xmlns:p="http://schemas.openxmlformats.org/presentationml/2006/main">
+  <p:cSld>
+    <p:spTree>
+      <p:nvGrpSpPr>
+        <p:cNvPr id="1" name=""/>
+        <p:cNvGrpSpPr/>
+        <p:nvPr/>
+      </p:nvGrpSpPr>
+      <p:grpSpPr>
+        <a:xfrm>
+          <a:off x="0" y="0"/>
+          <a:ext cx="0" cy="0"/>
+          <a:chOff x="0" y="0"/>
+          <a:chExt cx="0" cy="0"/>
+        </a:xfrm>
+      </p:grpSpPr>
+      <p:sp>
+        <p:nvSpPr>
+          <p:cNvPr id="2" name="Title 1">
+            <a:extLst>
+              <a:ext uri="{FF2B5EF4-FFF2-40B4-BE49-F238E27FC236}">
+                <a16:creationId xmlns:a16="http://schemas.microsoft.com/office/drawing/2014/main" id="{83D2FCD0-74AF-46F9-8C29-8DF121006AFD}"/>
+              </a:ext>
+            </a:extLst>
+          </p:cNvPr>
+          <p:cNvSpPr>
+            <a:spLocks noGrp="1"/>
+          </p:cNvSpPr>
+          <p:nvPr>
+            <p:ph type="title"/>
+          </p:nvPr>
+        </p:nvSpPr>
+        <p:spPr/>
+        <p:txBody>
+          <a:bodyPr/>
+          <a:lstStyle/>
+          <a:p>
+            <a:endParaRPr lang="en-US"/>
+          </a:p>
+        </p:txBody>
+      </p:sp>
+      <p:sp>
+        <p:nvSpPr>
+          <p:cNvPr id="3" name="Content Placeholder 2">
+            <a:extLst>
+              <a:ext uri="{FF2B5EF4-FFF2-40B4-BE49-F238E27FC236}">
+                <a16:creationId xmlns:a16="http://schemas.microsoft.com/office/drawing/2014/main" id="{4C70BCF9-73F1-495A-9177-2AB26D26FF91}"/>
+              </a:ext>
+            </a:extLst>
+          </p:cNvPr>
+          <p:cNvSpPr>
+            <a:spLocks noGrp="1"/>
+          </p:cNvSpPr>
+          <p:nvPr>
+            <p:ph idx="1"/>
+          </p:nvPr>
+        </p:nvSpPr>
+        <p:spPr/>
+        <p:txBody>
+          <a:bodyPr/>
+          <a:lstStyle/>
+          <a:p>
+            <a:endParaRPr lang="en-US"/>
+          </a:p>
+        </p:txBody>
+      </p:sp>
+    </p:spTree>
+    <p:extLst>
+      <p:ext uri="{BB962C8B-B14F-4D97-AF65-F5344CB8AC3E}">
+        <p14:creationId xmlns:p14="http://schemas.microsoft.com/office/powerpoint/2010/main" val="4033900076"/>
+      </p:ext>
+    </p:extLst>
+  </p:cSld>
+  <p:clrMapOvr>
+    <a:masterClrMapping/>
+  </p:clrMapOvr>
+</p:sld>
+</file>
+
+<file path=ppt/slides/slide18.xml><?xml version="1.0" encoding="utf-8"?>
+<p:sld xmlns:a="http://schemas.openxmlformats.org/drawingml/2006/main" xmlns:r="http://schemas.openxmlformats.org/officeDocument/2006/relationships" xmlns:p="http://schemas.openxmlformats.org/presentationml/2006/main">
+  <p:cSld>
+    <p:spTree>
+      <p:nvGrpSpPr>
+        <p:cNvPr id="1" name=""/>
+        <p:cNvGrpSpPr/>
+        <p:nvPr/>
+      </p:nvGrpSpPr>
+      <p:grpSpPr>
+        <a:xfrm>
+          <a:off x="0" y="0"/>
+          <a:ext cx="0" cy="0"/>
+          <a:chOff x="0" y="0"/>
+          <a:chExt cx="0" cy="0"/>
+        </a:xfrm>
+      </p:grpSpPr>
+      <p:sp>
+        <p:nvSpPr>
+          <p:cNvPr id="2" name="Title 1">
+            <a:extLst>
+              <a:ext uri="{FF2B5EF4-FFF2-40B4-BE49-F238E27FC236}">
+                <a16:creationId xmlns:a16="http://schemas.microsoft.com/office/drawing/2014/main" id="{F20945F2-8D92-420A-815D-2D60176E6A01}"/>
+              </a:ext>
+            </a:extLst>
+          </p:cNvPr>
+          <p:cNvSpPr>
+            <a:spLocks noGrp="1"/>
+          </p:cNvSpPr>
+          <p:nvPr>
+            <p:ph type="title"/>
+          </p:nvPr>
+        </p:nvSpPr>
+        <p:spPr/>
+        <p:txBody>
+          <a:bodyPr/>
+          <a:lstStyle/>
+          <a:p>
+            <a:r>
+              <a:rPr lang="en-US" dirty="0"/>
+              <a:t>Next Steps…</a:t>
+            </a:r>
+          </a:p>
+        </p:txBody>
+      </p:sp>
+      <p:sp>
+        <p:nvSpPr>
+          <p:cNvPr id="3" name="Content Placeholder 2">
+            <a:extLst>
+              <a:ext uri="{FF2B5EF4-FFF2-40B4-BE49-F238E27FC236}">
+                <a16:creationId xmlns:a16="http://schemas.microsoft.com/office/drawing/2014/main" id="{BB5CE37B-29D2-4734-B33A-DA1505DC83B8}"/>
+              </a:ext>
+            </a:extLst>
+          </p:cNvPr>
+          <p:cNvSpPr>
+            <a:spLocks noGrp="1"/>
+          </p:cNvSpPr>
+          <p:nvPr>
+            <p:ph idx="1"/>
+          </p:nvPr>
+        </p:nvSpPr>
+        <p:spPr/>
+        <p:txBody>
+          <a:bodyPr/>
+          <a:lstStyle/>
+          <a:p>
+            <a:endParaRPr lang="en-US"/>
+          </a:p>
+        </p:txBody>
+      </p:sp>
+    </p:spTree>
+    <p:extLst>
+      <p:ext uri="{BB962C8B-B14F-4D97-AF65-F5344CB8AC3E}">
+        <p14:creationId xmlns:p14="http://schemas.microsoft.com/office/powerpoint/2010/main" val="3167346521"/>
+      </p:ext>
+    </p:extLst>
+  </p:cSld>
+  <p:clrMapOvr>
+    <a:masterClrMapping/>
+  </p:clrMapOvr>
+</p:sld>
+</file>
+
+<file path=ppt/slides/slide19.xml><?xml version="1.0" encoding="utf-8"?>
+<p:sld xmlns:a="http://schemas.openxmlformats.org/drawingml/2006/main" xmlns:r="http://schemas.openxmlformats.org/officeDocument/2006/relationships" xmlns:p="http://schemas.openxmlformats.org/presentationml/2006/main">
+  <p:cSld>
+    <p:spTree>
+      <p:nvGrpSpPr>
+        <p:cNvPr id="1" name=""/>
+        <p:cNvGrpSpPr/>
+        <p:nvPr/>
+      </p:nvGrpSpPr>
+      <p:grpSpPr>
+        <a:xfrm>
+          <a:off x="0" y="0"/>
+          <a:ext cx="0" cy="0"/>
+          <a:chOff x="0" y="0"/>
+          <a:chExt cx="0" cy="0"/>
+        </a:xfrm>
+      </p:grpSpPr>
+      <p:sp>
+        <p:nvSpPr>
+          <p:cNvPr id="2" name="Title 1">
+            <a:extLst>
+              <a:ext uri="{FF2B5EF4-FFF2-40B4-BE49-F238E27FC236}">
+                <a16:creationId xmlns:a16="http://schemas.microsoft.com/office/drawing/2014/main" id="{4C3AEDB0-7165-499A-BE92-E0CD0EDBB716}"/>
+              </a:ext>
+            </a:extLst>
+          </p:cNvPr>
+          <p:cNvSpPr>
+            <a:spLocks noGrp="1"/>
+          </p:cNvSpPr>
+          <p:nvPr>
+            <p:ph type="title"/>
+          </p:nvPr>
+        </p:nvSpPr>
+        <p:spPr/>
+        <p:txBody>
+          <a:bodyPr/>
+          <a:lstStyle/>
+          <a:p>
+            <a:endParaRPr lang="en-US"/>
+          </a:p>
+        </p:txBody>
+      </p:sp>
+      <p:sp>
+        <p:nvSpPr>
+          <p:cNvPr id="3" name="Content Placeholder 2">
+            <a:extLst>
+              <a:ext uri="{FF2B5EF4-FFF2-40B4-BE49-F238E27FC236}">
+                <a16:creationId xmlns:a16="http://schemas.microsoft.com/office/drawing/2014/main" id="{520C38B0-A451-4248-8723-574CA9F639CF}"/>
+              </a:ext>
+            </a:extLst>
+          </p:cNvPr>
+          <p:cNvSpPr>
+            <a:spLocks noGrp="1"/>
+          </p:cNvSpPr>
+          <p:nvPr>
+            <p:ph idx="1"/>
+          </p:nvPr>
+        </p:nvSpPr>
+        <p:spPr/>
+        <p:txBody>
+          <a:bodyPr/>
+          <a:lstStyle/>
+          <a:p>
+            <a:endParaRPr lang="en-US"/>
+          </a:p>
+        </p:txBody>
+      </p:sp>
+    </p:spTree>
+    <p:extLst>
+      <p:ext uri="{BB962C8B-B14F-4D97-AF65-F5344CB8AC3E}">
+        <p14:creationId xmlns:p14="http://schemas.microsoft.com/office/powerpoint/2010/main" val="2087181538"/>
       </p:ext>
     </p:extLst>
   </p:cSld>
@@ -7062,7 +7925,7 @@
           <p:cNvPr id="2" name="Title 1">
             <a:extLst>
               <a:ext uri="{FF2B5EF4-FFF2-40B4-BE49-F238E27FC236}">
-                <a16:creationId xmlns:a16="http://schemas.microsoft.com/office/drawing/2014/main" xmlns="" id="{4482F9E1-0E2A-4916-A0BD-890D1EF8C8F7}"/>
+                <a16:creationId xmlns:a16="http://schemas.microsoft.com/office/drawing/2014/main" id="{4482F9E1-0E2A-4916-A0BD-890D1EF8C8F7}"/>
               </a:ext>
             </a:extLst>
           </p:cNvPr>
@@ -7090,7 +7953,7 @@
           <p:cNvPr id="3" name="Content Placeholder 2">
             <a:extLst>
               <a:ext uri="{FF2B5EF4-FFF2-40B4-BE49-F238E27FC236}">
-                <a16:creationId xmlns:a16="http://schemas.microsoft.com/office/drawing/2014/main" xmlns="" id="{79EA8508-D4CA-449F-8625-EC079311D071}"/>
+                <a16:creationId xmlns:a16="http://schemas.microsoft.com/office/drawing/2014/main" id="{79EA8508-D4CA-449F-8625-EC079311D071}"/>
               </a:ext>
             </a:extLst>
           </p:cNvPr>
@@ -7155,10 +8018,9 @@
           <a:p>
             <a:pPr lvl="1"/>
             <a:r>
-              <a:rPr lang="en-US" dirty="0" err="1"/>
-              <a:t>Ngrams</a:t>
-            </a:r>
-            <a:endParaRPr lang="en-US" dirty="0"/>
+              <a:rPr lang="en-US" dirty="0"/>
+              <a:t>k-Means Clustering</a:t>
+            </a:r>
           </a:p>
           <a:p>
             <a:pPr lvl="1"/>
@@ -7221,7 +8083,7 @@
           <p:cNvPr id="2" name="Title 1">
             <a:extLst>
               <a:ext uri="{FF2B5EF4-FFF2-40B4-BE49-F238E27FC236}">
-                <a16:creationId xmlns:a16="http://schemas.microsoft.com/office/drawing/2014/main" xmlns="" id="{8B0E9BBB-EA40-426A-A5A0-91C71F9BB2FA}"/>
+                <a16:creationId xmlns:a16="http://schemas.microsoft.com/office/drawing/2014/main" id="{8B0E9BBB-EA40-426A-A5A0-91C71F9BB2FA}"/>
               </a:ext>
             </a:extLst>
           </p:cNvPr>
@@ -7249,7 +8111,7 @@
           <p:cNvPr id="3" name="Content Placeholder 2">
             <a:extLst>
               <a:ext uri="{FF2B5EF4-FFF2-40B4-BE49-F238E27FC236}">
-                <a16:creationId xmlns:a16="http://schemas.microsoft.com/office/drawing/2014/main" xmlns="" id="{67BE32D7-523A-400E-9D07-EAF0C4B255E7}"/>
+                <a16:creationId xmlns:a16="http://schemas.microsoft.com/office/drawing/2014/main" id="{67BE32D7-523A-400E-9D07-EAF0C4B255E7}"/>
               </a:ext>
             </a:extLst>
           </p:cNvPr>
@@ -7277,25 +8139,7 @@
             </a:pPr>
             <a:r>
               <a:rPr lang="en-US" dirty="0"/>
-              <a:t>HR departments and Headhunter Firms have to hunt through a large number of job postings and resumes trying to match candidates to jobs. </a:t>
-            </a:r>
-          </a:p>
-          <a:p>
-            <a:r>
-              <a:rPr lang="en-US" dirty="0"/>
-              <a:t>Basic job searches online may only include a handful of words. </a:t>
-            </a:r>
-          </a:p>
-          <a:p>
-            <a:endParaRPr lang="en-US" dirty="0"/>
-          </a:p>
-          <a:p>
-            <a:endParaRPr lang="en-US" dirty="0"/>
-          </a:p>
-          <a:p>
-            <a:r>
-              <a:rPr lang="en-US" dirty="0"/>
-              <a:t>HR or Headhunters may be able to search resume’s by keywords to check for mandatory values, but this only gives knowledge of whether a candidate has some or all of the required/desired items in their resume</a:t>
+              <a:t>Problem: Job Applicants, HR departments, and Headhunter Firms have to hunt through a large number of job postings and resumes trying to match candidates to jobs. </a:t>
             </a:r>
           </a:p>
           <a:p>
@@ -7304,6 +8148,32 @@
             </a:pPr>
             <a:endParaRPr lang="en-US" dirty="0"/>
           </a:p>
+          <a:p>
+            <a:pPr lvl="1"/>
+            <a:r>
+              <a:rPr lang="en-US" dirty="0"/>
+              <a:t>Basic job searches online may only include a handful of words. </a:t>
+            </a:r>
+          </a:p>
+          <a:p>
+            <a:endParaRPr lang="en-US" dirty="0"/>
+          </a:p>
+          <a:p>
+            <a:endParaRPr lang="en-US" dirty="0"/>
+          </a:p>
+          <a:p>
+            <a:pPr lvl="1"/>
+            <a:r>
+              <a:rPr lang="en-US" dirty="0"/>
+              <a:t>HR or Headhunters may be able to search resume’s by keywords to check for mandatory values, but this only gives knowledge of whether a candidate has some or all of the required/desired items in their resume</a:t>
+            </a:r>
+          </a:p>
+          <a:p>
+            <a:pPr marL="0" indent="0">
+              <a:buNone/>
+            </a:pPr>
+            <a:endParaRPr lang="en-US" dirty="0"/>
+          </a:p>
         </p:txBody>
       </p:sp>
       <p:pic>
@@ -7311,7 +8181,7 @@
           <p:cNvPr id="4" name="Picture 3">
             <a:extLst>
               <a:ext uri="{FF2B5EF4-FFF2-40B4-BE49-F238E27FC236}">
-                <a16:creationId xmlns:a16="http://schemas.microsoft.com/office/drawing/2014/main" xmlns="" id="{3980A69F-2DAE-42ED-ACD6-D0736AAAB22E}"/>
+                <a16:creationId xmlns:a16="http://schemas.microsoft.com/office/drawing/2014/main" id="{3980A69F-2DAE-42ED-ACD6-D0736AAAB22E}"/>
               </a:ext>
             </a:extLst>
           </p:cNvPr>
@@ -7328,7 +8198,7 @@
         </p:blipFill>
         <p:spPr>
           <a:xfrm>
-            <a:off x="1600200" y="3820199"/>
+            <a:off x="1522615" y="4130540"/>
             <a:ext cx="8991600" cy="533400"/>
           </a:xfrm>
           <a:prstGeom prst="rect">
@@ -7371,7 +8241,7 @@
           <p:cNvPr id="2" name="Title 1">
             <a:extLst>
               <a:ext uri="{FF2B5EF4-FFF2-40B4-BE49-F238E27FC236}">
-                <a16:creationId xmlns:a16="http://schemas.microsoft.com/office/drawing/2014/main" xmlns="" id="{A7EA68FD-1699-4720-8471-CC8230837D2B}"/>
+                <a16:creationId xmlns:a16="http://schemas.microsoft.com/office/drawing/2014/main" id="{A7EA68FD-1699-4720-8471-CC8230837D2B}"/>
               </a:ext>
             </a:extLst>
           </p:cNvPr>
@@ -7399,7 +8269,7 @@
           <p:cNvPr id="3" name="Content Placeholder 2">
             <a:extLst>
               <a:ext uri="{FF2B5EF4-FFF2-40B4-BE49-F238E27FC236}">
-                <a16:creationId xmlns:a16="http://schemas.microsoft.com/office/drawing/2014/main" xmlns="" id="{57293EC2-8FBD-4FDB-9A7C-C32C65EA540C}"/>
+                <a16:creationId xmlns:a16="http://schemas.microsoft.com/office/drawing/2014/main" id="{57293EC2-8FBD-4FDB-9A7C-C32C65EA540C}"/>
               </a:ext>
             </a:extLst>
           </p:cNvPr>
@@ -7447,13 +8317,13 @@
             <a:pPr lvl="1"/>
             <a:r>
               <a:rPr lang="en-US" dirty="0"/>
-              <a:t>Be prepared to cold-call candidates even for jobs candidate may not be considering</a:t>
+              <a:t>Be prepared to cold-call candidates even for jobs a candidate may not be considering</a:t>
             </a:r>
           </a:p>
           <a:p>
             <a:r>
               <a:rPr lang="en-US" dirty="0"/>
-              <a:t>Identify weaknesses in candidate resumes to increase odds of successful placement at a company (and commission) </a:t>
+              <a:t>Identify weaknesses in a candidate’s resume to increase odds of successful placement at a company (and commission) </a:t>
             </a:r>
           </a:p>
         </p:txBody>
@@ -7501,7 +8371,7 @@
           <p:cNvPr id="2" name="Title 1">
             <a:extLst>
               <a:ext uri="{FF2B5EF4-FFF2-40B4-BE49-F238E27FC236}">
-                <a16:creationId xmlns:a16="http://schemas.microsoft.com/office/drawing/2014/main" xmlns="" id="{5FD12CE6-B8AD-439F-87A2-3DC9356BF40E}"/>
+                <a16:creationId xmlns:a16="http://schemas.microsoft.com/office/drawing/2014/main" id="{5FD12CE6-B8AD-439F-87A2-3DC9356BF40E}"/>
               </a:ext>
             </a:extLst>
           </p:cNvPr>
@@ -7591,7 +8461,7 @@
           <p:cNvPr id="1026" name="Picture 2" descr="By Kenneth Jensen [CC BY-SA 3.0 (https://creativecommons.org/licenses/by-sa/3.0)], via Wikimedia Commons" title="CRISP-DM Process Diagram">
             <a:extLst>
               <a:ext uri="{FF2B5EF4-FFF2-40B4-BE49-F238E27FC236}">
-                <a16:creationId xmlns:a16="http://schemas.microsoft.com/office/drawing/2014/main" xmlns="" id="{65C1A1A8-115F-4B79-ADEA-40D629657C47}"/>
+                <a16:creationId xmlns:a16="http://schemas.microsoft.com/office/drawing/2014/main" id="{65C1A1A8-115F-4B79-ADEA-40D629657C47}"/>
               </a:ext>
             </a:extLst>
           </p:cNvPr>
@@ -7660,7 +8530,7 @@
           <p:cNvPr id="4" name="Rectangle 3">
             <a:extLst>
               <a:ext uri="{FF2B5EF4-FFF2-40B4-BE49-F238E27FC236}">
-                <a16:creationId xmlns:a16="http://schemas.microsoft.com/office/drawing/2014/main" xmlns="" id="{879B85E4-B7E3-4F8F-A251-8821E6D9BFC6}"/>
+                <a16:creationId xmlns:a16="http://schemas.microsoft.com/office/drawing/2014/main" id="{879B85E4-B7E3-4F8F-A251-8821E6D9BFC6}"/>
               </a:ext>
             </a:extLst>
           </p:cNvPr>
@@ -7774,7 +8644,7 @@
           <p:cNvPr id="2" name="Title 1">
             <a:extLst>
               <a:ext uri="{FF2B5EF4-FFF2-40B4-BE49-F238E27FC236}">
-                <a16:creationId xmlns:a16="http://schemas.microsoft.com/office/drawing/2014/main" xmlns="" id="{73FABB48-3700-49DB-9BA2-BA4EA4237E1D}"/>
+                <a16:creationId xmlns:a16="http://schemas.microsoft.com/office/drawing/2014/main" id="{73FABB48-3700-49DB-9BA2-BA4EA4237E1D}"/>
               </a:ext>
             </a:extLst>
           </p:cNvPr>
@@ -7802,7 +8672,7 @@
           <p:cNvPr id="3" name="Text Placeholder 2">
             <a:extLst>
               <a:ext uri="{FF2B5EF4-FFF2-40B4-BE49-F238E27FC236}">
-                <a16:creationId xmlns:a16="http://schemas.microsoft.com/office/drawing/2014/main" xmlns="" id="{DB01AD3C-BD8E-43B5-8B90-C53EF8878AD9}"/>
+                <a16:creationId xmlns:a16="http://schemas.microsoft.com/office/drawing/2014/main" id="{DB01AD3C-BD8E-43B5-8B90-C53EF8878AD9}"/>
               </a:ext>
             </a:extLst>
           </p:cNvPr>
@@ -7832,7 +8702,7 @@
           <p:cNvPr id="4" name="Content Placeholder 3">
             <a:extLst>
               <a:ext uri="{FF2B5EF4-FFF2-40B4-BE49-F238E27FC236}">
-                <a16:creationId xmlns:a16="http://schemas.microsoft.com/office/drawing/2014/main" xmlns="" id="{0F8795B0-6709-43D7-9376-17B051E509F4}"/>
+                <a16:creationId xmlns:a16="http://schemas.microsoft.com/office/drawing/2014/main" id="{0F8795B0-6709-43D7-9376-17B051E509F4}"/>
               </a:ext>
             </a:extLst>
           </p:cNvPr>
@@ -7841,85 +8711,6 @@
           </p:cNvSpPr>
           <p:nvPr>
             <p:ph sz="half" idx="2"/>
-          </p:nvPr>
-        </p:nvSpPr>
-        <p:spPr/>
-        <p:txBody>
-          <a:bodyPr/>
-          <a:lstStyle/>
-          <a:p>
-            <a:r>
-              <a:rPr lang="en-US" dirty="0" err="1"/>
-              <a:t>Webscraped</a:t>
-            </a:r>
-            <a:r>
-              <a:rPr lang="en-US" dirty="0"/>
-              <a:t> in &lt;XML&gt; format</a:t>
-            </a:r>
-          </a:p>
-          <a:p>
-            <a:r>
-              <a:rPr lang="en-US" dirty="0"/>
-              <a:t>Sectioned by company</a:t>
-            </a:r>
-          </a:p>
-          <a:p>
-            <a:pPr lvl="1"/>
-            <a:r>
-              <a:rPr lang="en-US" dirty="0"/>
-              <a:t>Job Title</a:t>
-            </a:r>
-          </a:p>
-          <a:p>
-            <a:pPr lvl="1"/>
-            <a:r>
-              <a:rPr lang="en-US" dirty="0"/>
-              <a:t>Location</a:t>
-            </a:r>
-          </a:p>
-          <a:p>
-            <a:pPr lvl="1"/>
-            <a:r>
-              <a:rPr lang="en-US" dirty="0"/>
-              <a:t>Summary / Narrative</a:t>
-            </a:r>
-          </a:p>
-          <a:p>
-            <a:pPr lvl="1"/>
-            <a:r>
-              <a:rPr lang="en-US" dirty="0"/>
-              <a:t>Required Attributes</a:t>
-            </a:r>
-          </a:p>
-          <a:p>
-            <a:pPr lvl="1"/>
-            <a:r>
-              <a:rPr lang="en-US" dirty="0"/>
-              <a:t>Highly Desired Attributes</a:t>
-            </a:r>
-          </a:p>
-          <a:p>
-            <a:r>
-              <a:rPr lang="en-US" dirty="0"/>
-              <a:t>Many documents available</a:t>
-            </a:r>
-          </a:p>
-        </p:txBody>
-      </p:sp>
-      <p:sp>
-        <p:nvSpPr>
-          <p:cNvPr id="5" name="Text Placeholder 4">
-            <a:extLst>
-              <a:ext uri="{FF2B5EF4-FFF2-40B4-BE49-F238E27FC236}">
-                <a16:creationId xmlns:a16="http://schemas.microsoft.com/office/drawing/2014/main" xmlns="" id="{729737A3-0902-44B8-B2A7-99BF05EDB3C3}"/>
-              </a:ext>
-            </a:extLst>
-          </p:cNvPr>
-          <p:cNvSpPr>
-            <a:spLocks noGrp="1"/>
-          </p:cNvSpPr>
-          <p:nvPr>
-            <p:ph type="body" sz="quarter" idx="3"/>
           </p:nvPr>
         </p:nvSpPr>
         <p:spPr/>
@@ -7930,6 +8721,73 @@
           <a:lstStyle/>
           <a:p>
             <a:r>
+              <a:rPr lang="en-US" dirty="0" err="1"/>
+              <a:t>Webscraped</a:t>
+            </a:r>
+            <a:r>
+              <a:rPr lang="en-US" dirty="0"/>
+              <a:t> in &lt;XML&gt; format</a:t>
+            </a:r>
+          </a:p>
+          <a:p>
+            <a:r>
+              <a:rPr lang="en-US" dirty="0"/>
+              <a:t>Sectioned by company</a:t>
+            </a:r>
+          </a:p>
+          <a:p>
+            <a:pPr lvl="1"/>
+            <a:r>
+              <a:rPr lang="en-US" dirty="0"/>
+              <a:t>Job ID</a:t>
+            </a:r>
+          </a:p>
+          <a:p>
+            <a:pPr lvl="1"/>
+            <a:r>
+              <a:rPr lang="en-US" dirty="0"/>
+              <a:t>Job Title</a:t>
+            </a:r>
+          </a:p>
+          <a:p>
+            <a:pPr lvl="1"/>
+            <a:r>
+              <a:rPr lang="en-US" dirty="0"/>
+              <a:t>Job Description</a:t>
+            </a:r>
+          </a:p>
+          <a:p>
+            <a:r>
+              <a:rPr lang="en-US" dirty="0"/>
+              <a:t>Many documents available</a:t>
+            </a:r>
+          </a:p>
+        </p:txBody>
+      </p:sp>
+      <p:sp>
+        <p:nvSpPr>
+          <p:cNvPr id="5" name="Text Placeholder 4">
+            <a:extLst>
+              <a:ext uri="{FF2B5EF4-FFF2-40B4-BE49-F238E27FC236}">
+                <a16:creationId xmlns:a16="http://schemas.microsoft.com/office/drawing/2014/main" id="{729737A3-0902-44B8-B2A7-99BF05EDB3C3}"/>
+              </a:ext>
+            </a:extLst>
+          </p:cNvPr>
+          <p:cNvSpPr>
+            <a:spLocks noGrp="1"/>
+          </p:cNvSpPr>
+          <p:nvPr>
+            <p:ph type="body" sz="quarter" idx="3"/>
+          </p:nvPr>
+        </p:nvSpPr>
+        <p:spPr/>
+        <p:txBody>
+          <a:bodyPr>
+            <a:normAutofit/>
+          </a:bodyPr>
+          <a:lstStyle/>
+          <a:p>
+            <a:r>
               <a:rPr lang="en-US" sz="3600" dirty="0"/>
               <a:t>Resume</a:t>
             </a:r>
@@ -7941,7 +8799,7 @@
           <p:cNvPr id="6" name="Content Placeholder 5">
             <a:extLst>
               <a:ext uri="{FF2B5EF4-FFF2-40B4-BE49-F238E27FC236}">
-                <a16:creationId xmlns:a16="http://schemas.microsoft.com/office/drawing/2014/main" xmlns="" id="{127A6CB6-59CD-4DFD-82FA-05E871C91DBA}"/>
+                <a16:creationId xmlns:a16="http://schemas.microsoft.com/office/drawing/2014/main" id="{127A6CB6-59CD-4DFD-82FA-05E871C91DBA}"/>
               </a:ext>
             </a:extLst>
           </p:cNvPr>
@@ -7954,7 +8812,9 @@
         </p:nvSpPr>
         <p:spPr/>
         <p:txBody>
-          <a:bodyPr/>
+          <a:bodyPr>
+            <a:normAutofit/>
+          </a:bodyPr>
           <a:lstStyle/>
           <a:p>
             <a:r>
@@ -8011,7 +8871,7 @@
           <p:cNvPr id="7" name="Title 6">
             <a:extLst>
               <a:ext uri="{FF2B5EF4-FFF2-40B4-BE49-F238E27FC236}">
-                <a16:creationId xmlns:a16="http://schemas.microsoft.com/office/drawing/2014/main" xmlns="" id="{2C34020D-3B18-4966-9758-2A964095CD9F}"/>
+                <a16:creationId xmlns:a16="http://schemas.microsoft.com/office/drawing/2014/main" id="{2C34020D-3B18-4966-9758-2A964095CD9F}"/>
               </a:ext>
             </a:extLst>
           </p:cNvPr>
@@ -8039,7 +8899,7 @@
           <p:cNvPr id="10" name="Picture 9">
             <a:extLst>
               <a:ext uri="{FF2B5EF4-FFF2-40B4-BE49-F238E27FC236}">
-                <a16:creationId xmlns:a16="http://schemas.microsoft.com/office/drawing/2014/main" xmlns="" id="{DC3869E6-98AC-4567-B536-4A8E442A23D2}"/>
+                <a16:creationId xmlns:a16="http://schemas.microsoft.com/office/drawing/2014/main" id="{DC3869E6-98AC-4567-B536-4A8E442A23D2}"/>
               </a:ext>
             </a:extLst>
           </p:cNvPr>
@@ -8366,7 +9226,7 @@
   <a:extraClrSchemeLst/>
   <a:extLst>
     <a:ext uri="{05A4C25C-085E-4340-85A3-A5531E510DB2}">
-      <thm15:themeFamily xmlns:thm15="http://schemas.microsoft.com/office/thememl/2012/main" xmlns="" name="Office Theme" id="{62F939B6-93AF-4DB8-9C6B-D6C7DFDC589F}" vid="{4A3C46E8-61CC-4603-A589-7422A47A8E4A}"/>
+      <thm15:themeFamily xmlns:thm15="http://schemas.microsoft.com/office/thememl/2012/main" name="Office Theme" id="{62F939B6-93AF-4DB8-9C6B-D6C7DFDC589F}" vid="{4A3C46E8-61CC-4603-A589-7422A47A8E4A}"/>
     </a:ext>
   </a:extLst>
 </a:theme>

--- a/Jobs Analysis.pptx
+++ b/Jobs Analysis.pptx
@@ -8,12 +8,12 @@
     <p:sldId id="256" r:id="rId2"/>
     <p:sldId id="266" r:id="rId3"/>
     <p:sldId id="257" r:id="rId4"/>
-    <p:sldId id="260" r:id="rId5"/>
-    <p:sldId id="261" r:id="rId6"/>
-    <p:sldId id="262" r:id="rId7"/>
-    <p:sldId id="258" r:id="rId8"/>
-    <p:sldId id="263" r:id="rId9"/>
-    <p:sldId id="264" r:id="rId10"/>
+    <p:sldId id="276" r:id="rId5"/>
+    <p:sldId id="260" r:id="rId6"/>
+    <p:sldId id="261" r:id="rId7"/>
+    <p:sldId id="262" r:id="rId8"/>
+    <p:sldId id="258" r:id="rId9"/>
+    <p:sldId id="263" r:id="rId10"/>
     <p:sldId id="265" r:id="rId11"/>
     <p:sldId id="271" r:id="rId12"/>
     <p:sldId id="272" r:id="rId13"/>
@@ -1275,36 +1275,36 @@
     </dgm:pt>
   </dgm:ptLst>
   <dgm:cxnLst>
-    <dgm:cxn modelId="{5633121E-1A21-425C-9DC6-D5162E259413}" type="presOf" srcId="{2A8B8297-7E6D-4F86-9F87-40D25140CCA9}" destId="{F64A0F65-A87B-4EA5-BF63-CC3CF24D1892}" srcOrd="0" destOrd="0" presId="urn:microsoft.com/office/officeart/2016/7/layout/BasicLinearProcessNumbered"/>
-    <dgm:cxn modelId="{B760DE1E-1F0D-412F-9332-EEF995E2D263}" type="presOf" srcId="{C2368265-1E5D-49BC-98F4-27F05CDDBA57}" destId="{62707B22-23DD-4DBE-A0A0-AAB9AC9E1382}" srcOrd="0" destOrd="0" presId="urn:microsoft.com/office/officeart/2016/7/layout/BasicLinearProcessNumbered"/>
-    <dgm:cxn modelId="{01486A2A-8731-4C68-87DB-8A48DCC357C0}" type="presOf" srcId="{8CFF4F52-43D1-4C51-BF0C-325A9AB71E59}" destId="{41787B49-E0C6-4289-8162-AC2D3A8F4B50}" srcOrd="0" destOrd="0" presId="urn:microsoft.com/office/officeart/2016/7/layout/BasicLinearProcessNumbered"/>
+    <dgm:cxn modelId="{7A674E17-9F6F-484C-B972-6A198FD6E4A7}" type="presOf" srcId="{EE1BCD30-62CF-4CF2-BD7F-C7A7BD06C63C}" destId="{70071FF4-E4BE-4600-8C3C-E8D99DD003D0}" srcOrd="0" destOrd="0" presId="urn:microsoft.com/office/officeart/2016/7/layout/BasicLinearProcessNumbered"/>
+    <dgm:cxn modelId="{6248B317-EA01-4336-9922-9B6B2A3B1BFD}" type="presOf" srcId="{2A8B8297-7E6D-4F86-9F87-40D25140CCA9}" destId="{F64A0F65-A87B-4EA5-BF63-CC3CF24D1892}" srcOrd="0" destOrd="0" presId="urn:microsoft.com/office/officeart/2016/7/layout/BasicLinearProcessNumbered"/>
+    <dgm:cxn modelId="{7F6AD218-8596-4917-BA22-0532F8250D79}" type="presOf" srcId="{ACB80BCE-A2ED-449E-A9DC-47DF55D131D8}" destId="{42D03371-A196-438F-A26E-CFE731129DB1}" srcOrd="0" destOrd="0" presId="urn:microsoft.com/office/officeart/2016/7/layout/BasicLinearProcessNumbered"/>
+    <dgm:cxn modelId="{7802FF26-BFDB-47A9-B25E-9E8CDCA8F9F7}" type="presOf" srcId="{C2368265-1E5D-49BC-98F4-27F05CDDBA57}" destId="{62707B22-23DD-4DBE-A0A0-AAB9AC9E1382}" srcOrd="0" destOrd="0" presId="urn:microsoft.com/office/officeart/2016/7/layout/BasicLinearProcessNumbered"/>
     <dgm:cxn modelId="{043C6B2B-1151-4D38-8F1C-F471901D7270}" srcId="{8CFF4F52-43D1-4C51-BF0C-325A9AB71E59}" destId="{13876AFA-7058-48FC-8184-A90E8A7CD36C}" srcOrd="2" destOrd="0" parTransId="{11E01D19-0B48-4036-A9AD-6EE4CF842D38}" sibTransId="{C2368265-1E5D-49BC-98F4-27F05CDDBA57}"/>
     <dgm:cxn modelId="{A3A2BB31-28E8-4A1A-83BA-81F9201BF5BB}" srcId="{8CFF4F52-43D1-4C51-BF0C-325A9AB71E59}" destId="{EE1BCD30-62CF-4CF2-BD7F-C7A7BD06C63C}" srcOrd="0" destOrd="0" parTransId="{A18B9D12-E9DA-4F38-8D3C-9B88E54BC0E2}" sibTransId="{ACB80BCE-A2ED-449E-A9DC-47DF55D131D8}"/>
-    <dgm:cxn modelId="{181F1832-BE00-40F7-B149-15B2371B581B}" type="presOf" srcId="{ACB80BCE-A2ED-449E-A9DC-47DF55D131D8}" destId="{42D03371-A196-438F-A26E-CFE731129DB1}" srcOrd="0" destOrd="0" presId="urn:microsoft.com/office/officeart/2016/7/layout/BasicLinearProcessNumbered"/>
-    <dgm:cxn modelId="{6FD2C166-A046-4F6F-9966-D7BCB5F433F3}" type="presOf" srcId="{EE1BCD30-62CF-4CF2-BD7F-C7A7BD06C63C}" destId="{70071FF4-E4BE-4600-8C3C-E8D99DD003D0}" srcOrd="0" destOrd="0" presId="urn:microsoft.com/office/officeart/2016/7/layout/BasicLinearProcessNumbered"/>
-    <dgm:cxn modelId="{81E31569-9F78-4E1A-A6C7-9D79EACF44FC}" type="presOf" srcId="{13876AFA-7058-48FC-8184-A90E8A7CD36C}" destId="{B7DC95EA-EB5F-4C62-9BDD-1F0C72971ED4}" srcOrd="0" destOrd="0" presId="urn:microsoft.com/office/officeart/2016/7/layout/BasicLinearProcessNumbered"/>
+    <dgm:cxn modelId="{33798A63-D427-4459-8E8C-AF6A6054103F}" type="presOf" srcId="{2A8B8297-7E6D-4F86-9F87-40D25140CCA9}" destId="{BB211782-0D1B-4063-9226-4D318352255B}" srcOrd="1" destOrd="0" presId="urn:microsoft.com/office/officeart/2016/7/layout/BasicLinearProcessNumbered"/>
+    <dgm:cxn modelId="{D184B94D-BE7B-4958-8D92-EB9763F154C6}" type="presOf" srcId="{13876AFA-7058-48FC-8184-A90E8A7CD36C}" destId="{B7DC95EA-EB5F-4C62-9BDD-1F0C72971ED4}" srcOrd="0" destOrd="0" presId="urn:microsoft.com/office/officeart/2016/7/layout/BasicLinearProcessNumbered"/>
+    <dgm:cxn modelId="{99215551-5FAC-4276-B762-5628B4597940}" type="presOf" srcId="{830E8122-5967-4D9E-BFD8-AAA9B0B61254}" destId="{AB61A1ED-BD40-4223-8596-EE7292E68E8D}" srcOrd="0" destOrd="0" presId="urn:microsoft.com/office/officeart/2016/7/layout/BasicLinearProcessNumbered"/>
+    <dgm:cxn modelId="{5335DD77-DA3A-43BD-BA1B-CD3595D211AF}" type="presOf" srcId="{8CFF4F52-43D1-4C51-BF0C-325A9AB71E59}" destId="{41787B49-E0C6-4289-8162-AC2D3A8F4B50}" srcOrd="0" destOrd="0" presId="urn:microsoft.com/office/officeart/2016/7/layout/BasicLinearProcessNumbered"/>
     <dgm:cxn modelId="{4778E95A-C357-48A9-9703-54695FEA961D}" srcId="{8CFF4F52-43D1-4C51-BF0C-325A9AB71E59}" destId="{2A8B8297-7E6D-4F86-9F87-40D25140CCA9}" srcOrd="1" destOrd="0" parTransId="{4608FD4B-FF7A-432E-9481-7B3C80F4F396}" sibTransId="{830E8122-5967-4D9E-BFD8-AAA9B0B61254}"/>
-    <dgm:cxn modelId="{C8776197-DDBB-4380-BF71-3B32B34BB03E}" type="presOf" srcId="{2A8B8297-7E6D-4F86-9F87-40D25140CCA9}" destId="{BB211782-0D1B-4063-9226-4D318352255B}" srcOrd="1" destOrd="0" presId="urn:microsoft.com/office/officeart/2016/7/layout/BasicLinearProcessNumbered"/>
-    <dgm:cxn modelId="{9A0F589C-DB1F-439D-9274-04892B53B0F4}" type="presOf" srcId="{830E8122-5967-4D9E-BFD8-AAA9B0B61254}" destId="{AB61A1ED-BD40-4223-8596-EE7292E68E8D}" srcOrd="0" destOrd="0" presId="urn:microsoft.com/office/officeart/2016/7/layout/BasicLinearProcessNumbered"/>
-    <dgm:cxn modelId="{6EC5BEF1-A17B-4D8B-8616-11F9F2829543}" type="presOf" srcId="{EE1BCD30-62CF-4CF2-BD7F-C7A7BD06C63C}" destId="{4ABB5407-EDC5-45C2-AF17-A4858D2BC77B}" srcOrd="1" destOrd="0" presId="urn:microsoft.com/office/officeart/2016/7/layout/BasicLinearProcessNumbered"/>
-    <dgm:cxn modelId="{18AF17F3-6F25-4609-B89F-7058D88B0BCB}" type="presOf" srcId="{13876AFA-7058-48FC-8184-A90E8A7CD36C}" destId="{230CDCA6-21FE-49B1-ADD2-DBDCC0FEB6B3}" srcOrd="1" destOrd="0" presId="urn:microsoft.com/office/officeart/2016/7/layout/BasicLinearProcessNumbered"/>
-    <dgm:cxn modelId="{DC7B0455-5840-453F-8A0C-497527AD0140}" type="presParOf" srcId="{41787B49-E0C6-4289-8162-AC2D3A8F4B50}" destId="{09A57D60-8F37-4BB6-9FEC-A00BB874C2CE}" srcOrd="0" destOrd="0" presId="urn:microsoft.com/office/officeart/2016/7/layout/BasicLinearProcessNumbered"/>
-    <dgm:cxn modelId="{2E111D49-C144-4AA0-9F47-D3DDBA572F49}" type="presParOf" srcId="{09A57D60-8F37-4BB6-9FEC-A00BB874C2CE}" destId="{70071FF4-E4BE-4600-8C3C-E8D99DD003D0}" srcOrd="0" destOrd="0" presId="urn:microsoft.com/office/officeart/2016/7/layout/BasicLinearProcessNumbered"/>
-    <dgm:cxn modelId="{4818F058-DB94-4FBD-8C3C-27EB93E124BD}" type="presParOf" srcId="{09A57D60-8F37-4BB6-9FEC-A00BB874C2CE}" destId="{42D03371-A196-438F-A26E-CFE731129DB1}" srcOrd="1" destOrd="0" presId="urn:microsoft.com/office/officeart/2016/7/layout/BasicLinearProcessNumbered"/>
-    <dgm:cxn modelId="{341CA32B-4239-4A87-8E98-65DAC561A688}" type="presParOf" srcId="{09A57D60-8F37-4BB6-9FEC-A00BB874C2CE}" destId="{3DD3F65D-F005-41C5-9939-E8C7C7A3EE59}" srcOrd="2" destOrd="0" presId="urn:microsoft.com/office/officeart/2016/7/layout/BasicLinearProcessNumbered"/>
-    <dgm:cxn modelId="{7A421422-281B-4EB2-94F7-EC47EE5CFCEC}" type="presParOf" srcId="{09A57D60-8F37-4BB6-9FEC-A00BB874C2CE}" destId="{4ABB5407-EDC5-45C2-AF17-A4858D2BC77B}" srcOrd="3" destOrd="0" presId="urn:microsoft.com/office/officeart/2016/7/layout/BasicLinearProcessNumbered"/>
-    <dgm:cxn modelId="{776F8DD6-395B-46D1-BAC8-B45F3C278B60}" type="presParOf" srcId="{41787B49-E0C6-4289-8162-AC2D3A8F4B50}" destId="{8C93EFB9-4252-4B2A-A4FD-B31E0617A81C}" srcOrd="1" destOrd="0" presId="urn:microsoft.com/office/officeart/2016/7/layout/BasicLinearProcessNumbered"/>
-    <dgm:cxn modelId="{EA16223D-BCC0-44F6-A224-A6C505F2F8AA}" type="presParOf" srcId="{41787B49-E0C6-4289-8162-AC2D3A8F4B50}" destId="{049EBEA9-1E2E-4E3D-8F29-FCAB4935D3CF}" srcOrd="2" destOrd="0" presId="urn:microsoft.com/office/officeart/2016/7/layout/BasicLinearProcessNumbered"/>
-    <dgm:cxn modelId="{BFA44DD9-5474-4C4C-8CCB-9D9C2FD15225}" type="presParOf" srcId="{049EBEA9-1E2E-4E3D-8F29-FCAB4935D3CF}" destId="{F64A0F65-A87B-4EA5-BF63-CC3CF24D1892}" srcOrd="0" destOrd="0" presId="urn:microsoft.com/office/officeart/2016/7/layout/BasicLinearProcessNumbered"/>
-    <dgm:cxn modelId="{CD5D70C6-C44C-4B89-A194-95FB98DE42F0}" type="presParOf" srcId="{049EBEA9-1E2E-4E3D-8F29-FCAB4935D3CF}" destId="{AB61A1ED-BD40-4223-8596-EE7292E68E8D}" srcOrd="1" destOrd="0" presId="urn:microsoft.com/office/officeart/2016/7/layout/BasicLinearProcessNumbered"/>
-    <dgm:cxn modelId="{831496F4-5C8B-4F75-A96C-183446E57FC8}" type="presParOf" srcId="{049EBEA9-1E2E-4E3D-8F29-FCAB4935D3CF}" destId="{DDF2BB25-8A89-46F0-B778-67001C9041C9}" srcOrd="2" destOrd="0" presId="urn:microsoft.com/office/officeart/2016/7/layout/BasicLinearProcessNumbered"/>
-    <dgm:cxn modelId="{8658B968-125F-4132-BFA6-B9284AFA449E}" type="presParOf" srcId="{049EBEA9-1E2E-4E3D-8F29-FCAB4935D3CF}" destId="{BB211782-0D1B-4063-9226-4D318352255B}" srcOrd="3" destOrd="0" presId="urn:microsoft.com/office/officeart/2016/7/layout/BasicLinearProcessNumbered"/>
-    <dgm:cxn modelId="{5728F225-62C3-4AD3-831A-C6C54ABFC213}" type="presParOf" srcId="{41787B49-E0C6-4289-8162-AC2D3A8F4B50}" destId="{34EAC8DA-B3D1-4B21-81B8-81100C62490D}" srcOrd="3" destOrd="0" presId="urn:microsoft.com/office/officeart/2016/7/layout/BasicLinearProcessNumbered"/>
-    <dgm:cxn modelId="{DCFC4080-402C-4FA9-B7D1-237F850F7496}" type="presParOf" srcId="{41787B49-E0C6-4289-8162-AC2D3A8F4B50}" destId="{7DE84FAC-A013-43F4-AA98-7CF8B156543A}" srcOrd="4" destOrd="0" presId="urn:microsoft.com/office/officeart/2016/7/layout/BasicLinearProcessNumbered"/>
-    <dgm:cxn modelId="{60B9DC1D-FF32-4A2C-8AB4-3BFEDFB63FB9}" type="presParOf" srcId="{7DE84FAC-A013-43F4-AA98-7CF8B156543A}" destId="{B7DC95EA-EB5F-4C62-9BDD-1F0C72971ED4}" srcOrd="0" destOrd="0" presId="urn:microsoft.com/office/officeart/2016/7/layout/BasicLinearProcessNumbered"/>
-    <dgm:cxn modelId="{424B609E-20C0-4B7C-9157-D7558D840316}" type="presParOf" srcId="{7DE84FAC-A013-43F4-AA98-7CF8B156543A}" destId="{62707B22-23DD-4DBE-A0A0-AAB9AC9E1382}" srcOrd="1" destOrd="0" presId="urn:microsoft.com/office/officeart/2016/7/layout/BasicLinearProcessNumbered"/>
-    <dgm:cxn modelId="{D69E0B44-5BFB-4074-AE04-DFCCEBB70A3F}" type="presParOf" srcId="{7DE84FAC-A013-43F4-AA98-7CF8B156543A}" destId="{B9A5B84F-8AF3-40C7-B00B-94E124AEAC23}" srcOrd="2" destOrd="0" presId="urn:microsoft.com/office/officeart/2016/7/layout/BasicLinearProcessNumbered"/>
-    <dgm:cxn modelId="{A94017DE-001E-496F-AA48-51AC1B4AC426}" type="presParOf" srcId="{7DE84FAC-A013-43F4-AA98-7CF8B156543A}" destId="{230CDCA6-21FE-49B1-ADD2-DBDCC0FEB6B3}" srcOrd="3" destOrd="0" presId="urn:microsoft.com/office/officeart/2016/7/layout/BasicLinearProcessNumbered"/>
+    <dgm:cxn modelId="{798E8580-E603-4271-8480-58A4B5549B10}" type="presOf" srcId="{EE1BCD30-62CF-4CF2-BD7F-C7A7BD06C63C}" destId="{4ABB5407-EDC5-45C2-AF17-A4858D2BC77B}" srcOrd="1" destOrd="0" presId="urn:microsoft.com/office/officeart/2016/7/layout/BasicLinearProcessNumbered"/>
+    <dgm:cxn modelId="{98AC76CD-F6B8-4DCE-B246-E6FB8BAB46D7}" type="presOf" srcId="{13876AFA-7058-48FC-8184-A90E8A7CD36C}" destId="{230CDCA6-21FE-49B1-ADD2-DBDCC0FEB6B3}" srcOrd="1" destOrd="0" presId="urn:microsoft.com/office/officeart/2016/7/layout/BasicLinearProcessNumbered"/>
+    <dgm:cxn modelId="{74EC51FC-4C07-4A35-8143-622B99C61860}" type="presParOf" srcId="{41787B49-E0C6-4289-8162-AC2D3A8F4B50}" destId="{09A57D60-8F37-4BB6-9FEC-A00BB874C2CE}" srcOrd="0" destOrd="0" presId="urn:microsoft.com/office/officeart/2016/7/layout/BasicLinearProcessNumbered"/>
+    <dgm:cxn modelId="{18154A44-6FFF-4534-814B-B5112A61AF90}" type="presParOf" srcId="{09A57D60-8F37-4BB6-9FEC-A00BB874C2CE}" destId="{70071FF4-E4BE-4600-8C3C-E8D99DD003D0}" srcOrd="0" destOrd="0" presId="urn:microsoft.com/office/officeart/2016/7/layout/BasicLinearProcessNumbered"/>
+    <dgm:cxn modelId="{5B1E58FE-7D0A-4FBE-9131-8B9E8C219911}" type="presParOf" srcId="{09A57D60-8F37-4BB6-9FEC-A00BB874C2CE}" destId="{42D03371-A196-438F-A26E-CFE731129DB1}" srcOrd="1" destOrd="0" presId="urn:microsoft.com/office/officeart/2016/7/layout/BasicLinearProcessNumbered"/>
+    <dgm:cxn modelId="{A21045F4-8936-4F6F-B6E9-D946EE3C955E}" type="presParOf" srcId="{09A57D60-8F37-4BB6-9FEC-A00BB874C2CE}" destId="{3DD3F65D-F005-41C5-9939-E8C7C7A3EE59}" srcOrd="2" destOrd="0" presId="urn:microsoft.com/office/officeart/2016/7/layout/BasicLinearProcessNumbered"/>
+    <dgm:cxn modelId="{29D7AFEB-DC28-43FC-9FBF-10B052FC7F83}" type="presParOf" srcId="{09A57D60-8F37-4BB6-9FEC-A00BB874C2CE}" destId="{4ABB5407-EDC5-45C2-AF17-A4858D2BC77B}" srcOrd="3" destOrd="0" presId="urn:microsoft.com/office/officeart/2016/7/layout/BasicLinearProcessNumbered"/>
+    <dgm:cxn modelId="{3B78E310-5750-41F4-BF22-2DA3C9BB7EA0}" type="presParOf" srcId="{41787B49-E0C6-4289-8162-AC2D3A8F4B50}" destId="{8C93EFB9-4252-4B2A-A4FD-B31E0617A81C}" srcOrd="1" destOrd="0" presId="urn:microsoft.com/office/officeart/2016/7/layout/BasicLinearProcessNumbered"/>
+    <dgm:cxn modelId="{43F1E4F9-D194-4C74-B692-AE5DCC738862}" type="presParOf" srcId="{41787B49-E0C6-4289-8162-AC2D3A8F4B50}" destId="{049EBEA9-1E2E-4E3D-8F29-FCAB4935D3CF}" srcOrd="2" destOrd="0" presId="urn:microsoft.com/office/officeart/2016/7/layout/BasicLinearProcessNumbered"/>
+    <dgm:cxn modelId="{FC076E8C-1B55-43E4-86ED-F9709BD39A54}" type="presParOf" srcId="{049EBEA9-1E2E-4E3D-8F29-FCAB4935D3CF}" destId="{F64A0F65-A87B-4EA5-BF63-CC3CF24D1892}" srcOrd="0" destOrd="0" presId="urn:microsoft.com/office/officeart/2016/7/layout/BasicLinearProcessNumbered"/>
+    <dgm:cxn modelId="{4D8D1AD0-19B2-4EAE-833D-FA476EECC869}" type="presParOf" srcId="{049EBEA9-1E2E-4E3D-8F29-FCAB4935D3CF}" destId="{AB61A1ED-BD40-4223-8596-EE7292E68E8D}" srcOrd="1" destOrd="0" presId="urn:microsoft.com/office/officeart/2016/7/layout/BasicLinearProcessNumbered"/>
+    <dgm:cxn modelId="{9DB0A5CC-CCD0-47EB-89C0-FEE257B05C12}" type="presParOf" srcId="{049EBEA9-1E2E-4E3D-8F29-FCAB4935D3CF}" destId="{DDF2BB25-8A89-46F0-B778-67001C9041C9}" srcOrd="2" destOrd="0" presId="urn:microsoft.com/office/officeart/2016/7/layout/BasicLinearProcessNumbered"/>
+    <dgm:cxn modelId="{EC2BC324-150C-4004-BBF9-36C5DD803332}" type="presParOf" srcId="{049EBEA9-1E2E-4E3D-8F29-FCAB4935D3CF}" destId="{BB211782-0D1B-4063-9226-4D318352255B}" srcOrd="3" destOrd="0" presId="urn:microsoft.com/office/officeart/2016/7/layout/BasicLinearProcessNumbered"/>
+    <dgm:cxn modelId="{7B521685-3219-4042-B47C-662B152CE849}" type="presParOf" srcId="{41787B49-E0C6-4289-8162-AC2D3A8F4B50}" destId="{34EAC8DA-B3D1-4B21-81B8-81100C62490D}" srcOrd="3" destOrd="0" presId="urn:microsoft.com/office/officeart/2016/7/layout/BasicLinearProcessNumbered"/>
+    <dgm:cxn modelId="{7976C168-A536-40D4-9E66-0C97440B390C}" type="presParOf" srcId="{41787B49-E0C6-4289-8162-AC2D3A8F4B50}" destId="{7DE84FAC-A013-43F4-AA98-7CF8B156543A}" srcOrd="4" destOrd="0" presId="urn:microsoft.com/office/officeart/2016/7/layout/BasicLinearProcessNumbered"/>
+    <dgm:cxn modelId="{42D78172-70D0-4F32-A970-E4B172428EB1}" type="presParOf" srcId="{7DE84FAC-A013-43F4-AA98-7CF8B156543A}" destId="{B7DC95EA-EB5F-4C62-9BDD-1F0C72971ED4}" srcOrd="0" destOrd="0" presId="urn:microsoft.com/office/officeart/2016/7/layout/BasicLinearProcessNumbered"/>
+    <dgm:cxn modelId="{F60337BC-A040-48E5-B3B0-DDC65B5C74D5}" type="presParOf" srcId="{7DE84FAC-A013-43F4-AA98-7CF8B156543A}" destId="{62707B22-23DD-4DBE-A0A0-AAB9AC9E1382}" srcOrd="1" destOrd="0" presId="urn:microsoft.com/office/officeart/2016/7/layout/BasicLinearProcessNumbered"/>
+    <dgm:cxn modelId="{84330848-18F7-446C-BD3A-69070AB4A3DD}" type="presParOf" srcId="{7DE84FAC-A013-43F4-AA98-7CF8B156543A}" destId="{B9A5B84F-8AF3-40C7-B00B-94E124AEAC23}" srcOrd="2" destOrd="0" presId="urn:microsoft.com/office/officeart/2016/7/layout/BasicLinearProcessNumbered"/>
+    <dgm:cxn modelId="{69C4ADA1-91DA-4096-8B17-802C43C3AFF6}" type="presParOf" srcId="{7DE84FAC-A013-43F4-AA98-7CF8B156543A}" destId="{230CDCA6-21FE-49B1-ADD2-DBDCC0FEB6B3}" srcOrd="3" destOrd="0" presId="urn:microsoft.com/office/officeart/2016/7/layout/BasicLinearProcessNumbered"/>
   </dgm:cxnLst>
   <dgm:bg/>
   <dgm:whole/>
@@ -3634,7 +3634,7 @@
           <a:p>
             <a:fld id="{5DB46AF1-0ADA-4725-BD35-6C6336299D24}" type="datetimeFigureOut">
               <a:rPr lang="en-US" smtClean="0"/>
-              <a:t>12/10/2017</a:t>
+              <a:t>12/11/2017</a:t>
             </a:fld>
             <a:endParaRPr lang="en-US"/>
           </a:p>
@@ -3832,7 +3832,7 @@
           <a:p>
             <a:fld id="{5DB46AF1-0ADA-4725-BD35-6C6336299D24}" type="datetimeFigureOut">
               <a:rPr lang="en-US" smtClean="0"/>
-              <a:t>12/10/2017</a:t>
+              <a:t>12/11/2017</a:t>
             </a:fld>
             <a:endParaRPr lang="en-US"/>
           </a:p>
@@ -4040,7 +4040,7 @@
           <a:p>
             <a:fld id="{5DB46AF1-0ADA-4725-BD35-6C6336299D24}" type="datetimeFigureOut">
               <a:rPr lang="en-US" smtClean="0"/>
-              <a:t>12/10/2017</a:t>
+              <a:t>12/11/2017</a:t>
             </a:fld>
             <a:endParaRPr lang="en-US"/>
           </a:p>
@@ -4238,7 +4238,7 @@
           <a:p>
             <a:fld id="{5DB46AF1-0ADA-4725-BD35-6C6336299D24}" type="datetimeFigureOut">
               <a:rPr lang="en-US" smtClean="0"/>
-              <a:t>12/10/2017</a:t>
+              <a:t>12/11/2017</a:t>
             </a:fld>
             <a:endParaRPr lang="en-US"/>
           </a:p>
@@ -4513,7 +4513,7 @@
           <a:p>
             <a:fld id="{5DB46AF1-0ADA-4725-BD35-6C6336299D24}" type="datetimeFigureOut">
               <a:rPr lang="en-US" smtClean="0"/>
-              <a:t>12/10/2017</a:t>
+              <a:t>12/11/2017</a:t>
             </a:fld>
             <a:endParaRPr lang="en-US"/>
           </a:p>
@@ -4778,7 +4778,7 @@
           <a:p>
             <a:fld id="{5DB46AF1-0ADA-4725-BD35-6C6336299D24}" type="datetimeFigureOut">
               <a:rPr lang="en-US" smtClean="0"/>
-              <a:t>12/10/2017</a:t>
+              <a:t>12/11/2017</a:t>
             </a:fld>
             <a:endParaRPr lang="en-US"/>
           </a:p>
@@ -5190,7 +5190,7 @@
           <a:p>
             <a:fld id="{5DB46AF1-0ADA-4725-BD35-6C6336299D24}" type="datetimeFigureOut">
               <a:rPr lang="en-US" smtClean="0"/>
-              <a:t>12/10/2017</a:t>
+              <a:t>12/11/2017</a:t>
             </a:fld>
             <a:endParaRPr lang="en-US"/>
           </a:p>
@@ -5331,7 +5331,7 @@
           <a:p>
             <a:fld id="{5DB46AF1-0ADA-4725-BD35-6C6336299D24}" type="datetimeFigureOut">
               <a:rPr lang="en-US" smtClean="0"/>
-              <a:t>12/10/2017</a:t>
+              <a:t>12/11/2017</a:t>
             </a:fld>
             <a:endParaRPr lang="en-US"/>
           </a:p>
@@ -5444,7 +5444,7 @@
           <a:p>
             <a:fld id="{5DB46AF1-0ADA-4725-BD35-6C6336299D24}" type="datetimeFigureOut">
               <a:rPr lang="en-US" smtClean="0"/>
-              <a:t>12/10/2017</a:t>
+              <a:t>12/11/2017</a:t>
             </a:fld>
             <a:endParaRPr lang="en-US"/>
           </a:p>
@@ -5755,7 +5755,7 @@
           <a:p>
             <a:fld id="{5DB46AF1-0ADA-4725-BD35-6C6336299D24}" type="datetimeFigureOut">
               <a:rPr lang="en-US" smtClean="0"/>
-              <a:t>12/10/2017</a:t>
+              <a:t>12/11/2017</a:t>
             </a:fld>
             <a:endParaRPr lang="en-US"/>
           </a:p>
@@ -6043,7 +6043,7 @@
           <a:p>
             <a:fld id="{5DB46AF1-0ADA-4725-BD35-6C6336299D24}" type="datetimeFigureOut">
               <a:rPr lang="en-US" smtClean="0"/>
-              <a:t>12/10/2017</a:t>
+              <a:t>12/11/2017</a:t>
             </a:fld>
             <a:endParaRPr lang="en-US"/>
           </a:p>
@@ -6284,7 +6284,7 @@
           <a:p>
             <a:fld id="{5DB46AF1-0ADA-4725-BD35-6C6336299D24}" type="datetimeFigureOut">
               <a:rPr lang="en-US" smtClean="0"/>
-              <a:t>12/10/2017</a:t>
+              <a:t>12/11/2017</a:t>
             </a:fld>
             <a:endParaRPr lang="en-US"/>
           </a:p>
@@ -7071,7 +7071,10 @@
           <a:bodyPr/>
           <a:lstStyle/>
           <a:p>
-            <a:endParaRPr lang="en-US"/>
+            <a:r>
+              <a:rPr lang="en-US" dirty="0"/>
+              <a:t>Model: k-Means Clustering</a:t>
+            </a:r>
           </a:p>
         </p:txBody>
       </p:sp>
@@ -7096,7 +7099,16 @@
           <a:bodyPr/>
           <a:lstStyle/>
           <a:p>
-            <a:endParaRPr lang="en-US"/>
+            <a:r>
+              <a:rPr lang="en-US" dirty="0"/>
+              <a:t>Objective – to determine which jobs were most similar and group them.</a:t>
+            </a:r>
+          </a:p>
+          <a:p>
+            <a:r>
+              <a:rPr lang="en-US"/>
+              <a:t>Desired output - </a:t>
+            </a:r>
           </a:p>
         </p:txBody>
       </p:sp>
@@ -7140,7 +7152,7 @@
       </p:grpSpPr>
       <p:pic>
         <p:nvPicPr>
-          <p:cNvPr id="8" name="Content Placeholder 4">
+          <p:cNvPr id="8" name="Content Placeholder 4" descr="A screenshot of a cell phone&#10;&#10;Description generated with high confidence">
             <a:extLst>
               <a:ext uri="{FF2B5EF4-FFF2-40B4-BE49-F238E27FC236}">
                 <a16:creationId xmlns:a16="http://schemas.microsoft.com/office/drawing/2014/main" id="{AEDEB640-5D50-4ED2-A8A2-D379B6AA4C90}"/>
@@ -7160,17 +7172,18 @@
               </a:ext>
             </a:extLst>
           </a:blip>
-          <a:srcRect t="12791" r="2" b="2"/>
+          <a:srcRect r="2535" b="-1"/>
           <a:stretch/>
         </p:blipFill>
         <p:spPr>
           <a:xfrm>
-            <a:off x="838200" y="1904281"/>
-            <a:ext cx="6233160" cy="4272681"/>
+            <a:off x="4636008" y="640082"/>
+            <a:ext cx="6916329" cy="5577837"/>
           </a:xfrm>
           <a:prstGeom prst="rect">
             <a:avLst/>
           </a:prstGeom>
+          <a:effectLst/>
         </p:spPr>
       </p:pic>
       <p:sp>
@@ -7191,8 +7204,8 @@
         </p:nvSpPr>
         <p:spPr>
           <a:xfrm>
-            <a:off x="838200" y="365125"/>
-            <a:ext cx="10515600" cy="1325563"/>
+            <a:off x="648929" y="629266"/>
+            <a:ext cx="3667039" cy="1676603"/>
           </a:xfrm>
         </p:spPr>
         <p:txBody>
@@ -7220,13 +7233,13 @@
         </p:nvSpPr>
         <p:spPr>
           <a:xfrm>
-            <a:off x="7552944" y="1825625"/>
-            <a:ext cx="3800856" cy="4351338"/>
+            <a:off x="648930" y="2438400"/>
+            <a:ext cx="3667037" cy="3785419"/>
           </a:xfrm>
         </p:spPr>
         <p:txBody>
           <a:bodyPr>
-            <a:normAutofit lnSpcReduction="10000"/>
+            <a:normAutofit/>
           </a:bodyPr>
           <a:lstStyle/>
           <a:p>
@@ -7234,7 +7247,7 @@
               <a:buNone/>
             </a:pPr>
             <a:r>
-              <a:rPr lang="en-US" sz="2000" dirty="0"/>
+              <a:rPr lang="en-US" sz="1500"/>
               <a:t>Top Terms:</a:t>
             </a:r>
           </a:p>
@@ -7243,7 +7256,7 @@
               <a:buAutoNum type="arabicPeriod"/>
             </a:pPr>
             <a:r>
-              <a:rPr lang="en-US" sz="2000" dirty="0"/>
+              <a:rPr lang="en-US" sz="1500"/>
               <a:t>Data</a:t>
             </a:r>
           </a:p>
@@ -7252,7 +7265,7 @@
               <a:buAutoNum type="arabicPeriod"/>
             </a:pPr>
             <a:r>
-              <a:rPr lang="en-US" sz="2000" dirty="0"/>
+              <a:rPr lang="en-US" sz="1500"/>
               <a:t>Will</a:t>
             </a:r>
           </a:p>
@@ -7261,7 +7274,7 @@
               <a:buAutoNum type="arabicPeriod"/>
             </a:pPr>
             <a:r>
-              <a:rPr lang="en-US" sz="2000" dirty="0"/>
+              <a:rPr lang="en-US" sz="1500"/>
               <a:t>Team</a:t>
             </a:r>
           </a:p>
@@ -7270,7 +7283,7 @@
               <a:buAutoNum type="arabicPeriod"/>
             </a:pPr>
             <a:r>
-              <a:rPr lang="en-US" sz="2000" dirty="0"/>
+              <a:rPr lang="en-US" sz="1500"/>
               <a:t>Experience</a:t>
             </a:r>
           </a:p>
@@ -7279,7 +7292,7 @@
               <a:buAutoNum type="arabicPeriod"/>
             </a:pPr>
             <a:r>
-              <a:rPr lang="en-US" sz="2000" dirty="0"/>
+              <a:rPr lang="en-US" sz="1500"/>
               <a:t>Work</a:t>
             </a:r>
           </a:p>
@@ -7288,7 +7301,7 @@
               <a:buAutoNum type="arabicPeriod"/>
             </a:pPr>
             <a:r>
-              <a:rPr lang="en-US" sz="2000" dirty="0"/>
+              <a:rPr lang="en-US" sz="1500"/>
               <a:t>Apple</a:t>
             </a:r>
           </a:p>
@@ -7297,7 +7310,7 @@
               <a:buAutoNum type="arabicPeriod"/>
             </a:pPr>
             <a:r>
-              <a:rPr lang="en-US" sz="2000" dirty="0"/>
+              <a:rPr lang="en-US" sz="1500"/>
               <a:t>Design</a:t>
             </a:r>
           </a:p>
@@ -7306,7 +7319,7 @@
               <a:buAutoNum type="arabicPeriod"/>
             </a:pPr>
             <a:r>
-              <a:rPr lang="en-US" sz="2000" dirty="0"/>
+              <a:rPr lang="en-US" sz="1500"/>
               <a:t>Business</a:t>
             </a:r>
           </a:p>
@@ -7315,7 +7328,7 @@
               <a:buAutoNum type="arabicPeriod"/>
             </a:pPr>
             <a:r>
-              <a:rPr lang="en-US" sz="2000" dirty="0"/>
+              <a:rPr lang="en-US" sz="1500"/>
               <a:t>Engineering</a:t>
             </a:r>
           </a:p>
@@ -7324,7 +7337,7 @@
               <a:buAutoNum type="arabicPeriod"/>
             </a:pPr>
             <a:r>
-              <a:rPr lang="en-US" sz="2000" dirty="0"/>
+              <a:rPr lang="en-US" sz="1500"/>
               <a:t>Development</a:t>
             </a:r>
           </a:p>
@@ -8062,384 +8075,6 @@
 </file>
 
 <file path=ppt/slides/slide4.xml><?xml version="1.0" encoding="utf-8"?>
-<p:sld xmlns:a="http://schemas.openxmlformats.org/drawingml/2006/main" xmlns:r="http://schemas.openxmlformats.org/officeDocument/2006/relationships" xmlns:p="http://schemas.openxmlformats.org/presentationml/2006/main">
-  <p:cSld>
-    <p:spTree>
-      <p:nvGrpSpPr>
-        <p:cNvPr id="1" name=""/>
-        <p:cNvGrpSpPr/>
-        <p:nvPr/>
-      </p:nvGrpSpPr>
-      <p:grpSpPr>
-        <a:xfrm>
-          <a:off x="0" y="0"/>
-          <a:ext cx="0" cy="0"/>
-          <a:chOff x="0" y="0"/>
-          <a:chExt cx="0" cy="0"/>
-        </a:xfrm>
-      </p:grpSpPr>
-      <p:sp>
-        <p:nvSpPr>
-          <p:cNvPr id="2" name="Title 1">
-            <a:extLst>
-              <a:ext uri="{FF2B5EF4-FFF2-40B4-BE49-F238E27FC236}">
-                <a16:creationId xmlns:a16="http://schemas.microsoft.com/office/drawing/2014/main" id="{8B0E9BBB-EA40-426A-A5A0-91C71F9BB2FA}"/>
-              </a:ext>
-            </a:extLst>
-          </p:cNvPr>
-          <p:cNvSpPr>
-            <a:spLocks noGrp="1"/>
-          </p:cNvSpPr>
-          <p:nvPr>
-            <p:ph type="title"/>
-          </p:nvPr>
-        </p:nvSpPr>
-        <p:spPr/>
-        <p:txBody>
-          <a:bodyPr/>
-          <a:lstStyle/>
-          <a:p>
-            <a:r>
-              <a:rPr lang="en-US" dirty="0"/>
-              <a:t>Business Purpose</a:t>
-            </a:r>
-          </a:p>
-        </p:txBody>
-      </p:sp>
-      <p:sp>
-        <p:nvSpPr>
-          <p:cNvPr id="3" name="Content Placeholder 2">
-            <a:extLst>
-              <a:ext uri="{FF2B5EF4-FFF2-40B4-BE49-F238E27FC236}">
-                <a16:creationId xmlns:a16="http://schemas.microsoft.com/office/drawing/2014/main" id="{67BE32D7-523A-400E-9D07-EAF0C4B255E7}"/>
-              </a:ext>
-            </a:extLst>
-          </p:cNvPr>
-          <p:cNvSpPr>
-            <a:spLocks noGrp="1"/>
-          </p:cNvSpPr>
-          <p:nvPr>
-            <p:ph idx="1"/>
-          </p:nvPr>
-        </p:nvSpPr>
-        <p:spPr>
-          <a:xfrm>
-            <a:off x="838200" y="1825625"/>
-            <a:ext cx="10515600" cy="4522548"/>
-          </a:xfrm>
-        </p:spPr>
-        <p:txBody>
-          <a:bodyPr>
-            <a:normAutofit/>
-          </a:bodyPr>
-          <a:lstStyle/>
-          <a:p>
-            <a:pPr marL="0" indent="0">
-              <a:buNone/>
-            </a:pPr>
-            <a:r>
-              <a:rPr lang="en-US" dirty="0"/>
-              <a:t>Problem: Job Applicants, HR departments, and Headhunter Firms have to hunt through a large number of job postings and resumes trying to match candidates to jobs. </a:t>
-            </a:r>
-          </a:p>
-          <a:p>
-            <a:pPr marL="0" indent="0">
-              <a:buNone/>
-            </a:pPr>
-            <a:endParaRPr lang="en-US" dirty="0"/>
-          </a:p>
-          <a:p>
-            <a:pPr lvl="1"/>
-            <a:r>
-              <a:rPr lang="en-US" dirty="0"/>
-              <a:t>Basic job searches online may only include a handful of words. </a:t>
-            </a:r>
-          </a:p>
-          <a:p>
-            <a:endParaRPr lang="en-US" dirty="0"/>
-          </a:p>
-          <a:p>
-            <a:endParaRPr lang="en-US" dirty="0"/>
-          </a:p>
-          <a:p>
-            <a:pPr lvl="1"/>
-            <a:r>
-              <a:rPr lang="en-US" dirty="0"/>
-              <a:t>HR or Headhunters may be able to search resume’s by keywords to check for mandatory values, but this only gives knowledge of whether a candidate has some or all of the required/desired items in their resume</a:t>
-            </a:r>
-          </a:p>
-          <a:p>
-            <a:pPr marL="0" indent="0">
-              <a:buNone/>
-            </a:pPr>
-            <a:endParaRPr lang="en-US" dirty="0"/>
-          </a:p>
-        </p:txBody>
-      </p:sp>
-      <p:pic>
-        <p:nvPicPr>
-          <p:cNvPr id="4" name="Picture 3">
-            <a:extLst>
-              <a:ext uri="{FF2B5EF4-FFF2-40B4-BE49-F238E27FC236}">
-                <a16:creationId xmlns:a16="http://schemas.microsoft.com/office/drawing/2014/main" id="{3980A69F-2DAE-42ED-ACD6-D0736AAAB22E}"/>
-              </a:ext>
-            </a:extLst>
-          </p:cNvPr>
-          <p:cNvPicPr>
-            <a:picLocks noChangeAspect="1"/>
-          </p:cNvPicPr>
-          <p:nvPr/>
-        </p:nvPicPr>
-        <p:blipFill>
-          <a:blip r:embed="rId2"/>
-          <a:stretch>
-            <a:fillRect/>
-          </a:stretch>
-        </p:blipFill>
-        <p:spPr>
-          <a:xfrm>
-            <a:off x="1522615" y="4130540"/>
-            <a:ext cx="8991600" cy="533400"/>
-          </a:xfrm>
-          <a:prstGeom prst="rect">
-            <a:avLst/>
-          </a:prstGeom>
-        </p:spPr>
-      </p:pic>
-    </p:spTree>
-    <p:extLst>
-      <p:ext uri="{BB962C8B-B14F-4D97-AF65-F5344CB8AC3E}">
-        <p14:creationId xmlns:p14="http://schemas.microsoft.com/office/powerpoint/2010/main" val="3899714929"/>
-      </p:ext>
-    </p:extLst>
-  </p:cSld>
-  <p:clrMapOvr>
-    <a:masterClrMapping/>
-  </p:clrMapOvr>
-</p:sld>
-</file>
-
-<file path=ppt/slides/slide5.xml><?xml version="1.0" encoding="utf-8"?>
-<p:sld xmlns:a="http://schemas.openxmlformats.org/drawingml/2006/main" xmlns:r="http://schemas.openxmlformats.org/officeDocument/2006/relationships" xmlns:p="http://schemas.openxmlformats.org/presentationml/2006/main">
-  <p:cSld>
-    <p:spTree>
-      <p:nvGrpSpPr>
-        <p:cNvPr id="1" name=""/>
-        <p:cNvGrpSpPr/>
-        <p:nvPr/>
-      </p:nvGrpSpPr>
-      <p:grpSpPr>
-        <a:xfrm>
-          <a:off x="0" y="0"/>
-          <a:ext cx="0" cy="0"/>
-          <a:chOff x="0" y="0"/>
-          <a:chExt cx="0" cy="0"/>
-        </a:xfrm>
-      </p:grpSpPr>
-      <p:sp>
-        <p:nvSpPr>
-          <p:cNvPr id="2" name="Title 1">
-            <a:extLst>
-              <a:ext uri="{FF2B5EF4-FFF2-40B4-BE49-F238E27FC236}">
-                <a16:creationId xmlns:a16="http://schemas.microsoft.com/office/drawing/2014/main" id="{A7EA68FD-1699-4720-8471-CC8230837D2B}"/>
-              </a:ext>
-            </a:extLst>
-          </p:cNvPr>
-          <p:cNvSpPr>
-            <a:spLocks noGrp="1"/>
-          </p:cNvSpPr>
-          <p:nvPr>
-            <p:ph type="title"/>
-          </p:nvPr>
-        </p:nvSpPr>
-        <p:spPr/>
-        <p:txBody>
-          <a:bodyPr/>
-          <a:lstStyle/>
-          <a:p>
-            <a:r>
-              <a:rPr lang="en-US" dirty="0"/>
-              <a:t>Business Purpose Cont’d</a:t>
-            </a:r>
-          </a:p>
-        </p:txBody>
-      </p:sp>
-      <p:sp>
-        <p:nvSpPr>
-          <p:cNvPr id="3" name="Content Placeholder 2">
-            <a:extLst>
-              <a:ext uri="{FF2B5EF4-FFF2-40B4-BE49-F238E27FC236}">
-                <a16:creationId xmlns:a16="http://schemas.microsoft.com/office/drawing/2014/main" id="{57293EC2-8FBD-4FDB-9A7C-C32C65EA540C}"/>
-              </a:ext>
-            </a:extLst>
-          </p:cNvPr>
-          <p:cNvSpPr>
-            <a:spLocks noGrp="1"/>
-          </p:cNvSpPr>
-          <p:nvPr>
-            <p:ph idx="1"/>
-          </p:nvPr>
-        </p:nvSpPr>
-        <p:spPr/>
-        <p:txBody>
-          <a:bodyPr/>
-          <a:lstStyle/>
-          <a:p>
-            <a:pPr marL="0" indent="0">
-              <a:buNone/>
-            </a:pPr>
-            <a:r>
-              <a:rPr lang="en-US" dirty="0"/>
-              <a:t>Headhunter firms have a goal of finding candidates that will be qualified for jobs while wasting as little time as possible.</a:t>
-            </a:r>
-          </a:p>
-          <a:p>
-            <a:r>
-              <a:rPr lang="en-US" dirty="0"/>
-              <a:t>Rank potential candidates by how close they match jobs</a:t>
-            </a:r>
-          </a:p>
-          <a:p>
-            <a:pPr lvl="1"/>
-            <a:r>
-              <a:rPr lang="en-US" dirty="0"/>
-              <a:t>Start with best candidates</a:t>
-            </a:r>
-          </a:p>
-          <a:p>
-            <a:pPr lvl="1"/>
-            <a:r>
-              <a:rPr lang="en-US" dirty="0"/>
-              <a:t>Eliminate definite misses</a:t>
-            </a:r>
-          </a:p>
-          <a:p>
-            <a:pPr lvl="1"/>
-            <a:r>
-              <a:rPr lang="en-US" dirty="0"/>
-              <a:t>Be prepared to cold-call candidates even for jobs a candidate may not be considering</a:t>
-            </a:r>
-          </a:p>
-          <a:p>
-            <a:r>
-              <a:rPr lang="en-US" dirty="0"/>
-              <a:t>Identify weaknesses in a candidate’s resume to increase odds of successful placement at a company (and commission) </a:t>
-            </a:r>
-          </a:p>
-        </p:txBody>
-      </p:sp>
-    </p:spTree>
-    <p:extLst>
-      <p:ext uri="{BB962C8B-B14F-4D97-AF65-F5344CB8AC3E}">
-        <p14:creationId xmlns:p14="http://schemas.microsoft.com/office/powerpoint/2010/main" val="1117609877"/>
-      </p:ext>
-    </p:extLst>
-  </p:cSld>
-  <p:clrMapOvr>
-    <a:masterClrMapping/>
-  </p:clrMapOvr>
-</p:sld>
-</file>
-
-<file path=ppt/slides/slide6.xml><?xml version="1.0" encoding="utf-8"?>
-<p:sld xmlns:a="http://schemas.openxmlformats.org/drawingml/2006/main" xmlns:r="http://schemas.openxmlformats.org/officeDocument/2006/relationships" xmlns:p="http://schemas.openxmlformats.org/presentationml/2006/main">
-  <p:cSld>
-    <p:bg>
-      <p:bgPr>
-        <a:solidFill>
-          <a:schemeClr val="bg1"/>
-        </a:solidFill>
-        <a:effectLst/>
-      </p:bgPr>
-    </p:bg>
-    <p:spTree>
-      <p:nvGrpSpPr>
-        <p:cNvPr id="1" name=""/>
-        <p:cNvGrpSpPr/>
-        <p:nvPr/>
-      </p:nvGrpSpPr>
-      <p:grpSpPr>
-        <a:xfrm>
-          <a:off x="0" y="0"/>
-          <a:ext cx="0" cy="0"/>
-          <a:chOff x="0" y="0"/>
-          <a:chExt cx="0" cy="0"/>
-        </a:xfrm>
-      </p:grpSpPr>
-      <p:sp>
-        <p:nvSpPr>
-          <p:cNvPr id="2" name="Title 1">
-            <a:extLst>
-              <a:ext uri="{FF2B5EF4-FFF2-40B4-BE49-F238E27FC236}">
-                <a16:creationId xmlns:a16="http://schemas.microsoft.com/office/drawing/2014/main" id="{5FD12CE6-B8AD-439F-87A2-3DC9356BF40E}"/>
-              </a:ext>
-            </a:extLst>
-          </p:cNvPr>
-          <p:cNvSpPr>
-            <a:spLocks noGrp="1"/>
-          </p:cNvSpPr>
-          <p:nvPr>
-            <p:ph type="title"/>
-          </p:nvPr>
-        </p:nvSpPr>
-        <p:spPr>
-          <a:xfrm>
-            <a:off x="838200" y="365125"/>
-            <a:ext cx="10515600" cy="1325563"/>
-          </a:xfrm>
-        </p:spPr>
-        <p:txBody>
-          <a:bodyPr>
-            <a:normAutofit/>
-          </a:bodyPr>
-          <a:lstStyle/>
-          <a:p>
-            <a:r>
-              <a:rPr lang="en-US" dirty="0"/>
-              <a:t> Business Purpose Cont’d</a:t>
-            </a:r>
-          </a:p>
-        </p:txBody>
-      </p:sp>
-      <p:graphicFrame>
-        <p:nvGraphicFramePr>
-          <p:cNvPr id="5" name="Content Placeholder 2"/>
-          <p:cNvGraphicFramePr>
-            <a:graphicFrameLocks noGrp="1"/>
-          </p:cNvGraphicFramePr>
-          <p:nvPr>
-            <p:ph idx="1"/>
-            <p:extLst>
-              <p:ext uri="{D42A27DB-BD31-4B8C-83A1-F6EECF244321}">
-                <p14:modId xmlns:p14="http://schemas.microsoft.com/office/powerpoint/2010/main" val="1364952473"/>
-              </p:ext>
-            </p:extLst>
-          </p:nvPr>
-        </p:nvGraphicFramePr>
-        <p:xfrm>
-          <a:off x="838200" y="1825625"/>
-          <a:ext cx="10515600" cy="4351338"/>
-        </p:xfrm>
-        <a:graphic>
-          <a:graphicData uri="http://schemas.openxmlformats.org/drawingml/2006/diagram">
-            <dgm:relIds xmlns:dgm="http://schemas.openxmlformats.org/drawingml/2006/diagram" xmlns:r="http://schemas.openxmlformats.org/officeDocument/2006/relationships" r:dm="rId2" r:lo="rId3" r:qs="rId4" r:cs="rId5"/>
-          </a:graphicData>
-        </a:graphic>
-      </p:graphicFrame>
-    </p:spTree>
-    <p:extLst>
-      <p:ext uri="{BB962C8B-B14F-4D97-AF65-F5344CB8AC3E}">
-        <p14:creationId xmlns:p14="http://schemas.microsoft.com/office/powerpoint/2010/main" val="2272037536"/>
-      </p:ext>
-    </p:extLst>
-  </p:cSld>
-  <p:clrMapOvr>
-    <a:masterClrMapping/>
-  </p:clrMapOvr>
-</p:sld>
-</file>
-
-<file path=ppt/slides/slide7.xml><?xml version="1.0" encoding="utf-8"?>
 <p:sld xmlns:a="http://schemas.openxmlformats.org/drawingml/2006/main" xmlns:r="http://schemas.openxmlformats.org/officeDocument/2006/relationships" xmlns:p="http://schemas.openxmlformats.org/presentationml/2006/main">
   <p:cSld>
     <p:spTree>
@@ -8609,10 +8244,435 @@
           </a:p>
         </p:txBody>
       </p:sp>
+      <p:sp>
+        <p:nvSpPr>
+          <p:cNvPr id="2" name="Rectangle: Rounded Corners 1">
+            <a:extLst>
+              <a:ext uri="{FF2B5EF4-FFF2-40B4-BE49-F238E27FC236}">
+                <a16:creationId xmlns:a16="http://schemas.microsoft.com/office/drawing/2014/main" id="{C3326536-03C1-479B-9C21-DC0A46A231FD}"/>
+              </a:ext>
+            </a:extLst>
+          </p:cNvPr>
+          <p:cNvSpPr/>
+          <p:nvPr/>
+        </p:nvSpPr>
+        <p:spPr>
+          <a:xfrm>
+            <a:off x="4344785" y="1501833"/>
+            <a:ext cx="1468582" cy="565265"/>
+          </a:xfrm>
+          <a:prstGeom prst="roundRect">
+            <a:avLst/>
+          </a:prstGeom>
+        </p:spPr>
+        <p:style>
+          <a:lnRef idx="1">
+            <a:schemeClr val="accent2"/>
+          </a:lnRef>
+          <a:fillRef idx="3">
+            <a:schemeClr val="accent2"/>
+          </a:fillRef>
+          <a:effectRef idx="2">
+            <a:schemeClr val="accent2"/>
+          </a:effectRef>
+          <a:fontRef idx="minor">
+            <a:schemeClr val="lt1"/>
+          </a:fontRef>
+        </p:style>
+        <p:txBody>
+          <a:bodyPr rtlCol="0" anchor="ctr"/>
+          <a:lstStyle/>
+          <a:p>
+            <a:pPr algn="ctr"/>
+            <a:r>
+              <a:rPr lang="en-US" sz="1400" b="1" dirty="0"/>
+              <a:t>Business Understanding</a:t>
+            </a:r>
+          </a:p>
+        </p:txBody>
+      </p:sp>
     </p:spTree>
     <p:extLst>
       <p:ext uri="{BB962C8B-B14F-4D97-AF65-F5344CB8AC3E}">
-        <p14:creationId xmlns:p14="http://schemas.microsoft.com/office/powerpoint/2010/main" val="2955001397"/>
+        <p14:creationId xmlns:p14="http://schemas.microsoft.com/office/powerpoint/2010/main" val="3136814396"/>
+      </p:ext>
+    </p:extLst>
+  </p:cSld>
+  <p:clrMapOvr>
+    <a:masterClrMapping/>
+  </p:clrMapOvr>
+</p:sld>
+</file>
+
+<file path=ppt/slides/slide5.xml><?xml version="1.0" encoding="utf-8"?>
+<p:sld xmlns:a="http://schemas.openxmlformats.org/drawingml/2006/main" xmlns:r="http://schemas.openxmlformats.org/officeDocument/2006/relationships" xmlns:p="http://schemas.openxmlformats.org/presentationml/2006/main">
+  <p:cSld>
+    <p:spTree>
+      <p:nvGrpSpPr>
+        <p:cNvPr id="1" name=""/>
+        <p:cNvGrpSpPr/>
+        <p:nvPr/>
+      </p:nvGrpSpPr>
+      <p:grpSpPr>
+        <a:xfrm>
+          <a:off x="0" y="0"/>
+          <a:ext cx="0" cy="0"/>
+          <a:chOff x="0" y="0"/>
+          <a:chExt cx="0" cy="0"/>
+        </a:xfrm>
+      </p:grpSpPr>
+      <p:sp>
+        <p:nvSpPr>
+          <p:cNvPr id="2" name="Title 1">
+            <a:extLst>
+              <a:ext uri="{FF2B5EF4-FFF2-40B4-BE49-F238E27FC236}">
+                <a16:creationId xmlns:a16="http://schemas.microsoft.com/office/drawing/2014/main" id="{8B0E9BBB-EA40-426A-A5A0-91C71F9BB2FA}"/>
+              </a:ext>
+            </a:extLst>
+          </p:cNvPr>
+          <p:cNvSpPr>
+            <a:spLocks noGrp="1"/>
+          </p:cNvSpPr>
+          <p:nvPr>
+            <p:ph type="title"/>
+          </p:nvPr>
+        </p:nvSpPr>
+        <p:spPr/>
+        <p:txBody>
+          <a:bodyPr/>
+          <a:lstStyle/>
+          <a:p>
+            <a:r>
+              <a:rPr lang="en-US" dirty="0"/>
+              <a:t>Business Purpose</a:t>
+            </a:r>
+          </a:p>
+        </p:txBody>
+      </p:sp>
+      <p:sp>
+        <p:nvSpPr>
+          <p:cNvPr id="3" name="Content Placeholder 2">
+            <a:extLst>
+              <a:ext uri="{FF2B5EF4-FFF2-40B4-BE49-F238E27FC236}">
+                <a16:creationId xmlns:a16="http://schemas.microsoft.com/office/drawing/2014/main" id="{67BE32D7-523A-400E-9D07-EAF0C4B255E7}"/>
+              </a:ext>
+            </a:extLst>
+          </p:cNvPr>
+          <p:cNvSpPr>
+            <a:spLocks noGrp="1"/>
+          </p:cNvSpPr>
+          <p:nvPr>
+            <p:ph idx="1"/>
+          </p:nvPr>
+        </p:nvSpPr>
+        <p:spPr>
+          <a:xfrm>
+            <a:off x="838200" y="1825625"/>
+            <a:ext cx="10515600" cy="4522548"/>
+          </a:xfrm>
+        </p:spPr>
+        <p:txBody>
+          <a:bodyPr>
+            <a:normAutofit/>
+          </a:bodyPr>
+          <a:lstStyle/>
+          <a:p>
+            <a:pPr marL="0" indent="0">
+              <a:buNone/>
+            </a:pPr>
+            <a:r>
+              <a:rPr lang="en-US" dirty="0"/>
+              <a:t>Problem: Job Applicants, HR departments, and Headhunter Firms have to hunt through a large number of job postings and resumes trying to match candidates to jobs. </a:t>
+            </a:r>
+          </a:p>
+          <a:p>
+            <a:pPr marL="0" indent="0">
+              <a:buNone/>
+            </a:pPr>
+            <a:endParaRPr lang="en-US" dirty="0"/>
+          </a:p>
+          <a:p>
+            <a:pPr lvl="1"/>
+            <a:r>
+              <a:rPr lang="en-US" dirty="0"/>
+              <a:t>Basic job searches online may only include a handful of words. </a:t>
+            </a:r>
+          </a:p>
+          <a:p>
+            <a:endParaRPr lang="en-US" dirty="0"/>
+          </a:p>
+          <a:p>
+            <a:endParaRPr lang="en-US" dirty="0"/>
+          </a:p>
+          <a:p>
+            <a:pPr lvl="1"/>
+            <a:r>
+              <a:rPr lang="en-US" dirty="0"/>
+              <a:t>HR or Headhunters may be able to search resume’s by keywords to check for mandatory values, but this only gives knowledge of whether a candidate has some or all of the required/desired items in their resume</a:t>
+            </a:r>
+          </a:p>
+          <a:p>
+            <a:pPr marL="0" indent="0">
+              <a:buNone/>
+            </a:pPr>
+            <a:endParaRPr lang="en-US" dirty="0"/>
+          </a:p>
+        </p:txBody>
+      </p:sp>
+      <p:pic>
+        <p:nvPicPr>
+          <p:cNvPr id="4" name="Picture 3">
+            <a:extLst>
+              <a:ext uri="{FF2B5EF4-FFF2-40B4-BE49-F238E27FC236}">
+                <a16:creationId xmlns:a16="http://schemas.microsoft.com/office/drawing/2014/main" id="{3980A69F-2DAE-42ED-ACD6-D0736AAAB22E}"/>
+              </a:ext>
+            </a:extLst>
+          </p:cNvPr>
+          <p:cNvPicPr>
+            <a:picLocks noChangeAspect="1"/>
+          </p:cNvPicPr>
+          <p:nvPr/>
+        </p:nvPicPr>
+        <p:blipFill>
+          <a:blip r:embed="rId2"/>
+          <a:stretch>
+            <a:fillRect/>
+          </a:stretch>
+        </p:blipFill>
+        <p:spPr>
+          <a:xfrm>
+            <a:off x="1522615" y="4130540"/>
+            <a:ext cx="8991600" cy="533400"/>
+          </a:xfrm>
+          <a:prstGeom prst="rect">
+            <a:avLst/>
+          </a:prstGeom>
+        </p:spPr>
+      </p:pic>
+    </p:spTree>
+    <p:extLst>
+      <p:ext uri="{BB962C8B-B14F-4D97-AF65-F5344CB8AC3E}">
+        <p14:creationId xmlns:p14="http://schemas.microsoft.com/office/powerpoint/2010/main" val="3899714929"/>
+      </p:ext>
+    </p:extLst>
+  </p:cSld>
+  <p:clrMapOvr>
+    <a:masterClrMapping/>
+  </p:clrMapOvr>
+</p:sld>
+</file>
+
+<file path=ppt/slides/slide6.xml><?xml version="1.0" encoding="utf-8"?>
+<p:sld xmlns:a="http://schemas.openxmlformats.org/drawingml/2006/main" xmlns:r="http://schemas.openxmlformats.org/officeDocument/2006/relationships" xmlns:p="http://schemas.openxmlformats.org/presentationml/2006/main">
+  <p:cSld>
+    <p:spTree>
+      <p:nvGrpSpPr>
+        <p:cNvPr id="1" name=""/>
+        <p:cNvGrpSpPr/>
+        <p:nvPr/>
+      </p:nvGrpSpPr>
+      <p:grpSpPr>
+        <a:xfrm>
+          <a:off x="0" y="0"/>
+          <a:ext cx="0" cy="0"/>
+          <a:chOff x="0" y="0"/>
+          <a:chExt cx="0" cy="0"/>
+        </a:xfrm>
+      </p:grpSpPr>
+      <p:sp>
+        <p:nvSpPr>
+          <p:cNvPr id="2" name="Title 1">
+            <a:extLst>
+              <a:ext uri="{FF2B5EF4-FFF2-40B4-BE49-F238E27FC236}">
+                <a16:creationId xmlns:a16="http://schemas.microsoft.com/office/drawing/2014/main" id="{A7EA68FD-1699-4720-8471-CC8230837D2B}"/>
+              </a:ext>
+            </a:extLst>
+          </p:cNvPr>
+          <p:cNvSpPr>
+            <a:spLocks noGrp="1"/>
+          </p:cNvSpPr>
+          <p:nvPr>
+            <p:ph type="title"/>
+          </p:nvPr>
+        </p:nvSpPr>
+        <p:spPr/>
+        <p:txBody>
+          <a:bodyPr/>
+          <a:lstStyle/>
+          <a:p>
+            <a:r>
+              <a:rPr lang="en-US" dirty="0"/>
+              <a:t>Business Purpose Cont’d</a:t>
+            </a:r>
+          </a:p>
+        </p:txBody>
+      </p:sp>
+      <p:sp>
+        <p:nvSpPr>
+          <p:cNvPr id="3" name="Content Placeholder 2">
+            <a:extLst>
+              <a:ext uri="{FF2B5EF4-FFF2-40B4-BE49-F238E27FC236}">
+                <a16:creationId xmlns:a16="http://schemas.microsoft.com/office/drawing/2014/main" id="{57293EC2-8FBD-4FDB-9A7C-C32C65EA540C}"/>
+              </a:ext>
+            </a:extLst>
+          </p:cNvPr>
+          <p:cNvSpPr>
+            <a:spLocks noGrp="1"/>
+          </p:cNvSpPr>
+          <p:nvPr>
+            <p:ph idx="1"/>
+          </p:nvPr>
+        </p:nvSpPr>
+        <p:spPr/>
+        <p:txBody>
+          <a:bodyPr/>
+          <a:lstStyle/>
+          <a:p>
+            <a:pPr marL="0" indent="0">
+              <a:buNone/>
+            </a:pPr>
+            <a:r>
+              <a:rPr lang="en-US" dirty="0"/>
+              <a:t>Headhunter firms have a goal of finding candidates that will be qualified for jobs while wasting as little time as possible.</a:t>
+            </a:r>
+          </a:p>
+          <a:p>
+            <a:r>
+              <a:rPr lang="en-US" dirty="0"/>
+              <a:t>Rank potential candidates by how close they match jobs</a:t>
+            </a:r>
+          </a:p>
+          <a:p>
+            <a:pPr lvl="1"/>
+            <a:r>
+              <a:rPr lang="en-US" dirty="0"/>
+              <a:t>Start with best candidates</a:t>
+            </a:r>
+          </a:p>
+          <a:p>
+            <a:pPr lvl="1"/>
+            <a:r>
+              <a:rPr lang="en-US" dirty="0"/>
+              <a:t>Eliminate definite misses</a:t>
+            </a:r>
+          </a:p>
+          <a:p>
+            <a:pPr lvl="1"/>
+            <a:r>
+              <a:rPr lang="en-US" dirty="0"/>
+              <a:t>Be prepared to cold-call candidates even for jobs a candidate may not be considering</a:t>
+            </a:r>
+          </a:p>
+          <a:p>
+            <a:r>
+              <a:rPr lang="en-US" dirty="0"/>
+              <a:t>Identify weaknesses in a candidate’s resume to increase odds of successful placement at a company (and commission) </a:t>
+            </a:r>
+          </a:p>
+        </p:txBody>
+      </p:sp>
+    </p:spTree>
+    <p:extLst>
+      <p:ext uri="{BB962C8B-B14F-4D97-AF65-F5344CB8AC3E}">
+        <p14:creationId xmlns:p14="http://schemas.microsoft.com/office/powerpoint/2010/main" val="1117609877"/>
+      </p:ext>
+    </p:extLst>
+  </p:cSld>
+  <p:clrMapOvr>
+    <a:masterClrMapping/>
+  </p:clrMapOvr>
+</p:sld>
+</file>
+
+<file path=ppt/slides/slide7.xml><?xml version="1.0" encoding="utf-8"?>
+<p:sld xmlns:a="http://schemas.openxmlformats.org/drawingml/2006/main" xmlns:r="http://schemas.openxmlformats.org/officeDocument/2006/relationships" xmlns:p="http://schemas.openxmlformats.org/presentationml/2006/main">
+  <p:cSld>
+    <p:bg>
+      <p:bgPr>
+        <a:solidFill>
+          <a:schemeClr val="bg1"/>
+        </a:solidFill>
+        <a:effectLst/>
+      </p:bgPr>
+    </p:bg>
+    <p:spTree>
+      <p:nvGrpSpPr>
+        <p:cNvPr id="1" name=""/>
+        <p:cNvGrpSpPr/>
+        <p:nvPr/>
+      </p:nvGrpSpPr>
+      <p:grpSpPr>
+        <a:xfrm>
+          <a:off x="0" y="0"/>
+          <a:ext cx="0" cy="0"/>
+          <a:chOff x="0" y="0"/>
+          <a:chExt cx="0" cy="0"/>
+        </a:xfrm>
+      </p:grpSpPr>
+      <p:sp>
+        <p:nvSpPr>
+          <p:cNvPr id="2" name="Title 1">
+            <a:extLst>
+              <a:ext uri="{FF2B5EF4-FFF2-40B4-BE49-F238E27FC236}">
+                <a16:creationId xmlns:a16="http://schemas.microsoft.com/office/drawing/2014/main" id="{5FD12CE6-B8AD-439F-87A2-3DC9356BF40E}"/>
+              </a:ext>
+            </a:extLst>
+          </p:cNvPr>
+          <p:cNvSpPr>
+            <a:spLocks noGrp="1"/>
+          </p:cNvSpPr>
+          <p:nvPr>
+            <p:ph type="title"/>
+          </p:nvPr>
+        </p:nvSpPr>
+        <p:spPr>
+          <a:xfrm>
+            <a:off x="838200" y="365125"/>
+            <a:ext cx="10515600" cy="1325563"/>
+          </a:xfrm>
+        </p:spPr>
+        <p:txBody>
+          <a:bodyPr>
+            <a:normAutofit/>
+          </a:bodyPr>
+          <a:lstStyle/>
+          <a:p>
+            <a:r>
+              <a:rPr lang="en-US" dirty="0"/>
+              <a:t> Solution to Business Problem</a:t>
+            </a:r>
+          </a:p>
+        </p:txBody>
+      </p:sp>
+      <p:graphicFrame>
+        <p:nvGraphicFramePr>
+          <p:cNvPr id="5" name="Content Placeholder 2"/>
+          <p:cNvGraphicFramePr>
+            <a:graphicFrameLocks noGrp="1"/>
+          </p:cNvGraphicFramePr>
+          <p:nvPr>
+            <p:ph idx="1"/>
+            <p:extLst>
+              <p:ext uri="{D42A27DB-BD31-4B8C-83A1-F6EECF244321}">
+                <p14:modId xmlns:p14="http://schemas.microsoft.com/office/powerpoint/2010/main" val="2045724871"/>
+              </p:ext>
+            </p:extLst>
+          </p:nvPr>
+        </p:nvGraphicFramePr>
+        <p:xfrm>
+          <a:off x="838200" y="1825625"/>
+          <a:ext cx="10515600" cy="4351338"/>
+        </p:xfrm>
+        <a:graphic>
+          <a:graphicData uri="http://schemas.openxmlformats.org/drawingml/2006/diagram">
+            <dgm:relIds xmlns:dgm="http://schemas.openxmlformats.org/drawingml/2006/diagram" xmlns:r="http://schemas.openxmlformats.org/officeDocument/2006/relationships" r:dm="rId2" r:lo="rId3" r:qs="rId4" r:cs="rId5"/>
+          </a:graphicData>
+        </a:graphic>
+      </p:graphicFrame>
+    </p:spTree>
+    <p:extLst>
+      <p:ext uri="{BB962C8B-B14F-4D97-AF65-F5344CB8AC3E}">
+        <p14:creationId xmlns:p14="http://schemas.microsoft.com/office/powerpoint/2010/main" val="2272037536"/>
       </p:ext>
     </p:extLst>
   </p:cSld>
@@ -8639,199 +8699,202 @@
           <a:chExt cx="0" cy="0"/>
         </a:xfrm>
       </p:grpSpPr>
-      <p:sp>
-        <p:nvSpPr>
-          <p:cNvPr id="2" name="Title 1">
-            <a:extLst>
-              <a:ext uri="{FF2B5EF4-FFF2-40B4-BE49-F238E27FC236}">
-                <a16:creationId xmlns:a16="http://schemas.microsoft.com/office/drawing/2014/main" id="{73FABB48-3700-49DB-9BA2-BA4EA4237E1D}"/>
-              </a:ext>
-            </a:extLst>
-          </p:cNvPr>
-          <p:cNvSpPr>
-            <a:spLocks noGrp="1"/>
-          </p:cNvSpPr>
-          <p:nvPr>
-            <p:ph type="title"/>
-          </p:nvPr>
-        </p:nvSpPr>
-        <p:spPr/>
+      <p:pic>
+        <p:nvPicPr>
+          <p:cNvPr id="1026" name="Picture 2" descr="By Kenneth Jensen [CC BY-SA 3.0 (https://creativecommons.org/licenses/by-sa/3.0)], via Wikimedia Commons" title="CRISP-DM Process Diagram">
+            <a:extLst>
+              <a:ext uri="{FF2B5EF4-FFF2-40B4-BE49-F238E27FC236}">
+                <a16:creationId xmlns:a16="http://schemas.microsoft.com/office/drawing/2014/main" id="{65C1A1A8-115F-4B79-ADEA-40D629657C47}"/>
+              </a:ext>
+            </a:extLst>
+          </p:cNvPr>
+          <p:cNvPicPr>
+            <a:picLocks noChangeAspect="1" noChangeArrowheads="1"/>
+          </p:cNvPicPr>
+          <p:nvPr/>
+        </p:nvPicPr>
+        <p:blipFill>
+          <a:blip r:embed="rId2">
+            <a:extLst>
+              <a:ext uri="{28A0092B-C50C-407E-A947-70E740481C1C}">
+                <a14:useLocalDpi xmlns:a14="http://schemas.microsoft.com/office/drawing/2010/main" val="0"/>
+              </a:ext>
+            </a:extLst>
+          </a:blip>
+          <a:srcRect/>
+          <a:stretch>
+            <a:fillRect/>
+          </a:stretch>
+        </p:blipFill>
+        <p:spPr bwMode="auto">
+          <a:xfrm>
+            <a:off x="3248025" y="576263"/>
+            <a:ext cx="5695950" cy="5705475"/>
+          </a:xfrm>
+          <a:prstGeom prst="ellipse">
+            <a:avLst/>
+          </a:prstGeom>
+          <a:ln w="190500" cap="rnd">
+            <a:solidFill>
+              <a:srgbClr val="C8C6BD"/>
+            </a:solidFill>
+            <a:prstDash val="solid"/>
+          </a:ln>
+          <a:effectLst>
+            <a:outerShdw blurRad="127000" algn="bl" rotWithShape="0">
+              <a:srgbClr val="000000"/>
+            </a:outerShdw>
+          </a:effectLst>
+          <a:scene3d>
+            <a:camera prst="perspectiveFront" fov="5400000"/>
+            <a:lightRig rig="threePt" dir="t">
+              <a:rot lat="0" lon="0" rev="19200000"/>
+            </a:lightRig>
+          </a:scene3d>
+          <a:sp3d extrusionH="25400">
+            <a:bevelT w="304800" h="152400" prst="hardEdge"/>
+            <a:extrusionClr>
+              <a:srgbClr val="000000"/>
+            </a:extrusionClr>
+          </a:sp3d>
+          <a:extLst>
+            <a:ext uri="{909E8E84-426E-40DD-AFC4-6F175D3DCCD1}">
+              <a14:hiddenFill xmlns:a14="http://schemas.microsoft.com/office/drawing/2010/main">
+                <a:solidFill>
+                  <a:srgbClr val="FFFFFF"/>
+                </a:solidFill>
+              </a14:hiddenFill>
+            </a:ext>
+          </a:extLst>
+        </p:spPr>
+      </p:pic>
+      <p:sp>
+        <p:nvSpPr>
+          <p:cNvPr id="4" name="Rectangle 3">
+            <a:extLst>
+              <a:ext uri="{FF2B5EF4-FFF2-40B4-BE49-F238E27FC236}">
+                <a16:creationId xmlns:a16="http://schemas.microsoft.com/office/drawing/2014/main" id="{879B85E4-B7E3-4F8F-A251-8821E6D9BFC6}"/>
+              </a:ext>
+            </a:extLst>
+          </p:cNvPr>
+          <p:cNvSpPr/>
+          <p:nvPr/>
+        </p:nvSpPr>
+        <p:spPr>
+          <a:xfrm>
+            <a:off x="0" y="6488668"/>
+            <a:ext cx="12192000" cy="338554"/>
+          </a:xfrm>
+          <a:prstGeom prst="rect">
+            <a:avLst/>
+          </a:prstGeom>
+        </p:spPr>
+        <p:txBody>
+          <a:bodyPr wrap="square">
+            <a:spAutoFit/>
+          </a:bodyPr>
+          <a:lstStyle/>
+          <a:p>
+            <a:pPr algn="ctr"/>
+            <a:r>
+              <a:rPr lang="en-US" sz="1600" dirty="0">
+                <a:latin typeface="+mj-lt"/>
+              </a:rPr>
+              <a:t>Image by Kenneth Jensen [CC BY-SA 3.0 (https://creativecommons.org/licenses/by-sa/3.0)], via Wikimedia Commons</a:t>
+            </a:r>
+          </a:p>
+        </p:txBody>
+      </p:sp>
+      <p:sp>
+        <p:nvSpPr>
+          <p:cNvPr id="5" name="Rounded Rectangle 4"/>
+          <p:cNvSpPr/>
+          <p:nvPr/>
+        </p:nvSpPr>
+        <p:spPr>
+          <a:xfrm>
+            <a:off x="7975388" y="1797465"/>
+            <a:ext cx="1937173" cy="520338"/>
+          </a:xfrm>
+          <a:prstGeom prst="roundRect">
+            <a:avLst/>
+          </a:prstGeom>
+          <a:solidFill>
+            <a:srgbClr val="3241C1"/>
+          </a:solidFill>
+          <a:ln/>
+        </p:spPr>
+        <p:style>
+          <a:lnRef idx="1">
+            <a:schemeClr val="accent1"/>
+          </a:lnRef>
+          <a:fillRef idx="3">
+            <a:schemeClr val="accent1"/>
+          </a:fillRef>
+          <a:effectRef idx="2">
+            <a:schemeClr val="accent1"/>
+          </a:effectRef>
+          <a:fontRef idx="minor">
+            <a:schemeClr val="lt1"/>
+          </a:fontRef>
+        </p:style>
         <p:txBody>
           <a:bodyPr/>
           <a:lstStyle/>
           <a:p>
             <a:r>
-              <a:rPr lang="en-US" dirty="0"/>
-              <a:t>Data Exploration</a:t>
-            </a:r>
-          </a:p>
-        </p:txBody>
-      </p:sp>
-      <p:sp>
-        <p:nvSpPr>
-          <p:cNvPr id="3" name="Text Placeholder 2">
-            <a:extLst>
-              <a:ext uri="{FF2B5EF4-FFF2-40B4-BE49-F238E27FC236}">
-                <a16:creationId xmlns:a16="http://schemas.microsoft.com/office/drawing/2014/main" id="{DB01AD3C-BD8E-43B5-8B90-C53EF8878AD9}"/>
-              </a:ext>
-            </a:extLst>
-          </p:cNvPr>
-          <p:cNvSpPr>
-            <a:spLocks noGrp="1"/>
-          </p:cNvSpPr>
-          <p:nvPr>
-            <p:ph type="body" idx="1"/>
-          </p:nvPr>
-        </p:nvSpPr>
-        <p:spPr/>
-        <p:txBody>
-          <a:bodyPr>
-            <a:normAutofit/>
-          </a:bodyPr>
+              <a:rPr lang="en-US" sz="1200" dirty="0">
+                <a:latin typeface="Avenir Light"/>
+                <a:cs typeface="Avenir Light"/>
+              </a:rPr>
+              <a:t>Define a question and an approach</a:t>
+            </a:r>
+          </a:p>
+        </p:txBody>
+      </p:sp>
+      <p:sp>
+        <p:nvSpPr>
+          <p:cNvPr id="6" name="Rectangle: Rounded Corners 5">
+            <a:extLst>
+              <a:ext uri="{FF2B5EF4-FFF2-40B4-BE49-F238E27FC236}">
+                <a16:creationId xmlns:a16="http://schemas.microsoft.com/office/drawing/2014/main" id="{B96ACE9D-C831-44AF-B8D0-E6D2D2C578F8}"/>
+              </a:ext>
+            </a:extLst>
+          </p:cNvPr>
+          <p:cNvSpPr/>
+          <p:nvPr/>
+        </p:nvSpPr>
+        <p:spPr>
+          <a:xfrm>
+            <a:off x="6416040" y="1492369"/>
+            <a:ext cx="1468582" cy="565265"/>
+          </a:xfrm>
+          <a:prstGeom prst="roundRect">
+            <a:avLst/>
+          </a:prstGeom>
+        </p:spPr>
+        <p:style>
+          <a:lnRef idx="1">
+            <a:schemeClr val="accent2"/>
+          </a:lnRef>
+          <a:fillRef idx="3">
+            <a:schemeClr val="accent2"/>
+          </a:fillRef>
+          <a:effectRef idx="2">
+            <a:schemeClr val="accent2"/>
+          </a:effectRef>
+          <a:fontRef idx="minor">
+            <a:schemeClr val="lt1"/>
+          </a:fontRef>
+        </p:style>
+        <p:txBody>
+          <a:bodyPr rtlCol="0" anchor="ctr"/>
           <a:lstStyle/>
           <a:p>
-            <a:r>
-              <a:rPr lang="en-US" sz="3600" dirty="0"/>
-              <a:t>Job Posting</a:t>
-            </a:r>
-          </a:p>
-        </p:txBody>
-      </p:sp>
-      <p:sp>
-        <p:nvSpPr>
-          <p:cNvPr id="4" name="Content Placeholder 3">
-            <a:extLst>
-              <a:ext uri="{FF2B5EF4-FFF2-40B4-BE49-F238E27FC236}">
-                <a16:creationId xmlns:a16="http://schemas.microsoft.com/office/drawing/2014/main" id="{0F8795B0-6709-43D7-9376-17B051E509F4}"/>
-              </a:ext>
-            </a:extLst>
-          </p:cNvPr>
-          <p:cNvSpPr>
-            <a:spLocks noGrp="1"/>
-          </p:cNvSpPr>
-          <p:nvPr>
-            <p:ph sz="half" idx="2"/>
-          </p:nvPr>
-        </p:nvSpPr>
-        <p:spPr/>
-        <p:txBody>
-          <a:bodyPr>
-            <a:normAutofit/>
-          </a:bodyPr>
-          <a:lstStyle/>
-          <a:p>
-            <a:r>
-              <a:rPr lang="en-US" dirty="0" err="1"/>
-              <a:t>Webscraped</a:t>
-            </a:r>
-            <a:r>
-              <a:rPr lang="en-US" dirty="0"/>
-              <a:t> in &lt;XML&gt; format</a:t>
-            </a:r>
-          </a:p>
-          <a:p>
-            <a:r>
-              <a:rPr lang="en-US" dirty="0"/>
-              <a:t>Sectioned by company</a:t>
-            </a:r>
-          </a:p>
-          <a:p>
-            <a:pPr lvl="1"/>
-            <a:r>
-              <a:rPr lang="en-US" dirty="0"/>
-              <a:t>Job ID</a:t>
-            </a:r>
-          </a:p>
-          <a:p>
-            <a:pPr lvl="1"/>
-            <a:r>
-              <a:rPr lang="en-US" dirty="0"/>
-              <a:t>Job Title</a:t>
-            </a:r>
-          </a:p>
-          <a:p>
-            <a:pPr lvl="1"/>
-            <a:r>
-              <a:rPr lang="en-US" dirty="0"/>
-              <a:t>Job Description</a:t>
-            </a:r>
-          </a:p>
-          <a:p>
-            <a:r>
-              <a:rPr lang="en-US" dirty="0"/>
-              <a:t>Many documents available</a:t>
-            </a:r>
-          </a:p>
-        </p:txBody>
-      </p:sp>
-      <p:sp>
-        <p:nvSpPr>
-          <p:cNvPr id="5" name="Text Placeholder 4">
-            <a:extLst>
-              <a:ext uri="{FF2B5EF4-FFF2-40B4-BE49-F238E27FC236}">
-                <a16:creationId xmlns:a16="http://schemas.microsoft.com/office/drawing/2014/main" id="{729737A3-0902-44B8-B2A7-99BF05EDB3C3}"/>
-              </a:ext>
-            </a:extLst>
-          </p:cNvPr>
-          <p:cNvSpPr>
-            <a:spLocks noGrp="1"/>
-          </p:cNvSpPr>
-          <p:nvPr>
-            <p:ph type="body" sz="quarter" idx="3"/>
-          </p:nvPr>
-        </p:nvSpPr>
-        <p:spPr/>
-        <p:txBody>
-          <a:bodyPr>
-            <a:normAutofit/>
-          </a:bodyPr>
-          <a:lstStyle/>
-          <a:p>
-            <a:r>
-              <a:rPr lang="en-US" sz="3600" dirty="0"/>
-              <a:t>Resume</a:t>
-            </a:r>
-          </a:p>
-        </p:txBody>
-      </p:sp>
-      <p:sp>
-        <p:nvSpPr>
-          <p:cNvPr id="6" name="Content Placeholder 5">
-            <a:extLst>
-              <a:ext uri="{FF2B5EF4-FFF2-40B4-BE49-F238E27FC236}">
-                <a16:creationId xmlns:a16="http://schemas.microsoft.com/office/drawing/2014/main" id="{127A6CB6-59CD-4DFD-82FA-05E871C91DBA}"/>
-              </a:ext>
-            </a:extLst>
-          </p:cNvPr>
-          <p:cNvSpPr>
-            <a:spLocks noGrp="1"/>
-          </p:cNvSpPr>
-          <p:nvPr>
-            <p:ph sz="quarter" idx="4"/>
-          </p:nvPr>
-        </p:nvSpPr>
-        <p:spPr/>
-        <p:txBody>
-          <a:bodyPr>
-            <a:normAutofit/>
-          </a:bodyPr>
-          <a:lstStyle/>
-          <a:p>
-            <a:r>
-              <a:rPr lang="en-US" dirty="0"/>
-              <a:t>Non-uniform</a:t>
-            </a:r>
-          </a:p>
-          <a:p>
-            <a:r>
-              <a:rPr lang="en-US" dirty="0"/>
-              <a:t>Mix of narrative, lists, matrixes, etc. </a:t>
-            </a:r>
-          </a:p>
-          <a:p>
-            <a:r>
-              <a:rPr lang="en-US" dirty="0"/>
-              <a:t>Limited documents available</a:t>
+            <a:pPr algn="ctr"/>
+            <a:r>
+              <a:rPr lang="en-US" sz="1400" b="1" dirty="0"/>
+              <a:t>Data Understanding</a:t>
             </a:r>
           </a:p>
         </p:txBody>
@@ -8839,7 +8902,7 @@
     </p:spTree>
     <p:extLst>
       <p:ext uri="{BB962C8B-B14F-4D97-AF65-F5344CB8AC3E}">
-        <p14:creationId xmlns:p14="http://schemas.microsoft.com/office/powerpoint/2010/main" val="362660068"/>
+        <p14:creationId xmlns:p14="http://schemas.microsoft.com/office/powerpoint/2010/main" val="2955001397"/>
       </p:ext>
     </p:extLst>
   </p:cSld>
@@ -8868,10 +8931,10 @@
       </p:grpSpPr>
       <p:sp>
         <p:nvSpPr>
-          <p:cNvPr id="7" name="Title 6">
-            <a:extLst>
-              <a:ext uri="{FF2B5EF4-FFF2-40B4-BE49-F238E27FC236}">
-                <a16:creationId xmlns:a16="http://schemas.microsoft.com/office/drawing/2014/main" id="{2C34020D-3B18-4966-9758-2A964095CD9F}"/>
+          <p:cNvPr id="2" name="Title 1">
+            <a:extLst>
+              <a:ext uri="{FF2B5EF4-FFF2-40B4-BE49-F238E27FC236}">
+                <a16:creationId xmlns:a16="http://schemas.microsoft.com/office/drawing/2014/main" id="{73FABB48-3700-49DB-9BA2-BA4EA4237E1D}"/>
               </a:ext>
             </a:extLst>
           </p:cNvPr>
@@ -8894,40 +8957,179 @@
           </a:p>
         </p:txBody>
       </p:sp>
-      <p:pic>
-        <p:nvPicPr>
-          <p:cNvPr id="10" name="Picture 9">
-            <a:extLst>
-              <a:ext uri="{FF2B5EF4-FFF2-40B4-BE49-F238E27FC236}">
-                <a16:creationId xmlns:a16="http://schemas.microsoft.com/office/drawing/2014/main" id="{DC3869E6-98AC-4567-B536-4A8E442A23D2}"/>
-              </a:ext>
-            </a:extLst>
-          </p:cNvPr>
-          <p:cNvPicPr>
-            <a:picLocks noChangeAspect="1"/>
-          </p:cNvPicPr>
-          <p:nvPr/>
-        </p:nvPicPr>
-        <p:blipFill>
-          <a:blip r:embed="rId2"/>
-          <a:stretch>
-            <a:fillRect/>
-          </a:stretch>
-        </p:blipFill>
-        <p:spPr>
-          <a:xfrm>
-            <a:off x="1817816" y="1773555"/>
-            <a:ext cx="8556368" cy="4826000"/>
-          </a:xfrm>
-          <a:prstGeom prst="rect">
-            <a:avLst/>
-          </a:prstGeom>
-        </p:spPr>
-      </p:pic>
+      <p:sp>
+        <p:nvSpPr>
+          <p:cNvPr id="3" name="Text Placeholder 2">
+            <a:extLst>
+              <a:ext uri="{FF2B5EF4-FFF2-40B4-BE49-F238E27FC236}">
+                <a16:creationId xmlns:a16="http://schemas.microsoft.com/office/drawing/2014/main" id="{DB01AD3C-BD8E-43B5-8B90-C53EF8878AD9}"/>
+              </a:ext>
+            </a:extLst>
+          </p:cNvPr>
+          <p:cNvSpPr>
+            <a:spLocks noGrp="1"/>
+          </p:cNvSpPr>
+          <p:nvPr>
+            <p:ph type="body" idx="1"/>
+          </p:nvPr>
+        </p:nvSpPr>
+        <p:spPr/>
+        <p:txBody>
+          <a:bodyPr>
+            <a:normAutofit/>
+          </a:bodyPr>
+          <a:lstStyle/>
+          <a:p>
+            <a:r>
+              <a:rPr lang="en-US" sz="3600" dirty="0"/>
+              <a:t>Job Posting</a:t>
+            </a:r>
+          </a:p>
+        </p:txBody>
+      </p:sp>
+      <p:sp>
+        <p:nvSpPr>
+          <p:cNvPr id="4" name="Content Placeholder 3">
+            <a:extLst>
+              <a:ext uri="{FF2B5EF4-FFF2-40B4-BE49-F238E27FC236}">
+                <a16:creationId xmlns:a16="http://schemas.microsoft.com/office/drawing/2014/main" id="{0F8795B0-6709-43D7-9376-17B051E509F4}"/>
+              </a:ext>
+            </a:extLst>
+          </p:cNvPr>
+          <p:cNvSpPr>
+            <a:spLocks noGrp="1"/>
+          </p:cNvSpPr>
+          <p:nvPr>
+            <p:ph sz="half" idx="2"/>
+          </p:nvPr>
+        </p:nvSpPr>
+        <p:spPr/>
+        <p:txBody>
+          <a:bodyPr>
+            <a:normAutofit/>
+          </a:bodyPr>
+          <a:lstStyle/>
+          <a:p>
+            <a:r>
+              <a:rPr lang="en-US" dirty="0" err="1"/>
+              <a:t>Webscraped</a:t>
+            </a:r>
+            <a:r>
+              <a:rPr lang="en-US" dirty="0"/>
+              <a:t> in &lt;XML&gt; format</a:t>
+            </a:r>
+          </a:p>
+          <a:p>
+            <a:r>
+              <a:rPr lang="en-US" dirty="0"/>
+              <a:t>Sectioned by company</a:t>
+            </a:r>
+          </a:p>
+          <a:p>
+            <a:pPr lvl="1"/>
+            <a:r>
+              <a:rPr lang="en-US" dirty="0"/>
+              <a:t>Job ID</a:t>
+            </a:r>
+          </a:p>
+          <a:p>
+            <a:pPr lvl="1"/>
+            <a:r>
+              <a:rPr lang="en-US" dirty="0"/>
+              <a:t>Job Title</a:t>
+            </a:r>
+          </a:p>
+          <a:p>
+            <a:pPr lvl="1"/>
+            <a:r>
+              <a:rPr lang="en-US" dirty="0"/>
+              <a:t>Job Description</a:t>
+            </a:r>
+          </a:p>
+          <a:p>
+            <a:r>
+              <a:rPr lang="en-US" dirty="0"/>
+              <a:t>Many documents available</a:t>
+            </a:r>
+          </a:p>
+        </p:txBody>
+      </p:sp>
+      <p:sp>
+        <p:nvSpPr>
+          <p:cNvPr id="5" name="Text Placeholder 4">
+            <a:extLst>
+              <a:ext uri="{FF2B5EF4-FFF2-40B4-BE49-F238E27FC236}">
+                <a16:creationId xmlns:a16="http://schemas.microsoft.com/office/drawing/2014/main" id="{729737A3-0902-44B8-B2A7-99BF05EDB3C3}"/>
+              </a:ext>
+            </a:extLst>
+          </p:cNvPr>
+          <p:cNvSpPr>
+            <a:spLocks noGrp="1"/>
+          </p:cNvSpPr>
+          <p:nvPr>
+            <p:ph type="body" sz="quarter" idx="3"/>
+          </p:nvPr>
+        </p:nvSpPr>
+        <p:spPr/>
+        <p:txBody>
+          <a:bodyPr>
+            <a:normAutofit/>
+          </a:bodyPr>
+          <a:lstStyle/>
+          <a:p>
+            <a:r>
+              <a:rPr lang="en-US" sz="3600" dirty="0"/>
+              <a:t>Resume</a:t>
+            </a:r>
+          </a:p>
+        </p:txBody>
+      </p:sp>
+      <p:sp>
+        <p:nvSpPr>
+          <p:cNvPr id="6" name="Content Placeholder 5">
+            <a:extLst>
+              <a:ext uri="{FF2B5EF4-FFF2-40B4-BE49-F238E27FC236}">
+                <a16:creationId xmlns:a16="http://schemas.microsoft.com/office/drawing/2014/main" id="{127A6CB6-59CD-4DFD-82FA-05E871C91DBA}"/>
+              </a:ext>
+            </a:extLst>
+          </p:cNvPr>
+          <p:cNvSpPr>
+            <a:spLocks noGrp="1"/>
+          </p:cNvSpPr>
+          <p:nvPr>
+            <p:ph sz="quarter" idx="4"/>
+          </p:nvPr>
+        </p:nvSpPr>
+        <p:spPr/>
+        <p:txBody>
+          <a:bodyPr>
+            <a:normAutofit/>
+          </a:bodyPr>
+          <a:lstStyle/>
+          <a:p>
+            <a:r>
+              <a:rPr lang="en-US" dirty="0"/>
+              <a:t>Non-uniform</a:t>
+            </a:r>
+          </a:p>
+          <a:p>
+            <a:r>
+              <a:rPr lang="en-US" dirty="0"/>
+              <a:t>Mix of narrative, lists, matrixes, etc. </a:t>
+            </a:r>
+          </a:p>
+          <a:p>
+            <a:r>
+              <a:rPr lang="en-US" dirty="0"/>
+              <a:t>Limited documents available</a:t>
+            </a:r>
+          </a:p>
+        </p:txBody>
+      </p:sp>
     </p:spTree>
     <p:extLst>
       <p:ext uri="{BB962C8B-B14F-4D97-AF65-F5344CB8AC3E}">
-        <p14:creationId xmlns:p14="http://schemas.microsoft.com/office/powerpoint/2010/main" val="1064126419"/>
+        <p14:creationId xmlns:p14="http://schemas.microsoft.com/office/powerpoint/2010/main" val="362660068"/>
       </p:ext>
     </p:extLst>
   </p:cSld>

--- a/Jobs Analysis.pptx
+++ b/Jobs Analysis.pptx
@@ -20,10 +20,13 @@
     <p:sldId id="273" r:id="rId14"/>
     <p:sldId id="274" r:id="rId15"/>
     <p:sldId id="275" r:id="rId16"/>
-    <p:sldId id="267" r:id="rId17"/>
-    <p:sldId id="268" r:id="rId18"/>
-    <p:sldId id="269" r:id="rId19"/>
-    <p:sldId id="270" r:id="rId20"/>
+    <p:sldId id="277" r:id="rId17"/>
+    <p:sldId id="278" r:id="rId18"/>
+    <p:sldId id="279" r:id="rId19"/>
+    <p:sldId id="267" r:id="rId20"/>
+    <p:sldId id="268" r:id="rId21"/>
+    <p:sldId id="269" r:id="rId22"/>
+    <p:sldId id="270" r:id="rId23"/>
   </p:sldIdLst>
   <p:sldSz cx="12192000" cy="6858000"/>
   <p:notesSz cx="6858000" cy="9144000"/>
@@ -7484,7 +7487,7 @@
           <p:cNvPr id="2" name="Title 1">
             <a:extLst>
               <a:ext uri="{FF2B5EF4-FFF2-40B4-BE49-F238E27FC236}">
-                <a16:creationId xmlns:a16="http://schemas.microsoft.com/office/drawing/2014/main" id="{69EB7ECF-A088-47A2-9B6D-A520E90F0F1F}"/>
+                <a16:creationId xmlns:a16="http://schemas.microsoft.com/office/drawing/2014/main" id="{998103C1-41F9-4811-9B19-0D43D5268045}"/>
               </a:ext>
             </a:extLst>
           </p:cNvPr>
@@ -7502,7 +7505,7 @@
           <a:p>
             <a:r>
               <a:rPr lang="en-US" dirty="0"/>
-              <a:t>Evaluation</a:t>
+              <a:t>LDA – Topic Modeling</a:t>
             </a:r>
           </a:p>
         </p:txBody>
@@ -7512,7 +7515,7 @@
           <p:cNvPr id="3" name="Content Placeholder 2">
             <a:extLst>
               <a:ext uri="{FF2B5EF4-FFF2-40B4-BE49-F238E27FC236}">
-                <a16:creationId xmlns:a16="http://schemas.microsoft.com/office/drawing/2014/main" id="{76A4FA34-4101-4DB8-BDB1-B2BFA4449A68}"/>
+                <a16:creationId xmlns:a16="http://schemas.microsoft.com/office/drawing/2014/main" id="{1539DAC4-183E-470E-93CF-053EA0491F99}"/>
               </a:ext>
             </a:extLst>
           </p:cNvPr>
@@ -7528,14 +7531,66 @@
           <a:bodyPr/>
           <a:lstStyle/>
           <a:p>
+            <a:r>
+              <a:rPr lang="en-US" dirty="0"/>
+              <a:t>Input Jobs Document Term Matrix (DTM)</a:t>
+            </a:r>
+          </a:p>
+          <a:p>
             <a:endParaRPr lang="en-US" dirty="0"/>
+          </a:p>
+          <a:p>
+            <a:r>
+              <a:rPr lang="en-US" dirty="0"/>
+              <a:t>Ran LDA with k = 5</a:t>
+            </a:r>
+          </a:p>
+          <a:p>
+            <a:pPr lvl="1"/>
+            <a:r>
+              <a:rPr lang="en-US" dirty="0"/>
+              <a:t>jobs.k5.lda &lt;- LDA(</a:t>
+            </a:r>
+            <a:r>
+              <a:rPr lang="en-US" dirty="0" err="1"/>
+              <a:t>jobs.dtm,k</a:t>
+            </a:r>
+            <a:r>
+              <a:rPr lang="en-US" dirty="0"/>
+              <a:t>=5)</a:t>
+            </a:r>
+          </a:p>
+          <a:p>
+            <a:pPr lvl="1"/>
+            <a:endParaRPr lang="en-US" dirty="0"/>
+          </a:p>
+          <a:p>
+            <a:r>
+              <a:rPr lang="en-US" dirty="0"/>
+              <a:t>Ran LDA with k = 50</a:t>
+            </a:r>
+          </a:p>
+          <a:p>
+            <a:pPr lvl="1"/>
+            <a:r>
+              <a:rPr lang="en-US" dirty="0"/>
+              <a:t>jobs.k5.lda &lt;- LDA(</a:t>
+            </a:r>
+            <a:r>
+              <a:rPr lang="en-US" dirty="0" err="1"/>
+              <a:t>jobs.dtm,k</a:t>
+            </a:r>
+            <a:r>
+              <a:rPr lang="en-US" dirty="0"/>
+              <a:t>=50)</a:t>
+            </a:r>
           </a:p>
         </p:txBody>
       </p:sp>
     </p:spTree>
     <p:extLst>
       <p:ext uri="{BB962C8B-B14F-4D97-AF65-F5344CB8AC3E}">
-        <p14:creationId xmlns:p14="http://schemas.microsoft.com/office/powerpoint/2010/main" val="3407193998"/>
+        <p14:creationId xmlns:p14="http://schemas.microsoft.com/office/powerpoint/2010/main" val="4060799970"/>
       </p:ext>
     </p:extLst>
   </p:cSld>
@@ -7567,7 +7622,7 @@
           <p:cNvPr id="2" name="Title 1">
             <a:extLst>
               <a:ext uri="{FF2B5EF4-FFF2-40B4-BE49-F238E27FC236}">
-                <a16:creationId xmlns:a16="http://schemas.microsoft.com/office/drawing/2014/main" id="{83D2FCD0-74AF-46F9-8C29-8DF121006AFD}"/>
+                <a16:creationId xmlns:a16="http://schemas.microsoft.com/office/drawing/2014/main" id="{E8E1B2DF-8C2C-43CD-8BD5-6DADBF613F07}"/>
               </a:ext>
             </a:extLst>
           </p:cNvPr>
@@ -7583,39 +7638,1593 @@
           <a:bodyPr/>
           <a:lstStyle/>
           <a:p>
-            <a:endParaRPr lang="en-US"/>
+            <a:r>
+              <a:rPr lang="en-US" dirty="0"/>
+              <a:t>LDA Top Terms by Topic (k = 5)</a:t>
+            </a:r>
           </a:p>
         </p:txBody>
       </p:sp>
-      <p:sp>
-        <p:nvSpPr>
-          <p:cNvPr id="3" name="Content Placeholder 2">
+      <p:graphicFrame>
+        <p:nvGraphicFramePr>
+          <p:cNvPr id="4" name="Content Placeholder 3">
             <a:extLst>
               <a:ext uri="{FF2B5EF4-FFF2-40B4-BE49-F238E27FC236}">
-                <a16:creationId xmlns:a16="http://schemas.microsoft.com/office/drawing/2014/main" id="{4C70BCF9-73F1-495A-9177-2AB26D26FF91}"/>
+                <a16:creationId xmlns:a16="http://schemas.microsoft.com/office/drawing/2014/main" id="{908340B6-2CC9-4B95-B2DE-D6E6155B8EAC}"/>
               </a:ext>
             </a:extLst>
           </p:cNvPr>
-          <p:cNvSpPr>
-            <a:spLocks noGrp="1"/>
-          </p:cNvSpPr>
+          <p:cNvGraphicFramePr>
+            <a:graphicFrameLocks noGrp="1"/>
+          </p:cNvGraphicFramePr>
           <p:nvPr>
             <p:ph idx="1"/>
+            <p:extLst>
+              <p:ext uri="{D42A27DB-BD31-4B8C-83A1-F6EECF244321}">
+                <p14:modId xmlns:p14="http://schemas.microsoft.com/office/powerpoint/2010/main" val="462073877"/>
+              </p:ext>
+            </p:extLst>
           </p:nvPr>
-        </p:nvSpPr>
-        <p:spPr/>
-        <p:txBody>
-          <a:bodyPr/>
-          <a:lstStyle/>
-          <a:p>
-            <a:endParaRPr lang="en-US"/>
-          </a:p>
-        </p:txBody>
-      </p:sp>
+        </p:nvGraphicFramePr>
+        <p:xfrm>
+          <a:off x="838198" y="1835020"/>
+          <a:ext cx="10515600" cy="4128135"/>
+        </p:xfrm>
+        <a:graphic>
+          <a:graphicData uri="http://schemas.openxmlformats.org/drawingml/2006/table">
+            <a:tbl>
+              <a:tblPr>
+                <a:tableStyleId>{3B4B98B0-60AC-42C2-AFA5-B58CD77FA1E5}</a:tableStyleId>
+              </a:tblPr>
+              <a:tblGrid>
+                <a:gridCol w="2103120">
+                  <a:extLst>
+                    <a:ext uri="{9D8B030D-6E8A-4147-A177-3AD203B41FA5}">
+                      <a16:colId xmlns:a16="http://schemas.microsoft.com/office/drawing/2014/main" val="3731036267"/>
+                    </a:ext>
+                  </a:extLst>
+                </a:gridCol>
+                <a:gridCol w="2103120">
+                  <a:extLst>
+                    <a:ext uri="{9D8B030D-6E8A-4147-A177-3AD203B41FA5}">
+                      <a16:colId xmlns:a16="http://schemas.microsoft.com/office/drawing/2014/main" val="2555341812"/>
+                    </a:ext>
+                  </a:extLst>
+                </a:gridCol>
+                <a:gridCol w="2103120">
+                  <a:extLst>
+                    <a:ext uri="{9D8B030D-6E8A-4147-A177-3AD203B41FA5}">
+                      <a16:colId xmlns:a16="http://schemas.microsoft.com/office/drawing/2014/main" val="1052258667"/>
+                    </a:ext>
+                  </a:extLst>
+                </a:gridCol>
+                <a:gridCol w="2103120">
+                  <a:extLst>
+                    <a:ext uri="{9D8B030D-6E8A-4147-A177-3AD203B41FA5}">
+                      <a16:colId xmlns:a16="http://schemas.microsoft.com/office/drawing/2014/main" val="2132033456"/>
+                    </a:ext>
+                  </a:extLst>
+                </a:gridCol>
+                <a:gridCol w="2103120">
+                  <a:extLst>
+                    <a:ext uri="{9D8B030D-6E8A-4147-A177-3AD203B41FA5}">
+                      <a16:colId xmlns:a16="http://schemas.microsoft.com/office/drawing/2014/main" val="1342537409"/>
+                    </a:ext>
+                  </a:extLst>
+                </a:gridCol>
+              </a:tblGrid>
+              <a:tr h="303634">
+                <a:tc>
+                  <a:txBody>
+                    <a:bodyPr/>
+                    <a:lstStyle/>
+                    <a:p>
+                      <a:pPr algn="l" fontAlgn="b"/>
+                      <a:r>
+                        <a:rPr lang="en-US" sz="2400" b="1" u="none" strike="noStrike" dirty="0">
+                          <a:effectLst/>
+                        </a:rPr>
+                        <a:t>Topic 1</a:t>
+                      </a:r>
+                      <a:endParaRPr lang="en-US" sz="2400" b="1" i="0" u="none" strike="noStrike" dirty="0">
+                        <a:solidFill>
+                          <a:srgbClr val="000000"/>
+                        </a:solidFill>
+                        <a:effectLst/>
+                        <a:latin typeface="Calibri" panose="020F0502020204030204" pitchFamily="34" charset="0"/>
+                      </a:endParaRPr>
+                    </a:p>
+                  </a:txBody>
+                  <a:tcPr marL="9525" marR="9525" marT="9525" marB="0" anchor="b">
+                    <a:lnB w="12700" cap="flat" cmpd="sng" algn="ctr">
+                      <a:solidFill>
+                        <a:schemeClr val="accent1">
+                          <a:lumMod val="60000"/>
+                          <a:lumOff val="40000"/>
+                        </a:schemeClr>
+                      </a:solidFill>
+                      <a:prstDash val="solid"/>
+                      <a:round/>
+                      <a:headEnd type="none" w="med" len="med"/>
+                      <a:tailEnd type="none" w="med" len="med"/>
+                    </a:lnB>
+                  </a:tcPr>
+                </a:tc>
+                <a:tc>
+                  <a:txBody>
+                    <a:bodyPr/>
+                    <a:lstStyle/>
+                    <a:p>
+                      <a:pPr algn="l" fontAlgn="b"/>
+                      <a:r>
+                        <a:rPr lang="en-US" sz="2400" b="1" u="none" strike="noStrike" dirty="0">
+                          <a:effectLst/>
+                        </a:rPr>
+                        <a:t>Topic 2</a:t>
+                      </a:r>
+                      <a:endParaRPr lang="en-US" sz="2400" b="1" i="0" u="none" strike="noStrike" dirty="0">
+                        <a:solidFill>
+                          <a:srgbClr val="000000"/>
+                        </a:solidFill>
+                        <a:effectLst/>
+                        <a:latin typeface="Calibri" panose="020F0502020204030204" pitchFamily="34" charset="0"/>
+                      </a:endParaRPr>
+                    </a:p>
+                  </a:txBody>
+                  <a:tcPr marL="9525" marR="9525" marT="9525" marB="0" anchor="b">
+                    <a:lnB w="12700" cap="flat" cmpd="sng" algn="ctr">
+                      <a:solidFill>
+                        <a:schemeClr val="accent1">
+                          <a:lumMod val="60000"/>
+                          <a:lumOff val="40000"/>
+                        </a:schemeClr>
+                      </a:solidFill>
+                      <a:prstDash val="solid"/>
+                      <a:round/>
+                      <a:headEnd type="none" w="med" len="med"/>
+                      <a:tailEnd type="none" w="med" len="med"/>
+                    </a:lnB>
+                  </a:tcPr>
+                </a:tc>
+                <a:tc>
+                  <a:txBody>
+                    <a:bodyPr/>
+                    <a:lstStyle/>
+                    <a:p>
+                      <a:pPr algn="l" fontAlgn="b"/>
+                      <a:r>
+                        <a:rPr lang="en-US" sz="2400" b="1" u="none" strike="noStrike" dirty="0">
+                          <a:effectLst/>
+                        </a:rPr>
+                        <a:t>Topic 3</a:t>
+                      </a:r>
+                      <a:endParaRPr lang="en-US" sz="2400" b="1" i="0" u="none" strike="noStrike" dirty="0">
+                        <a:solidFill>
+                          <a:srgbClr val="000000"/>
+                        </a:solidFill>
+                        <a:effectLst/>
+                        <a:latin typeface="Calibri" panose="020F0502020204030204" pitchFamily="34" charset="0"/>
+                      </a:endParaRPr>
+                    </a:p>
+                  </a:txBody>
+                  <a:tcPr marL="9525" marR="9525" marT="9525" marB="0" anchor="b">
+                    <a:lnB w="12700" cap="flat" cmpd="sng" algn="ctr">
+                      <a:solidFill>
+                        <a:schemeClr val="accent1">
+                          <a:lumMod val="60000"/>
+                          <a:lumOff val="40000"/>
+                        </a:schemeClr>
+                      </a:solidFill>
+                      <a:prstDash val="solid"/>
+                      <a:round/>
+                      <a:headEnd type="none" w="med" len="med"/>
+                      <a:tailEnd type="none" w="med" len="med"/>
+                    </a:lnB>
+                  </a:tcPr>
+                </a:tc>
+                <a:tc>
+                  <a:txBody>
+                    <a:bodyPr/>
+                    <a:lstStyle/>
+                    <a:p>
+                      <a:pPr algn="l" fontAlgn="b"/>
+                      <a:r>
+                        <a:rPr lang="en-US" sz="2400" b="1" u="none" strike="noStrike" dirty="0">
+                          <a:effectLst/>
+                        </a:rPr>
+                        <a:t>Topic 4</a:t>
+                      </a:r>
+                      <a:endParaRPr lang="en-US" sz="2400" b="1" i="0" u="none" strike="noStrike" dirty="0">
+                        <a:solidFill>
+                          <a:srgbClr val="000000"/>
+                        </a:solidFill>
+                        <a:effectLst/>
+                        <a:latin typeface="Calibri" panose="020F0502020204030204" pitchFamily="34" charset="0"/>
+                      </a:endParaRPr>
+                    </a:p>
+                  </a:txBody>
+                  <a:tcPr marL="9525" marR="9525" marT="9525" marB="0" anchor="b">
+                    <a:lnB w="12700" cap="flat" cmpd="sng" algn="ctr">
+                      <a:solidFill>
+                        <a:schemeClr val="accent1">
+                          <a:lumMod val="60000"/>
+                          <a:lumOff val="40000"/>
+                        </a:schemeClr>
+                      </a:solidFill>
+                      <a:prstDash val="solid"/>
+                      <a:round/>
+                      <a:headEnd type="none" w="med" len="med"/>
+                      <a:tailEnd type="none" w="med" len="med"/>
+                    </a:lnB>
+                  </a:tcPr>
+                </a:tc>
+                <a:tc>
+                  <a:txBody>
+                    <a:bodyPr/>
+                    <a:lstStyle/>
+                    <a:p>
+                      <a:pPr algn="l" fontAlgn="b"/>
+                      <a:r>
+                        <a:rPr lang="en-US" sz="2400" b="1" u="none" strike="noStrike" dirty="0">
+                          <a:effectLst/>
+                        </a:rPr>
+                        <a:t>Topic 5</a:t>
+                      </a:r>
+                      <a:endParaRPr lang="en-US" sz="2400" b="1" i="0" u="none" strike="noStrike" dirty="0">
+                        <a:solidFill>
+                          <a:srgbClr val="000000"/>
+                        </a:solidFill>
+                        <a:effectLst/>
+                        <a:latin typeface="Calibri" panose="020F0502020204030204" pitchFamily="34" charset="0"/>
+                      </a:endParaRPr>
+                    </a:p>
+                  </a:txBody>
+                  <a:tcPr marL="9525" marR="9525" marT="9525" marB="0" anchor="b">
+                    <a:lnB w="12700" cap="flat" cmpd="sng" algn="ctr">
+                      <a:solidFill>
+                        <a:schemeClr val="accent1">
+                          <a:lumMod val="60000"/>
+                          <a:lumOff val="40000"/>
+                        </a:schemeClr>
+                      </a:solidFill>
+                      <a:prstDash val="solid"/>
+                      <a:round/>
+                      <a:headEnd type="none" w="med" len="med"/>
+                      <a:tailEnd type="none" w="med" len="med"/>
+                    </a:lnB>
+                  </a:tcPr>
+                </a:tc>
+                <a:extLst>
+                  <a:ext uri="{0D108BD9-81ED-4DB2-BD59-A6C34878D82A}">
+                    <a16:rowId xmlns:a16="http://schemas.microsoft.com/office/drawing/2014/main" val="2827662962"/>
+                  </a:ext>
+                </a:extLst>
+              </a:tr>
+              <a:tr h="303634">
+                <a:tc>
+                  <a:txBody>
+                    <a:bodyPr/>
+                    <a:lstStyle/>
+                    <a:p>
+                      <a:pPr algn="l" fontAlgn="b"/>
+                      <a:r>
+                        <a:rPr lang="en-US" sz="2400" u="none" strike="noStrike" dirty="0">
+                          <a:effectLst/>
+                        </a:rPr>
+                        <a:t>business</a:t>
+                      </a:r>
+                      <a:endParaRPr lang="en-US" sz="2400" b="0" i="0" u="none" strike="noStrike" dirty="0">
+                        <a:solidFill>
+                          <a:srgbClr val="000000"/>
+                        </a:solidFill>
+                        <a:effectLst/>
+                        <a:latin typeface="Calibri" panose="020F0502020204030204" pitchFamily="34" charset="0"/>
+                      </a:endParaRPr>
+                    </a:p>
+                  </a:txBody>
+                  <a:tcPr marL="9525" marR="9525" marT="9525" marB="0" anchor="b">
+                    <a:lnT w="12700" cap="flat" cmpd="sng" algn="ctr">
+                      <a:solidFill>
+                        <a:schemeClr val="accent1">
+                          <a:lumMod val="60000"/>
+                          <a:lumOff val="40000"/>
+                        </a:schemeClr>
+                      </a:solidFill>
+                      <a:prstDash val="solid"/>
+                      <a:round/>
+                      <a:headEnd type="none" w="med" len="med"/>
+                      <a:tailEnd type="none" w="med" len="med"/>
+                    </a:lnT>
+                  </a:tcPr>
+                </a:tc>
+                <a:tc>
+                  <a:txBody>
+                    <a:bodyPr/>
+                    <a:lstStyle/>
+                    <a:p>
+                      <a:pPr algn="l" fontAlgn="b"/>
+                      <a:r>
+                        <a:rPr lang="en-US" sz="2400" u="none" strike="noStrike" dirty="0">
+                          <a:effectLst/>
+                        </a:rPr>
+                        <a:t>design</a:t>
+                      </a:r>
+                      <a:endParaRPr lang="en-US" sz="2400" b="0" i="0" u="none" strike="noStrike" dirty="0">
+                        <a:solidFill>
+                          <a:srgbClr val="000000"/>
+                        </a:solidFill>
+                        <a:effectLst/>
+                        <a:latin typeface="Calibri" panose="020F0502020204030204" pitchFamily="34" charset="0"/>
+                      </a:endParaRPr>
+                    </a:p>
+                  </a:txBody>
+                  <a:tcPr marL="9525" marR="9525" marT="9525" marB="0" anchor="b">
+                    <a:lnT w="12700" cap="flat" cmpd="sng" algn="ctr">
+                      <a:solidFill>
+                        <a:schemeClr val="accent1">
+                          <a:lumMod val="60000"/>
+                          <a:lumOff val="40000"/>
+                        </a:schemeClr>
+                      </a:solidFill>
+                      <a:prstDash val="solid"/>
+                      <a:round/>
+                      <a:headEnd type="none" w="med" len="med"/>
+                      <a:tailEnd type="none" w="med" len="med"/>
+                    </a:lnT>
+                  </a:tcPr>
+                </a:tc>
+                <a:tc>
+                  <a:txBody>
+                    <a:bodyPr/>
+                    <a:lstStyle/>
+                    <a:p>
+                      <a:pPr algn="l" fontAlgn="b"/>
+                      <a:r>
+                        <a:rPr lang="en-US" sz="2400" u="none" strike="noStrike" dirty="0">
+                          <a:effectLst/>
+                        </a:rPr>
+                        <a:t>technical</a:t>
+                      </a:r>
+                      <a:endParaRPr lang="en-US" sz="2400" b="0" i="0" u="none" strike="noStrike" dirty="0">
+                        <a:solidFill>
+                          <a:srgbClr val="000000"/>
+                        </a:solidFill>
+                        <a:effectLst/>
+                        <a:latin typeface="Calibri" panose="020F0502020204030204" pitchFamily="34" charset="0"/>
+                      </a:endParaRPr>
+                    </a:p>
+                  </a:txBody>
+                  <a:tcPr marL="9525" marR="9525" marT="9525" marB="0" anchor="b">
+                    <a:lnT w="12700" cap="flat" cmpd="sng" algn="ctr">
+                      <a:solidFill>
+                        <a:schemeClr val="accent1">
+                          <a:lumMod val="60000"/>
+                          <a:lumOff val="40000"/>
+                        </a:schemeClr>
+                      </a:solidFill>
+                      <a:prstDash val="solid"/>
+                      <a:round/>
+                      <a:headEnd type="none" w="med" len="med"/>
+                      <a:tailEnd type="none" w="med" len="med"/>
+                    </a:lnT>
+                  </a:tcPr>
+                </a:tc>
+                <a:tc>
+                  <a:txBody>
+                    <a:bodyPr/>
+                    <a:lstStyle/>
+                    <a:p>
+                      <a:pPr algn="l" fontAlgn="b"/>
+                      <a:r>
+                        <a:rPr lang="en-US" sz="2400" u="none" strike="noStrike" dirty="0">
+                          <a:effectLst/>
+                        </a:rPr>
+                        <a:t>team</a:t>
+                      </a:r>
+                      <a:endParaRPr lang="en-US" sz="2400" b="0" i="0" u="none" strike="noStrike" dirty="0">
+                        <a:solidFill>
+                          <a:srgbClr val="000000"/>
+                        </a:solidFill>
+                        <a:effectLst/>
+                        <a:latin typeface="Calibri" panose="020F0502020204030204" pitchFamily="34" charset="0"/>
+                      </a:endParaRPr>
+                    </a:p>
+                  </a:txBody>
+                  <a:tcPr marL="9525" marR="9525" marT="9525" marB="0" anchor="b">
+                    <a:lnT w="12700" cap="flat" cmpd="sng" algn="ctr">
+                      <a:solidFill>
+                        <a:schemeClr val="accent1">
+                          <a:lumMod val="60000"/>
+                          <a:lumOff val="40000"/>
+                        </a:schemeClr>
+                      </a:solidFill>
+                      <a:prstDash val="solid"/>
+                      <a:round/>
+                      <a:headEnd type="none" w="med" len="med"/>
+                      <a:tailEnd type="none" w="med" len="med"/>
+                    </a:lnT>
+                  </a:tcPr>
+                </a:tc>
+                <a:tc>
+                  <a:txBody>
+                    <a:bodyPr/>
+                    <a:lstStyle/>
+                    <a:p>
+                      <a:pPr algn="l" fontAlgn="b"/>
+                      <a:r>
+                        <a:rPr lang="en-US" sz="2400" u="none" strike="noStrike" dirty="0">
+                          <a:effectLst/>
+                        </a:rPr>
+                        <a:t>business</a:t>
+                      </a:r>
+                      <a:endParaRPr lang="en-US" sz="2400" b="0" i="0" u="none" strike="noStrike" dirty="0">
+                        <a:solidFill>
+                          <a:srgbClr val="000000"/>
+                        </a:solidFill>
+                        <a:effectLst/>
+                        <a:latin typeface="Calibri" panose="020F0502020204030204" pitchFamily="34" charset="0"/>
+                      </a:endParaRPr>
+                    </a:p>
+                  </a:txBody>
+                  <a:tcPr marL="9525" marR="9525" marT="9525" marB="0" anchor="b">
+                    <a:lnT w="12700" cap="flat" cmpd="sng" algn="ctr">
+                      <a:solidFill>
+                        <a:schemeClr val="accent1">
+                          <a:lumMod val="60000"/>
+                          <a:lumOff val="40000"/>
+                        </a:schemeClr>
+                      </a:solidFill>
+                      <a:prstDash val="solid"/>
+                      <a:round/>
+                      <a:headEnd type="none" w="med" len="med"/>
+                      <a:tailEnd type="none" w="med" len="med"/>
+                    </a:lnT>
+                  </a:tcPr>
+                </a:tc>
+                <a:extLst>
+                  <a:ext uri="{0D108BD9-81ED-4DB2-BD59-A6C34878D82A}">
+                    <a16:rowId xmlns:a16="http://schemas.microsoft.com/office/drawing/2014/main" val="2894263183"/>
+                  </a:ext>
+                </a:extLst>
+              </a:tr>
+              <a:tr h="303634">
+                <a:tc>
+                  <a:txBody>
+                    <a:bodyPr/>
+                    <a:lstStyle/>
+                    <a:p>
+                      <a:pPr algn="l" fontAlgn="b"/>
+                      <a:r>
+                        <a:rPr lang="en-US" sz="2400" u="none" strike="noStrike" dirty="0">
+                          <a:effectLst/>
+                        </a:rPr>
+                        <a:t>management</a:t>
+                      </a:r>
+                      <a:endParaRPr lang="en-US" sz="2400" b="0" i="0" u="none" strike="noStrike" dirty="0">
+                        <a:solidFill>
+                          <a:srgbClr val="000000"/>
+                        </a:solidFill>
+                        <a:effectLst/>
+                        <a:latin typeface="Calibri" panose="020F0502020204030204" pitchFamily="34" charset="0"/>
+                      </a:endParaRPr>
+                    </a:p>
+                  </a:txBody>
+                  <a:tcPr marL="9525" marR="9525" marT="9525" marB="0" anchor="b"/>
+                </a:tc>
+                <a:tc>
+                  <a:txBody>
+                    <a:bodyPr/>
+                    <a:lstStyle/>
+                    <a:p>
+                      <a:pPr algn="l" fontAlgn="b"/>
+                      <a:r>
+                        <a:rPr lang="en-US" sz="2400" u="none" strike="noStrike">
+                          <a:effectLst/>
+                        </a:rPr>
+                        <a:t>test</a:t>
+                      </a:r>
+                      <a:endParaRPr lang="en-US" sz="2400" b="0" i="0" u="none" strike="noStrike">
+                        <a:solidFill>
+                          <a:srgbClr val="000000"/>
+                        </a:solidFill>
+                        <a:effectLst/>
+                        <a:latin typeface="Calibri" panose="020F0502020204030204" pitchFamily="34" charset="0"/>
+                      </a:endParaRPr>
+                    </a:p>
+                  </a:txBody>
+                  <a:tcPr marL="9525" marR="9525" marT="9525" marB="0" anchor="b"/>
+                </a:tc>
+                <a:tc>
+                  <a:txBody>
+                    <a:bodyPr/>
+                    <a:lstStyle/>
+                    <a:p>
+                      <a:pPr algn="l" fontAlgn="b"/>
+                      <a:r>
+                        <a:rPr lang="en-US" sz="2400" u="none" strike="noStrike" dirty="0">
+                          <a:effectLst/>
+                        </a:rPr>
+                        <a:t>customers</a:t>
+                      </a:r>
+                      <a:endParaRPr lang="en-US" sz="2400" b="0" i="0" u="none" strike="noStrike" dirty="0">
+                        <a:solidFill>
+                          <a:srgbClr val="000000"/>
+                        </a:solidFill>
+                        <a:effectLst/>
+                        <a:latin typeface="Calibri" panose="020F0502020204030204" pitchFamily="34" charset="0"/>
+                      </a:endParaRPr>
+                    </a:p>
+                  </a:txBody>
+                  <a:tcPr marL="9525" marR="9525" marT="9525" marB="0" anchor="b"/>
+                </a:tc>
+                <a:tc>
+                  <a:txBody>
+                    <a:bodyPr/>
+                    <a:lstStyle/>
+                    <a:p>
+                      <a:pPr algn="l" fontAlgn="b"/>
+                      <a:r>
+                        <a:rPr lang="en-US" sz="2400" u="none" strike="noStrike" dirty="0">
+                          <a:effectLst/>
+                        </a:rPr>
+                        <a:t>software</a:t>
+                      </a:r>
+                      <a:endParaRPr lang="en-US" sz="2400" b="0" i="0" u="none" strike="noStrike" dirty="0">
+                        <a:solidFill>
+                          <a:srgbClr val="000000"/>
+                        </a:solidFill>
+                        <a:effectLst/>
+                        <a:latin typeface="Calibri" panose="020F0502020204030204" pitchFamily="34" charset="0"/>
+                      </a:endParaRPr>
+                    </a:p>
+                  </a:txBody>
+                  <a:tcPr marL="9525" marR="9525" marT="9525" marB="0" anchor="b"/>
+                </a:tc>
+                <a:tc>
+                  <a:txBody>
+                    <a:bodyPr/>
+                    <a:lstStyle/>
+                    <a:p>
+                      <a:pPr algn="l" fontAlgn="b"/>
+                      <a:r>
+                        <a:rPr lang="en-US" sz="2400" u="none" strike="noStrike" dirty="0">
+                          <a:effectLst/>
+                        </a:rPr>
+                        <a:t>security</a:t>
+                      </a:r>
+                      <a:endParaRPr lang="en-US" sz="2400" b="0" i="0" u="none" strike="noStrike" dirty="0">
+                        <a:solidFill>
+                          <a:srgbClr val="000000"/>
+                        </a:solidFill>
+                        <a:effectLst/>
+                        <a:latin typeface="Calibri" panose="020F0502020204030204" pitchFamily="34" charset="0"/>
+                      </a:endParaRPr>
+                    </a:p>
+                  </a:txBody>
+                  <a:tcPr marL="9525" marR="9525" marT="9525" marB="0" anchor="b"/>
+                </a:tc>
+                <a:extLst>
+                  <a:ext uri="{0D108BD9-81ED-4DB2-BD59-A6C34878D82A}">
+                    <a16:rowId xmlns:a16="http://schemas.microsoft.com/office/drawing/2014/main" val="2276288165"/>
+                  </a:ext>
+                </a:extLst>
+              </a:tr>
+              <a:tr h="303634">
+                <a:tc>
+                  <a:txBody>
+                    <a:bodyPr/>
+                    <a:lstStyle/>
+                    <a:p>
+                      <a:pPr algn="l" fontAlgn="b"/>
+                      <a:r>
+                        <a:rPr lang="en-US" sz="2400" u="none" strike="noStrike" dirty="0">
+                          <a:effectLst/>
+                        </a:rPr>
+                        <a:t>project</a:t>
+                      </a:r>
+                      <a:endParaRPr lang="en-US" sz="2400" b="0" i="0" u="none" strike="noStrike" dirty="0">
+                        <a:solidFill>
+                          <a:srgbClr val="000000"/>
+                        </a:solidFill>
+                        <a:effectLst/>
+                        <a:latin typeface="Calibri" panose="020F0502020204030204" pitchFamily="34" charset="0"/>
+                      </a:endParaRPr>
+                    </a:p>
+                  </a:txBody>
+                  <a:tcPr marL="9525" marR="9525" marT="9525" marB="0" anchor="b"/>
+                </a:tc>
+                <a:tc>
+                  <a:txBody>
+                    <a:bodyPr/>
+                    <a:lstStyle/>
+                    <a:p>
+                      <a:pPr algn="l" fontAlgn="b"/>
+                      <a:r>
+                        <a:rPr lang="en-US" sz="2400" u="none" strike="noStrike" dirty="0">
+                          <a:effectLst/>
+                        </a:rPr>
+                        <a:t>engineering</a:t>
+                      </a:r>
+                      <a:endParaRPr lang="en-US" sz="2400" b="0" i="0" u="none" strike="noStrike" dirty="0">
+                        <a:solidFill>
+                          <a:srgbClr val="000000"/>
+                        </a:solidFill>
+                        <a:effectLst/>
+                        <a:latin typeface="Calibri" panose="020F0502020204030204" pitchFamily="34" charset="0"/>
+                      </a:endParaRPr>
+                    </a:p>
+                  </a:txBody>
+                  <a:tcPr marL="9525" marR="9525" marT="9525" marB="0" anchor="b"/>
+                </a:tc>
+                <a:tc>
+                  <a:txBody>
+                    <a:bodyPr/>
+                    <a:lstStyle/>
+                    <a:p>
+                      <a:pPr algn="l" fontAlgn="b"/>
+                      <a:r>
+                        <a:rPr lang="en-US" sz="2400" u="none" strike="noStrike" dirty="0">
+                          <a:effectLst/>
+                        </a:rPr>
+                        <a:t>home</a:t>
+                      </a:r>
+                      <a:endParaRPr lang="en-US" sz="2400" b="0" i="0" u="none" strike="noStrike" dirty="0">
+                        <a:solidFill>
+                          <a:srgbClr val="000000"/>
+                        </a:solidFill>
+                        <a:effectLst/>
+                        <a:latin typeface="Calibri" panose="020F0502020204030204" pitchFamily="34" charset="0"/>
+                      </a:endParaRPr>
+                    </a:p>
+                  </a:txBody>
+                  <a:tcPr marL="9525" marR="9525" marT="9525" marB="0" anchor="b"/>
+                </a:tc>
+                <a:tc>
+                  <a:txBody>
+                    <a:bodyPr/>
+                    <a:lstStyle/>
+                    <a:p>
+                      <a:pPr algn="l" fontAlgn="b"/>
+                      <a:r>
+                        <a:rPr lang="en-US" sz="2400" u="none" strike="noStrike" dirty="0">
+                          <a:effectLst/>
+                        </a:rPr>
+                        <a:t>systems</a:t>
+                      </a:r>
+                      <a:endParaRPr lang="en-US" sz="2400" b="0" i="0" u="none" strike="noStrike" dirty="0">
+                        <a:solidFill>
+                          <a:srgbClr val="000000"/>
+                        </a:solidFill>
+                        <a:effectLst/>
+                        <a:latin typeface="Calibri" panose="020F0502020204030204" pitchFamily="34" charset="0"/>
+                      </a:endParaRPr>
+                    </a:p>
+                  </a:txBody>
+                  <a:tcPr marL="9525" marR="9525" marT="9525" marB="0" anchor="b"/>
+                </a:tc>
+                <a:tc>
+                  <a:txBody>
+                    <a:bodyPr/>
+                    <a:lstStyle/>
+                    <a:p>
+                      <a:pPr algn="l" fontAlgn="b"/>
+                      <a:r>
+                        <a:rPr lang="en-US" sz="2400" u="none" strike="noStrike" dirty="0">
+                          <a:effectLst/>
+                        </a:rPr>
+                        <a:t>information</a:t>
+                      </a:r>
+                      <a:endParaRPr lang="en-US" sz="2400" b="0" i="0" u="none" strike="noStrike" dirty="0">
+                        <a:solidFill>
+                          <a:srgbClr val="000000"/>
+                        </a:solidFill>
+                        <a:effectLst/>
+                        <a:latin typeface="Calibri" panose="020F0502020204030204" pitchFamily="34" charset="0"/>
+                      </a:endParaRPr>
+                    </a:p>
+                  </a:txBody>
+                  <a:tcPr marL="9525" marR="9525" marT="9525" marB="0" anchor="b"/>
+                </a:tc>
+                <a:extLst>
+                  <a:ext uri="{0D108BD9-81ED-4DB2-BD59-A6C34878D82A}">
+                    <a16:rowId xmlns:a16="http://schemas.microsoft.com/office/drawing/2014/main" val="1913292412"/>
+                  </a:ext>
+                </a:extLst>
+              </a:tr>
+              <a:tr h="303634">
+                <a:tc>
+                  <a:txBody>
+                    <a:bodyPr/>
+                    <a:lstStyle/>
+                    <a:p>
+                      <a:pPr algn="l" fontAlgn="b"/>
+                      <a:r>
+                        <a:rPr lang="en-US" sz="2400" u="none" strike="noStrike" dirty="0">
+                          <a:effectLst/>
+                        </a:rPr>
+                        <a:t>support</a:t>
+                      </a:r>
+                      <a:endParaRPr lang="en-US" sz="2400" b="0" i="0" u="none" strike="noStrike" dirty="0">
+                        <a:solidFill>
+                          <a:srgbClr val="000000"/>
+                        </a:solidFill>
+                        <a:effectLst/>
+                        <a:latin typeface="Calibri" panose="020F0502020204030204" pitchFamily="34" charset="0"/>
+                      </a:endParaRPr>
+                    </a:p>
+                  </a:txBody>
+                  <a:tcPr marL="9525" marR="9525" marT="9525" marB="0" anchor="b"/>
+                </a:tc>
+                <a:tc>
+                  <a:txBody>
+                    <a:bodyPr/>
+                    <a:lstStyle/>
+                    <a:p>
+                      <a:pPr algn="l" fontAlgn="b"/>
+                      <a:r>
+                        <a:rPr lang="en-US" sz="2400" u="none" strike="noStrike" dirty="0">
+                          <a:effectLst/>
+                        </a:rPr>
+                        <a:t>development</a:t>
+                      </a:r>
+                      <a:endParaRPr lang="en-US" sz="2400" b="0" i="0" u="none" strike="noStrike" dirty="0">
+                        <a:solidFill>
+                          <a:srgbClr val="000000"/>
+                        </a:solidFill>
+                        <a:effectLst/>
+                        <a:latin typeface="Calibri" panose="020F0502020204030204" pitchFamily="34" charset="0"/>
+                      </a:endParaRPr>
+                    </a:p>
+                  </a:txBody>
+                  <a:tcPr marL="9525" marR="9525" marT="9525" marB="0" anchor="b"/>
+                </a:tc>
+                <a:tc>
+                  <a:txBody>
+                    <a:bodyPr/>
+                    <a:lstStyle/>
+                    <a:p>
+                      <a:pPr marL="0" marR="0" lvl="0" indent="0" algn="l" defTabSz="914400" rtl="0" eaLnBrk="1" fontAlgn="auto" latinLnBrk="0" hangingPunct="1">
+                        <a:lnSpc>
+                          <a:spcPct val="100000"/>
+                        </a:lnSpc>
+                        <a:spcBef>
+                          <a:spcPts val="0"/>
+                        </a:spcBef>
+                        <a:spcAft>
+                          <a:spcPts val="0"/>
+                        </a:spcAft>
+                        <a:buClrTx/>
+                        <a:buSzTx/>
+                        <a:buFontTx/>
+                        <a:buNone/>
+                        <a:tabLst/>
+                        <a:defRPr/>
+                      </a:pPr>
+                      <a:r>
+                        <a:rPr lang="en-US" sz="2400" u="none" strike="noStrike" dirty="0">
+                          <a:effectLst/>
+                        </a:rPr>
+                        <a:t>hours</a:t>
+                      </a:r>
+                      <a:endParaRPr lang="en-US" sz="2400" b="0" i="0" u="none" strike="noStrike" dirty="0">
+                        <a:solidFill>
+                          <a:srgbClr val="000000"/>
+                        </a:solidFill>
+                        <a:effectLst/>
+                        <a:latin typeface="Calibri" panose="020F0502020204030204" pitchFamily="34" charset="0"/>
+                      </a:endParaRPr>
+                    </a:p>
+                  </a:txBody>
+                  <a:tcPr marL="9525" marR="9525" marT="9525" marB="0" anchor="b"/>
+                </a:tc>
+                <a:tc>
+                  <a:txBody>
+                    <a:bodyPr/>
+                    <a:lstStyle/>
+                    <a:p>
+                      <a:pPr algn="l" fontAlgn="b"/>
+                      <a:r>
+                        <a:rPr lang="en-US" sz="2400" u="none" strike="noStrike" dirty="0">
+                          <a:effectLst/>
+                        </a:rPr>
+                        <a:t>computer</a:t>
+                      </a:r>
+                      <a:endParaRPr lang="en-US" sz="2400" b="0" i="0" u="none" strike="noStrike" dirty="0">
+                        <a:solidFill>
+                          <a:srgbClr val="000000"/>
+                        </a:solidFill>
+                        <a:effectLst/>
+                        <a:latin typeface="Calibri" panose="020F0502020204030204" pitchFamily="34" charset="0"/>
+                      </a:endParaRPr>
+                    </a:p>
+                  </a:txBody>
+                  <a:tcPr marL="9525" marR="9525" marT="9525" marB="0" anchor="b"/>
+                </a:tc>
+                <a:tc>
+                  <a:txBody>
+                    <a:bodyPr/>
+                    <a:lstStyle/>
+                    <a:p>
+                      <a:pPr algn="l" fontAlgn="b"/>
+                      <a:r>
+                        <a:rPr lang="en-US" sz="2400" u="none" strike="noStrike" dirty="0">
+                          <a:effectLst/>
+                        </a:rPr>
+                        <a:t>analytics</a:t>
+                      </a:r>
+                      <a:endParaRPr lang="en-US" sz="2400" b="0" i="0" u="none" strike="noStrike" dirty="0">
+                        <a:solidFill>
+                          <a:srgbClr val="000000"/>
+                        </a:solidFill>
+                        <a:effectLst/>
+                        <a:latin typeface="Calibri" panose="020F0502020204030204" pitchFamily="34" charset="0"/>
+                      </a:endParaRPr>
+                    </a:p>
+                  </a:txBody>
+                  <a:tcPr marL="9525" marR="9525" marT="9525" marB="0" anchor="b"/>
+                </a:tc>
+                <a:extLst>
+                  <a:ext uri="{0D108BD9-81ED-4DB2-BD59-A6C34878D82A}">
+                    <a16:rowId xmlns:a16="http://schemas.microsoft.com/office/drawing/2014/main" val="330431423"/>
+                  </a:ext>
+                </a:extLst>
+              </a:tr>
+              <a:tr h="303634">
+                <a:tc>
+                  <a:txBody>
+                    <a:bodyPr/>
+                    <a:lstStyle/>
+                    <a:p>
+                      <a:pPr algn="l" fontAlgn="b"/>
+                      <a:r>
+                        <a:rPr lang="en-US" sz="2400" u="none" strike="noStrike" dirty="0">
+                          <a:effectLst/>
+                        </a:rPr>
+                        <a:t>team</a:t>
+                      </a:r>
+                      <a:endParaRPr lang="en-US" sz="2400" b="0" i="0" u="none" strike="noStrike" dirty="0">
+                        <a:solidFill>
+                          <a:srgbClr val="000000"/>
+                        </a:solidFill>
+                        <a:effectLst/>
+                        <a:latin typeface="Calibri" panose="020F0502020204030204" pitchFamily="34" charset="0"/>
+                      </a:endParaRPr>
+                    </a:p>
+                  </a:txBody>
+                  <a:tcPr marL="9525" marR="9525" marT="9525" marB="0" anchor="b"/>
+                </a:tc>
+                <a:tc>
+                  <a:txBody>
+                    <a:bodyPr/>
+                    <a:lstStyle/>
+                    <a:p>
+                      <a:pPr algn="l" fontAlgn="b"/>
+                      <a:r>
+                        <a:rPr lang="en-US" sz="2400" u="none" strike="noStrike" dirty="0">
+                          <a:effectLst/>
+                        </a:rPr>
+                        <a:t>team</a:t>
+                      </a:r>
+                      <a:endParaRPr lang="en-US" sz="2400" b="0" i="0" u="none" strike="noStrike" dirty="0">
+                        <a:solidFill>
+                          <a:srgbClr val="000000"/>
+                        </a:solidFill>
+                        <a:effectLst/>
+                        <a:latin typeface="Calibri" panose="020F0502020204030204" pitchFamily="34" charset="0"/>
+                      </a:endParaRPr>
+                    </a:p>
+                  </a:txBody>
+                  <a:tcPr marL="9525" marR="9525" marT="9525" marB="0" anchor="b"/>
+                </a:tc>
+                <a:tc>
+                  <a:txBody>
+                    <a:bodyPr/>
+                    <a:lstStyle/>
+                    <a:p>
+                      <a:pPr algn="l" fontAlgn="b"/>
+                      <a:r>
+                        <a:rPr lang="en-US" sz="2400" u="none" strike="noStrike" dirty="0">
+                          <a:effectLst/>
+                        </a:rPr>
+                        <a:t>ability</a:t>
+                      </a:r>
+                      <a:endParaRPr lang="en-US" sz="2400" b="0" i="0" u="none" strike="noStrike" dirty="0">
+                        <a:solidFill>
+                          <a:srgbClr val="000000"/>
+                        </a:solidFill>
+                        <a:effectLst/>
+                        <a:latin typeface="Calibri" panose="020F0502020204030204" pitchFamily="34" charset="0"/>
+                      </a:endParaRPr>
+                    </a:p>
+                  </a:txBody>
+                  <a:tcPr marL="9525" marR="9525" marT="9525" marB="0" anchor="b"/>
+                </a:tc>
+                <a:tc>
+                  <a:txBody>
+                    <a:bodyPr/>
+                    <a:lstStyle/>
+                    <a:p>
+                      <a:pPr algn="l" fontAlgn="b"/>
+                      <a:r>
+                        <a:rPr lang="en-US" sz="2400" u="none" strike="noStrike" dirty="0">
+                          <a:effectLst/>
+                        </a:rPr>
+                        <a:t>science</a:t>
+                      </a:r>
+                      <a:endParaRPr lang="en-US" sz="2400" b="0" i="0" u="none" strike="noStrike" dirty="0">
+                        <a:solidFill>
+                          <a:srgbClr val="000000"/>
+                        </a:solidFill>
+                        <a:effectLst/>
+                        <a:latin typeface="Calibri" panose="020F0502020204030204" pitchFamily="34" charset="0"/>
+                      </a:endParaRPr>
+                    </a:p>
+                  </a:txBody>
+                  <a:tcPr marL="9525" marR="9525" marT="9525" marB="0" anchor="b"/>
+                </a:tc>
+                <a:tc>
+                  <a:txBody>
+                    <a:bodyPr/>
+                    <a:lstStyle/>
+                    <a:p>
+                      <a:pPr algn="l" fontAlgn="b"/>
+                      <a:r>
+                        <a:rPr lang="en-US" sz="2400" u="none" strike="noStrike" dirty="0">
+                          <a:effectLst/>
+                        </a:rPr>
+                        <a:t>team</a:t>
+                      </a:r>
+                      <a:endParaRPr lang="en-US" sz="2400" b="0" i="0" u="none" strike="noStrike" dirty="0">
+                        <a:solidFill>
+                          <a:srgbClr val="000000"/>
+                        </a:solidFill>
+                        <a:effectLst/>
+                        <a:latin typeface="Calibri" panose="020F0502020204030204" pitchFamily="34" charset="0"/>
+                      </a:endParaRPr>
+                    </a:p>
+                  </a:txBody>
+                  <a:tcPr marL="9525" marR="9525" marT="9525" marB="0" anchor="b"/>
+                </a:tc>
+                <a:extLst>
+                  <a:ext uri="{0D108BD9-81ED-4DB2-BD59-A6C34878D82A}">
+                    <a16:rowId xmlns:a16="http://schemas.microsoft.com/office/drawing/2014/main" val="2121785788"/>
+                  </a:ext>
+                </a:extLst>
+              </a:tr>
+              <a:tr h="303634">
+                <a:tc>
+                  <a:txBody>
+                    <a:bodyPr/>
+                    <a:lstStyle/>
+                    <a:p>
+                      <a:pPr algn="l" fontAlgn="b"/>
+                      <a:r>
+                        <a:rPr lang="en-US" sz="2400" u="none" strike="noStrike" dirty="0">
+                          <a:effectLst/>
+                        </a:rPr>
+                        <a:t>process</a:t>
+                      </a:r>
+                      <a:endParaRPr lang="en-US" sz="2400" b="0" i="0" u="none" strike="noStrike" dirty="0">
+                        <a:solidFill>
+                          <a:srgbClr val="000000"/>
+                        </a:solidFill>
+                        <a:effectLst/>
+                        <a:latin typeface="Calibri" panose="020F0502020204030204" pitchFamily="34" charset="0"/>
+                      </a:endParaRPr>
+                    </a:p>
+                  </a:txBody>
+                  <a:tcPr marL="9525" marR="9525" marT="9525" marB="0" anchor="b"/>
+                </a:tc>
+                <a:tc>
+                  <a:txBody>
+                    <a:bodyPr/>
+                    <a:lstStyle/>
+                    <a:p>
+                      <a:pPr algn="l" fontAlgn="b"/>
+                      <a:r>
+                        <a:rPr lang="en-US" sz="2400" u="none" strike="noStrike" dirty="0">
+                          <a:effectLst/>
+                        </a:rPr>
+                        <a:t>product</a:t>
+                      </a:r>
+                      <a:endParaRPr lang="en-US" sz="2400" b="0" i="0" u="none" strike="noStrike" dirty="0">
+                        <a:solidFill>
+                          <a:srgbClr val="000000"/>
+                        </a:solidFill>
+                        <a:effectLst/>
+                        <a:latin typeface="Calibri" panose="020F0502020204030204" pitchFamily="34" charset="0"/>
+                      </a:endParaRPr>
+                    </a:p>
+                  </a:txBody>
+                  <a:tcPr marL="9525" marR="9525" marT="9525" marB="0" anchor="b"/>
+                </a:tc>
+                <a:tc>
+                  <a:txBody>
+                    <a:bodyPr/>
+                    <a:lstStyle/>
+                    <a:p>
+                      <a:pPr algn="l" fontAlgn="b"/>
+                      <a:r>
+                        <a:rPr lang="en-US" sz="2400" u="none" strike="noStrike" dirty="0">
+                          <a:effectLst/>
+                        </a:rPr>
+                        <a:t>well</a:t>
+                      </a:r>
+                      <a:endParaRPr lang="en-US" sz="2400" b="0" i="0" u="none" strike="noStrike" dirty="0">
+                        <a:solidFill>
+                          <a:srgbClr val="000000"/>
+                        </a:solidFill>
+                        <a:effectLst/>
+                        <a:latin typeface="Calibri" panose="020F0502020204030204" pitchFamily="34" charset="0"/>
+                      </a:endParaRPr>
+                    </a:p>
+                  </a:txBody>
+                  <a:tcPr marL="9525" marR="9525" marT="9525" marB="0" anchor="b"/>
+                </a:tc>
+                <a:tc>
+                  <a:txBody>
+                    <a:bodyPr/>
+                    <a:lstStyle/>
+                    <a:p>
+                      <a:pPr algn="l" fontAlgn="b"/>
+                      <a:r>
+                        <a:rPr lang="en-US" sz="2400" u="none" strike="noStrike" dirty="0">
+                          <a:effectLst/>
+                        </a:rPr>
+                        <a:t>engineering</a:t>
+                      </a:r>
+                      <a:endParaRPr lang="en-US" sz="2400" b="0" i="0" u="none" strike="noStrike" dirty="0">
+                        <a:solidFill>
+                          <a:srgbClr val="000000"/>
+                        </a:solidFill>
+                        <a:effectLst/>
+                        <a:latin typeface="Calibri" panose="020F0502020204030204" pitchFamily="34" charset="0"/>
+                      </a:endParaRPr>
+                    </a:p>
+                  </a:txBody>
+                  <a:tcPr marL="9525" marR="9525" marT="9525" marB="0" anchor="b"/>
+                </a:tc>
+                <a:tc>
+                  <a:txBody>
+                    <a:bodyPr/>
+                    <a:lstStyle/>
+                    <a:p>
+                      <a:pPr algn="l" fontAlgn="b"/>
+                      <a:r>
+                        <a:rPr lang="en-US" sz="2400" u="none" strike="noStrike" dirty="0">
+                          <a:effectLst/>
+                        </a:rPr>
+                        <a:t>solutions</a:t>
+                      </a:r>
+                      <a:endParaRPr lang="en-US" sz="2400" b="0" i="0" u="none" strike="noStrike" dirty="0">
+                        <a:solidFill>
+                          <a:srgbClr val="000000"/>
+                        </a:solidFill>
+                        <a:effectLst/>
+                        <a:latin typeface="Calibri" panose="020F0502020204030204" pitchFamily="34" charset="0"/>
+                      </a:endParaRPr>
+                    </a:p>
+                  </a:txBody>
+                  <a:tcPr marL="9525" marR="9525" marT="9525" marB="0" anchor="b"/>
+                </a:tc>
+                <a:extLst>
+                  <a:ext uri="{0D108BD9-81ED-4DB2-BD59-A6C34878D82A}">
+                    <a16:rowId xmlns:a16="http://schemas.microsoft.com/office/drawing/2014/main" val="946385162"/>
+                  </a:ext>
+                </a:extLst>
+              </a:tr>
+              <a:tr h="303634">
+                <a:tc>
+                  <a:txBody>
+                    <a:bodyPr/>
+                    <a:lstStyle/>
+                    <a:p>
+                      <a:pPr algn="l" fontAlgn="b"/>
+                      <a:r>
+                        <a:rPr lang="en-US" sz="2400" u="none" strike="noStrike" dirty="0">
+                          <a:effectLst/>
+                        </a:rPr>
+                        <a:t>operations</a:t>
+                      </a:r>
+                      <a:endParaRPr lang="en-US" sz="2400" b="0" i="0" u="none" strike="noStrike" dirty="0">
+                        <a:solidFill>
+                          <a:srgbClr val="000000"/>
+                        </a:solidFill>
+                        <a:effectLst/>
+                        <a:latin typeface="Calibri" panose="020F0502020204030204" pitchFamily="34" charset="0"/>
+                      </a:endParaRPr>
+                    </a:p>
+                  </a:txBody>
+                  <a:tcPr marL="9525" marR="9525" marT="9525" marB="0" anchor="b"/>
+                </a:tc>
+                <a:tc>
+                  <a:txBody>
+                    <a:bodyPr/>
+                    <a:lstStyle/>
+                    <a:p>
+                      <a:pPr algn="l" fontAlgn="b"/>
+                      <a:r>
+                        <a:rPr lang="en-US" sz="2400" u="none" strike="noStrike" dirty="0">
+                          <a:effectLst/>
+                        </a:rPr>
+                        <a:t>system</a:t>
+                      </a:r>
+                      <a:endParaRPr lang="en-US" sz="2400" b="0" i="0" u="none" strike="noStrike" dirty="0">
+                        <a:solidFill>
+                          <a:srgbClr val="000000"/>
+                        </a:solidFill>
+                        <a:effectLst/>
+                        <a:latin typeface="Calibri" panose="020F0502020204030204" pitchFamily="34" charset="0"/>
+                      </a:endParaRPr>
+                    </a:p>
+                  </a:txBody>
+                  <a:tcPr marL="9525" marR="9525" marT="9525" marB="0" anchor="b"/>
+                </a:tc>
+                <a:tc>
+                  <a:txBody>
+                    <a:bodyPr/>
+                    <a:lstStyle/>
+                    <a:p>
+                      <a:pPr algn="l" fontAlgn="b"/>
+                      <a:r>
+                        <a:rPr lang="en-US" sz="2400" u="none" strike="noStrike" dirty="0">
+                          <a:effectLst/>
+                        </a:rPr>
+                        <a:t>training</a:t>
+                      </a:r>
+                      <a:endParaRPr lang="en-US" sz="2400" b="0" i="0" u="none" strike="noStrike" dirty="0">
+                        <a:solidFill>
+                          <a:srgbClr val="000000"/>
+                        </a:solidFill>
+                        <a:effectLst/>
+                        <a:latin typeface="Calibri" panose="020F0502020204030204" pitchFamily="34" charset="0"/>
+                      </a:endParaRPr>
+                    </a:p>
+                  </a:txBody>
+                  <a:tcPr marL="9525" marR="9525" marT="9525" marB="0" anchor="b"/>
+                </a:tc>
+                <a:tc>
+                  <a:txBody>
+                    <a:bodyPr/>
+                    <a:lstStyle/>
+                    <a:p>
+                      <a:pPr algn="l" fontAlgn="b"/>
+                      <a:r>
+                        <a:rPr lang="en-US" sz="2400" u="none" strike="noStrike" dirty="0">
+                          <a:effectLst/>
+                        </a:rPr>
+                        <a:t>services</a:t>
+                      </a:r>
+                      <a:endParaRPr lang="en-US" sz="2400" b="0" i="0" u="none" strike="noStrike" dirty="0">
+                        <a:solidFill>
+                          <a:srgbClr val="000000"/>
+                        </a:solidFill>
+                        <a:effectLst/>
+                        <a:latin typeface="Calibri" panose="020F0502020204030204" pitchFamily="34" charset="0"/>
+                      </a:endParaRPr>
+                    </a:p>
+                  </a:txBody>
+                  <a:tcPr marL="9525" marR="9525" marT="9525" marB="0" anchor="b"/>
+                </a:tc>
+                <a:tc>
+                  <a:txBody>
+                    <a:bodyPr/>
+                    <a:lstStyle/>
+                    <a:p>
+                      <a:pPr algn="l" fontAlgn="b"/>
+                      <a:r>
+                        <a:rPr lang="en-US" sz="2400" u="none" strike="noStrike" dirty="0">
+                          <a:effectLst/>
+                        </a:rPr>
+                        <a:t>services</a:t>
+                      </a:r>
+                      <a:endParaRPr lang="en-US" sz="2400" b="0" i="0" u="none" strike="noStrike" dirty="0">
+                        <a:solidFill>
+                          <a:srgbClr val="000000"/>
+                        </a:solidFill>
+                        <a:effectLst/>
+                        <a:latin typeface="Calibri" panose="020F0502020204030204" pitchFamily="34" charset="0"/>
+                      </a:endParaRPr>
+                    </a:p>
+                  </a:txBody>
+                  <a:tcPr marL="9525" marR="9525" marT="9525" marB="0" anchor="b"/>
+                </a:tc>
+                <a:extLst>
+                  <a:ext uri="{0D108BD9-81ED-4DB2-BD59-A6C34878D82A}">
+                    <a16:rowId xmlns:a16="http://schemas.microsoft.com/office/drawing/2014/main" val="2540218499"/>
+                  </a:ext>
+                </a:extLst>
+              </a:tr>
+              <a:tr h="303634">
+                <a:tc>
+                  <a:txBody>
+                    <a:bodyPr/>
+                    <a:lstStyle/>
+                    <a:p>
+                      <a:pPr algn="l" fontAlgn="b"/>
+                      <a:r>
+                        <a:rPr lang="en-US" sz="2400" u="none" strike="noStrike" dirty="0">
+                          <a:effectLst/>
+                        </a:rPr>
+                        <a:t>ability</a:t>
+                      </a:r>
+                      <a:endParaRPr lang="en-US" sz="2400" b="0" i="0" u="none" strike="noStrike" dirty="0">
+                        <a:solidFill>
+                          <a:srgbClr val="000000"/>
+                        </a:solidFill>
+                        <a:effectLst/>
+                        <a:latin typeface="Calibri" panose="020F0502020204030204" pitchFamily="34" charset="0"/>
+                      </a:endParaRPr>
+                    </a:p>
+                  </a:txBody>
+                  <a:tcPr marL="9525" marR="9525" marT="9525" marB="0" anchor="b"/>
+                </a:tc>
+                <a:tc>
+                  <a:txBody>
+                    <a:bodyPr/>
+                    <a:lstStyle/>
+                    <a:p>
+                      <a:pPr algn="l" fontAlgn="b"/>
+                      <a:r>
+                        <a:rPr lang="en-US" sz="2400" u="none" strike="noStrike" dirty="0">
+                          <a:effectLst/>
+                        </a:rPr>
+                        <a:t>quality</a:t>
+                      </a:r>
+                      <a:endParaRPr lang="en-US" sz="2400" b="0" i="0" u="none" strike="noStrike" dirty="0">
+                        <a:solidFill>
+                          <a:srgbClr val="000000"/>
+                        </a:solidFill>
+                        <a:effectLst/>
+                        <a:latin typeface="Calibri" panose="020F0502020204030204" pitchFamily="34" charset="0"/>
+                      </a:endParaRPr>
+                    </a:p>
+                  </a:txBody>
+                  <a:tcPr marL="9525" marR="9525" marT="9525" marB="0" anchor="b"/>
+                </a:tc>
+                <a:tc>
+                  <a:txBody>
+                    <a:bodyPr/>
+                    <a:lstStyle/>
+                    <a:p>
+                      <a:pPr algn="l" fontAlgn="b"/>
+                      <a:r>
+                        <a:rPr lang="en-US" sz="2400" u="none" strike="noStrike" dirty="0">
+                          <a:effectLst/>
+                        </a:rPr>
+                        <a:t>advisor</a:t>
+                      </a:r>
+                      <a:endParaRPr lang="en-US" sz="2400" b="0" i="0" u="none" strike="noStrike" dirty="0">
+                        <a:solidFill>
+                          <a:srgbClr val="000000"/>
+                        </a:solidFill>
+                        <a:effectLst/>
+                        <a:latin typeface="Calibri" panose="020F0502020204030204" pitchFamily="34" charset="0"/>
+                      </a:endParaRPr>
+                    </a:p>
+                  </a:txBody>
+                  <a:tcPr marL="9525" marR="9525" marT="9525" marB="0" anchor="b"/>
+                </a:tc>
+                <a:tc>
+                  <a:txBody>
+                    <a:bodyPr/>
+                    <a:lstStyle/>
+                    <a:p>
+                      <a:pPr algn="l" fontAlgn="b"/>
+                      <a:r>
+                        <a:rPr lang="en-US" sz="2400" u="none" strike="noStrike" dirty="0">
+                          <a:effectLst/>
+                        </a:rPr>
+                        <a:t>design</a:t>
+                      </a:r>
+                      <a:endParaRPr lang="en-US" sz="2400" b="0" i="0" u="none" strike="noStrike" dirty="0">
+                        <a:solidFill>
+                          <a:srgbClr val="000000"/>
+                        </a:solidFill>
+                        <a:effectLst/>
+                        <a:latin typeface="Calibri" panose="020F0502020204030204" pitchFamily="34" charset="0"/>
+                      </a:endParaRPr>
+                    </a:p>
+                  </a:txBody>
+                  <a:tcPr marL="9525" marR="9525" marT="9525" marB="0" anchor="b"/>
+                </a:tc>
+                <a:tc>
+                  <a:txBody>
+                    <a:bodyPr/>
+                    <a:lstStyle/>
+                    <a:p>
+                      <a:pPr algn="l" fontAlgn="b"/>
+                      <a:r>
+                        <a:rPr lang="en-US" sz="2400" u="none" strike="noStrike" dirty="0">
+                          <a:effectLst/>
+                        </a:rPr>
+                        <a:t>product</a:t>
+                      </a:r>
+                      <a:endParaRPr lang="en-US" sz="2400" b="0" i="0" u="none" strike="noStrike" dirty="0">
+                        <a:solidFill>
+                          <a:srgbClr val="000000"/>
+                        </a:solidFill>
+                        <a:effectLst/>
+                        <a:latin typeface="Calibri" panose="020F0502020204030204" pitchFamily="34" charset="0"/>
+                      </a:endParaRPr>
+                    </a:p>
+                  </a:txBody>
+                  <a:tcPr marL="9525" marR="9525" marT="9525" marB="0" anchor="b"/>
+                </a:tc>
+                <a:extLst>
+                  <a:ext uri="{0D108BD9-81ED-4DB2-BD59-A6C34878D82A}">
+                    <a16:rowId xmlns:a16="http://schemas.microsoft.com/office/drawing/2014/main" val="3238101484"/>
+                  </a:ext>
+                </a:extLst>
+              </a:tr>
+              <a:tr h="303634">
+                <a:tc>
+                  <a:txBody>
+                    <a:bodyPr/>
+                    <a:lstStyle/>
+                    <a:p>
+                      <a:pPr algn="l" fontAlgn="b"/>
+                      <a:r>
+                        <a:rPr lang="en-US" sz="2400" u="none" strike="noStrike" dirty="0">
+                          <a:effectLst/>
+                        </a:rPr>
+                        <a:t>manage</a:t>
+                      </a:r>
+                      <a:endParaRPr lang="en-US" sz="2400" b="0" i="0" u="none" strike="noStrike" dirty="0">
+                        <a:solidFill>
+                          <a:srgbClr val="000000"/>
+                        </a:solidFill>
+                        <a:effectLst/>
+                        <a:latin typeface="Calibri" panose="020F0502020204030204" pitchFamily="34" charset="0"/>
+                      </a:endParaRPr>
+                    </a:p>
+                  </a:txBody>
+                  <a:tcPr marL="9525" marR="9525" marT="9525" marB="0" anchor="b"/>
+                </a:tc>
+                <a:tc>
+                  <a:txBody>
+                    <a:bodyPr/>
+                    <a:lstStyle/>
+                    <a:p>
+                      <a:pPr algn="l" fontAlgn="b"/>
+                      <a:r>
+                        <a:rPr lang="en-US" sz="2400" u="none" strike="noStrike" dirty="0">
+                          <a:effectLst/>
+                        </a:rPr>
+                        <a:t>new</a:t>
+                      </a:r>
+                      <a:endParaRPr lang="en-US" sz="2400" b="0" i="0" u="none" strike="noStrike" dirty="0">
+                        <a:solidFill>
+                          <a:srgbClr val="000000"/>
+                        </a:solidFill>
+                        <a:effectLst/>
+                        <a:latin typeface="Calibri" panose="020F0502020204030204" pitchFamily="34" charset="0"/>
+                      </a:endParaRPr>
+                    </a:p>
+                  </a:txBody>
+                  <a:tcPr marL="9525" marR="9525" marT="9525" marB="0" anchor="b"/>
+                </a:tc>
+                <a:tc>
+                  <a:txBody>
+                    <a:bodyPr/>
+                    <a:lstStyle/>
+                    <a:p>
+                      <a:pPr algn="l" fontAlgn="b"/>
+                      <a:r>
+                        <a:rPr lang="en-US" sz="2400" u="none" strike="noStrike" dirty="0">
+                          <a:effectLst/>
+                        </a:rPr>
+                        <a:t>world</a:t>
+                      </a:r>
+                      <a:endParaRPr lang="en-US" sz="2400" b="0" i="0" u="none" strike="noStrike" dirty="0">
+                        <a:solidFill>
+                          <a:srgbClr val="000000"/>
+                        </a:solidFill>
+                        <a:effectLst/>
+                        <a:latin typeface="Calibri" panose="020F0502020204030204" pitchFamily="34" charset="0"/>
+                      </a:endParaRPr>
+                    </a:p>
+                  </a:txBody>
+                  <a:tcPr marL="9525" marR="9525" marT="9525" marB="0" anchor="b"/>
+                </a:tc>
+                <a:tc>
+                  <a:txBody>
+                    <a:bodyPr/>
+                    <a:lstStyle/>
+                    <a:p>
+                      <a:pPr algn="l" fontAlgn="b"/>
+                      <a:r>
+                        <a:rPr lang="en-US" sz="2400" u="none" strike="noStrike" dirty="0">
+                          <a:effectLst/>
+                        </a:rPr>
+                        <a:t>products</a:t>
+                      </a:r>
+                      <a:endParaRPr lang="en-US" sz="2400" b="0" i="0" u="none" strike="noStrike" dirty="0">
+                        <a:solidFill>
+                          <a:srgbClr val="000000"/>
+                        </a:solidFill>
+                        <a:effectLst/>
+                        <a:latin typeface="Calibri" panose="020F0502020204030204" pitchFamily="34" charset="0"/>
+                      </a:endParaRPr>
+                    </a:p>
+                  </a:txBody>
+                  <a:tcPr marL="9525" marR="9525" marT="9525" marB="0" anchor="b"/>
+                </a:tc>
+                <a:tc>
+                  <a:txBody>
+                    <a:bodyPr/>
+                    <a:lstStyle/>
+                    <a:p>
+                      <a:pPr algn="l" fontAlgn="b"/>
+                      <a:r>
+                        <a:rPr lang="en-US" sz="2400" u="none" strike="noStrike" dirty="0">
+                          <a:effectLst/>
+                        </a:rPr>
+                        <a:t>analysis</a:t>
+                      </a:r>
+                      <a:endParaRPr lang="en-US" sz="2400" b="0" i="0" u="none" strike="noStrike" dirty="0">
+                        <a:solidFill>
+                          <a:srgbClr val="000000"/>
+                        </a:solidFill>
+                        <a:effectLst/>
+                        <a:latin typeface="Calibri" panose="020F0502020204030204" pitchFamily="34" charset="0"/>
+                      </a:endParaRPr>
+                    </a:p>
+                  </a:txBody>
+                  <a:tcPr marL="9525" marR="9525" marT="9525" marB="0" anchor="b"/>
+                </a:tc>
+                <a:extLst>
+                  <a:ext uri="{0D108BD9-81ED-4DB2-BD59-A6C34878D82A}">
+                    <a16:rowId xmlns:a16="http://schemas.microsoft.com/office/drawing/2014/main" val="3424389576"/>
+                  </a:ext>
+                </a:extLst>
+              </a:tr>
+              <a:tr h="303634">
+                <a:tc>
+                  <a:txBody>
+                    <a:bodyPr/>
+                    <a:lstStyle/>
+                    <a:p>
+                      <a:pPr algn="l" fontAlgn="b"/>
+                      <a:r>
+                        <a:rPr lang="en-US" sz="2400" u="none" strike="noStrike" dirty="0">
+                          <a:effectLst/>
+                        </a:rPr>
+                        <a:t>skills</a:t>
+                      </a:r>
+                      <a:endParaRPr lang="en-US" sz="2400" b="0" i="0" u="none" strike="noStrike" dirty="0">
+                        <a:solidFill>
+                          <a:srgbClr val="000000"/>
+                        </a:solidFill>
+                        <a:effectLst/>
+                        <a:latin typeface="Calibri" panose="020F0502020204030204" pitchFamily="34" charset="0"/>
+                      </a:endParaRPr>
+                    </a:p>
+                  </a:txBody>
+                  <a:tcPr marL="9525" marR="9525" marT="9525" marB="0" anchor="b"/>
+                </a:tc>
+                <a:tc>
+                  <a:txBody>
+                    <a:bodyPr/>
+                    <a:lstStyle/>
+                    <a:p>
+                      <a:pPr algn="l" fontAlgn="b"/>
+                      <a:r>
+                        <a:rPr lang="en-US" sz="2400" u="none" strike="noStrike" dirty="0">
+                          <a:effectLst/>
+                        </a:rPr>
+                        <a:t>develop</a:t>
+                      </a:r>
+                      <a:endParaRPr lang="en-US" sz="2400" b="0" i="0" u="none" strike="noStrike" dirty="0">
+                        <a:solidFill>
+                          <a:srgbClr val="000000"/>
+                        </a:solidFill>
+                        <a:effectLst/>
+                        <a:latin typeface="Calibri" panose="020F0502020204030204" pitchFamily="34" charset="0"/>
+                      </a:endParaRPr>
+                    </a:p>
+                  </a:txBody>
+                  <a:tcPr marL="9525" marR="9525" marT="9525" marB="0" anchor="b"/>
+                </a:tc>
+                <a:tc>
+                  <a:txBody>
+                    <a:bodyPr/>
+                    <a:lstStyle/>
+                    <a:p>
+                      <a:pPr marL="0" marR="0" lvl="0" indent="0" algn="l" defTabSz="914400" rtl="0" eaLnBrk="1" fontAlgn="b" latinLnBrk="0" hangingPunct="1">
+                        <a:lnSpc>
+                          <a:spcPct val="100000"/>
+                        </a:lnSpc>
+                        <a:spcBef>
+                          <a:spcPts val="0"/>
+                        </a:spcBef>
+                        <a:spcAft>
+                          <a:spcPts val="0"/>
+                        </a:spcAft>
+                        <a:buClrTx/>
+                        <a:buSzTx/>
+                        <a:buFontTx/>
+                        <a:buNone/>
+                        <a:tabLst/>
+                        <a:defRPr/>
+                      </a:pPr>
+                      <a:r>
+                        <a:rPr lang="en-US" sz="2400" u="none" strike="noStrike" dirty="0">
+                          <a:effectLst/>
+                        </a:rPr>
+                        <a:t>support</a:t>
+                      </a:r>
+                      <a:endParaRPr lang="en-US" sz="2400" b="0" i="0" u="none" strike="noStrike" dirty="0">
+                        <a:solidFill>
+                          <a:srgbClr val="000000"/>
+                        </a:solidFill>
+                        <a:effectLst/>
+                        <a:latin typeface="Calibri" panose="020F0502020204030204" pitchFamily="34" charset="0"/>
+                      </a:endParaRPr>
+                    </a:p>
+                  </a:txBody>
+                  <a:tcPr marL="9525" marR="9525" marT="9525" marB="0" anchor="b"/>
+                </a:tc>
+                <a:tc>
+                  <a:txBody>
+                    <a:bodyPr/>
+                    <a:lstStyle/>
+                    <a:p>
+                      <a:pPr algn="l" fontAlgn="b"/>
+                      <a:r>
+                        <a:rPr lang="en-US" sz="2400" u="none" strike="noStrike" dirty="0">
+                          <a:effectLst/>
+                        </a:rPr>
+                        <a:t>new</a:t>
+                      </a:r>
+                      <a:endParaRPr lang="en-US" sz="2400" b="0" i="0" u="none" strike="noStrike" dirty="0">
+                        <a:solidFill>
+                          <a:srgbClr val="000000"/>
+                        </a:solidFill>
+                        <a:effectLst/>
+                        <a:latin typeface="Calibri" panose="020F0502020204030204" pitchFamily="34" charset="0"/>
+                      </a:endParaRPr>
+                    </a:p>
+                  </a:txBody>
+                  <a:tcPr marL="9525" marR="9525" marT="9525" marB="0" anchor="b"/>
+                </a:tc>
+                <a:tc>
+                  <a:txBody>
+                    <a:bodyPr/>
+                    <a:lstStyle/>
+                    <a:p>
+                      <a:pPr algn="l" fontAlgn="b"/>
+                      <a:r>
+                        <a:rPr lang="en-US" sz="2400" u="none" strike="noStrike" dirty="0">
+                          <a:effectLst/>
+                        </a:rPr>
+                        <a:t>technical</a:t>
+                      </a:r>
+                      <a:endParaRPr lang="en-US" sz="2400" b="0" i="0" u="none" strike="noStrike" dirty="0">
+                        <a:solidFill>
+                          <a:srgbClr val="000000"/>
+                        </a:solidFill>
+                        <a:effectLst/>
+                        <a:latin typeface="Calibri" panose="020F0502020204030204" pitchFamily="34" charset="0"/>
+                      </a:endParaRPr>
+                    </a:p>
+                  </a:txBody>
+                  <a:tcPr marL="9525" marR="9525" marT="9525" marB="0" anchor="b"/>
+                </a:tc>
+                <a:extLst>
+                  <a:ext uri="{0D108BD9-81ED-4DB2-BD59-A6C34878D82A}">
+                    <a16:rowId xmlns:a16="http://schemas.microsoft.com/office/drawing/2014/main" val="3544599095"/>
+                  </a:ext>
+                </a:extLst>
+              </a:tr>
+            </a:tbl>
+          </a:graphicData>
+        </a:graphic>
+      </p:graphicFrame>
     </p:spTree>
     <p:extLst>
       <p:ext uri="{BB962C8B-B14F-4D97-AF65-F5344CB8AC3E}">
-        <p14:creationId xmlns:p14="http://schemas.microsoft.com/office/powerpoint/2010/main" val="4033900076"/>
+        <p14:creationId xmlns:p14="http://schemas.microsoft.com/office/powerpoint/2010/main" val="508303959"/>
       </p:ext>
     </p:extLst>
   </p:cSld>
@@ -7647,7 +9256,7 @@
           <p:cNvPr id="2" name="Title 1">
             <a:extLst>
               <a:ext uri="{FF2B5EF4-FFF2-40B4-BE49-F238E27FC236}">
-                <a16:creationId xmlns:a16="http://schemas.microsoft.com/office/drawing/2014/main" id="{F20945F2-8D92-420A-815D-2D60176E6A01}"/>
+                <a16:creationId xmlns:a16="http://schemas.microsoft.com/office/drawing/2014/main" id="{B8D8FF8A-96C9-49D8-BA5C-977B947079A0}"/>
               </a:ext>
             </a:extLst>
           </p:cNvPr>
@@ -7665,40 +9274,1715 @@
           <a:p>
             <a:r>
               <a:rPr lang="en-US" dirty="0"/>
-              <a:t>Next Steps…</a:t>
-            </a:r>
+              <a:t>LDA </a:t>
+            </a:r>
+            <a:r>
+              <a:rPr lang="en-US"/>
+              <a:t>Resume Categorization (k = 5)</a:t>
+            </a:r>
+            <a:endParaRPr lang="en-US" dirty="0"/>
           </a:p>
         </p:txBody>
       </p:sp>
-      <p:sp>
-        <p:nvSpPr>
-          <p:cNvPr id="3" name="Content Placeholder 2">
+      <p:graphicFrame>
+        <p:nvGraphicFramePr>
+          <p:cNvPr id="4" name="Content Placeholder 3">
             <a:extLst>
               <a:ext uri="{FF2B5EF4-FFF2-40B4-BE49-F238E27FC236}">
-                <a16:creationId xmlns:a16="http://schemas.microsoft.com/office/drawing/2014/main" id="{BB5CE37B-29D2-4734-B33A-DA1505DC83B8}"/>
+                <a16:creationId xmlns:a16="http://schemas.microsoft.com/office/drawing/2014/main" id="{5054AF7E-388E-4846-8137-09F6956DAA90}"/>
               </a:ext>
             </a:extLst>
           </p:cNvPr>
-          <p:cNvSpPr>
-            <a:spLocks noGrp="1"/>
-          </p:cNvSpPr>
+          <p:cNvGraphicFramePr>
+            <a:graphicFrameLocks noGrp="1"/>
+          </p:cNvGraphicFramePr>
           <p:nvPr>
             <p:ph idx="1"/>
+            <p:extLst>
+              <p:ext uri="{D42A27DB-BD31-4B8C-83A1-F6EECF244321}">
+                <p14:modId xmlns:p14="http://schemas.microsoft.com/office/powerpoint/2010/main" val="86984699"/>
+              </p:ext>
+            </p:extLst>
           </p:nvPr>
+        </p:nvGraphicFramePr>
+        <p:xfrm>
+          <a:off x="838200" y="1690688"/>
+          <a:ext cx="10515603" cy="3739729"/>
+        </p:xfrm>
+        <a:graphic>
+          <a:graphicData uri="http://schemas.openxmlformats.org/drawingml/2006/table">
+            <a:tbl>
+              <a:tblPr>
+                <a:tableStyleId>{3B4B98B0-60AC-42C2-AFA5-B58CD77FA1E5}</a:tableStyleId>
+              </a:tblPr>
+              <a:tblGrid>
+                <a:gridCol w="2925393">
+                  <a:extLst>
+                    <a:ext uri="{9D8B030D-6E8A-4147-A177-3AD203B41FA5}">
+                      <a16:colId xmlns:a16="http://schemas.microsoft.com/office/drawing/2014/main" val="394654090"/>
+                    </a:ext>
+                  </a:extLst>
+                </a:gridCol>
+                <a:gridCol w="1265035">
+                  <a:extLst>
+                    <a:ext uri="{9D8B030D-6E8A-4147-A177-3AD203B41FA5}">
+                      <a16:colId xmlns:a16="http://schemas.microsoft.com/office/drawing/2014/main" val="831524205"/>
+                    </a:ext>
+                  </a:extLst>
+                </a:gridCol>
+                <a:gridCol w="1265035">
+                  <a:extLst>
+                    <a:ext uri="{9D8B030D-6E8A-4147-A177-3AD203B41FA5}">
+                      <a16:colId xmlns:a16="http://schemas.microsoft.com/office/drawing/2014/main" val="162282696"/>
+                    </a:ext>
+                  </a:extLst>
+                </a:gridCol>
+                <a:gridCol w="1265035">
+                  <a:extLst>
+                    <a:ext uri="{9D8B030D-6E8A-4147-A177-3AD203B41FA5}">
+                      <a16:colId xmlns:a16="http://schemas.microsoft.com/office/drawing/2014/main" val="1948352023"/>
+                    </a:ext>
+                  </a:extLst>
+                </a:gridCol>
+                <a:gridCol w="1265035">
+                  <a:extLst>
+                    <a:ext uri="{9D8B030D-6E8A-4147-A177-3AD203B41FA5}">
+                      <a16:colId xmlns:a16="http://schemas.microsoft.com/office/drawing/2014/main" val="1012470258"/>
+                    </a:ext>
+                  </a:extLst>
+                </a:gridCol>
+                <a:gridCol w="1265035">
+                  <a:extLst>
+                    <a:ext uri="{9D8B030D-6E8A-4147-A177-3AD203B41FA5}">
+                      <a16:colId xmlns:a16="http://schemas.microsoft.com/office/drawing/2014/main" val="2944731519"/>
+                    </a:ext>
+                  </a:extLst>
+                </a:gridCol>
+                <a:gridCol w="1265035">
+                  <a:extLst>
+                    <a:ext uri="{9D8B030D-6E8A-4147-A177-3AD203B41FA5}">
+                      <a16:colId xmlns:a16="http://schemas.microsoft.com/office/drawing/2014/main" val="306164675"/>
+                    </a:ext>
+                  </a:extLst>
+                </a:gridCol>
+              </a:tblGrid>
+              <a:tr h="534247">
+                <a:tc>
+                  <a:txBody>
+                    <a:bodyPr/>
+                    <a:lstStyle/>
+                    <a:p>
+                      <a:pPr algn="l" fontAlgn="b"/>
+                      <a:endParaRPr lang="en-US" sz="2400" b="0" i="0" u="none" strike="noStrike" dirty="0">
+                        <a:solidFill>
+                          <a:srgbClr val="000000"/>
+                        </a:solidFill>
+                        <a:effectLst/>
+                        <a:latin typeface="Calibri" panose="020F0502020204030204" pitchFamily="34" charset="0"/>
+                      </a:endParaRPr>
+                    </a:p>
+                  </a:txBody>
+                  <a:tcPr marL="9525" marR="9525" marT="9525" marB="0" anchor="b">
+                    <a:lnB w="12700" cap="flat" cmpd="sng" algn="ctr">
+                      <a:solidFill>
+                        <a:schemeClr val="accent1"/>
+                      </a:solidFill>
+                      <a:prstDash val="solid"/>
+                      <a:round/>
+                      <a:headEnd type="none" w="med" len="med"/>
+                      <a:tailEnd type="none" w="med" len="med"/>
+                    </a:lnB>
+                  </a:tcPr>
+                </a:tc>
+                <a:tc>
+                  <a:txBody>
+                    <a:bodyPr/>
+                    <a:lstStyle/>
+                    <a:p>
+                      <a:pPr algn="ctr" fontAlgn="b"/>
+                      <a:r>
+                        <a:rPr lang="en-US" sz="2400" u="none" strike="noStrike" dirty="0">
+                          <a:effectLst/>
+                        </a:rPr>
+                        <a:t>Topic 1</a:t>
+                      </a:r>
+                      <a:endParaRPr lang="en-US" sz="2400" b="0" i="0" u="none" strike="noStrike" dirty="0">
+                        <a:solidFill>
+                          <a:srgbClr val="000000"/>
+                        </a:solidFill>
+                        <a:effectLst/>
+                        <a:latin typeface="Calibri" panose="020F0502020204030204" pitchFamily="34" charset="0"/>
+                      </a:endParaRPr>
+                    </a:p>
+                  </a:txBody>
+                  <a:tcPr marL="9525" marR="9525" marT="9525" marB="0" anchor="b">
+                    <a:lnB w="12700" cap="flat" cmpd="sng" algn="ctr">
+                      <a:solidFill>
+                        <a:schemeClr val="accent1"/>
+                      </a:solidFill>
+                      <a:prstDash val="solid"/>
+                      <a:round/>
+                      <a:headEnd type="none" w="med" len="med"/>
+                      <a:tailEnd type="none" w="med" len="med"/>
+                    </a:lnB>
+                  </a:tcPr>
+                </a:tc>
+                <a:tc>
+                  <a:txBody>
+                    <a:bodyPr/>
+                    <a:lstStyle/>
+                    <a:p>
+                      <a:pPr algn="ctr" fontAlgn="b"/>
+                      <a:r>
+                        <a:rPr lang="en-US" sz="2400" u="none" strike="noStrike" dirty="0">
+                          <a:effectLst/>
+                        </a:rPr>
+                        <a:t>Topic 2</a:t>
+                      </a:r>
+                      <a:endParaRPr lang="en-US" sz="2400" b="0" i="0" u="none" strike="noStrike" dirty="0">
+                        <a:solidFill>
+                          <a:srgbClr val="000000"/>
+                        </a:solidFill>
+                        <a:effectLst/>
+                        <a:latin typeface="Calibri" panose="020F0502020204030204" pitchFamily="34" charset="0"/>
+                      </a:endParaRPr>
+                    </a:p>
+                  </a:txBody>
+                  <a:tcPr marL="9525" marR="9525" marT="9525" marB="0" anchor="b">
+                    <a:lnB w="12700" cap="flat" cmpd="sng" algn="ctr">
+                      <a:solidFill>
+                        <a:schemeClr val="accent1"/>
+                      </a:solidFill>
+                      <a:prstDash val="solid"/>
+                      <a:round/>
+                      <a:headEnd type="none" w="med" len="med"/>
+                      <a:tailEnd type="none" w="med" len="med"/>
+                    </a:lnB>
+                  </a:tcPr>
+                </a:tc>
+                <a:tc>
+                  <a:txBody>
+                    <a:bodyPr/>
+                    <a:lstStyle/>
+                    <a:p>
+                      <a:pPr algn="ctr" fontAlgn="b"/>
+                      <a:r>
+                        <a:rPr lang="en-US" sz="2400" u="none" strike="noStrike" dirty="0">
+                          <a:effectLst/>
+                        </a:rPr>
+                        <a:t>Topic 3</a:t>
+                      </a:r>
+                      <a:endParaRPr lang="en-US" sz="2400" b="0" i="0" u="none" strike="noStrike" dirty="0">
+                        <a:solidFill>
+                          <a:srgbClr val="000000"/>
+                        </a:solidFill>
+                        <a:effectLst/>
+                        <a:latin typeface="Calibri" panose="020F0502020204030204" pitchFamily="34" charset="0"/>
+                      </a:endParaRPr>
+                    </a:p>
+                  </a:txBody>
+                  <a:tcPr marL="9525" marR="9525" marT="9525" marB="0" anchor="b">
+                    <a:lnB w="12700" cap="flat" cmpd="sng" algn="ctr">
+                      <a:solidFill>
+                        <a:schemeClr val="accent1"/>
+                      </a:solidFill>
+                      <a:prstDash val="solid"/>
+                      <a:round/>
+                      <a:headEnd type="none" w="med" len="med"/>
+                      <a:tailEnd type="none" w="med" len="med"/>
+                    </a:lnB>
+                  </a:tcPr>
+                </a:tc>
+                <a:tc>
+                  <a:txBody>
+                    <a:bodyPr/>
+                    <a:lstStyle/>
+                    <a:p>
+                      <a:pPr algn="ctr" fontAlgn="b"/>
+                      <a:r>
+                        <a:rPr lang="en-US" sz="2400" u="none" strike="noStrike" dirty="0">
+                          <a:effectLst/>
+                        </a:rPr>
+                        <a:t>Topic 4</a:t>
+                      </a:r>
+                      <a:endParaRPr lang="en-US" sz="2400" b="0" i="0" u="none" strike="noStrike" dirty="0">
+                        <a:solidFill>
+                          <a:srgbClr val="000000"/>
+                        </a:solidFill>
+                        <a:effectLst/>
+                        <a:latin typeface="Calibri" panose="020F0502020204030204" pitchFamily="34" charset="0"/>
+                      </a:endParaRPr>
+                    </a:p>
+                  </a:txBody>
+                  <a:tcPr marL="9525" marR="9525" marT="9525" marB="0" anchor="b">
+                    <a:lnB w="12700" cap="flat" cmpd="sng" algn="ctr">
+                      <a:solidFill>
+                        <a:schemeClr val="accent1"/>
+                      </a:solidFill>
+                      <a:prstDash val="solid"/>
+                      <a:round/>
+                      <a:headEnd type="none" w="med" len="med"/>
+                      <a:tailEnd type="none" w="med" len="med"/>
+                    </a:lnB>
+                  </a:tcPr>
+                </a:tc>
+                <a:tc>
+                  <a:txBody>
+                    <a:bodyPr/>
+                    <a:lstStyle/>
+                    <a:p>
+                      <a:pPr algn="ctr" fontAlgn="b"/>
+                      <a:r>
+                        <a:rPr lang="en-US" sz="2400" u="none" strike="noStrike" dirty="0">
+                          <a:effectLst/>
+                        </a:rPr>
+                        <a:t>Topic 5</a:t>
+                      </a:r>
+                      <a:endParaRPr lang="en-US" sz="2400" b="0" i="0" u="none" strike="noStrike" dirty="0">
+                        <a:solidFill>
+                          <a:srgbClr val="000000"/>
+                        </a:solidFill>
+                        <a:effectLst/>
+                        <a:latin typeface="Calibri" panose="020F0502020204030204" pitchFamily="34" charset="0"/>
+                      </a:endParaRPr>
+                    </a:p>
+                  </a:txBody>
+                  <a:tcPr marL="9525" marR="9525" marT="9525" marB="0" anchor="b">
+                    <a:lnB w="12700" cap="flat" cmpd="sng" algn="ctr">
+                      <a:solidFill>
+                        <a:schemeClr val="accent1"/>
+                      </a:solidFill>
+                      <a:prstDash val="solid"/>
+                      <a:round/>
+                      <a:headEnd type="none" w="med" len="med"/>
+                      <a:tailEnd type="none" w="med" len="med"/>
+                    </a:lnB>
+                  </a:tcPr>
+                </a:tc>
+                <a:tc>
+                  <a:txBody>
+                    <a:bodyPr/>
+                    <a:lstStyle/>
+                    <a:p>
+                      <a:pPr algn="r" fontAlgn="b"/>
+                      <a:r>
+                        <a:rPr lang="en-US" sz="2400" u="none" strike="noStrike" dirty="0">
+                          <a:effectLst/>
+                        </a:rPr>
+                        <a:t>Row Sum</a:t>
+                      </a:r>
+                      <a:endParaRPr lang="en-US" sz="2400" b="0" i="0" u="none" strike="noStrike" dirty="0">
+                        <a:solidFill>
+                          <a:srgbClr val="000000"/>
+                        </a:solidFill>
+                        <a:effectLst/>
+                        <a:latin typeface="Calibri" panose="020F0502020204030204" pitchFamily="34" charset="0"/>
+                      </a:endParaRPr>
+                    </a:p>
+                  </a:txBody>
+                  <a:tcPr marL="9525" marR="9525" marT="9525" marB="0" anchor="b">
+                    <a:lnB w="12700" cap="flat" cmpd="sng" algn="ctr">
+                      <a:solidFill>
+                        <a:schemeClr val="accent1"/>
+                      </a:solidFill>
+                      <a:prstDash val="solid"/>
+                      <a:round/>
+                      <a:headEnd type="none" w="med" len="med"/>
+                      <a:tailEnd type="none" w="med" len="med"/>
+                    </a:lnB>
+                  </a:tcPr>
+                </a:tc>
+                <a:extLst>
+                  <a:ext uri="{0D108BD9-81ED-4DB2-BD59-A6C34878D82A}">
+                    <a16:rowId xmlns:a16="http://schemas.microsoft.com/office/drawing/2014/main" val="2957844277"/>
+                  </a:ext>
+                </a:extLst>
+              </a:tr>
+              <a:tr h="534247">
+                <a:tc>
+                  <a:txBody>
+                    <a:bodyPr/>
+                    <a:lstStyle/>
+                    <a:p>
+                      <a:pPr algn="l" fontAlgn="b"/>
+                      <a:r>
+                        <a:rPr lang="en-US" sz="2400" u="none" strike="noStrike" dirty="0">
+                          <a:effectLst/>
+                        </a:rPr>
+                        <a:t>Jack</a:t>
+                      </a:r>
+                      <a:endParaRPr lang="en-US" sz="2400" b="0" i="0" u="none" strike="noStrike" dirty="0">
+                        <a:solidFill>
+                          <a:srgbClr val="000000"/>
+                        </a:solidFill>
+                        <a:effectLst/>
+                        <a:latin typeface="Calibri" panose="020F0502020204030204" pitchFamily="34" charset="0"/>
+                      </a:endParaRPr>
+                    </a:p>
+                  </a:txBody>
+                  <a:tcPr marL="9525" marR="9525" marT="9525" marB="0" anchor="b">
+                    <a:lnR w="12700" cap="flat" cmpd="sng" algn="ctr">
+                      <a:solidFill>
+                        <a:schemeClr val="accent1"/>
+                      </a:solidFill>
+                      <a:prstDash val="solid"/>
+                      <a:round/>
+                      <a:headEnd type="none" w="med" len="med"/>
+                      <a:tailEnd type="none" w="med" len="med"/>
+                    </a:lnR>
+                    <a:lnT w="12700" cap="flat" cmpd="sng" algn="ctr">
+                      <a:solidFill>
+                        <a:schemeClr val="accent1"/>
+                      </a:solidFill>
+                      <a:prstDash val="solid"/>
+                      <a:round/>
+                      <a:headEnd type="none" w="med" len="med"/>
+                      <a:tailEnd type="none" w="med" len="med"/>
+                    </a:lnT>
+                  </a:tcPr>
+                </a:tc>
+                <a:tc>
+                  <a:txBody>
+                    <a:bodyPr/>
+                    <a:lstStyle/>
+                    <a:p>
+                      <a:pPr algn="ctr" fontAlgn="b"/>
+                      <a:r>
+                        <a:rPr lang="en-US" sz="2400" u="none" strike="noStrike" dirty="0">
+                          <a:effectLst/>
+                        </a:rPr>
+                        <a:t>0.518</a:t>
+                      </a:r>
+                      <a:endParaRPr lang="en-US" sz="2400" b="0" i="0" u="none" strike="noStrike" dirty="0">
+                        <a:solidFill>
+                          <a:srgbClr val="000000"/>
+                        </a:solidFill>
+                        <a:effectLst/>
+                        <a:latin typeface="Calibri" panose="020F0502020204030204" pitchFamily="34" charset="0"/>
+                      </a:endParaRPr>
+                    </a:p>
+                  </a:txBody>
+                  <a:tcPr marL="9525" marR="9525" marT="9525" marB="0" anchor="b">
+                    <a:lnL w="12700" cap="flat" cmpd="sng" algn="ctr">
+                      <a:solidFill>
+                        <a:schemeClr val="accent1"/>
+                      </a:solidFill>
+                      <a:prstDash val="solid"/>
+                      <a:round/>
+                      <a:headEnd type="none" w="med" len="med"/>
+                      <a:tailEnd type="none" w="med" len="med"/>
+                    </a:lnL>
+                    <a:lnT w="12700" cap="flat" cmpd="sng" algn="ctr">
+                      <a:solidFill>
+                        <a:schemeClr val="accent1"/>
+                      </a:solidFill>
+                      <a:prstDash val="solid"/>
+                      <a:round/>
+                      <a:headEnd type="none" w="med" len="med"/>
+                      <a:tailEnd type="none" w="med" len="med"/>
+                    </a:lnT>
+                  </a:tcPr>
+                </a:tc>
+                <a:tc>
+                  <a:txBody>
+                    <a:bodyPr/>
+                    <a:lstStyle/>
+                    <a:p>
+                      <a:pPr algn="ctr" fontAlgn="b"/>
+                      <a:r>
+                        <a:rPr lang="en-US" sz="2400" u="none" strike="noStrike" dirty="0">
+                          <a:effectLst/>
+                        </a:rPr>
+                        <a:t>0.021</a:t>
+                      </a:r>
+                      <a:endParaRPr lang="en-US" sz="2400" b="0" i="0" u="none" strike="noStrike" dirty="0">
+                        <a:solidFill>
+                          <a:srgbClr val="000000"/>
+                        </a:solidFill>
+                        <a:effectLst/>
+                        <a:latin typeface="Calibri" panose="020F0502020204030204" pitchFamily="34" charset="0"/>
+                      </a:endParaRPr>
+                    </a:p>
+                  </a:txBody>
+                  <a:tcPr marL="9525" marR="9525" marT="9525" marB="0" anchor="b">
+                    <a:lnT w="12700" cap="flat" cmpd="sng" algn="ctr">
+                      <a:solidFill>
+                        <a:schemeClr val="accent1"/>
+                      </a:solidFill>
+                      <a:prstDash val="solid"/>
+                      <a:round/>
+                      <a:headEnd type="none" w="med" len="med"/>
+                      <a:tailEnd type="none" w="med" len="med"/>
+                    </a:lnT>
+                  </a:tcPr>
+                </a:tc>
+                <a:tc>
+                  <a:txBody>
+                    <a:bodyPr/>
+                    <a:lstStyle/>
+                    <a:p>
+                      <a:pPr algn="ctr" fontAlgn="b"/>
+                      <a:r>
+                        <a:rPr lang="en-US" sz="2400" u="none" strike="noStrike" dirty="0">
+                          <a:effectLst/>
+                        </a:rPr>
+                        <a:t>0.021</a:t>
+                      </a:r>
+                      <a:endParaRPr lang="en-US" sz="2400" b="0" i="0" u="none" strike="noStrike" dirty="0">
+                        <a:solidFill>
+                          <a:srgbClr val="000000"/>
+                        </a:solidFill>
+                        <a:effectLst/>
+                        <a:latin typeface="Calibri" panose="020F0502020204030204" pitchFamily="34" charset="0"/>
+                      </a:endParaRPr>
+                    </a:p>
+                  </a:txBody>
+                  <a:tcPr marL="9525" marR="9525" marT="9525" marB="0" anchor="b">
+                    <a:lnT w="12700" cap="flat" cmpd="sng" algn="ctr">
+                      <a:solidFill>
+                        <a:schemeClr val="accent1"/>
+                      </a:solidFill>
+                      <a:prstDash val="solid"/>
+                      <a:round/>
+                      <a:headEnd type="none" w="med" len="med"/>
+                      <a:tailEnd type="none" w="med" len="med"/>
+                    </a:lnT>
+                  </a:tcPr>
+                </a:tc>
+                <a:tc>
+                  <a:txBody>
+                    <a:bodyPr/>
+                    <a:lstStyle/>
+                    <a:p>
+                      <a:pPr algn="ctr" fontAlgn="b"/>
+                      <a:r>
+                        <a:rPr lang="en-US" sz="2400" u="none" strike="noStrike" dirty="0">
+                          <a:effectLst/>
+                        </a:rPr>
+                        <a:t>0.058</a:t>
+                      </a:r>
+                      <a:endParaRPr lang="en-US" sz="2400" b="0" i="0" u="none" strike="noStrike" dirty="0">
+                        <a:solidFill>
+                          <a:srgbClr val="000000"/>
+                        </a:solidFill>
+                        <a:effectLst/>
+                        <a:latin typeface="Calibri" panose="020F0502020204030204" pitchFamily="34" charset="0"/>
+                      </a:endParaRPr>
+                    </a:p>
+                  </a:txBody>
+                  <a:tcPr marL="9525" marR="9525" marT="9525" marB="0" anchor="b">
+                    <a:lnT w="12700" cap="flat" cmpd="sng" algn="ctr">
+                      <a:solidFill>
+                        <a:schemeClr val="accent1"/>
+                      </a:solidFill>
+                      <a:prstDash val="solid"/>
+                      <a:round/>
+                      <a:headEnd type="none" w="med" len="med"/>
+                      <a:tailEnd type="none" w="med" len="med"/>
+                    </a:lnT>
+                  </a:tcPr>
+                </a:tc>
+                <a:tc>
+                  <a:txBody>
+                    <a:bodyPr/>
+                    <a:lstStyle/>
+                    <a:p>
+                      <a:pPr algn="ctr" fontAlgn="b"/>
+                      <a:r>
+                        <a:rPr lang="en-US" sz="2400" u="none" strike="noStrike" dirty="0">
+                          <a:effectLst/>
+                        </a:rPr>
+                        <a:t>0.383</a:t>
+                      </a:r>
+                      <a:endParaRPr lang="en-US" sz="2400" b="0" i="0" u="none" strike="noStrike" dirty="0">
+                        <a:solidFill>
+                          <a:srgbClr val="000000"/>
+                        </a:solidFill>
+                        <a:effectLst/>
+                        <a:latin typeface="Calibri" panose="020F0502020204030204" pitchFamily="34" charset="0"/>
+                      </a:endParaRPr>
+                    </a:p>
+                  </a:txBody>
+                  <a:tcPr marL="9525" marR="9525" marT="9525" marB="0" anchor="b">
+                    <a:lnR w="12700" cap="flat" cmpd="sng" algn="ctr">
+                      <a:solidFill>
+                        <a:schemeClr val="accent1"/>
+                      </a:solidFill>
+                      <a:prstDash val="solid"/>
+                      <a:round/>
+                      <a:headEnd type="none" w="med" len="med"/>
+                      <a:tailEnd type="none" w="med" len="med"/>
+                    </a:lnR>
+                    <a:lnT w="12700" cap="flat" cmpd="sng" algn="ctr">
+                      <a:solidFill>
+                        <a:schemeClr val="accent1"/>
+                      </a:solidFill>
+                      <a:prstDash val="solid"/>
+                      <a:round/>
+                      <a:headEnd type="none" w="med" len="med"/>
+                      <a:tailEnd type="none" w="med" len="med"/>
+                    </a:lnT>
+                  </a:tcPr>
+                </a:tc>
+                <a:tc>
+                  <a:txBody>
+                    <a:bodyPr/>
+                    <a:lstStyle/>
+                    <a:p>
+                      <a:pPr algn="r" fontAlgn="b"/>
+                      <a:r>
+                        <a:rPr lang="en-US" sz="2400" u="none" strike="noStrike">
+                          <a:effectLst/>
+                        </a:rPr>
+                        <a:t>1.000</a:t>
+                      </a:r>
+                      <a:endParaRPr lang="en-US" sz="2400" b="0" i="0" u="none" strike="noStrike">
+                        <a:solidFill>
+                          <a:srgbClr val="000000"/>
+                        </a:solidFill>
+                        <a:effectLst/>
+                        <a:latin typeface="Calibri" panose="020F0502020204030204" pitchFamily="34" charset="0"/>
+                      </a:endParaRPr>
+                    </a:p>
+                  </a:txBody>
+                  <a:tcPr marL="9525" marR="9525" marT="9525" marB="0" anchor="b">
+                    <a:lnL w="12700" cap="flat" cmpd="sng" algn="ctr">
+                      <a:solidFill>
+                        <a:schemeClr val="accent1"/>
+                      </a:solidFill>
+                      <a:prstDash val="solid"/>
+                      <a:round/>
+                      <a:headEnd type="none" w="med" len="med"/>
+                      <a:tailEnd type="none" w="med" len="med"/>
+                    </a:lnL>
+                    <a:lnT w="12700" cap="flat" cmpd="sng" algn="ctr">
+                      <a:solidFill>
+                        <a:schemeClr val="accent1"/>
+                      </a:solidFill>
+                      <a:prstDash val="solid"/>
+                      <a:round/>
+                      <a:headEnd type="none" w="med" len="med"/>
+                      <a:tailEnd type="none" w="med" len="med"/>
+                    </a:lnT>
+                  </a:tcPr>
+                </a:tc>
+                <a:extLst>
+                  <a:ext uri="{0D108BD9-81ED-4DB2-BD59-A6C34878D82A}">
+                    <a16:rowId xmlns:a16="http://schemas.microsoft.com/office/drawing/2014/main" val="1916757250"/>
+                  </a:ext>
+                </a:extLst>
+              </a:tr>
+              <a:tr h="534247">
+                <a:tc>
+                  <a:txBody>
+                    <a:bodyPr/>
+                    <a:lstStyle/>
+                    <a:p>
+                      <a:pPr algn="l" fontAlgn="b"/>
+                      <a:r>
+                        <a:rPr lang="en-US" sz="2400" u="none" strike="noStrike" dirty="0">
+                          <a:effectLst/>
+                        </a:rPr>
+                        <a:t>Nathan</a:t>
+                      </a:r>
+                      <a:endParaRPr lang="en-US" sz="2400" b="0" i="0" u="none" strike="noStrike" dirty="0">
+                        <a:solidFill>
+                          <a:srgbClr val="000000"/>
+                        </a:solidFill>
+                        <a:effectLst/>
+                        <a:latin typeface="Calibri" panose="020F0502020204030204" pitchFamily="34" charset="0"/>
+                      </a:endParaRPr>
+                    </a:p>
+                  </a:txBody>
+                  <a:tcPr marL="9525" marR="9525" marT="9525" marB="0" anchor="b">
+                    <a:lnR w="12700" cap="flat" cmpd="sng" algn="ctr">
+                      <a:solidFill>
+                        <a:schemeClr val="accent1"/>
+                      </a:solidFill>
+                      <a:prstDash val="solid"/>
+                      <a:round/>
+                      <a:headEnd type="none" w="med" len="med"/>
+                      <a:tailEnd type="none" w="med" len="med"/>
+                    </a:lnR>
+                  </a:tcPr>
+                </a:tc>
+                <a:tc>
+                  <a:txBody>
+                    <a:bodyPr/>
+                    <a:lstStyle/>
+                    <a:p>
+                      <a:pPr algn="ctr" fontAlgn="b"/>
+                      <a:r>
+                        <a:rPr lang="en-US" sz="2400" u="none" strike="noStrike" dirty="0">
+                          <a:effectLst/>
+                        </a:rPr>
+                        <a:t>0.632</a:t>
+                      </a:r>
+                      <a:endParaRPr lang="en-US" sz="2400" b="0" i="0" u="none" strike="noStrike" dirty="0">
+                        <a:solidFill>
+                          <a:srgbClr val="000000"/>
+                        </a:solidFill>
+                        <a:effectLst/>
+                        <a:latin typeface="Calibri" panose="020F0502020204030204" pitchFamily="34" charset="0"/>
+                      </a:endParaRPr>
+                    </a:p>
+                  </a:txBody>
+                  <a:tcPr marL="9525" marR="9525" marT="9525" marB="0" anchor="b">
+                    <a:lnL w="12700" cap="flat" cmpd="sng" algn="ctr">
+                      <a:solidFill>
+                        <a:schemeClr val="accent1"/>
+                      </a:solidFill>
+                      <a:prstDash val="solid"/>
+                      <a:round/>
+                      <a:headEnd type="none" w="med" len="med"/>
+                      <a:tailEnd type="none" w="med" len="med"/>
+                    </a:lnL>
+                  </a:tcPr>
+                </a:tc>
+                <a:tc>
+                  <a:txBody>
+                    <a:bodyPr/>
+                    <a:lstStyle/>
+                    <a:p>
+                      <a:pPr algn="ctr" fontAlgn="b"/>
+                      <a:r>
+                        <a:rPr lang="en-US" sz="2400" u="none" strike="noStrike" dirty="0">
+                          <a:effectLst/>
+                        </a:rPr>
+                        <a:t>0.034</a:t>
+                      </a:r>
+                      <a:endParaRPr lang="en-US" sz="2400" b="0" i="0" u="none" strike="noStrike" dirty="0">
+                        <a:solidFill>
+                          <a:srgbClr val="000000"/>
+                        </a:solidFill>
+                        <a:effectLst/>
+                        <a:latin typeface="Calibri" panose="020F0502020204030204" pitchFamily="34" charset="0"/>
+                      </a:endParaRPr>
+                    </a:p>
+                  </a:txBody>
+                  <a:tcPr marL="9525" marR="9525" marT="9525" marB="0" anchor="b"/>
+                </a:tc>
+                <a:tc>
+                  <a:txBody>
+                    <a:bodyPr/>
+                    <a:lstStyle/>
+                    <a:p>
+                      <a:pPr algn="ctr" fontAlgn="b"/>
+                      <a:r>
+                        <a:rPr lang="en-US" sz="2400" u="none" strike="noStrike" dirty="0">
+                          <a:effectLst/>
+                        </a:rPr>
+                        <a:t>0.024</a:t>
+                      </a:r>
+                      <a:endParaRPr lang="en-US" sz="2400" b="0" i="0" u="none" strike="noStrike" dirty="0">
+                        <a:solidFill>
+                          <a:srgbClr val="000000"/>
+                        </a:solidFill>
+                        <a:effectLst/>
+                        <a:latin typeface="Calibri" panose="020F0502020204030204" pitchFamily="34" charset="0"/>
+                      </a:endParaRPr>
+                    </a:p>
+                  </a:txBody>
+                  <a:tcPr marL="9525" marR="9525" marT="9525" marB="0" anchor="b"/>
+                </a:tc>
+                <a:tc>
+                  <a:txBody>
+                    <a:bodyPr/>
+                    <a:lstStyle/>
+                    <a:p>
+                      <a:pPr algn="ctr" fontAlgn="b"/>
+                      <a:r>
+                        <a:rPr lang="en-US" sz="2400" u="none" strike="noStrike" dirty="0">
+                          <a:effectLst/>
+                        </a:rPr>
+                        <a:t>0.049</a:t>
+                      </a:r>
+                      <a:endParaRPr lang="en-US" sz="2400" b="0" i="0" u="none" strike="noStrike" dirty="0">
+                        <a:solidFill>
+                          <a:srgbClr val="000000"/>
+                        </a:solidFill>
+                        <a:effectLst/>
+                        <a:latin typeface="Calibri" panose="020F0502020204030204" pitchFamily="34" charset="0"/>
+                      </a:endParaRPr>
+                    </a:p>
+                  </a:txBody>
+                  <a:tcPr marL="9525" marR="9525" marT="9525" marB="0" anchor="b"/>
+                </a:tc>
+                <a:tc>
+                  <a:txBody>
+                    <a:bodyPr/>
+                    <a:lstStyle/>
+                    <a:p>
+                      <a:pPr algn="ctr" fontAlgn="b"/>
+                      <a:r>
+                        <a:rPr lang="en-US" sz="2400" u="none" strike="noStrike" dirty="0">
+                          <a:effectLst/>
+                        </a:rPr>
+                        <a:t>0.262</a:t>
+                      </a:r>
+                      <a:endParaRPr lang="en-US" sz="2400" b="0" i="0" u="none" strike="noStrike" dirty="0">
+                        <a:solidFill>
+                          <a:srgbClr val="000000"/>
+                        </a:solidFill>
+                        <a:effectLst/>
+                        <a:latin typeface="Calibri" panose="020F0502020204030204" pitchFamily="34" charset="0"/>
+                      </a:endParaRPr>
+                    </a:p>
+                  </a:txBody>
+                  <a:tcPr marL="9525" marR="9525" marT="9525" marB="0" anchor="b">
+                    <a:lnR w="12700" cap="flat" cmpd="sng" algn="ctr">
+                      <a:solidFill>
+                        <a:schemeClr val="accent1"/>
+                      </a:solidFill>
+                      <a:prstDash val="solid"/>
+                      <a:round/>
+                      <a:headEnd type="none" w="med" len="med"/>
+                      <a:tailEnd type="none" w="med" len="med"/>
+                    </a:lnR>
+                  </a:tcPr>
+                </a:tc>
+                <a:tc>
+                  <a:txBody>
+                    <a:bodyPr/>
+                    <a:lstStyle/>
+                    <a:p>
+                      <a:pPr algn="r" fontAlgn="b"/>
+                      <a:r>
+                        <a:rPr lang="en-US" sz="2400" u="none" strike="noStrike">
+                          <a:effectLst/>
+                        </a:rPr>
+                        <a:t>1.000</a:t>
+                      </a:r>
+                      <a:endParaRPr lang="en-US" sz="2400" b="0" i="0" u="none" strike="noStrike">
+                        <a:solidFill>
+                          <a:srgbClr val="000000"/>
+                        </a:solidFill>
+                        <a:effectLst/>
+                        <a:latin typeface="Calibri" panose="020F0502020204030204" pitchFamily="34" charset="0"/>
+                      </a:endParaRPr>
+                    </a:p>
+                  </a:txBody>
+                  <a:tcPr marL="9525" marR="9525" marT="9525" marB="0" anchor="b">
+                    <a:lnL w="12700" cap="flat" cmpd="sng" algn="ctr">
+                      <a:solidFill>
+                        <a:schemeClr val="accent1"/>
+                      </a:solidFill>
+                      <a:prstDash val="solid"/>
+                      <a:round/>
+                      <a:headEnd type="none" w="med" len="med"/>
+                      <a:tailEnd type="none" w="med" len="med"/>
+                    </a:lnL>
+                  </a:tcPr>
+                </a:tc>
+                <a:extLst>
+                  <a:ext uri="{0D108BD9-81ED-4DB2-BD59-A6C34878D82A}">
+                    <a16:rowId xmlns:a16="http://schemas.microsoft.com/office/drawing/2014/main" val="2510245828"/>
+                  </a:ext>
+                </a:extLst>
+              </a:tr>
+              <a:tr h="534247">
+                <a:tc>
+                  <a:txBody>
+                    <a:bodyPr/>
+                    <a:lstStyle/>
+                    <a:p>
+                      <a:pPr algn="l" fontAlgn="b"/>
+                      <a:r>
+                        <a:rPr lang="en-US" sz="2400" u="none" strike="noStrike" dirty="0">
+                          <a:effectLst/>
+                        </a:rPr>
+                        <a:t>Adam</a:t>
+                      </a:r>
+                      <a:endParaRPr lang="en-US" sz="2400" b="0" i="0" u="none" strike="noStrike" dirty="0">
+                        <a:solidFill>
+                          <a:srgbClr val="000000"/>
+                        </a:solidFill>
+                        <a:effectLst/>
+                        <a:latin typeface="Calibri" panose="020F0502020204030204" pitchFamily="34" charset="0"/>
+                      </a:endParaRPr>
+                    </a:p>
+                  </a:txBody>
+                  <a:tcPr marL="9525" marR="9525" marT="9525" marB="0" anchor="b">
+                    <a:lnR w="12700" cap="flat" cmpd="sng" algn="ctr">
+                      <a:solidFill>
+                        <a:schemeClr val="accent1"/>
+                      </a:solidFill>
+                      <a:prstDash val="solid"/>
+                      <a:round/>
+                      <a:headEnd type="none" w="med" len="med"/>
+                      <a:tailEnd type="none" w="med" len="med"/>
+                    </a:lnR>
+                  </a:tcPr>
+                </a:tc>
+                <a:tc>
+                  <a:txBody>
+                    <a:bodyPr/>
+                    <a:lstStyle/>
+                    <a:p>
+                      <a:pPr algn="ctr" fontAlgn="b"/>
+                      <a:r>
+                        <a:rPr lang="en-US" sz="2400" u="none" strike="noStrike" dirty="0">
+                          <a:effectLst/>
+                        </a:rPr>
+                        <a:t>0.253</a:t>
+                      </a:r>
+                      <a:endParaRPr lang="en-US" sz="2400" b="0" i="0" u="none" strike="noStrike" dirty="0">
+                        <a:solidFill>
+                          <a:srgbClr val="000000"/>
+                        </a:solidFill>
+                        <a:effectLst/>
+                        <a:latin typeface="Calibri" panose="020F0502020204030204" pitchFamily="34" charset="0"/>
+                      </a:endParaRPr>
+                    </a:p>
+                  </a:txBody>
+                  <a:tcPr marL="9525" marR="9525" marT="9525" marB="0" anchor="b">
+                    <a:lnL w="12700" cap="flat" cmpd="sng" algn="ctr">
+                      <a:solidFill>
+                        <a:schemeClr val="accent1"/>
+                      </a:solidFill>
+                      <a:prstDash val="solid"/>
+                      <a:round/>
+                      <a:headEnd type="none" w="med" len="med"/>
+                      <a:tailEnd type="none" w="med" len="med"/>
+                    </a:lnL>
+                  </a:tcPr>
+                </a:tc>
+                <a:tc>
+                  <a:txBody>
+                    <a:bodyPr/>
+                    <a:lstStyle/>
+                    <a:p>
+                      <a:pPr algn="ctr" fontAlgn="b"/>
+                      <a:r>
+                        <a:rPr lang="en-US" sz="2400" u="none" strike="noStrike" dirty="0">
+                          <a:effectLst/>
+                        </a:rPr>
+                        <a:t>0.319</a:t>
+                      </a:r>
+                      <a:endParaRPr lang="en-US" sz="2400" b="0" i="0" u="none" strike="noStrike" dirty="0">
+                        <a:solidFill>
+                          <a:srgbClr val="000000"/>
+                        </a:solidFill>
+                        <a:effectLst/>
+                        <a:latin typeface="Calibri" panose="020F0502020204030204" pitchFamily="34" charset="0"/>
+                      </a:endParaRPr>
+                    </a:p>
+                  </a:txBody>
+                  <a:tcPr marL="9525" marR="9525" marT="9525" marB="0" anchor="b"/>
+                </a:tc>
+                <a:tc>
+                  <a:txBody>
+                    <a:bodyPr/>
+                    <a:lstStyle/>
+                    <a:p>
+                      <a:pPr algn="ctr" fontAlgn="b"/>
+                      <a:r>
+                        <a:rPr lang="en-US" sz="2400" u="none" strike="noStrike">
+                          <a:effectLst/>
+                        </a:rPr>
+                        <a:t>0.032</a:t>
+                      </a:r>
+                      <a:endParaRPr lang="en-US" sz="2400" b="0" i="0" u="none" strike="noStrike">
+                        <a:solidFill>
+                          <a:srgbClr val="000000"/>
+                        </a:solidFill>
+                        <a:effectLst/>
+                        <a:latin typeface="Calibri" panose="020F0502020204030204" pitchFamily="34" charset="0"/>
+                      </a:endParaRPr>
+                    </a:p>
+                  </a:txBody>
+                  <a:tcPr marL="9525" marR="9525" marT="9525" marB="0" anchor="b"/>
+                </a:tc>
+                <a:tc>
+                  <a:txBody>
+                    <a:bodyPr/>
+                    <a:lstStyle/>
+                    <a:p>
+                      <a:pPr algn="ctr" fontAlgn="b"/>
+                      <a:r>
+                        <a:rPr lang="en-US" sz="2400" u="none" strike="noStrike" dirty="0">
+                          <a:effectLst/>
+                        </a:rPr>
+                        <a:t>0.041</a:t>
+                      </a:r>
+                      <a:endParaRPr lang="en-US" sz="2400" b="0" i="0" u="none" strike="noStrike" dirty="0">
+                        <a:solidFill>
+                          <a:srgbClr val="000000"/>
+                        </a:solidFill>
+                        <a:effectLst/>
+                        <a:latin typeface="Calibri" panose="020F0502020204030204" pitchFamily="34" charset="0"/>
+                      </a:endParaRPr>
+                    </a:p>
+                  </a:txBody>
+                  <a:tcPr marL="9525" marR="9525" marT="9525" marB="0" anchor="b"/>
+                </a:tc>
+                <a:tc>
+                  <a:txBody>
+                    <a:bodyPr/>
+                    <a:lstStyle/>
+                    <a:p>
+                      <a:pPr algn="ctr" fontAlgn="b"/>
+                      <a:r>
+                        <a:rPr lang="en-US" sz="2400" u="none" strike="noStrike" dirty="0">
+                          <a:effectLst/>
+                        </a:rPr>
+                        <a:t>0.355</a:t>
+                      </a:r>
+                      <a:endParaRPr lang="en-US" sz="2400" b="0" i="0" u="none" strike="noStrike" dirty="0">
+                        <a:solidFill>
+                          <a:srgbClr val="000000"/>
+                        </a:solidFill>
+                        <a:effectLst/>
+                        <a:latin typeface="Calibri" panose="020F0502020204030204" pitchFamily="34" charset="0"/>
+                      </a:endParaRPr>
+                    </a:p>
+                  </a:txBody>
+                  <a:tcPr marL="9525" marR="9525" marT="9525" marB="0" anchor="b">
+                    <a:lnR w="12700" cap="flat" cmpd="sng" algn="ctr">
+                      <a:solidFill>
+                        <a:schemeClr val="accent1"/>
+                      </a:solidFill>
+                      <a:prstDash val="solid"/>
+                      <a:round/>
+                      <a:headEnd type="none" w="med" len="med"/>
+                      <a:tailEnd type="none" w="med" len="med"/>
+                    </a:lnR>
+                  </a:tcPr>
+                </a:tc>
+                <a:tc>
+                  <a:txBody>
+                    <a:bodyPr/>
+                    <a:lstStyle/>
+                    <a:p>
+                      <a:pPr algn="r" fontAlgn="b"/>
+                      <a:r>
+                        <a:rPr lang="en-US" sz="2400" u="none" strike="noStrike">
+                          <a:effectLst/>
+                        </a:rPr>
+                        <a:t>1.000</a:t>
+                      </a:r>
+                      <a:endParaRPr lang="en-US" sz="2400" b="0" i="0" u="none" strike="noStrike">
+                        <a:solidFill>
+                          <a:srgbClr val="000000"/>
+                        </a:solidFill>
+                        <a:effectLst/>
+                        <a:latin typeface="Calibri" panose="020F0502020204030204" pitchFamily="34" charset="0"/>
+                      </a:endParaRPr>
+                    </a:p>
+                  </a:txBody>
+                  <a:tcPr marL="9525" marR="9525" marT="9525" marB="0" anchor="b">
+                    <a:lnL w="12700" cap="flat" cmpd="sng" algn="ctr">
+                      <a:solidFill>
+                        <a:schemeClr val="accent1"/>
+                      </a:solidFill>
+                      <a:prstDash val="solid"/>
+                      <a:round/>
+                      <a:headEnd type="none" w="med" len="med"/>
+                      <a:tailEnd type="none" w="med" len="med"/>
+                    </a:lnL>
+                  </a:tcPr>
+                </a:tc>
+                <a:extLst>
+                  <a:ext uri="{0D108BD9-81ED-4DB2-BD59-A6C34878D82A}">
+                    <a16:rowId xmlns:a16="http://schemas.microsoft.com/office/drawing/2014/main" val="3580974823"/>
+                  </a:ext>
+                </a:extLst>
+              </a:tr>
+              <a:tr h="534247">
+                <a:tc>
+                  <a:txBody>
+                    <a:bodyPr/>
+                    <a:lstStyle/>
+                    <a:p>
+                      <a:pPr algn="l" fontAlgn="b"/>
+                      <a:r>
+                        <a:rPr lang="en-US" sz="2400" u="none" strike="noStrike" dirty="0" err="1">
+                          <a:effectLst/>
+                        </a:rPr>
+                        <a:t>Sample_Art</a:t>
+                      </a:r>
+                      <a:endParaRPr lang="en-US" sz="2400" b="0" i="0" u="none" strike="noStrike" dirty="0">
+                        <a:solidFill>
+                          <a:srgbClr val="000000"/>
+                        </a:solidFill>
+                        <a:effectLst/>
+                        <a:latin typeface="Calibri" panose="020F0502020204030204" pitchFamily="34" charset="0"/>
+                      </a:endParaRPr>
+                    </a:p>
+                  </a:txBody>
+                  <a:tcPr marL="9525" marR="9525" marT="9525" marB="0" anchor="b">
+                    <a:lnR w="12700" cap="flat" cmpd="sng" algn="ctr">
+                      <a:solidFill>
+                        <a:schemeClr val="accent1"/>
+                      </a:solidFill>
+                      <a:prstDash val="solid"/>
+                      <a:round/>
+                      <a:headEnd type="none" w="med" len="med"/>
+                      <a:tailEnd type="none" w="med" len="med"/>
+                    </a:lnR>
+                  </a:tcPr>
+                </a:tc>
+                <a:tc>
+                  <a:txBody>
+                    <a:bodyPr/>
+                    <a:lstStyle/>
+                    <a:p>
+                      <a:pPr algn="ctr" fontAlgn="b"/>
+                      <a:r>
+                        <a:rPr lang="en-US" sz="2400" u="none" strike="noStrike">
+                          <a:effectLst/>
+                        </a:rPr>
+                        <a:t>0.209</a:t>
+                      </a:r>
+                      <a:endParaRPr lang="en-US" sz="2400" b="0" i="0" u="none" strike="noStrike">
+                        <a:solidFill>
+                          <a:srgbClr val="000000"/>
+                        </a:solidFill>
+                        <a:effectLst/>
+                        <a:latin typeface="Calibri" panose="020F0502020204030204" pitchFamily="34" charset="0"/>
+                      </a:endParaRPr>
+                    </a:p>
+                  </a:txBody>
+                  <a:tcPr marL="9525" marR="9525" marT="9525" marB="0" anchor="b">
+                    <a:lnL w="12700" cap="flat" cmpd="sng" algn="ctr">
+                      <a:solidFill>
+                        <a:schemeClr val="accent1"/>
+                      </a:solidFill>
+                      <a:prstDash val="solid"/>
+                      <a:round/>
+                      <a:headEnd type="none" w="med" len="med"/>
+                      <a:tailEnd type="none" w="med" len="med"/>
+                    </a:lnL>
+                  </a:tcPr>
+                </a:tc>
+                <a:tc>
+                  <a:txBody>
+                    <a:bodyPr/>
+                    <a:lstStyle/>
+                    <a:p>
+                      <a:pPr algn="ctr" fontAlgn="b"/>
+                      <a:r>
+                        <a:rPr lang="en-US" sz="2400" u="none" strike="noStrike" dirty="0">
+                          <a:effectLst/>
+                        </a:rPr>
+                        <a:t>0.063</a:t>
+                      </a:r>
+                      <a:endParaRPr lang="en-US" sz="2400" b="0" i="0" u="none" strike="noStrike" dirty="0">
+                        <a:solidFill>
+                          <a:srgbClr val="000000"/>
+                        </a:solidFill>
+                        <a:effectLst/>
+                        <a:latin typeface="Calibri" panose="020F0502020204030204" pitchFamily="34" charset="0"/>
+                      </a:endParaRPr>
+                    </a:p>
+                  </a:txBody>
+                  <a:tcPr marL="9525" marR="9525" marT="9525" marB="0" anchor="b"/>
+                </a:tc>
+                <a:tc>
+                  <a:txBody>
+                    <a:bodyPr/>
+                    <a:lstStyle/>
+                    <a:p>
+                      <a:pPr algn="ctr" fontAlgn="b"/>
+                      <a:r>
+                        <a:rPr lang="en-US" sz="2400" u="none" strike="noStrike" dirty="0">
+                          <a:effectLst/>
+                        </a:rPr>
+                        <a:t>0.071</a:t>
+                      </a:r>
+                      <a:endParaRPr lang="en-US" sz="2400" b="0" i="0" u="none" strike="noStrike" dirty="0">
+                        <a:solidFill>
+                          <a:srgbClr val="000000"/>
+                        </a:solidFill>
+                        <a:effectLst/>
+                        <a:latin typeface="Calibri" panose="020F0502020204030204" pitchFamily="34" charset="0"/>
+                      </a:endParaRPr>
+                    </a:p>
+                  </a:txBody>
+                  <a:tcPr marL="9525" marR="9525" marT="9525" marB="0" anchor="b"/>
+                </a:tc>
+                <a:tc>
+                  <a:txBody>
+                    <a:bodyPr/>
+                    <a:lstStyle/>
+                    <a:p>
+                      <a:pPr algn="ctr" fontAlgn="b"/>
+                      <a:r>
+                        <a:rPr lang="en-US" sz="2400" u="none" strike="noStrike" dirty="0">
+                          <a:effectLst/>
+                        </a:rPr>
+                        <a:t>0.200</a:t>
+                      </a:r>
+                      <a:endParaRPr lang="en-US" sz="2400" b="0" i="0" u="none" strike="noStrike" dirty="0">
+                        <a:solidFill>
+                          <a:srgbClr val="000000"/>
+                        </a:solidFill>
+                        <a:effectLst/>
+                        <a:latin typeface="Calibri" panose="020F0502020204030204" pitchFamily="34" charset="0"/>
+                      </a:endParaRPr>
+                    </a:p>
+                  </a:txBody>
+                  <a:tcPr marL="9525" marR="9525" marT="9525" marB="0" anchor="b"/>
+                </a:tc>
+                <a:tc>
+                  <a:txBody>
+                    <a:bodyPr/>
+                    <a:lstStyle/>
+                    <a:p>
+                      <a:pPr algn="ctr" fontAlgn="b"/>
+                      <a:r>
+                        <a:rPr lang="en-US" sz="2400" u="none" strike="noStrike" dirty="0">
+                          <a:effectLst/>
+                        </a:rPr>
+                        <a:t>0.458</a:t>
+                      </a:r>
+                      <a:endParaRPr lang="en-US" sz="2400" b="0" i="0" u="none" strike="noStrike" dirty="0">
+                        <a:solidFill>
+                          <a:srgbClr val="000000"/>
+                        </a:solidFill>
+                        <a:effectLst/>
+                        <a:latin typeface="Calibri" panose="020F0502020204030204" pitchFamily="34" charset="0"/>
+                      </a:endParaRPr>
+                    </a:p>
+                  </a:txBody>
+                  <a:tcPr marL="9525" marR="9525" marT="9525" marB="0" anchor="b">
+                    <a:lnR w="12700" cap="flat" cmpd="sng" algn="ctr">
+                      <a:solidFill>
+                        <a:schemeClr val="accent1"/>
+                      </a:solidFill>
+                      <a:prstDash val="solid"/>
+                      <a:round/>
+                      <a:headEnd type="none" w="med" len="med"/>
+                      <a:tailEnd type="none" w="med" len="med"/>
+                    </a:lnR>
+                  </a:tcPr>
+                </a:tc>
+                <a:tc>
+                  <a:txBody>
+                    <a:bodyPr/>
+                    <a:lstStyle/>
+                    <a:p>
+                      <a:pPr algn="r" fontAlgn="b"/>
+                      <a:r>
+                        <a:rPr lang="en-US" sz="2400" u="none" strike="noStrike">
+                          <a:effectLst/>
+                        </a:rPr>
+                        <a:t>1.000</a:t>
+                      </a:r>
+                      <a:endParaRPr lang="en-US" sz="2400" b="0" i="0" u="none" strike="noStrike">
+                        <a:solidFill>
+                          <a:srgbClr val="000000"/>
+                        </a:solidFill>
+                        <a:effectLst/>
+                        <a:latin typeface="Calibri" panose="020F0502020204030204" pitchFamily="34" charset="0"/>
+                      </a:endParaRPr>
+                    </a:p>
+                  </a:txBody>
+                  <a:tcPr marL="9525" marR="9525" marT="9525" marB="0" anchor="b">
+                    <a:lnL w="12700" cap="flat" cmpd="sng" algn="ctr">
+                      <a:solidFill>
+                        <a:schemeClr val="accent1"/>
+                      </a:solidFill>
+                      <a:prstDash val="solid"/>
+                      <a:round/>
+                      <a:headEnd type="none" w="med" len="med"/>
+                      <a:tailEnd type="none" w="med" len="med"/>
+                    </a:lnL>
+                  </a:tcPr>
+                </a:tc>
+                <a:extLst>
+                  <a:ext uri="{0D108BD9-81ED-4DB2-BD59-A6C34878D82A}">
+                    <a16:rowId xmlns:a16="http://schemas.microsoft.com/office/drawing/2014/main" val="2056058032"/>
+                  </a:ext>
+                </a:extLst>
+              </a:tr>
+              <a:tr h="534247">
+                <a:tc>
+                  <a:txBody>
+                    <a:bodyPr/>
+                    <a:lstStyle/>
+                    <a:p>
+                      <a:pPr algn="l" fontAlgn="b"/>
+                      <a:r>
+                        <a:rPr lang="en-US" sz="2400" u="none" strike="noStrike" dirty="0" err="1">
+                          <a:effectLst/>
+                        </a:rPr>
+                        <a:t>Sample_Housekeeper</a:t>
+                      </a:r>
+                      <a:endParaRPr lang="en-US" sz="2400" b="0" i="0" u="none" strike="noStrike" dirty="0">
+                        <a:solidFill>
+                          <a:srgbClr val="000000"/>
+                        </a:solidFill>
+                        <a:effectLst/>
+                        <a:latin typeface="Calibri" panose="020F0502020204030204" pitchFamily="34" charset="0"/>
+                      </a:endParaRPr>
+                    </a:p>
+                  </a:txBody>
+                  <a:tcPr marL="9525" marR="9525" marT="9525" marB="0" anchor="b">
+                    <a:lnR w="12700" cap="flat" cmpd="sng" algn="ctr">
+                      <a:solidFill>
+                        <a:schemeClr val="accent1"/>
+                      </a:solidFill>
+                      <a:prstDash val="solid"/>
+                      <a:round/>
+                      <a:headEnd type="none" w="med" len="med"/>
+                      <a:tailEnd type="none" w="med" len="med"/>
+                    </a:lnR>
+                  </a:tcPr>
+                </a:tc>
+                <a:tc>
+                  <a:txBody>
+                    <a:bodyPr/>
+                    <a:lstStyle/>
+                    <a:p>
+                      <a:pPr algn="ctr" fontAlgn="b"/>
+                      <a:r>
+                        <a:rPr lang="en-US" sz="2400" u="none" strike="noStrike">
+                          <a:effectLst/>
+                        </a:rPr>
+                        <a:t>0.461</a:t>
+                      </a:r>
+                      <a:endParaRPr lang="en-US" sz="2400" b="0" i="0" u="none" strike="noStrike">
+                        <a:solidFill>
+                          <a:srgbClr val="000000"/>
+                        </a:solidFill>
+                        <a:effectLst/>
+                        <a:latin typeface="Calibri" panose="020F0502020204030204" pitchFamily="34" charset="0"/>
+                      </a:endParaRPr>
+                    </a:p>
+                  </a:txBody>
+                  <a:tcPr marL="9525" marR="9525" marT="9525" marB="0" anchor="b">
+                    <a:lnL w="12700" cap="flat" cmpd="sng" algn="ctr">
+                      <a:solidFill>
+                        <a:schemeClr val="accent1"/>
+                      </a:solidFill>
+                      <a:prstDash val="solid"/>
+                      <a:round/>
+                      <a:headEnd type="none" w="med" len="med"/>
+                      <a:tailEnd type="none" w="med" len="med"/>
+                    </a:lnL>
+                  </a:tcPr>
+                </a:tc>
+                <a:tc>
+                  <a:txBody>
+                    <a:bodyPr/>
+                    <a:lstStyle/>
+                    <a:p>
+                      <a:pPr algn="ctr" fontAlgn="b"/>
+                      <a:r>
+                        <a:rPr lang="en-US" sz="2400" u="none" strike="noStrike">
+                          <a:effectLst/>
+                        </a:rPr>
+                        <a:t>0.114</a:t>
+                      </a:r>
+                      <a:endParaRPr lang="en-US" sz="2400" b="0" i="0" u="none" strike="noStrike">
+                        <a:solidFill>
+                          <a:srgbClr val="000000"/>
+                        </a:solidFill>
+                        <a:effectLst/>
+                        <a:latin typeface="Calibri" panose="020F0502020204030204" pitchFamily="34" charset="0"/>
+                      </a:endParaRPr>
+                    </a:p>
+                  </a:txBody>
+                  <a:tcPr marL="9525" marR="9525" marT="9525" marB="0" anchor="b"/>
+                </a:tc>
+                <a:tc>
+                  <a:txBody>
+                    <a:bodyPr/>
+                    <a:lstStyle/>
+                    <a:p>
+                      <a:pPr algn="ctr" fontAlgn="b"/>
+                      <a:r>
+                        <a:rPr lang="en-US" sz="2400" u="none" strike="noStrike" dirty="0">
+                          <a:effectLst/>
+                        </a:rPr>
+                        <a:t>0.084</a:t>
+                      </a:r>
+                      <a:endParaRPr lang="en-US" sz="2400" b="0" i="0" u="none" strike="noStrike" dirty="0">
+                        <a:solidFill>
+                          <a:srgbClr val="000000"/>
+                        </a:solidFill>
+                        <a:effectLst/>
+                        <a:latin typeface="Calibri" panose="020F0502020204030204" pitchFamily="34" charset="0"/>
+                      </a:endParaRPr>
+                    </a:p>
+                  </a:txBody>
+                  <a:tcPr marL="9525" marR="9525" marT="9525" marB="0" anchor="b"/>
+                </a:tc>
+                <a:tc>
+                  <a:txBody>
+                    <a:bodyPr/>
+                    <a:lstStyle/>
+                    <a:p>
+                      <a:pPr algn="ctr" fontAlgn="b"/>
+                      <a:r>
+                        <a:rPr lang="en-US" sz="2400" u="none" strike="noStrike" dirty="0">
+                          <a:effectLst/>
+                        </a:rPr>
+                        <a:t>0.067</a:t>
+                      </a:r>
+                      <a:endParaRPr lang="en-US" sz="2400" b="0" i="0" u="none" strike="noStrike" dirty="0">
+                        <a:solidFill>
+                          <a:srgbClr val="000000"/>
+                        </a:solidFill>
+                        <a:effectLst/>
+                        <a:latin typeface="Calibri" panose="020F0502020204030204" pitchFamily="34" charset="0"/>
+                      </a:endParaRPr>
+                    </a:p>
+                  </a:txBody>
+                  <a:tcPr marL="9525" marR="9525" marT="9525" marB="0" anchor="b"/>
+                </a:tc>
+                <a:tc>
+                  <a:txBody>
+                    <a:bodyPr/>
+                    <a:lstStyle/>
+                    <a:p>
+                      <a:pPr algn="ctr" fontAlgn="b"/>
+                      <a:r>
+                        <a:rPr lang="en-US" sz="2400" u="none" strike="noStrike" dirty="0">
+                          <a:effectLst/>
+                        </a:rPr>
+                        <a:t>0.274</a:t>
+                      </a:r>
+                      <a:endParaRPr lang="en-US" sz="2400" b="0" i="0" u="none" strike="noStrike" dirty="0">
+                        <a:solidFill>
+                          <a:srgbClr val="000000"/>
+                        </a:solidFill>
+                        <a:effectLst/>
+                        <a:latin typeface="Calibri" panose="020F0502020204030204" pitchFamily="34" charset="0"/>
+                      </a:endParaRPr>
+                    </a:p>
+                  </a:txBody>
+                  <a:tcPr marL="9525" marR="9525" marT="9525" marB="0" anchor="b">
+                    <a:lnR w="12700" cap="flat" cmpd="sng" algn="ctr">
+                      <a:solidFill>
+                        <a:schemeClr val="accent1"/>
+                      </a:solidFill>
+                      <a:prstDash val="solid"/>
+                      <a:round/>
+                      <a:headEnd type="none" w="med" len="med"/>
+                      <a:tailEnd type="none" w="med" len="med"/>
+                    </a:lnR>
+                  </a:tcPr>
+                </a:tc>
+                <a:tc>
+                  <a:txBody>
+                    <a:bodyPr/>
+                    <a:lstStyle/>
+                    <a:p>
+                      <a:pPr algn="r" fontAlgn="b"/>
+                      <a:r>
+                        <a:rPr lang="en-US" sz="2400" u="none" strike="noStrike">
+                          <a:effectLst/>
+                        </a:rPr>
+                        <a:t>1.000</a:t>
+                      </a:r>
+                      <a:endParaRPr lang="en-US" sz="2400" b="0" i="0" u="none" strike="noStrike">
+                        <a:solidFill>
+                          <a:srgbClr val="000000"/>
+                        </a:solidFill>
+                        <a:effectLst/>
+                        <a:latin typeface="Calibri" panose="020F0502020204030204" pitchFamily="34" charset="0"/>
+                      </a:endParaRPr>
+                    </a:p>
+                  </a:txBody>
+                  <a:tcPr marL="9525" marR="9525" marT="9525" marB="0" anchor="b">
+                    <a:lnL w="12700" cap="flat" cmpd="sng" algn="ctr">
+                      <a:solidFill>
+                        <a:schemeClr val="accent1"/>
+                      </a:solidFill>
+                      <a:prstDash val="solid"/>
+                      <a:round/>
+                      <a:headEnd type="none" w="med" len="med"/>
+                      <a:tailEnd type="none" w="med" len="med"/>
+                    </a:lnL>
+                  </a:tcPr>
+                </a:tc>
+                <a:extLst>
+                  <a:ext uri="{0D108BD9-81ED-4DB2-BD59-A6C34878D82A}">
+                    <a16:rowId xmlns:a16="http://schemas.microsoft.com/office/drawing/2014/main" val="3962275300"/>
+                  </a:ext>
+                </a:extLst>
+              </a:tr>
+              <a:tr h="534247">
+                <a:tc>
+                  <a:txBody>
+                    <a:bodyPr/>
+                    <a:lstStyle/>
+                    <a:p>
+                      <a:pPr algn="l" fontAlgn="b"/>
+                      <a:r>
+                        <a:rPr lang="en-US" sz="2400" u="none" strike="noStrike" dirty="0" err="1">
+                          <a:effectLst/>
+                        </a:rPr>
+                        <a:t>Sample_Sales</a:t>
+                      </a:r>
+                      <a:endParaRPr lang="en-US" sz="2400" b="0" i="0" u="none" strike="noStrike" dirty="0">
+                        <a:solidFill>
+                          <a:srgbClr val="000000"/>
+                        </a:solidFill>
+                        <a:effectLst/>
+                        <a:latin typeface="Calibri" panose="020F0502020204030204" pitchFamily="34" charset="0"/>
+                      </a:endParaRPr>
+                    </a:p>
+                  </a:txBody>
+                  <a:tcPr marL="9525" marR="9525" marT="9525" marB="0" anchor="b">
+                    <a:lnR w="12700" cap="flat" cmpd="sng" algn="ctr">
+                      <a:solidFill>
+                        <a:schemeClr val="accent1"/>
+                      </a:solidFill>
+                      <a:prstDash val="solid"/>
+                      <a:round/>
+                      <a:headEnd type="none" w="med" len="med"/>
+                      <a:tailEnd type="none" w="med" len="med"/>
+                    </a:lnR>
+                  </a:tcPr>
+                </a:tc>
+                <a:tc>
+                  <a:txBody>
+                    <a:bodyPr/>
+                    <a:lstStyle/>
+                    <a:p>
+                      <a:pPr algn="ctr" fontAlgn="b"/>
+                      <a:r>
+                        <a:rPr lang="en-US" sz="2400" u="none" strike="noStrike">
+                          <a:effectLst/>
+                        </a:rPr>
+                        <a:t>0.507</a:t>
+                      </a:r>
+                      <a:endParaRPr lang="en-US" sz="2400" b="0" i="0" u="none" strike="noStrike">
+                        <a:solidFill>
+                          <a:srgbClr val="000000"/>
+                        </a:solidFill>
+                        <a:effectLst/>
+                        <a:latin typeface="Calibri" panose="020F0502020204030204" pitchFamily="34" charset="0"/>
+                      </a:endParaRPr>
+                    </a:p>
+                  </a:txBody>
+                  <a:tcPr marL="9525" marR="9525" marT="9525" marB="0" anchor="b">
+                    <a:lnL w="12700" cap="flat" cmpd="sng" algn="ctr">
+                      <a:solidFill>
+                        <a:schemeClr val="accent1"/>
+                      </a:solidFill>
+                      <a:prstDash val="solid"/>
+                      <a:round/>
+                      <a:headEnd type="none" w="med" len="med"/>
+                      <a:tailEnd type="none" w="med" len="med"/>
+                    </a:lnL>
+                  </a:tcPr>
+                </a:tc>
+                <a:tc>
+                  <a:txBody>
+                    <a:bodyPr/>
+                    <a:lstStyle/>
+                    <a:p>
+                      <a:pPr algn="ctr" fontAlgn="b"/>
+                      <a:r>
+                        <a:rPr lang="en-US" sz="2400" u="none" strike="noStrike">
+                          <a:effectLst/>
+                        </a:rPr>
+                        <a:t>0.000</a:t>
+                      </a:r>
+                      <a:endParaRPr lang="en-US" sz="2400" b="0" i="0" u="none" strike="noStrike">
+                        <a:solidFill>
+                          <a:srgbClr val="000000"/>
+                        </a:solidFill>
+                        <a:effectLst/>
+                        <a:latin typeface="Calibri" panose="020F0502020204030204" pitchFamily="34" charset="0"/>
+                      </a:endParaRPr>
+                    </a:p>
+                  </a:txBody>
+                  <a:tcPr marL="9525" marR="9525" marT="9525" marB="0" anchor="b"/>
+                </a:tc>
+                <a:tc>
+                  <a:txBody>
+                    <a:bodyPr/>
+                    <a:lstStyle/>
+                    <a:p>
+                      <a:pPr algn="ctr" fontAlgn="b"/>
+                      <a:r>
+                        <a:rPr lang="en-US" sz="2400" u="none" strike="noStrike">
+                          <a:effectLst/>
+                        </a:rPr>
+                        <a:t>0.030</a:t>
+                      </a:r>
+                      <a:endParaRPr lang="en-US" sz="2400" b="0" i="0" u="none" strike="noStrike">
+                        <a:solidFill>
+                          <a:srgbClr val="000000"/>
+                        </a:solidFill>
+                        <a:effectLst/>
+                        <a:latin typeface="Calibri" panose="020F0502020204030204" pitchFamily="34" charset="0"/>
+                      </a:endParaRPr>
+                    </a:p>
+                  </a:txBody>
+                  <a:tcPr marL="9525" marR="9525" marT="9525" marB="0" anchor="b"/>
+                </a:tc>
+                <a:tc>
+                  <a:txBody>
+                    <a:bodyPr/>
+                    <a:lstStyle/>
+                    <a:p>
+                      <a:pPr algn="ctr" fontAlgn="b"/>
+                      <a:r>
+                        <a:rPr lang="en-US" sz="2400" u="none" strike="noStrike" dirty="0">
+                          <a:effectLst/>
+                        </a:rPr>
+                        <a:t>0.026</a:t>
+                      </a:r>
+                      <a:endParaRPr lang="en-US" sz="2400" b="0" i="0" u="none" strike="noStrike" dirty="0">
+                        <a:solidFill>
+                          <a:srgbClr val="000000"/>
+                        </a:solidFill>
+                        <a:effectLst/>
+                        <a:latin typeface="Calibri" panose="020F0502020204030204" pitchFamily="34" charset="0"/>
+                      </a:endParaRPr>
+                    </a:p>
+                  </a:txBody>
+                  <a:tcPr marL="9525" marR="9525" marT="9525" marB="0" anchor="b"/>
+                </a:tc>
+                <a:tc>
+                  <a:txBody>
+                    <a:bodyPr/>
+                    <a:lstStyle/>
+                    <a:p>
+                      <a:pPr algn="ctr" fontAlgn="b"/>
+                      <a:r>
+                        <a:rPr lang="en-US" sz="2400" u="none" strike="noStrike" dirty="0">
+                          <a:effectLst/>
+                        </a:rPr>
+                        <a:t>0.437</a:t>
+                      </a:r>
+                      <a:endParaRPr lang="en-US" sz="2400" b="0" i="0" u="none" strike="noStrike" dirty="0">
+                        <a:solidFill>
+                          <a:srgbClr val="000000"/>
+                        </a:solidFill>
+                        <a:effectLst/>
+                        <a:latin typeface="Calibri" panose="020F0502020204030204" pitchFamily="34" charset="0"/>
+                      </a:endParaRPr>
+                    </a:p>
+                  </a:txBody>
+                  <a:tcPr marL="9525" marR="9525" marT="9525" marB="0" anchor="b">
+                    <a:lnR w="12700" cap="flat" cmpd="sng" algn="ctr">
+                      <a:solidFill>
+                        <a:schemeClr val="accent1"/>
+                      </a:solidFill>
+                      <a:prstDash val="solid"/>
+                      <a:round/>
+                      <a:headEnd type="none" w="med" len="med"/>
+                      <a:tailEnd type="none" w="med" len="med"/>
+                    </a:lnR>
+                  </a:tcPr>
+                </a:tc>
+                <a:tc>
+                  <a:txBody>
+                    <a:bodyPr/>
+                    <a:lstStyle/>
+                    <a:p>
+                      <a:pPr algn="r" fontAlgn="b"/>
+                      <a:r>
+                        <a:rPr lang="en-US" sz="2400" u="none" strike="noStrike" dirty="0">
+                          <a:effectLst/>
+                        </a:rPr>
+                        <a:t>1.000</a:t>
+                      </a:r>
+                      <a:endParaRPr lang="en-US" sz="2400" b="0" i="0" u="none" strike="noStrike" dirty="0">
+                        <a:solidFill>
+                          <a:srgbClr val="000000"/>
+                        </a:solidFill>
+                        <a:effectLst/>
+                        <a:latin typeface="Calibri" panose="020F0502020204030204" pitchFamily="34" charset="0"/>
+                      </a:endParaRPr>
+                    </a:p>
+                  </a:txBody>
+                  <a:tcPr marL="9525" marR="9525" marT="9525" marB="0" anchor="b">
+                    <a:lnL w="12700" cap="flat" cmpd="sng" algn="ctr">
+                      <a:solidFill>
+                        <a:schemeClr val="accent1"/>
+                      </a:solidFill>
+                      <a:prstDash val="solid"/>
+                      <a:round/>
+                      <a:headEnd type="none" w="med" len="med"/>
+                      <a:tailEnd type="none" w="med" len="med"/>
+                    </a:lnL>
+                  </a:tcPr>
+                </a:tc>
+                <a:extLst>
+                  <a:ext uri="{0D108BD9-81ED-4DB2-BD59-A6C34878D82A}">
+                    <a16:rowId xmlns:a16="http://schemas.microsoft.com/office/drawing/2014/main" val="2661826604"/>
+                  </a:ext>
+                </a:extLst>
+              </a:tr>
+            </a:tbl>
+          </a:graphicData>
+        </a:graphic>
+      </p:graphicFrame>
+      <p:sp>
+        <p:nvSpPr>
+          <p:cNvPr id="5" name="Rectangle 4">
+            <a:extLst>
+              <a:ext uri="{FF2B5EF4-FFF2-40B4-BE49-F238E27FC236}">
+                <a16:creationId xmlns:a16="http://schemas.microsoft.com/office/drawing/2014/main" id="{7BF45E85-3EAC-4ED2-ABF1-ACF130FE897C}"/>
+              </a:ext>
+            </a:extLst>
+          </p:cNvPr>
+          <p:cNvSpPr/>
+          <p:nvPr/>
         </p:nvSpPr>
-        <p:spPr/>
+        <p:spPr>
+          <a:xfrm>
+            <a:off x="838200" y="5905020"/>
+            <a:ext cx="10515600" cy="461665"/>
+          </a:xfrm>
+          <a:prstGeom prst="rect">
+            <a:avLst/>
+          </a:prstGeom>
+        </p:spPr>
         <p:txBody>
-          <a:bodyPr/>
+          <a:bodyPr wrap="square">
+            <a:spAutoFit/>
+          </a:bodyPr>
           <a:lstStyle/>
           <a:p>
-            <a:endParaRPr lang="en-US"/>
+            <a:pPr algn="ctr"/>
+            <a:r>
+              <a:rPr lang="en-US" sz="2400" dirty="0" err="1"/>
+              <a:t>resume.topics</a:t>
+            </a:r>
+            <a:r>
+              <a:rPr lang="en-US" sz="2400" dirty="0"/>
+              <a:t> &lt;- </a:t>
+            </a:r>
+            <a:r>
+              <a:rPr lang="en-US" sz="2400" dirty="0" err="1"/>
+              <a:t>topicmodels</a:t>
+            </a:r>
+            <a:r>
+              <a:rPr lang="en-US" sz="2400" dirty="0"/>
+              <a:t>::posterior(</a:t>
+            </a:r>
+            <a:r>
+              <a:rPr lang="en-US" sz="2400" dirty="0" err="1"/>
+              <a:t>jobs.lda,newdata</a:t>
+            </a:r>
+            <a:r>
+              <a:rPr lang="en-US" sz="2400" dirty="0"/>
+              <a:t> = </a:t>
+            </a:r>
+            <a:r>
+              <a:rPr lang="en-US" sz="2400" dirty="0" err="1"/>
+              <a:t>resume.dtm</a:t>
+            </a:r>
+            <a:r>
+              <a:rPr lang="en-US" sz="2400" dirty="0"/>
+              <a:t>)</a:t>
+            </a:r>
           </a:p>
         </p:txBody>
       </p:sp>
     </p:spTree>
     <p:extLst>
       <p:ext uri="{BB962C8B-B14F-4D97-AF65-F5344CB8AC3E}">
-        <p14:creationId xmlns:p14="http://schemas.microsoft.com/office/powerpoint/2010/main" val="3167346521"/>
+        <p14:creationId xmlns:p14="http://schemas.microsoft.com/office/powerpoint/2010/main" val="1689597098"/>
       </p:ext>
     </p:extLst>
   </p:cSld>
@@ -7730,7 +11014,7 @@
           <p:cNvPr id="2" name="Title 1">
             <a:extLst>
               <a:ext uri="{FF2B5EF4-FFF2-40B4-BE49-F238E27FC236}">
-                <a16:creationId xmlns:a16="http://schemas.microsoft.com/office/drawing/2014/main" id="{4C3AEDB0-7165-499A-BE92-E0CD0EDBB716}"/>
+                <a16:creationId xmlns:a16="http://schemas.microsoft.com/office/drawing/2014/main" id="{69EB7ECF-A088-47A2-9B6D-A520E90F0F1F}"/>
               </a:ext>
             </a:extLst>
           </p:cNvPr>
@@ -7746,7 +11030,10 @@
           <a:bodyPr/>
           <a:lstStyle/>
           <a:p>
-            <a:endParaRPr lang="en-US"/>
+            <a:r>
+              <a:rPr lang="en-US" dirty="0"/>
+              <a:t>Evaluation</a:t>
+            </a:r>
           </a:p>
         </p:txBody>
       </p:sp>
@@ -7755,7 +11042,7 @@
           <p:cNvPr id="3" name="Content Placeholder 2">
             <a:extLst>
               <a:ext uri="{FF2B5EF4-FFF2-40B4-BE49-F238E27FC236}">
-                <a16:creationId xmlns:a16="http://schemas.microsoft.com/office/drawing/2014/main" id="{520C38B0-A451-4248-8723-574CA9F639CF}"/>
+                <a16:creationId xmlns:a16="http://schemas.microsoft.com/office/drawing/2014/main" id="{76A4FA34-4101-4DB8-BDB1-B2BFA4449A68}"/>
               </a:ext>
             </a:extLst>
           </p:cNvPr>
@@ -7771,14 +11058,14 @@
           <a:bodyPr/>
           <a:lstStyle/>
           <a:p>
-            <a:endParaRPr lang="en-US"/>
+            <a:endParaRPr lang="en-US" dirty="0"/>
           </a:p>
         </p:txBody>
       </p:sp>
     </p:spTree>
     <p:extLst>
       <p:ext uri="{BB962C8B-B14F-4D97-AF65-F5344CB8AC3E}">
-        <p14:creationId xmlns:p14="http://schemas.microsoft.com/office/powerpoint/2010/main" val="2087181538"/>
+        <p14:creationId xmlns:p14="http://schemas.microsoft.com/office/powerpoint/2010/main" val="3407193998"/>
       </p:ext>
     </p:extLst>
   </p:cSld>
@@ -7907,6 +11194,249 @@
     <p:extLst>
       <p:ext uri="{BB962C8B-B14F-4D97-AF65-F5344CB8AC3E}">
         <p14:creationId xmlns:p14="http://schemas.microsoft.com/office/powerpoint/2010/main" val="447779202"/>
+      </p:ext>
+    </p:extLst>
+  </p:cSld>
+  <p:clrMapOvr>
+    <a:masterClrMapping/>
+  </p:clrMapOvr>
+</p:sld>
+</file>
+
+<file path=ppt/slides/slide20.xml><?xml version="1.0" encoding="utf-8"?>
+<p:sld xmlns:a="http://schemas.openxmlformats.org/drawingml/2006/main" xmlns:r="http://schemas.openxmlformats.org/officeDocument/2006/relationships" xmlns:p="http://schemas.openxmlformats.org/presentationml/2006/main">
+  <p:cSld>
+    <p:spTree>
+      <p:nvGrpSpPr>
+        <p:cNvPr id="1" name=""/>
+        <p:cNvGrpSpPr/>
+        <p:nvPr/>
+      </p:nvGrpSpPr>
+      <p:grpSpPr>
+        <a:xfrm>
+          <a:off x="0" y="0"/>
+          <a:ext cx="0" cy="0"/>
+          <a:chOff x="0" y="0"/>
+          <a:chExt cx="0" cy="0"/>
+        </a:xfrm>
+      </p:grpSpPr>
+      <p:sp>
+        <p:nvSpPr>
+          <p:cNvPr id="2" name="Title 1">
+            <a:extLst>
+              <a:ext uri="{FF2B5EF4-FFF2-40B4-BE49-F238E27FC236}">
+                <a16:creationId xmlns:a16="http://schemas.microsoft.com/office/drawing/2014/main" id="{83D2FCD0-74AF-46F9-8C29-8DF121006AFD}"/>
+              </a:ext>
+            </a:extLst>
+          </p:cNvPr>
+          <p:cNvSpPr>
+            <a:spLocks noGrp="1"/>
+          </p:cNvSpPr>
+          <p:nvPr>
+            <p:ph type="title"/>
+          </p:nvPr>
+        </p:nvSpPr>
+        <p:spPr/>
+        <p:txBody>
+          <a:bodyPr/>
+          <a:lstStyle/>
+          <a:p>
+            <a:endParaRPr lang="en-US"/>
+          </a:p>
+        </p:txBody>
+      </p:sp>
+      <p:sp>
+        <p:nvSpPr>
+          <p:cNvPr id="3" name="Content Placeholder 2">
+            <a:extLst>
+              <a:ext uri="{FF2B5EF4-FFF2-40B4-BE49-F238E27FC236}">
+                <a16:creationId xmlns:a16="http://schemas.microsoft.com/office/drawing/2014/main" id="{4C70BCF9-73F1-495A-9177-2AB26D26FF91}"/>
+              </a:ext>
+            </a:extLst>
+          </p:cNvPr>
+          <p:cNvSpPr>
+            <a:spLocks noGrp="1"/>
+          </p:cNvSpPr>
+          <p:nvPr>
+            <p:ph idx="1"/>
+          </p:nvPr>
+        </p:nvSpPr>
+        <p:spPr/>
+        <p:txBody>
+          <a:bodyPr/>
+          <a:lstStyle/>
+          <a:p>
+            <a:endParaRPr lang="en-US"/>
+          </a:p>
+        </p:txBody>
+      </p:sp>
+    </p:spTree>
+    <p:extLst>
+      <p:ext uri="{BB962C8B-B14F-4D97-AF65-F5344CB8AC3E}">
+        <p14:creationId xmlns:p14="http://schemas.microsoft.com/office/powerpoint/2010/main" val="4033900076"/>
+      </p:ext>
+    </p:extLst>
+  </p:cSld>
+  <p:clrMapOvr>
+    <a:masterClrMapping/>
+  </p:clrMapOvr>
+</p:sld>
+</file>
+
+<file path=ppt/slides/slide21.xml><?xml version="1.0" encoding="utf-8"?>
+<p:sld xmlns:a="http://schemas.openxmlformats.org/drawingml/2006/main" xmlns:r="http://schemas.openxmlformats.org/officeDocument/2006/relationships" xmlns:p="http://schemas.openxmlformats.org/presentationml/2006/main">
+  <p:cSld>
+    <p:spTree>
+      <p:nvGrpSpPr>
+        <p:cNvPr id="1" name=""/>
+        <p:cNvGrpSpPr/>
+        <p:nvPr/>
+      </p:nvGrpSpPr>
+      <p:grpSpPr>
+        <a:xfrm>
+          <a:off x="0" y="0"/>
+          <a:ext cx="0" cy="0"/>
+          <a:chOff x="0" y="0"/>
+          <a:chExt cx="0" cy="0"/>
+        </a:xfrm>
+      </p:grpSpPr>
+      <p:sp>
+        <p:nvSpPr>
+          <p:cNvPr id="2" name="Title 1">
+            <a:extLst>
+              <a:ext uri="{FF2B5EF4-FFF2-40B4-BE49-F238E27FC236}">
+                <a16:creationId xmlns:a16="http://schemas.microsoft.com/office/drawing/2014/main" id="{F20945F2-8D92-420A-815D-2D60176E6A01}"/>
+              </a:ext>
+            </a:extLst>
+          </p:cNvPr>
+          <p:cNvSpPr>
+            <a:spLocks noGrp="1"/>
+          </p:cNvSpPr>
+          <p:nvPr>
+            <p:ph type="title"/>
+          </p:nvPr>
+        </p:nvSpPr>
+        <p:spPr/>
+        <p:txBody>
+          <a:bodyPr/>
+          <a:lstStyle/>
+          <a:p>
+            <a:r>
+              <a:rPr lang="en-US" dirty="0"/>
+              <a:t>Next Steps…</a:t>
+            </a:r>
+          </a:p>
+        </p:txBody>
+      </p:sp>
+      <p:sp>
+        <p:nvSpPr>
+          <p:cNvPr id="3" name="Content Placeholder 2">
+            <a:extLst>
+              <a:ext uri="{FF2B5EF4-FFF2-40B4-BE49-F238E27FC236}">
+                <a16:creationId xmlns:a16="http://schemas.microsoft.com/office/drawing/2014/main" id="{BB5CE37B-29D2-4734-B33A-DA1505DC83B8}"/>
+              </a:ext>
+            </a:extLst>
+          </p:cNvPr>
+          <p:cNvSpPr>
+            <a:spLocks noGrp="1"/>
+          </p:cNvSpPr>
+          <p:nvPr>
+            <p:ph idx="1"/>
+          </p:nvPr>
+        </p:nvSpPr>
+        <p:spPr/>
+        <p:txBody>
+          <a:bodyPr/>
+          <a:lstStyle/>
+          <a:p>
+            <a:endParaRPr lang="en-US"/>
+          </a:p>
+        </p:txBody>
+      </p:sp>
+    </p:spTree>
+    <p:extLst>
+      <p:ext uri="{BB962C8B-B14F-4D97-AF65-F5344CB8AC3E}">
+        <p14:creationId xmlns:p14="http://schemas.microsoft.com/office/powerpoint/2010/main" val="3167346521"/>
+      </p:ext>
+    </p:extLst>
+  </p:cSld>
+  <p:clrMapOvr>
+    <a:masterClrMapping/>
+  </p:clrMapOvr>
+</p:sld>
+</file>
+
+<file path=ppt/slides/slide22.xml><?xml version="1.0" encoding="utf-8"?>
+<p:sld xmlns:a="http://schemas.openxmlformats.org/drawingml/2006/main" xmlns:r="http://schemas.openxmlformats.org/officeDocument/2006/relationships" xmlns:p="http://schemas.openxmlformats.org/presentationml/2006/main">
+  <p:cSld>
+    <p:spTree>
+      <p:nvGrpSpPr>
+        <p:cNvPr id="1" name=""/>
+        <p:cNvGrpSpPr/>
+        <p:nvPr/>
+      </p:nvGrpSpPr>
+      <p:grpSpPr>
+        <a:xfrm>
+          <a:off x="0" y="0"/>
+          <a:ext cx="0" cy="0"/>
+          <a:chOff x="0" y="0"/>
+          <a:chExt cx="0" cy="0"/>
+        </a:xfrm>
+      </p:grpSpPr>
+      <p:sp>
+        <p:nvSpPr>
+          <p:cNvPr id="2" name="Title 1">
+            <a:extLst>
+              <a:ext uri="{FF2B5EF4-FFF2-40B4-BE49-F238E27FC236}">
+                <a16:creationId xmlns:a16="http://schemas.microsoft.com/office/drawing/2014/main" id="{4C3AEDB0-7165-499A-BE92-E0CD0EDBB716}"/>
+              </a:ext>
+            </a:extLst>
+          </p:cNvPr>
+          <p:cNvSpPr>
+            <a:spLocks noGrp="1"/>
+          </p:cNvSpPr>
+          <p:nvPr>
+            <p:ph type="title"/>
+          </p:nvPr>
+        </p:nvSpPr>
+        <p:spPr/>
+        <p:txBody>
+          <a:bodyPr/>
+          <a:lstStyle/>
+          <a:p>
+            <a:endParaRPr lang="en-US"/>
+          </a:p>
+        </p:txBody>
+      </p:sp>
+      <p:sp>
+        <p:nvSpPr>
+          <p:cNvPr id="3" name="Content Placeholder 2">
+            <a:extLst>
+              <a:ext uri="{FF2B5EF4-FFF2-40B4-BE49-F238E27FC236}">
+                <a16:creationId xmlns:a16="http://schemas.microsoft.com/office/drawing/2014/main" id="{520C38B0-A451-4248-8723-574CA9F639CF}"/>
+              </a:ext>
+            </a:extLst>
+          </p:cNvPr>
+          <p:cNvSpPr>
+            <a:spLocks noGrp="1"/>
+          </p:cNvSpPr>
+          <p:nvPr>
+            <p:ph idx="1"/>
+          </p:nvPr>
+        </p:nvSpPr>
+        <p:spPr/>
+        <p:txBody>
+          <a:bodyPr/>
+          <a:lstStyle/>
+          <a:p>
+            <a:endParaRPr lang="en-US"/>
+          </a:p>
+        </p:txBody>
+      </p:sp>
+    </p:spTree>
+    <p:extLst>
+      <p:ext uri="{BB962C8B-B14F-4D97-AF65-F5344CB8AC3E}">
+        <p14:creationId xmlns:p14="http://schemas.microsoft.com/office/powerpoint/2010/main" val="2087181538"/>
       </p:ext>
     </p:extLst>
   </p:cSld>

--- a/Jobs Analysis.pptx
+++ b/Jobs Analysis.pptx
@@ -23,10 +23,11 @@
     <p:sldId id="277" r:id="rId17"/>
     <p:sldId id="278" r:id="rId18"/>
     <p:sldId id="279" r:id="rId19"/>
-    <p:sldId id="267" r:id="rId20"/>
-    <p:sldId id="268" r:id="rId21"/>
-    <p:sldId id="269" r:id="rId22"/>
-    <p:sldId id="270" r:id="rId23"/>
+    <p:sldId id="280" r:id="rId20"/>
+    <p:sldId id="267" r:id="rId21"/>
+    <p:sldId id="268" r:id="rId22"/>
+    <p:sldId id="269" r:id="rId23"/>
+    <p:sldId id="270" r:id="rId24"/>
   </p:sldIdLst>
   <p:sldSz cx="12192000" cy="6858000"/>
   <p:notesSz cx="6858000" cy="9144000"/>
@@ -11014,7 +11015,7 @@
           <p:cNvPr id="2" name="Title 1">
             <a:extLst>
               <a:ext uri="{FF2B5EF4-FFF2-40B4-BE49-F238E27FC236}">
-                <a16:creationId xmlns:a16="http://schemas.microsoft.com/office/drawing/2014/main" id="{69EB7ECF-A088-47A2-9B6D-A520E90F0F1F}"/>
+                <a16:creationId xmlns:a16="http://schemas.microsoft.com/office/drawing/2014/main" id="{B8D8FF8A-96C9-49D8-BA5C-977B947079A0}"/>
               </a:ext>
             </a:extLst>
           </p:cNvPr>
@@ -11032,40 +11033,1566 @@
           <a:p>
             <a:r>
               <a:rPr lang="en-US" dirty="0"/>
-              <a:t>Evaluation</a:t>
+              <a:t>LDA Resume Categorization (k = 50)</a:t>
             </a:r>
           </a:p>
         </p:txBody>
       </p:sp>
-      <p:sp>
-        <p:nvSpPr>
-          <p:cNvPr id="3" name="Content Placeholder 2">
+      <p:graphicFrame>
+        <p:nvGraphicFramePr>
+          <p:cNvPr id="4" name="Content Placeholder 3">
             <a:extLst>
               <a:ext uri="{FF2B5EF4-FFF2-40B4-BE49-F238E27FC236}">
-                <a16:creationId xmlns:a16="http://schemas.microsoft.com/office/drawing/2014/main" id="{76A4FA34-4101-4DB8-BDB1-B2BFA4449A68}"/>
+                <a16:creationId xmlns:a16="http://schemas.microsoft.com/office/drawing/2014/main" id="{5054AF7E-388E-4846-8137-09F6956DAA90}"/>
               </a:ext>
             </a:extLst>
           </p:cNvPr>
-          <p:cNvSpPr>
-            <a:spLocks noGrp="1"/>
-          </p:cNvSpPr>
+          <p:cNvGraphicFramePr>
+            <a:graphicFrameLocks noGrp="1"/>
+          </p:cNvGraphicFramePr>
           <p:nvPr>
             <p:ph idx="1"/>
+            <p:extLst>
+              <p:ext uri="{D42A27DB-BD31-4B8C-83A1-F6EECF244321}">
+                <p14:modId xmlns:p14="http://schemas.microsoft.com/office/powerpoint/2010/main" val="3013031636"/>
+              </p:ext>
+            </p:extLst>
           </p:nvPr>
+        </p:nvGraphicFramePr>
+        <p:xfrm>
+          <a:off x="838200" y="1690688"/>
+          <a:ext cx="10515603" cy="3739729"/>
+        </p:xfrm>
+        <a:graphic>
+          <a:graphicData uri="http://schemas.openxmlformats.org/drawingml/2006/table">
+            <a:tbl>
+              <a:tblPr>
+                <a:tableStyleId>{3B4B98B0-60AC-42C2-AFA5-B58CD77FA1E5}</a:tableStyleId>
+              </a:tblPr>
+              <a:tblGrid>
+                <a:gridCol w="2925393">
+                  <a:extLst>
+                    <a:ext uri="{9D8B030D-6E8A-4147-A177-3AD203B41FA5}">
+                      <a16:colId xmlns:a16="http://schemas.microsoft.com/office/drawing/2014/main" val="394654090"/>
+                    </a:ext>
+                  </a:extLst>
+                </a:gridCol>
+                <a:gridCol w="1265035">
+                  <a:extLst>
+                    <a:ext uri="{9D8B030D-6E8A-4147-A177-3AD203B41FA5}">
+                      <a16:colId xmlns:a16="http://schemas.microsoft.com/office/drawing/2014/main" val="831524205"/>
+                    </a:ext>
+                  </a:extLst>
+                </a:gridCol>
+                <a:gridCol w="1265035">
+                  <a:extLst>
+                    <a:ext uri="{9D8B030D-6E8A-4147-A177-3AD203B41FA5}">
+                      <a16:colId xmlns:a16="http://schemas.microsoft.com/office/drawing/2014/main" val="162282696"/>
+                    </a:ext>
+                  </a:extLst>
+                </a:gridCol>
+                <a:gridCol w="1265035">
+                  <a:extLst>
+                    <a:ext uri="{9D8B030D-6E8A-4147-A177-3AD203B41FA5}">
+                      <a16:colId xmlns:a16="http://schemas.microsoft.com/office/drawing/2014/main" val="1948352023"/>
+                    </a:ext>
+                  </a:extLst>
+                </a:gridCol>
+                <a:gridCol w="1265035">
+                  <a:extLst>
+                    <a:ext uri="{9D8B030D-6E8A-4147-A177-3AD203B41FA5}">
+                      <a16:colId xmlns:a16="http://schemas.microsoft.com/office/drawing/2014/main" val="1012470258"/>
+                    </a:ext>
+                  </a:extLst>
+                </a:gridCol>
+                <a:gridCol w="1265035">
+                  <a:extLst>
+                    <a:ext uri="{9D8B030D-6E8A-4147-A177-3AD203B41FA5}">
+                      <a16:colId xmlns:a16="http://schemas.microsoft.com/office/drawing/2014/main" val="2944731519"/>
+                    </a:ext>
+                  </a:extLst>
+                </a:gridCol>
+                <a:gridCol w="1265035">
+                  <a:extLst>
+                    <a:ext uri="{9D8B030D-6E8A-4147-A177-3AD203B41FA5}">
+                      <a16:colId xmlns:a16="http://schemas.microsoft.com/office/drawing/2014/main" val="306164675"/>
+                    </a:ext>
+                  </a:extLst>
+                </a:gridCol>
+              </a:tblGrid>
+              <a:tr h="534247">
+                <a:tc>
+                  <a:txBody>
+                    <a:bodyPr/>
+                    <a:lstStyle/>
+                    <a:p>
+                      <a:pPr algn="l" fontAlgn="b"/>
+                      <a:endParaRPr lang="en-US" sz="2400" b="0" i="0" u="none" strike="noStrike" dirty="0">
+                        <a:solidFill>
+                          <a:srgbClr val="000000"/>
+                        </a:solidFill>
+                        <a:effectLst/>
+                        <a:latin typeface="Calibri" panose="020F0502020204030204" pitchFamily="34" charset="0"/>
+                      </a:endParaRPr>
+                    </a:p>
+                  </a:txBody>
+                  <a:tcPr marL="9525" marR="9525" marT="9525" marB="0" anchor="b">
+                    <a:lnB w="12700" cap="flat" cmpd="sng" algn="ctr">
+                      <a:solidFill>
+                        <a:schemeClr val="accent1"/>
+                      </a:solidFill>
+                      <a:prstDash val="solid"/>
+                      <a:round/>
+                      <a:headEnd type="none" w="med" len="med"/>
+                      <a:tailEnd type="none" w="med" len="med"/>
+                    </a:lnB>
+                  </a:tcPr>
+                </a:tc>
+                <a:tc>
+                  <a:txBody>
+                    <a:bodyPr/>
+                    <a:lstStyle/>
+                    <a:p>
+                      <a:pPr algn="ctr" fontAlgn="b"/>
+                      <a:r>
+                        <a:rPr lang="en-US" sz="2400" b="0" i="0" u="none" strike="noStrike" dirty="0">
+                          <a:solidFill>
+                            <a:srgbClr val="000000"/>
+                          </a:solidFill>
+                          <a:effectLst/>
+                          <a:latin typeface="Calibri" panose="020F0502020204030204" pitchFamily="34" charset="0"/>
+                        </a:rPr>
+                        <a:t>Topic 3</a:t>
+                      </a:r>
+                    </a:p>
+                  </a:txBody>
+                  <a:tcPr marL="9525" marR="9525" marT="9525" marB="0" anchor="b">
+                    <a:lnB w="12700" cap="flat" cmpd="sng" algn="ctr">
+                      <a:solidFill>
+                        <a:schemeClr val="accent1"/>
+                      </a:solidFill>
+                      <a:prstDash val="solid"/>
+                      <a:round/>
+                      <a:headEnd type="none" w="med" len="med"/>
+                      <a:tailEnd type="none" w="med" len="med"/>
+                    </a:lnB>
+                  </a:tcPr>
+                </a:tc>
+                <a:tc>
+                  <a:txBody>
+                    <a:bodyPr/>
+                    <a:lstStyle/>
+                    <a:p>
+                      <a:pPr algn="ctr" fontAlgn="b"/>
+                      <a:r>
+                        <a:rPr lang="en-US" sz="2400" b="0" i="0" u="none" strike="noStrike" dirty="0">
+                          <a:solidFill>
+                            <a:srgbClr val="000000"/>
+                          </a:solidFill>
+                          <a:effectLst/>
+                          <a:latin typeface="Calibri" panose="020F0502020204030204" pitchFamily="34" charset="0"/>
+                        </a:rPr>
+                        <a:t>Topic 9</a:t>
+                      </a:r>
+                    </a:p>
+                  </a:txBody>
+                  <a:tcPr marL="9525" marR="9525" marT="9525" marB="0" anchor="b">
+                    <a:lnB w="12700" cap="flat" cmpd="sng" algn="ctr">
+                      <a:solidFill>
+                        <a:schemeClr val="accent1"/>
+                      </a:solidFill>
+                      <a:prstDash val="solid"/>
+                      <a:round/>
+                      <a:headEnd type="none" w="med" len="med"/>
+                      <a:tailEnd type="none" w="med" len="med"/>
+                    </a:lnB>
+                  </a:tcPr>
+                </a:tc>
+                <a:tc>
+                  <a:txBody>
+                    <a:bodyPr/>
+                    <a:lstStyle/>
+                    <a:p>
+                      <a:pPr algn="ctr" fontAlgn="b"/>
+                      <a:r>
+                        <a:rPr lang="en-US" sz="2400" b="0" i="0" u="none" strike="noStrike">
+                          <a:solidFill>
+                            <a:srgbClr val="000000"/>
+                          </a:solidFill>
+                          <a:effectLst/>
+                          <a:latin typeface="Calibri" panose="020F0502020204030204" pitchFamily="34" charset="0"/>
+                        </a:rPr>
+                        <a:t>Topic 46</a:t>
+                      </a:r>
+                    </a:p>
+                  </a:txBody>
+                  <a:tcPr marL="9525" marR="9525" marT="9525" marB="0" anchor="b">
+                    <a:lnB w="12700" cap="flat" cmpd="sng" algn="ctr">
+                      <a:solidFill>
+                        <a:schemeClr val="accent1"/>
+                      </a:solidFill>
+                      <a:prstDash val="solid"/>
+                      <a:round/>
+                      <a:headEnd type="none" w="med" len="med"/>
+                      <a:tailEnd type="none" w="med" len="med"/>
+                    </a:lnB>
+                  </a:tcPr>
+                </a:tc>
+                <a:tc>
+                  <a:txBody>
+                    <a:bodyPr/>
+                    <a:lstStyle/>
+                    <a:p>
+                      <a:pPr algn="ctr" fontAlgn="b"/>
+                      <a:r>
+                        <a:rPr lang="en-US" sz="2400" b="0" i="0" u="none" strike="noStrike">
+                          <a:solidFill>
+                            <a:srgbClr val="000000"/>
+                          </a:solidFill>
+                          <a:effectLst/>
+                          <a:latin typeface="Calibri" panose="020F0502020204030204" pitchFamily="34" charset="0"/>
+                        </a:rPr>
+                        <a:t>Topic 37</a:t>
+                      </a:r>
+                    </a:p>
+                  </a:txBody>
+                  <a:tcPr marL="9525" marR="9525" marT="9525" marB="0" anchor="b">
+                    <a:lnB w="12700" cap="flat" cmpd="sng" algn="ctr">
+                      <a:solidFill>
+                        <a:schemeClr val="accent1"/>
+                      </a:solidFill>
+                      <a:prstDash val="solid"/>
+                      <a:round/>
+                      <a:headEnd type="none" w="med" len="med"/>
+                      <a:tailEnd type="none" w="med" len="med"/>
+                    </a:lnB>
+                  </a:tcPr>
+                </a:tc>
+                <a:tc>
+                  <a:txBody>
+                    <a:bodyPr/>
+                    <a:lstStyle/>
+                    <a:p>
+                      <a:pPr algn="ctr" fontAlgn="b"/>
+                      <a:r>
+                        <a:rPr lang="en-US" sz="2400" b="0" i="0" u="none" strike="noStrike">
+                          <a:solidFill>
+                            <a:srgbClr val="000000"/>
+                          </a:solidFill>
+                          <a:effectLst/>
+                          <a:latin typeface="Calibri" panose="020F0502020204030204" pitchFamily="34" charset="0"/>
+                        </a:rPr>
+                        <a:t>Topic 12</a:t>
+                      </a:r>
+                    </a:p>
+                  </a:txBody>
+                  <a:tcPr marL="9525" marR="9525" marT="9525" marB="0" anchor="b">
+                    <a:lnB w="12700" cap="flat" cmpd="sng" algn="ctr">
+                      <a:solidFill>
+                        <a:schemeClr val="accent1"/>
+                      </a:solidFill>
+                      <a:prstDash val="solid"/>
+                      <a:round/>
+                      <a:headEnd type="none" w="med" len="med"/>
+                      <a:tailEnd type="none" w="med" len="med"/>
+                    </a:lnB>
+                  </a:tcPr>
+                </a:tc>
+                <a:tc>
+                  <a:txBody>
+                    <a:bodyPr/>
+                    <a:lstStyle/>
+                    <a:p>
+                      <a:pPr algn="r" fontAlgn="b"/>
+                      <a:r>
+                        <a:rPr lang="en-US" sz="2400" b="0" i="0" u="none" strike="noStrike" dirty="0">
+                          <a:solidFill>
+                            <a:srgbClr val="000000"/>
+                          </a:solidFill>
+                          <a:effectLst/>
+                          <a:latin typeface="Calibri" panose="020F0502020204030204" pitchFamily="34" charset="0"/>
+                        </a:rPr>
+                        <a:t>Row Sum</a:t>
+                      </a:r>
+                    </a:p>
+                  </a:txBody>
+                  <a:tcPr marL="9525" marR="9525" marT="9525" marB="0" anchor="b">
+                    <a:lnB w="12700" cap="flat" cmpd="sng" algn="ctr">
+                      <a:solidFill>
+                        <a:schemeClr val="accent1"/>
+                      </a:solidFill>
+                      <a:prstDash val="solid"/>
+                      <a:round/>
+                      <a:headEnd type="none" w="med" len="med"/>
+                      <a:tailEnd type="none" w="med" len="med"/>
+                    </a:lnB>
+                  </a:tcPr>
+                </a:tc>
+                <a:extLst>
+                  <a:ext uri="{0D108BD9-81ED-4DB2-BD59-A6C34878D82A}">
+                    <a16:rowId xmlns:a16="http://schemas.microsoft.com/office/drawing/2014/main" val="2957844277"/>
+                  </a:ext>
+                </a:extLst>
+              </a:tr>
+              <a:tr h="534247">
+                <a:tc>
+                  <a:txBody>
+                    <a:bodyPr/>
+                    <a:lstStyle/>
+                    <a:p>
+                      <a:pPr algn="l" fontAlgn="b"/>
+                      <a:r>
+                        <a:rPr lang="en-US" sz="2400" b="0" i="0" u="none" strike="noStrike" dirty="0">
+                          <a:solidFill>
+                            <a:srgbClr val="000000"/>
+                          </a:solidFill>
+                          <a:effectLst/>
+                          <a:latin typeface="Calibri" panose="020F0502020204030204" pitchFamily="34" charset="0"/>
+                        </a:rPr>
+                        <a:t>Jack</a:t>
+                      </a:r>
+                    </a:p>
+                  </a:txBody>
+                  <a:tcPr marL="9525" marR="9525" marT="9525" marB="0" anchor="b">
+                    <a:lnR w="12700" cap="flat" cmpd="sng" algn="ctr">
+                      <a:solidFill>
+                        <a:schemeClr val="accent1"/>
+                      </a:solidFill>
+                      <a:prstDash val="solid"/>
+                      <a:round/>
+                      <a:headEnd type="none" w="med" len="med"/>
+                      <a:tailEnd type="none" w="med" len="med"/>
+                    </a:lnR>
+                    <a:lnT w="12700" cap="flat" cmpd="sng" algn="ctr">
+                      <a:solidFill>
+                        <a:schemeClr val="accent1"/>
+                      </a:solidFill>
+                      <a:prstDash val="solid"/>
+                      <a:round/>
+                      <a:headEnd type="none" w="med" len="med"/>
+                      <a:tailEnd type="none" w="med" len="med"/>
+                    </a:lnT>
+                  </a:tcPr>
+                </a:tc>
+                <a:tc>
+                  <a:txBody>
+                    <a:bodyPr/>
+                    <a:lstStyle/>
+                    <a:p>
+                      <a:pPr algn="ctr" fontAlgn="b"/>
+                      <a:r>
+                        <a:rPr lang="en-US" sz="2400" b="0" i="0" u="none" strike="noStrike" dirty="0">
+                          <a:solidFill>
+                            <a:srgbClr val="000000"/>
+                          </a:solidFill>
+                          <a:effectLst/>
+                          <a:latin typeface="Calibri" panose="020F0502020204030204" pitchFamily="34" charset="0"/>
+                        </a:rPr>
+                        <a:t>0.28473</a:t>
+                      </a:r>
+                    </a:p>
+                  </a:txBody>
+                  <a:tcPr marL="9525" marR="9525" marT="9525" marB="0" anchor="b">
+                    <a:lnL w="12700" cap="flat" cmpd="sng" algn="ctr">
+                      <a:solidFill>
+                        <a:schemeClr val="accent1"/>
+                      </a:solidFill>
+                      <a:prstDash val="solid"/>
+                      <a:round/>
+                      <a:headEnd type="none" w="med" len="med"/>
+                      <a:tailEnd type="none" w="med" len="med"/>
+                    </a:lnL>
+                    <a:lnT w="12700" cap="flat" cmpd="sng" algn="ctr">
+                      <a:solidFill>
+                        <a:schemeClr val="accent1"/>
+                      </a:solidFill>
+                      <a:prstDash val="solid"/>
+                      <a:round/>
+                      <a:headEnd type="none" w="med" len="med"/>
+                      <a:tailEnd type="none" w="med" len="med"/>
+                    </a:lnT>
+                  </a:tcPr>
+                </a:tc>
+                <a:tc>
+                  <a:txBody>
+                    <a:bodyPr/>
+                    <a:lstStyle/>
+                    <a:p>
+                      <a:pPr algn="ctr" fontAlgn="b"/>
+                      <a:r>
+                        <a:rPr lang="en-US" sz="2400" b="0" i="0" u="none" strike="noStrike" dirty="0">
+                          <a:solidFill>
+                            <a:srgbClr val="000000"/>
+                          </a:solidFill>
+                          <a:effectLst/>
+                          <a:latin typeface="Calibri" panose="020F0502020204030204" pitchFamily="34" charset="0"/>
+                        </a:rPr>
+                        <a:t>0.18874</a:t>
+                      </a:r>
+                    </a:p>
+                  </a:txBody>
+                  <a:tcPr marL="9525" marR="9525" marT="9525" marB="0" anchor="b">
+                    <a:lnT w="12700" cap="flat" cmpd="sng" algn="ctr">
+                      <a:solidFill>
+                        <a:schemeClr val="accent1"/>
+                      </a:solidFill>
+                      <a:prstDash val="solid"/>
+                      <a:round/>
+                      <a:headEnd type="none" w="med" len="med"/>
+                      <a:tailEnd type="none" w="med" len="med"/>
+                    </a:lnT>
+                  </a:tcPr>
+                </a:tc>
+                <a:tc>
+                  <a:txBody>
+                    <a:bodyPr/>
+                    <a:lstStyle/>
+                    <a:p>
+                      <a:pPr algn="ctr" fontAlgn="b"/>
+                      <a:r>
+                        <a:rPr lang="en-US" sz="2400" b="0" i="0" u="none" strike="noStrike" dirty="0">
+                          <a:solidFill>
+                            <a:srgbClr val="000000"/>
+                          </a:solidFill>
+                          <a:effectLst/>
+                          <a:latin typeface="Calibri" panose="020F0502020204030204" pitchFamily="34" charset="0"/>
+                        </a:rPr>
+                        <a:t>0.15367</a:t>
+                      </a:r>
+                    </a:p>
+                  </a:txBody>
+                  <a:tcPr marL="9525" marR="9525" marT="9525" marB="0" anchor="b">
+                    <a:lnT w="12700" cap="flat" cmpd="sng" algn="ctr">
+                      <a:solidFill>
+                        <a:schemeClr val="accent1"/>
+                      </a:solidFill>
+                      <a:prstDash val="solid"/>
+                      <a:round/>
+                      <a:headEnd type="none" w="med" len="med"/>
+                      <a:tailEnd type="none" w="med" len="med"/>
+                    </a:lnT>
+                  </a:tcPr>
+                </a:tc>
+                <a:tc>
+                  <a:txBody>
+                    <a:bodyPr/>
+                    <a:lstStyle/>
+                    <a:p>
+                      <a:pPr algn="ctr" fontAlgn="b"/>
+                      <a:r>
+                        <a:rPr lang="en-US" sz="2400" b="0" i="0" u="none" strike="noStrike">
+                          <a:solidFill>
+                            <a:srgbClr val="000000"/>
+                          </a:solidFill>
+                          <a:effectLst/>
+                          <a:latin typeface="Calibri" panose="020F0502020204030204" pitchFamily="34" charset="0"/>
+                        </a:rPr>
+                        <a:t>0.07335</a:t>
+                      </a:r>
+                    </a:p>
+                  </a:txBody>
+                  <a:tcPr marL="9525" marR="9525" marT="9525" marB="0" anchor="b">
+                    <a:lnT w="12700" cap="flat" cmpd="sng" algn="ctr">
+                      <a:solidFill>
+                        <a:schemeClr val="accent1"/>
+                      </a:solidFill>
+                      <a:prstDash val="solid"/>
+                      <a:round/>
+                      <a:headEnd type="none" w="med" len="med"/>
+                      <a:tailEnd type="none" w="med" len="med"/>
+                    </a:lnT>
+                  </a:tcPr>
+                </a:tc>
+                <a:tc>
+                  <a:txBody>
+                    <a:bodyPr/>
+                    <a:lstStyle/>
+                    <a:p>
+                      <a:pPr algn="ctr" fontAlgn="b"/>
+                      <a:r>
+                        <a:rPr lang="en-US" sz="2400" b="0" i="0" u="none" strike="noStrike">
+                          <a:solidFill>
+                            <a:srgbClr val="000000"/>
+                          </a:solidFill>
+                          <a:effectLst/>
+                          <a:latin typeface="Calibri" panose="020F0502020204030204" pitchFamily="34" charset="0"/>
+                        </a:rPr>
+                        <a:t>0.03094</a:t>
+                      </a:r>
+                    </a:p>
+                  </a:txBody>
+                  <a:tcPr marL="9525" marR="9525" marT="9525" marB="0" anchor="b">
+                    <a:lnR w="12700" cap="flat" cmpd="sng" algn="ctr">
+                      <a:solidFill>
+                        <a:schemeClr val="accent1"/>
+                      </a:solidFill>
+                      <a:prstDash val="solid"/>
+                      <a:round/>
+                      <a:headEnd type="none" w="med" len="med"/>
+                      <a:tailEnd type="none" w="med" len="med"/>
+                    </a:lnR>
+                    <a:lnT w="12700" cap="flat" cmpd="sng" algn="ctr">
+                      <a:solidFill>
+                        <a:schemeClr val="accent1"/>
+                      </a:solidFill>
+                      <a:prstDash val="solid"/>
+                      <a:round/>
+                      <a:headEnd type="none" w="med" len="med"/>
+                      <a:tailEnd type="none" w="med" len="med"/>
+                    </a:lnT>
+                  </a:tcPr>
+                </a:tc>
+                <a:tc>
+                  <a:txBody>
+                    <a:bodyPr/>
+                    <a:lstStyle/>
+                    <a:p>
+                      <a:pPr algn="r" fontAlgn="b"/>
+                      <a:r>
+                        <a:rPr lang="en-US" sz="2400" b="0" i="0" u="none" strike="noStrike">
+                          <a:solidFill>
+                            <a:srgbClr val="000000"/>
+                          </a:solidFill>
+                          <a:effectLst/>
+                          <a:latin typeface="Calibri" panose="020F0502020204030204" pitchFamily="34" charset="0"/>
+                        </a:rPr>
+                        <a:t>0.73141</a:t>
+                      </a:r>
+                    </a:p>
+                  </a:txBody>
+                  <a:tcPr marL="9525" marR="9525" marT="9525" marB="0" anchor="b">
+                    <a:lnL w="12700" cap="flat" cmpd="sng" algn="ctr">
+                      <a:solidFill>
+                        <a:schemeClr val="accent1"/>
+                      </a:solidFill>
+                      <a:prstDash val="solid"/>
+                      <a:round/>
+                      <a:headEnd type="none" w="med" len="med"/>
+                      <a:tailEnd type="none" w="med" len="med"/>
+                    </a:lnL>
+                    <a:lnT w="12700" cap="flat" cmpd="sng" algn="ctr">
+                      <a:solidFill>
+                        <a:schemeClr val="accent1"/>
+                      </a:solidFill>
+                      <a:prstDash val="solid"/>
+                      <a:round/>
+                      <a:headEnd type="none" w="med" len="med"/>
+                      <a:tailEnd type="none" w="med" len="med"/>
+                    </a:lnT>
+                  </a:tcPr>
+                </a:tc>
+                <a:extLst>
+                  <a:ext uri="{0D108BD9-81ED-4DB2-BD59-A6C34878D82A}">
+                    <a16:rowId xmlns:a16="http://schemas.microsoft.com/office/drawing/2014/main" val="1916757250"/>
+                  </a:ext>
+                </a:extLst>
+              </a:tr>
+              <a:tr h="534247">
+                <a:tc>
+                  <a:txBody>
+                    <a:bodyPr/>
+                    <a:lstStyle/>
+                    <a:p>
+                      <a:pPr algn="l" fontAlgn="b"/>
+                      <a:r>
+                        <a:rPr lang="en-US" sz="2400" b="0" i="0" u="none" strike="noStrike" dirty="0">
+                          <a:solidFill>
+                            <a:srgbClr val="000000"/>
+                          </a:solidFill>
+                          <a:effectLst/>
+                          <a:latin typeface="Calibri" panose="020F0502020204030204" pitchFamily="34" charset="0"/>
+                        </a:rPr>
+                        <a:t>Nathan</a:t>
+                      </a:r>
+                    </a:p>
+                  </a:txBody>
+                  <a:tcPr marL="9525" marR="9525" marT="9525" marB="0" anchor="b">
+                    <a:lnR w="12700" cap="flat" cmpd="sng" algn="ctr">
+                      <a:solidFill>
+                        <a:schemeClr val="accent1"/>
+                      </a:solidFill>
+                      <a:prstDash val="solid"/>
+                      <a:round/>
+                      <a:headEnd type="none" w="med" len="med"/>
+                      <a:tailEnd type="none" w="med" len="med"/>
+                    </a:lnR>
+                  </a:tcPr>
+                </a:tc>
+                <a:tc>
+                  <a:txBody>
+                    <a:bodyPr/>
+                    <a:lstStyle/>
+                    <a:p>
+                      <a:pPr algn="ctr" fontAlgn="b"/>
+                      <a:r>
+                        <a:rPr lang="en-US" sz="2400" b="0" i="0" u="none" strike="noStrike" dirty="0">
+                          <a:solidFill>
+                            <a:srgbClr val="000000"/>
+                          </a:solidFill>
+                          <a:effectLst/>
+                          <a:latin typeface="Calibri" panose="020F0502020204030204" pitchFamily="34" charset="0"/>
+                        </a:rPr>
+                        <a:t>0.21717</a:t>
+                      </a:r>
+                    </a:p>
+                  </a:txBody>
+                  <a:tcPr marL="9525" marR="9525" marT="9525" marB="0" anchor="b">
+                    <a:lnL w="12700" cap="flat" cmpd="sng" algn="ctr">
+                      <a:solidFill>
+                        <a:schemeClr val="accent1"/>
+                      </a:solidFill>
+                      <a:prstDash val="solid"/>
+                      <a:round/>
+                      <a:headEnd type="none" w="med" len="med"/>
+                      <a:tailEnd type="none" w="med" len="med"/>
+                    </a:lnL>
+                  </a:tcPr>
+                </a:tc>
+                <a:tc>
+                  <a:txBody>
+                    <a:bodyPr/>
+                    <a:lstStyle/>
+                    <a:p>
+                      <a:pPr algn="ctr" fontAlgn="b"/>
+                      <a:r>
+                        <a:rPr lang="en-US" sz="2400" b="0" i="0" u="none" strike="noStrike" dirty="0">
+                          <a:solidFill>
+                            <a:srgbClr val="000000"/>
+                          </a:solidFill>
+                          <a:effectLst/>
+                          <a:latin typeface="Calibri" panose="020F0502020204030204" pitchFamily="34" charset="0"/>
+                        </a:rPr>
+                        <a:t>0.12246</a:t>
+                      </a:r>
+                    </a:p>
+                  </a:txBody>
+                  <a:tcPr marL="9525" marR="9525" marT="9525" marB="0" anchor="b"/>
+                </a:tc>
+                <a:tc>
+                  <a:txBody>
+                    <a:bodyPr/>
+                    <a:lstStyle/>
+                    <a:p>
+                      <a:pPr algn="ctr" fontAlgn="b"/>
+                      <a:r>
+                        <a:rPr lang="en-US" sz="2400" b="0" i="0" u="none" strike="noStrike" dirty="0">
+                          <a:solidFill>
+                            <a:srgbClr val="000000"/>
+                          </a:solidFill>
+                          <a:effectLst/>
+                          <a:latin typeface="Calibri" panose="020F0502020204030204" pitchFamily="34" charset="0"/>
+                        </a:rPr>
+                        <a:t>0.26020</a:t>
+                      </a:r>
+                    </a:p>
+                  </a:txBody>
+                  <a:tcPr marL="9525" marR="9525" marT="9525" marB="0" anchor="b"/>
+                </a:tc>
+                <a:tc>
+                  <a:txBody>
+                    <a:bodyPr/>
+                    <a:lstStyle/>
+                    <a:p>
+                      <a:pPr algn="ctr" fontAlgn="b"/>
+                      <a:r>
+                        <a:rPr lang="en-US" sz="2400" b="0" i="0" u="none" strike="noStrike">
+                          <a:solidFill>
+                            <a:srgbClr val="000000"/>
+                          </a:solidFill>
+                          <a:effectLst/>
+                          <a:latin typeface="Calibri" panose="020F0502020204030204" pitchFamily="34" charset="0"/>
+                        </a:rPr>
+                        <a:t>0.09329</a:t>
+                      </a:r>
+                    </a:p>
+                  </a:txBody>
+                  <a:tcPr marL="9525" marR="9525" marT="9525" marB="0" anchor="b"/>
+                </a:tc>
+                <a:tc>
+                  <a:txBody>
+                    <a:bodyPr/>
+                    <a:lstStyle/>
+                    <a:p>
+                      <a:pPr algn="ctr" fontAlgn="b"/>
+                      <a:r>
+                        <a:rPr lang="en-US" sz="2400" b="0" i="0" u="none" strike="noStrike">
+                          <a:solidFill>
+                            <a:srgbClr val="000000"/>
+                          </a:solidFill>
+                          <a:effectLst/>
+                          <a:latin typeface="Calibri" panose="020F0502020204030204" pitchFamily="34" charset="0"/>
+                        </a:rPr>
+                        <a:t>0.00807</a:t>
+                      </a:r>
+                    </a:p>
+                  </a:txBody>
+                  <a:tcPr marL="9525" marR="9525" marT="9525" marB="0" anchor="b">
+                    <a:lnR w="12700" cap="flat" cmpd="sng" algn="ctr">
+                      <a:solidFill>
+                        <a:schemeClr val="accent1"/>
+                      </a:solidFill>
+                      <a:prstDash val="solid"/>
+                      <a:round/>
+                      <a:headEnd type="none" w="med" len="med"/>
+                      <a:tailEnd type="none" w="med" len="med"/>
+                    </a:lnR>
+                  </a:tcPr>
+                </a:tc>
+                <a:tc>
+                  <a:txBody>
+                    <a:bodyPr/>
+                    <a:lstStyle/>
+                    <a:p>
+                      <a:pPr algn="r" fontAlgn="b"/>
+                      <a:r>
+                        <a:rPr lang="en-US" sz="2400" b="0" i="0" u="none" strike="noStrike">
+                          <a:solidFill>
+                            <a:srgbClr val="000000"/>
+                          </a:solidFill>
+                          <a:effectLst/>
+                          <a:latin typeface="Calibri" panose="020F0502020204030204" pitchFamily="34" charset="0"/>
+                        </a:rPr>
+                        <a:t>0.70119</a:t>
+                      </a:r>
+                    </a:p>
+                  </a:txBody>
+                  <a:tcPr marL="9525" marR="9525" marT="9525" marB="0" anchor="b">
+                    <a:lnL w="12700" cap="flat" cmpd="sng" algn="ctr">
+                      <a:solidFill>
+                        <a:schemeClr val="accent1"/>
+                      </a:solidFill>
+                      <a:prstDash val="solid"/>
+                      <a:round/>
+                      <a:headEnd type="none" w="med" len="med"/>
+                      <a:tailEnd type="none" w="med" len="med"/>
+                    </a:lnL>
+                  </a:tcPr>
+                </a:tc>
+                <a:extLst>
+                  <a:ext uri="{0D108BD9-81ED-4DB2-BD59-A6C34878D82A}">
+                    <a16:rowId xmlns:a16="http://schemas.microsoft.com/office/drawing/2014/main" val="2510245828"/>
+                  </a:ext>
+                </a:extLst>
+              </a:tr>
+              <a:tr h="534247">
+                <a:tc>
+                  <a:txBody>
+                    <a:bodyPr/>
+                    <a:lstStyle/>
+                    <a:p>
+                      <a:pPr algn="l" fontAlgn="b"/>
+                      <a:r>
+                        <a:rPr lang="en-US" sz="2400" b="0" i="0" u="none" strike="noStrike">
+                          <a:solidFill>
+                            <a:srgbClr val="000000"/>
+                          </a:solidFill>
+                          <a:effectLst/>
+                          <a:latin typeface="Calibri" panose="020F0502020204030204" pitchFamily="34" charset="0"/>
+                        </a:rPr>
+                        <a:t>Adam</a:t>
+                      </a:r>
+                    </a:p>
+                  </a:txBody>
+                  <a:tcPr marL="9525" marR="9525" marT="9525" marB="0" anchor="b">
+                    <a:lnR w="12700" cap="flat" cmpd="sng" algn="ctr">
+                      <a:solidFill>
+                        <a:schemeClr val="accent1"/>
+                      </a:solidFill>
+                      <a:prstDash val="solid"/>
+                      <a:round/>
+                      <a:headEnd type="none" w="med" len="med"/>
+                      <a:tailEnd type="none" w="med" len="med"/>
+                    </a:lnR>
+                  </a:tcPr>
+                </a:tc>
+                <a:tc>
+                  <a:txBody>
+                    <a:bodyPr/>
+                    <a:lstStyle/>
+                    <a:p>
+                      <a:pPr algn="ctr" fontAlgn="b"/>
+                      <a:r>
+                        <a:rPr lang="en-US" sz="2400" b="0" i="0" u="none" strike="noStrike">
+                          <a:solidFill>
+                            <a:srgbClr val="000000"/>
+                          </a:solidFill>
+                          <a:effectLst/>
+                          <a:latin typeface="Calibri" panose="020F0502020204030204" pitchFamily="34" charset="0"/>
+                        </a:rPr>
+                        <a:t>0.16356</a:t>
+                      </a:r>
+                    </a:p>
+                  </a:txBody>
+                  <a:tcPr marL="9525" marR="9525" marT="9525" marB="0" anchor="b">
+                    <a:lnL w="12700" cap="flat" cmpd="sng" algn="ctr">
+                      <a:solidFill>
+                        <a:schemeClr val="accent1"/>
+                      </a:solidFill>
+                      <a:prstDash val="solid"/>
+                      <a:round/>
+                      <a:headEnd type="none" w="med" len="med"/>
+                      <a:tailEnd type="none" w="med" len="med"/>
+                    </a:lnL>
+                  </a:tcPr>
+                </a:tc>
+                <a:tc>
+                  <a:txBody>
+                    <a:bodyPr/>
+                    <a:lstStyle/>
+                    <a:p>
+                      <a:pPr algn="ctr" fontAlgn="b"/>
+                      <a:r>
+                        <a:rPr lang="en-US" sz="2400" b="0" i="0" u="none" strike="noStrike">
+                          <a:solidFill>
+                            <a:srgbClr val="000000"/>
+                          </a:solidFill>
+                          <a:effectLst/>
+                          <a:latin typeface="Calibri" panose="020F0502020204030204" pitchFamily="34" charset="0"/>
+                        </a:rPr>
+                        <a:t>0.00008</a:t>
+                      </a:r>
+                    </a:p>
+                  </a:txBody>
+                  <a:tcPr marL="9525" marR="9525" marT="9525" marB="0" anchor="b"/>
+                </a:tc>
+                <a:tc>
+                  <a:txBody>
+                    <a:bodyPr/>
+                    <a:lstStyle/>
+                    <a:p>
+                      <a:pPr algn="ctr" fontAlgn="b"/>
+                      <a:r>
+                        <a:rPr lang="en-US" sz="2400" b="0" i="0" u="none" strike="noStrike" dirty="0">
+                          <a:solidFill>
+                            <a:srgbClr val="000000"/>
+                          </a:solidFill>
+                          <a:effectLst/>
+                          <a:latin typeface="Calibri" panose="020F0502020204030204" pitchFamily="34" charset="0"/>
+                        </a:rPr>
+                        <a:t>0.10437</a:t>
+                      </a:r>
+                    </a:p>
+                  </a:txBody>
+                  <a:tcPr marL="9525" marR="9525" marT="9525" marB="0" anchor="b"/>
+                </a:tc>
+                <a:tc>
+                  <a:txBody>
+                    <a:bodyPr/>
+                    <a:lstStyle/>
+                    <a:p>
+                      <a:pPr algn="ctr" fontAlgn="b"/>
+                      <a:r>
+                        <a:rPr lang="en-US" sz="2400" b="0" i="0" u="none" strike="noStrike" dirty="0">
+                          <a:solidFill>
+                            <a:srgbClr val="000000"/>
+                          </a:solidFill>
+                          <a:effectLst/>
+                          <a:latin typeface="Calibri" panose="020F0502020204030204" pitchFamily="34" charset="0"/>
+                        </a:rPr>
+                        <a:t>0.04101</a:t>
+                      </a:r>
+                    </a:p>
+                  </a:txBody>
+                  <a:tcPr marL="9525" marR="9525" marT="9525" marB="0" anchor="b"/>
+                </a:tc>
+                <a:tc>
+                  <a:txBody>
+                    <a:bodyPr/>
+                    <a:lstStyle/>
+                    <a:p>
+                      <a:pPr algn="ctr" fontAlgn="b"/>
+                      <a:r>
+                        <a:rPr lang="en-US" sz="2400" b="0" i="0" u="none" strike="noStrike">
+                          <a:solidFill>
+                            <a:srgbClr val="000000"/>
+                          </a:solidFill>
+                          <a:effectLst/>
+                          <a:latin typeface="Calibri" panose="020F0502020204030204" pitchFamily="34" charset="0"/>
+                        </a:rPr>
+                        <a:t>0.00008</a:t>
+                      </a:r>
+                    </a:p>
+                  </a:txBody>
+                  <a:tcPr marL="9525" marR="9525" marT="9525" marB="0" anchor="b">
+                    <a:lnR w="12700" cap="flat" cmpd="sng" algn="ctr">
+                      <a:solidFill>
+                        <a:schemeClr val="accent1"/>
+                      </a:solidFill>
+                      <a:prstDash val="solid"/>
+                      <a:round/>
+                      <a:headEnd type="none" w="med" len="med"/>
+                      <a:tailEnd type="none" w="med" len="med"/>
+                    </a:lnR>
+                  </a:tcPr>
+                </a:tc>
+                <a:tc>
+                  <a:txBody>
+                    <a:bodyPr/>
+                    <a:lstStyle/>
+                    <a:p>
+                      <a:pPr algn="r" fontAlgn="b"/>
+                      <a:r>
+                        <a:rPr lang="en-US" sz="2400" b="0" i="0" u="none" strike="noStrike" dirty="0">
+                          <a:solidFill>
+                            <a:srgbClr val="000000"/>
+                          </a:solidFill>
+                          <a:effectLst/>
+                          <a:latin typeface="Calibri" panose="020F0502020204030204" pitchFamily="34" charset="0"/>
+                        </a:rPr>
+                        <a:t>0.30910</a:t>
+                      </a:r>
+                    </a:p>
+                  </a:txBody>
+                  <a:tcPr marL="9525" marR="9525" marT="9525" marB="0" anchor="b">
+                    <a:lnL w="12700" cap="flat" cmpd="sng" algn="ctr">
+                      <a:solidFill>
+                        <a:schemeClr val="accent1"/>
+                      </a:solidFill>
+                      <a:prstDash val="solid"/>
+                      <a:round/>
+                      <a:headEnd type="none" w="med" len="med"/>
+                      <a:tailEnd type="none" w="med" len="med"/>
+                    </a:lnL>
+                  </a:tcPr>
+                </a:tc>
+                <a:extLst>
+                  <a:ext uri="{0D108BD9-81ED-4DB2-BD59-A6C34878D82A}">
+                    <a16:rowId xmlns:a16="http://schemas.microsoft.com/office/drawing/2014/main" val="3580974823"/>
+                  </a:ext>
+                </a:extLst>
+              </a:tr>
+              <a:tr h="534247">
+                <a:tc>
+                  <a:txBody>
+                    <a:bodyPr/>
+                    <a:lstStyle/>
+                    <a:p>
+                      <a:pPr algn="l" fontAlgn="b"/>
+                      <a:r>
+                        <a:rPr lang="en-US" sz="2400" b="0" i="0" u="none" strike="noStrike">
+                          <a:solidFill>
+                            <a:srgbClr val="000000"/>
+                          </a:solidFill>
+                          <a:effectLst/>
+                          <a:latin typeface="Calibri" panose="020F0502020204030204" pitchFamily="34" charset="0"/>
+                        </a:rPr>
+                        <a:t>Sample_Art</a:t>
+                      </a:r>
+                    </a:p>
+                  </a:txBody>
+                  <a:tcPr marL="9525" marR="9525" marT="9525" marB="0" anchor="b">
+                    <a:lnR w="12700" cap="flat" cmpd="sng" algn="ctr">
+                      <a:solidFill>
+                        <a:schemeClr val="accent1"/>
+                      </a:solidFill>
+                      <a:prstDash val="solid"/>
+                      <a:round/>
+                      <a:headEnd type="none" w="med" len="med"/>
+                      <a:tailEnd type="none" w="med" len="med"/>
+                    </a:lnR>
+                  </a:tcPr>
+                </a:tc>
+                <a:tc>
+                  <a:txBody>
+                    <a:bodyPr/>
+                    <a:lstStyle/>
+                    <a:p>
+                      <a:pPr algn="ctr" fontAlgn="b"/>
+                      <a:r>
+                        <a:rPr lang="en-US" sz="2400" b="0" i="0" u="none" strike="noStrike">
+                          <a:solidFill>
+                            <a:srgbClr val="000000"/>
+                          </a:solidFill>
+                          <a:effectLst/>
+                          <a:latin typeface="Calibri" panose="020F0502020204030204" pitchFamily="34" charset="0"/>
+                        </a:rPr>
+                        <a:t>0.25096</a:t>
+                      </a:r>
+                    </a:p>
+                  </a:txBody>
+                  <a:tcPr marL="9525" marR="9525" marT="9525" marB="0" anchor="b">
+                    <a:lnL w="12700" cap="flat" cmpd="sng" algn="ctr">
+                      <a:solidFill>
+                        <a:schemeClr val="accent1"/>
+                      </a:solidFill>
+                      <a:prstDash val="solid"/>
+                      <a:round/>
+                      <a:headEnd type="none" w="med" len="med"/>
+                      <a:tailEnd type="none" w="med" len="med"/>
+                    </a:lnL>
+                  </a:tcPr>
+                </a:tc>
+                <a:tc>
+                  <a:txBody>
+                    <a:bodyPr/>
+                    <a:lstStyle/>
+                    <a:p>
+                      <a:pPr algn="ctr" fontAlgn="b"/>
+                      <a:r>
+                        <a:rPr lang="en-US" sz="2400" b="0" i="0" u="none" strike="noStrike">
+                          <a:solidFill>
+                            <a:srgbClr val="000000"/>
+                          </a:solidFill>
+                          <a:effectLst/>
+                          <a:latin typeface="Calibri" panose="020F0502020204030204" pitchFamily="34" charset="0"/>
+                        </a:rPr>
+                        <a:t>0.00009</a:t>
+                      </a:r>
+                    </a:p>
+                  </a:txBody>
+                  <a:tcPr marL="9525" marR="9525" marT="9525" marB="0" anchor="b"/>
+                </a:tc>
+                <a:tc>
+                  <a:txBody>
+                    <a:bodyPr/>
+                    <a:lstStyle/>
+                    <a:p>
+                      <a:pPr algn="ctr" fontAlgn="b"/>
+                      <a:r>
+                        <a:rPr lang="en-US" sz="2400" b="0" i="0" u="none" strike="noStrike">
+                          <a:solidFill>
+                            <a:srgbClr val="000000"/>
+                          </a:solidFill>
+                          <a:effectLst/>
+                          <a:latin typeface="Calibri" panose="020F0502020204030204" pitchFamily="34" charset="0"/>
+                        </a:rPr>
+                        <a:t>0.08979</a:t>
+                      </a:r>
+                    </a:p>
+                  </a:txBody>
+                  <a:tcPr marL="9525" marR="9525" marT="9525" marB="0" anchor="b"/>
+                </a:tc>
+                <a:tc>
+                  <a:txBody>
+                    <a:bodyPr/>
+                    <a:lstStyle/>
+                    <a:p>
+                      <a:pPr algn="ctr" fontAlgn="b"/>
+                      <a:r>
+                        <a:rPr lang="en-US" sz="2400" b="0" i="0" u="none" strike="noStrike" dirty="0">
+                          <a:solidFill>
+                            <a:srgbClr val="000000"/>
+                          </a:solidFill>
+                          <a:effectLst/>
+                          <a:latin typeface="Calibri" panose="020F0502020204030204" pitchFamily="34" charset="0"/>
+                        </a:rPr>
+                        <a:t>0.04257</a:t>
+                      </a:r>
+                    </a:p>
+                  </a:txBody>
+                  <a:tcPr marL="9525" marR="9525" marT="9525" marB="0" anchor="b"/>
+                </a:tc>
+                <a:tc>
+                  <a:txBody>
+                    <a:bodyPr/>
+                    <a:lstStyle/>
+                    <a:p>
+                      <a:pPr algn="ctr" fontAlgn="b"/>
+                      <a:r>
+                        <a:rPr lang="en-US" sz="2400" b="0" i="0" u="none" strike="noStrike" dirty="0">
+                          <a:solidFill>
+                            <a:srgbClr val="000000"/>
+                          </a:solidFill>
+                          <a:effectLst/>
+                          <a:latin typeface="Calibri" panose="020F0502020204030204" pitchFamily="34" charset="0"/>
+                        </a:rPr>
+                        <a:t>0.08727</a:t>
+                      </a:r>
+                    </a:p>
+                  </a:txBody>
+                  <a:tcPr marL="9525" marR="9525" marT="9525" marB="0" anchor="b">
+                    <a:lnR w="12700" cap="flat" cmpd="sng" algn="ctr">
+                      <a:solidFill>
+                        <a:schemeClr val="accent1"/>
+                      </a:solidFill>
+                      <a:prstDash val="solid"/>
+                      <a:round/>
+                      <a:headEnd type="none" w="med" len="med"/>
+                      <a:tailEnd type="none" w="med" len="med"/>
+                    </a:lnR>
+                  </a:tcPr>
+                </a:tc>
+                <a:tc>
+                  <a:txBody>
+                    <a:bodyPr/>
+                    <a:lstStyle/>
+                    <a:p>
+                      <a:pPr algn="r" fontAlgn="b"/>
+                      <a:r>
+                        <a:rPr lang="en-US" sz="2400" b="0" i="0" u="none" strike="noStrike">
+                          <a:solidFill>
+                            <a:srgbClr val="000000"/>
+                          </a:solidFill>
+                          <a:effectLst/>
+                          <a:latin typeface="Calibri" panose="020F0502020204030204" pitchFamily="34" charset="0"/>
+                        </a:rPr>
+                        <a:t>0.47068</a:t>
+                      </a:r>
+                    </a:p>
+                  </a:txBody>
+                  <a:tcPr marL="9525" marR="9525" marT="9525" marB="0" anchor="b">
+                    <a:lnL w="12700" cap="flat" cmpd="sng" algn="ctr">
+                      <a:solidFill>
+                        <a:schemeClr val="accent1"/>
+                      </a:solidFill>
+                      <a:prstDash val="solid"/>
+                      <a:round/>
+                      <a:headEnd type="none" w="med" len="med"/>
+                      <a:tailEnd type="none" w="med" len="med"/>
+                    </a:lnL>
+                  </a:tcPr>
+                </a:tc>
+                <a:extLst>
+                  <a:ext uri="{0D108BD9-81ED-4DB2-BD59-A6C34878D82A}">
+                    <a16:rowId xmlns:a16="http://schemas.microsoft.com/office/drawing/2014/main" val="2056058032"/>
+                  </a:ext>
+                </a:extLst>
+              </a:tr>
+              <a:tr h="534247">
+                <a:tc>
+                  <a:txBody>
+                    <a:bodyPr/>
+                    <a:lstStyle/>
+                    <a:p>
+                      <a:pPr algn="l" fontAlgn="b"/>
+                      <a:r>
+                        <a:rPr lang="en-US" sz="2400" b="0" i="0" u="none" strike="noStrike">
+                          <a:solidFill>
+                            <a:srgbClr val="000000"/>
+                          </a:solidFill>
+                          <a:effectLst/>
+                          <a:latin typeface="Calibri" panose="020F0502020204030204" pitchFamily="34" charset="0"/>
+                        </a:rPr>
+                        <a:t>Sample_Housekeeper</a:t>
+                      </a:r>
+                    </a:p>
+                  </a:txBody>
+                  <a:tcPr marL="9525" marR="9525" marT="9525" marB="0" anchor="b">
+                    <a:lnR w="12700" cap="flat" cmpd="sng" algn="ctr">
+                      <a:solidFill>
+                        <a:schemeClr val="accent1"/>
+                      </a:solidFill>
+                      <a:prstDash val="solid"/>
+                      <a:round/>
+                      <a:headEnd type="none" w="med" len="med"/>
+                      <a:tailEnd type="none" w="med" len="med"/>
+                    </a:lnR>
+                  </a:tcPr>
+                </a:tc>
+                <a:tc>
+                  <a:txBody>
+                    <a:bodyPr/>
+                    <a:lstStyle/>
+                    <a:p>
+                      <a:pPr algn="ctr" fontAlgn="b"/>
+                      <a:r>
+                        <a:rPr lang="en-US" sz="2400" b="0" i="0" u="none" strike="noStrike">
+                          <a:solidFill>
+                            <a:srgbClr val="000000"/>
+                          </a:solidFill>
+                          <a:effectLst/>
+                          <a:latin typeface="Calibri" panose="020F0502020204030204" pitchFamily="34" charset="0"/>
+                        </a:rPr>
+                        <a:t>0.09274</a:t>
+                      </a:r>
+                    </a:p>
+                  </a:txBody>
+                  <a:tcPr marL="9525" marR="9525" marT="9525" marB="0" anchor="b">
+                    <a:lnL w="12700" cap="flat" cmpd="sng" algn="ctr">
+                      <a:solidFill>
+                        <a:schemeClr val="accent1"/>
+                      </a:solidFill>
+                      <a:prstDash val="solid"/>
+                      <a:round/>
+                      <a:headEnd type="none" w="med" len="med"/>
+                      <a:tailEnd type="none" w="med" len="med"/>
+                    </a:lnL>
+                  </a:tcPr>
+                </a:tc>
+                <a:tc>
+                  <a:txBody>
+                    <a:bodyPr/>
+                    <a:lstStyle/>
+                    <a:p>
+                      <a:pPr algn="ctr" fontAlgn="b"/>
+                      <a:r>
+                        <a:rPr lang="en-US" sz="2400" b="0" i="0" u="none" strike="noStrike">
+                          <a:solidFill>
+                            <a:srgbClr val="000000"/>
+                          </a:solidFill>
+                          <a:effectLst/>
+                          <a:latin typeface="Calibri" panose="020F0502020204030204" pitchFamily="34" charset="0"/>
+                        </a:rPr>
+                        <a:t>0.05279</a:t>
+                      </a:r>
+                    </a:p>
+                  </a:txBody>
+                  <a:tcPr marL="9525" marR="9525" marT="9525" marB="0" anchor="b"/>
+                </a:tc>
+                <a:tc>
+                  <a:txBody>
+                    <a:bodyPr/>
+                    <a:lstStyle/>
+                    <a:p>
+                      <a:pPr algn="ctr" fontAlgn="b"/>
+                      <a:r>
+                        <a:rPr lang="en-US" sz="2400" b="0" i="0" u="none" strike="noStrike">
+                          <a:solidFill>
+                            <a:srgbClr val="000000"/>
+                          </a:solidFill>
+                          <a:effectLst/>
+                          <a:latin typeface="Calibri" panose="020F0502020204030204" pitchFamily="34" charset="0"/>
+                        </a:rPr>
+                        <a:t>0.34383</a:t>
+                      </a:r>
+                    </a:p>
+                  </a:txBody>
+                  <a:tcPr marL="9525" marR="9525" marT="9525" marB="0" anchor="b"/>
+                </a:tc>
+                <a:tc>
+                  <a:txBody>
+                    <a:bodyPr/>
+                    <a:lstStyle/>
+                    <a:p>
+                      <a:pPr algn="ctr" fontAlgn="b"/>
+                      <a:r>
+                        <a:rPr lang="en-US" sz="2400" b="0" i="0" u="none" strike="noStrike" dirty="0">
+                          <a:solidFill>
+                            <a:srgbClr val="000000"/>
+                          </a:solidFill>
+                          <a:effectLst/>
+                          <a:latin typeface="Calibri" panose="020F0502020204030204" pitchFamily="34" charset="0"/>
+                        </a:rPr>
+                        <a:t>0.00009</a:t>
+                      </a:r>
+                    </a:p>
+                  </a:txBody>
+                  <a:tcPr marL="9525" marR="9525" marT="9525" marB="0" anchor="b"/>
+                </a:tc>
+                <a:tc>
+                  <a:txBody>
+                    <a:bodyPr/>
+                    <a:lstStyle/>
+                    <a:p>
+                      <a:pPr algn="ctr" fontAlgn="b"/>
+                      <a:r>
+                        <a:rPr lang="en-US" sz="2400" b="0" i="0" u="none" strike="noStrike" dirty="0">
+                          <a:solidFill>
+                            <a:srgbClr val="000000"/>
+                          </a:solidFill>
+                          <a:effectLst/>
+                          <a:latin typeface="Calibri" panose="020F0502020204030204" pitchFamily="34" charset="0"/>
+                        </a:rPr>
+                        <a:t>0.06326</a:t>
+                      </a:r>
+                    </a:p>
+                  </a:txBody>
+                  <a:tcPr marL="9525" marR="9525" marT="9525" marB="0" anchor="b">
+                    <a:lnR w="12700" cap="flat" cmpd="sng" algn="ctr">
+                      <a:solidFill>
+                        <a:schemeClr val="accent1"/>
+                      </a:solidFill>
+                      <a:prstDash val="solid"/>
+                      <a:round/>
+                      <a:headEnd type="none" w="med" len="med"/>
+                      <a:tailEnd type="none" w="med" len="med"/>
+                    </a:lnR>
+                  </a:tcPr>
+                </a:tc>
+                <a:tc>
+                  <a:txBody>
+                    <a:bodyPr/>
+                    <a:lstStyle/>
+                    <a:p>
+                      <a:pPr algn="r" fontAlgn="b"/>
+                      <a:r>
+                        <a:rPr lang="en-US" sz="2400" b="0" i="0" u="none" strike="noStrike" dirty="0">
+                          <a:solidFill>
+                            <a:srgbClr val="000000"/>
+                          </a:solidFill>
+                          <a:effectLst/>
+                          <a:latin typeface="Calibri" panose="020F0502020204030204" pitchFamily="34" charset="0"/>
+                        </a:rPr>
+                        <a:t>0.55272</a:t>
+                      </a:r>
+                    </a:p>
+                  </a:txBody>
+                  <a:tcPr marL="9525" marR="9525" marT="9525" marB="0" anchor="b">
+                    <a:lnL w="12700" cap="flat" cmpd="sng" algn="ctr">
+                      <a:solidFill>
+                        <a:schemeClr val="accent1"/>
+                      </a:solidFill>
+                      <a:prstDash val="solid"/>
+                      <a:round/>
+                      <a:headEnd type="none" w="med" len="med"/>
+                      <a:tailEnd type="none" w="med" len="med"/>
+                    </a:lnL>
+                  </a:tcPr>
+                </a:tc>
+                <a:extLst>
+                  <a:ext uri="{0D108BD9-81ED-4DB2-BD59-A6C34878D82A}">
+                    <a16:rowId xmlns:a16="http://schemas.microsoft.com/office/drawing/2014/main" val="3962275300"/>
+                  </a:ext>
+                </a:extLst>
+              </a:tr>
+              <a:tr h="534247">
+                <a:tc>
+                  <a:txBody>
+                    <a:bodyPr/>
+                    <a:lstStyle/>
+                    <a:p>
+                      <a:pPr algn="l" fontAlgn="b"/>
+                      <a:r>
+                        <a:rPr lang="en-US" sz="2400" b="0" i="0" u="none" strike="noStrike">
+                          <a:solidFill>
+                            <a:srgbClr val="000000"/>
+                          </a:solidFill>
+                          <a:effectLst/>
+                          <a:latin typeface="Calibri" panose="020F0502020204030204" pitchFamily="34" charset="0"/>
+                        </a:rPr>
+                        <a:t>Sample_Sales</a:t>
+                      </a:r>
+                    </a:p>
+                  </a:txBody>
+                  <a:tcPr marL="9525" marR="9525" marT="9525" marB="0" anchor="b">
+                    <a:lnR w="12700" cap="flat" cmpd="sng" algn="ctr">
+                      <a:solidFill>
+                        <a:schemeClr val="accent1"/>
+                      </a:solidFill>
+                      <a:prstDash val="solid"/>
+                      <a:round/>
+                      <a:headEnd type="none" w="med" len="med"/>
+                      <a:tailEnd type="none" w="med" len="med"/>
+                    </a:lnR>
+                  </a:tcPr>
+                </a:tc>
+                <a:tc>
+                  <a:txBody>
+                    <a:bodyPr/>
+                    <a:lstStyle/>
+                    <a:p>
+                      <a:pPr algn="ctr" fontAlgn="b"/>
+                      <a:r>
+                        <a:rPr lang="en-US" sz="2400" b="0" i="0" u="none" strike="noStrike">
+                          <a:solidFill>
+                            <a:srgbClr val="000000"/>
+                          </a:solidFill>
+                          <a:effectLst/>
+                          <a:latin typeface="Calibri" panose="020F0502020204030204" pitchFamily="34" charset="0"/>
+                        </a:rPr>
+                        <a:t>0.22208</a:t>
+                      </a:r>
+                    </a:p>
+                  </a:txBody>
+                  <a:tcPr marL="9525" marR="9525" marT="9525" marB="0" anchor="b">
+                    <a:lnL w="12700" cap="flat" cmpd="sng" algn="ctr">
+                      <a:solidFill>
+                        <a:schemeClr val="accent1"/>
+                      </a:solidFill>
+                      <a:prstDash val="solid"/>
+                      <a:round/>
+                      <a:headEnd type="none" w="med" len="med"/>
+                      <a:tailEnd type="none" w="med" len="med"/>
+                    </a:lnL>
+                  </a:tcPr>
+                </a:tc>
+                <a:tc>
+                  <a:txBody>
+                    <a:bodyPr/>
+                    <a:lstStyle/>
+                    <a:p>
+                      <a:pPr algn="ctr" fontAlgn="b"/>
+                      <a:r>
+                        <a:rPr lang="en-US" sz="2400" b="0" i="0" u="none" strike="noStrike">
+                          <a:solidFill>
+                            <a:srgbClr val="000000"/>
+                          </a:solidFill>
+                          <a:effectLst/>
+                          <a:latin typeface="Calibri" panose="020F0502020204030204" pitchFamily="34" charset="0"/>
+                        </a:rPr>
+                        <a:t>0.06926</a:t>
+                      </a:r>
+                    </a:p>
+                  </a:txBody>
+                  <a:tcPr marL="9525" marR="9525" marT="9525" marB="0" anchor="b"/>
+                </a:tc>
+                <a:tc>
+                  <a:txBody>
+                    <a:bodyPr/>
+                    <a:lstStyle/>
+                    <a:p>
+                      <a:pPr algn="ctr" fontAlgn="b"/>
+                      <a:r>
+                        <a:rPr lang="en-US" sz="2400" b="0" i="0" u="none" strike="noStrike">
+                          <a:solidFill>
+                            <a:srgbClr val="000000"/>
+                          </a:solidFill>
+                          <a:effectLst/>
+                          <a:latin typeface="Calibri" panose="020F0502020204030204" pitchFamily="34" charset="0"/>
+                        </a:rPr>
+                        <a:t>0.16075</a:t>
+                      </a:r>
+                    </a:p>
+                  </a:txBody>
+                  <a:tcPr marL="9525" marR="9525" marT="9525" marB="0" anchor="b"/>
+                </a:tc>
+                <a:tc>
+                  <a:txBody>
+                    <a:bodyPr/>
+                    <a:lstStyle/>
+                    <a:p>
+                      <a:pPr algn="ctr" fontAlgn="b"/>
+                      <a:r>
+                        <a:rPr lang="en-US" sz="2400" b="0" i="0" u="none" strike="noStrike">
+                          <a:solidFill>
+                            <a:srgbClr val="000000"/>
+                          </a:solidFill>
+                          <a:effectLst/>
+                          <a:latin typeface="Calibri" panose="020F0502020204030204" pitchFamily="34" charset="0"/>
+                        </a:rPr>
+                        <a:t>0.00008</a:t>
+                      </a:r>
+                    </a:p>
+                  </a:txBody>
+                  <a:tcPr marL="9525" marR="9525" marT="9525" marB="0" anchor="b"/>
+                </a:tc>
+                <a:tc>
+                  <a:txBody>
+                    <a:bodyPr/>
+                    <a:lstStyle/>
+                    <a:p>
+                      <a:pPr algn="ctr" fontAlgn="b"/>
+                      <a:r>
+                        <a:rPr lang="en-US" sz="2400" b="0" i="0" u="none" strike="noStrike" dirty="0">
+                          <a:solidFill>
+                            <a:srgbClr val="000000"/>
+                          </a:solidFill>
+                          <a:effectLst/>
+                          <a:latin typeface="Calibri" panose="020F0502020204030204" pitchFamily="34" charset="0"/>
+                        </a:rPr>
+                        <a:t>0.01381</a:t>
+                      </a:r>
+                    </a:p>
+                  </a:txBody>
+                  <a:tcPr marL="9525" marR="9525" marT="9525" marB="0" anchor="b">
+                    <a:lnR w="12700" cap="flat" cmpd="sng" algn="ctr">
+                      <a:solidFill>
+                        <a:schemeClr val="accent1"/>
+                      </a:solidFill>
+                      <a:prstDash val="solid"/>
+                      <a:round/>
+                      <a:headEnd type="none" w="med" len="med"/>
+                      <a:tailEnd type="none" w="med" len="med"/>
+                    </a:lnR>
+                  </a:tcPr>
+                </a:tc>
+                <a:tc>
+                  <a:txBody>
+                    <a:bodyPr/>
+                    <a:lstStyle/>
+                    <a:p>
+                      <a:pPr algn="r" fontAlgn="b"/>
+                      <a:r>
+                        <a:rPr lang="en-US" sz="2400" b="0" i="0" u="none" strike="noStrike" dirty="0">
+                          <a:solidFill>
+                            <a:srgbClr val="000000"/>
+                          </a:solidFill>
+                          <a:effectLst/>
+                          <a:latin typeface="Calibri" panose="020F0502020204030204" pitchFamily="34" charset="0"/>
+                        </a:rPr>
+                        <a:t>0.46598</a:t>
+                      </a:r>
+                    </a:p>
+                  </a:txBody>
+                  <a:tcPr marL="9525" marR="9525" marT="9525" marB="0" anchor="b">
+                    <a:lnL w="12700" cap="flat" cmpd="sng" algn="ctr">
+                      <a:solidFill>
+                        <a:schemeClr val="accent1"/>
+                      </a:solidFill>
+                      <a:prstDash val="solid"/>
+                      <a:round/>
+                      <a:headEnd type="none" w="med" len="med"/>
+                      <a:tailEnd type="none" w="med" len="med"/>
+                    </a:lnL>
+                  </a:tcPr>
+                </a:tc>
+                <a:extLst>
+                  <a:ext uri="{0D108BD9-81ED-4DB2-BD59-A6C34878D82A}">
+                    <a16:rowId xmlns:a16="http://schemas.microsoft.com/office/drawing/2014/main" val="2661826604"/>
+                  </a:ext>
+                </a:extLst>
+              </a:tr>
+            </a:tbl>
+          </a:graphicData>
+        </a:graphic>
+      </p:graphicFrame>
+      <p:sp>
+        <p:nvSpPr>
+          <p:cNvPr id="5" name="Rectangle 4">
+            <a:extLst>
+              <a:ext uri="{FF2B5EF4-FFF2-40B4-BE49-F238E27FC236}">
+                <a16:creationId xmlns:a16="http://schemas.microsoft.com/office/drawing/2014/main" id="{7BF45E85-3EAC-4ED2-ABF1-ACF130FE897C}"/>
+              </a:ext>
+            </a:extLst>
+          </p:cNvPr>
+          <p:cNvSpPr/>
+          <p:nvPr/>
         </p:nvSpPr>
-        <p:spPr/>
+        <p:spPr>
+          <a:xfrm>
+            <a:off x="838200" y="5905020"/>
+            <a:ext cx="10515600" cy="461665"/>
+          </a:xfrm>
+          <a:prstGeom prst="rect">
+            <a:avLst/>
+          </a:prstGeom>
+        </p:spPr>
         <p:txBody>
-          <a:bodyPr/>
+          <a:bodyPr wrap="square">
+            <a:spAutoFit/>
+          </a:bodyPr>
           <a:lstStyle/>
           <a:p>
-            <a:endParaRPr lang="en-US" dirty="0"/>
+            <a:pPr algn="ctr"/>
+            <a:r>
+              <a:rPr lang="en-US" sz="2400" dirty="0" err="1"/>
+              <a:t>resume.topics</a:t>
+            </a:r>
+            <a:r>
+              <a:rPr lang="en-US" sz="2400" dirty="0"/>
+              <a:t> &lt;- </a:t>
+            </a:r>
+            <a:r>
+              <a:rPr lang="en-US" sz="2400" dirty="0" err="1"/>
+              <a:t>topicmodels</a:t>
+            </a:r>
+            <a:r>
+              <a:rPr lang="en-US" sz="2400" dirty="0"/>
+              <a:t>::posterior(</a:t>
+            </a:r>
+            <a:r>
+              <a:rPr lang="en-US" sz="2400" dirty="0" err="1"/>
+              <a:t>jobs.lda,newdata</a:t>
+            </a:r>
+            <a:r>
+              <a:rPr lang="en-US" sz="2400" dirty="0"/>
+              <a:t> = </a:t>
+            </a:r>
+            <a:r>
+              <a:rPr lang="en-US" sz="2400" dirty="0" err="1"/>
+              <a:t>resume.dtm</a:t>
+            </a:r>
+            <a:r>
+              <a:rPr lang="en-US" sz="2400" dirty="0"/>
+              <a:t>)</a:t>
+            </a:r>
           </a:p>
         </p:txBody>
       </p:sp>
     </p:spTree>
     <p:extLst>
       <p:ext uri="{BB962C8B-B14F-4D97-AF65-F5344CB8AC3E}">
-        <p14:creationId xmlns:p14="http://schemas.microsoft.com/office/powerpoint/2010/main" val="3407193998"/>
+        <p14:creationId xmlns:p14="http://schemas.microsoft.com/office/powerpoint/2010/main" val="1731483747"/>
       </p:ext>
     </p:extLst>
   </p:cSld>
@@ -11225,6 +12752,89 @@
           <p:cNvPr id="2" name="Title 1">
             <a:extLst>
               <a:ext uri="{FF2B5EF4-FFF2-40B4-BE49-F238E27FC236}">
+                <a16:creationId xmlns:a16="http://schemas.microsoft.com/office/drawing/2014/main" id="{69EB7ECF-A088-47A2-9B6D-A520E90F0F1F}"/>
+              </a:ext>
+            </a:extLst>
+          </p:cNvPr>
+          <p:cNvSpPr>
+            <a:spLocks noGrp="1"/>
+          </p:cNvSpPr>
+          <p:nvPr>
+            <p:ph type="title"/>
+          </p:nvPr>
+        </p:nvSpPr>
+        <p:spPr/>
+        <p:txBody>
+          <a:bodyPr/>
+          <a:lstStyle/>
+          <a:p>
+            <a:r>
+              <a:rPr lang="en-US" dirty="0"/>
+              <a:t>Evaluation</a:t>
+            </a:r>
+          </a:p>
+        </p:txBody>
+      </p:sp>
+      <p:sp>
+        <p:nvSpPr>
+          <p:cNvPr id="3" name="Content Placeholder 2">
+            <a:extLst>
+              <a:ext uri="{FF2B5EF4-FFF2-40B4-BE49-F238E27FC236}">
+                <a16:creationId xmlns:a16="http://schemas.microsoft.com/office/drawing/2014/main" id="{76A4FA34-4101-4DB8-BDB1-B2BFA4449A68}"/>
+              </a:ext>
+            </a:extLst>
+          </p:cNvPr>
+          <p:cNvSpPr>
+            <a:spLocks noGrp="1"/>
+          </p:cNvSpPr>
+          <p:nvPr>
+            <p:ph idx="1"/>
+          </p:nvPr>
+        </p:nvSpPr>
+        <p:spPr/>
+        <p:txBody>
+          <a:bodyPr/>
+          <a:lstStyle/>
+          <a:p>
+            <a:endParaRPr lang="en-US" dirty="0"/>
+          </a:p>
+        </p:txBody>
+      </p:sp>
+    </p:spTree>
+    <p:extLst>
+      <p:ext uri="{BB962C8B-B14F-4D97-AF65-F5344CB8AC3E}">
+        <p14:creationId xmlns:p14="http://schemas.microsoft.com/office/powerpoint/2010/main" val="3407193998"/>
+      </p:ext>
+    </p:extLst>
+  </p:cSld>
+  <p:clrMapOvr>
+    <a:masterClrMapping/>
+  </p:clrMapOvr>
+</p:sld>
+</file>
+
+<file path=ppt/slides/slide21.xml><?xml version="1.0" encoding="utf-8"?>
+<p:sld xmlns:a="http://schemas.openxmlformats.org/drawingml/2006/main" xmlns:r="http://schemas.openxmlformats.org/officeDocument/2006/relationships" xmlns:p="http://schemas.openxmlformats.org/presentationml/2006/main">
+  <p:cSld>
+    <p:spTree>
+      <p:nvGrpSpPr>
+        <p:cNvPr id="1" name=""/>
+        <p:cNvGrpSpPr/>
+        <p:nvPr/>
+      </p:nvGrpSpPr>
+      <p:grpSpPr>
+        <a:xfrm>
+          <a:off x="0" y="0"/>
+          <a:ext cx="0" cy="0"/>
+          <a:chOff x="0" y="0"/>
+          <a:chExt cx="0" cy="0"/>
+        </a:xfrm>
+      </p:grpSpPr>
+      <p:sp>
+        <p:nvSpPr>
+          <p:cNvPr id="2" name="Title 1">
+            <a:extLst>
+              <a:ext uri="{FF2B5EF4-FFF2-40B4-BE49-F238E27FC236}">
                 <a16:creationId xmlns:a16="http://schemas.microsoft.com/office/drawing/2014/main" id="{83D2FCD0-74AF-46F9-8C29-8DF121006AFD}"/>
               </a:ext>
             </a:extLst>
@@ -11283,7 +12893,7 @@
 </p:sld>
 </file>
 
-<file path=ppt/slides/slide21.xml><?xml version="1.0" encoding="utf-8"?>
+<file path=ppt/slides/slide22.xml><?xml version="1.0" encoding="utf-8"?>
 <p:sld xmlns:a="http://schemas.openxmlformats.org/drawingml/2006/main" xmlns:r="http://schemas.openxmlformats.org/officeDocument/2006/relationships" xmlns:p="http://schemas.openxmlformats.org/presentationml/2006/main">
   <p:cSld>
     <p:spTree>
@@ -11366,7 +12976,7 @@
 </p:sld>
 </file>
 
-<file path=ppt/slides/slide22.xml><?xml version="1.0" encoding="utf-8"?>
+<file path=ppt/slides/slide23.xml><?xml version="1.0" encoding="utf-8"?>
 <p:sld xmlns:a="http://schemas.openxmlformats.org/drawingml/2006/main" xmlns:r="http://schemas.openxmlformats.org/officeDocument/2006/relationships" xmlns:p="http://schemas.openxmlformats.org/presentationml/2006/main">
   <p:cSld>
     <p:spTree>

--- a/Jobs Analysis.pptx
+++ b/Jobs Analysis.pptx
@@ -7543,7 +7543,7 @@
           <a:p>
             <a:r>
               <a:rPr lang="en-US" dirty="0"/>
-              <a:t>Ran LDA with k = 5</a:t>
+              <a:t>LDA with k = 5</a:t>
             </a:r>
           </a:p>
           <a:p>
@@ -7568,7 +7568,7 @@
           <a:p>
             <a:r>
               <a:rPr lang="en-US" dirty="0"/>
-              <a:t>Ran LDA with k = 50</a:t>
+              <a:t>LDA with k = 50</a:t>
             </a:r>
           </a:p>
           <a:p>

--- a/Jobs Analysis.pptx
+++ b/Jobs Analysis.pptx
@@ -21,13 +21,14 @@
     <p:sldId id="274" r:id="rId15"/>
     <p:sldId id="275" r:id="rId16"/>
     <p:sldId id="277" r:id="rId17"/>
-    <p:sldId id="278" r:id="rId18"/>
-    <p:sldId id="279" r:id="rId19"/>
+    <p:sldId id="279" r:id="rId18"/>
+    <p:sldId id="278" r:id="rId19"/>
     <p:sldId id="280" r:id="rId20"/>
-    <p:sldId id="267" r:id="rId21"/>
-    <p:sldId id="268" r:id="rId22"/>
-    <p:sldId id="269" r:id="rId23"/>
-    <p:sldId id="270" r:id="rId24"/>
+    <p:sldId id="281" r:id="rId21"/>
+    <p:sldId id="267" r:id="rId22"/>
+    <p:sldId id="268" r:id="rId23"/>
+    <p:sldId id="269" r:id="rId24"/>
+    <p:sldId id="270" r:id="rId25"/>
   </p:sldIdLst>
   <p:sldSz cx="12192000" cy="6858000"/>
   <p:notesSz cx="6858000" cy="9144000"/>
@@ -7623,1640 +7624,6 @@
           <p:cNvPr id="2" name="Title 1">
             <a:extLst>
               <a:ext uri="{FF2B5EF4-FFF2-40B4-BE49-F238E27FC236}">
-                <a16:creationId xmlns:a16="http://schemas.microsoft.com/office/drawing/2014/main" id="{E8E1B2DF-8C2C-43CD-8BD5-6DADBF613F07}"/>
-              </a:ext>
-            </a:extLst>
-          </p:cNvPr>
-          <p:cNvSpPr>
-            <a:spLocks noGrp="1"/>
-          </p:cNvSpPr>
-          <p:nvPr>
-            <p:ph type="title"/>
-          </p:nvPr>
-        </p:nvSpPr>
-        <p:spPr/>
-        <p:txBody>
-          <a:bodyPr/>
-          <a:lstStyle/>
-          <a:p>
-            <a:r>
-              <a:rPr lang="en-US" dirty="0"/>
-              <a:t>LDA Top Terms by Topic (k = 5)</a:t>
-            </a:r>
-          </a:p>
-        </p:txBody>
-      </p:sp>
-      <p:graphicFrame>
-        <p:nvGraphicFramePr>
-          <p:cNvPr id="4" name="Content Placeholder 3">
-            <a:extLst>
-              <a:ext uri="{FF2B5EF4-FFF2-40B4-BE49-F238E27FC236}">
-                <a16:creationId xmlns:a16="http://schemas.microsoft.com/office/drawing/2014/main" id="{908340B6-2CC9-4B95-B2DE-D6E6155B8EAC}"/>
-              </a:ext>
-            </a:extLst>
-          </p:cNvPr>
-          <p:cNvGraphicFramePr>
-            <a:graphicFrameLocks noGrp="1"/>
-          </p:cNvGraphicFramePr>
-          <p:nvPr>
-            <p:ph idx="1"/>
-            <p:extLst>
-              <p:ext uri="{D42A27DB-BD31-4B8C-83A1-F6EECF244321}">
-                <p14:modId xmlns:p14="http://schemas.microsoft.com/office/powerpoint/2010/main" val="462073877"/>
-              </p:ext>
-            </p:extLst>
-          </p:nvPr>
-        </p:nvGraphicFramePr>
-        <p:xfrm>
-          <a:off x="838198" y="1835020"/>
-          <a:ext cx="10515600" cy="4128135"/>
-        </p:xfrm>
-        <a:graphic>
-          <a:graphicData uri="http://schemas.openxmlformats.org/drawingml/2006/table">
-            <a:tbl>
-              <a:tblPr>
-                <a:tableStyleId>{3B4B98B0-60AC-42C2-AFA5-B58CD77FA1E5}</a:tableStyleId>
-              </a:tblPr>
-              <a:tblGrid>
-                <a:gridCol w="2103120">
-                  <a:extLst>
-                    <a:ext uri="{9D8B030D-6E8A-4147-A177-3AD203B41FA5}">
-                      <a16:colId xmlns:a16="http://schemas.microsoft.com/office/drawing/2014/main" val="3731036267"/>
-                    </a:ext>
-                  </a:extLst>
-                </a:gridCol>
-                <a:gridCol w="2103120">
-                  <a:extLst>
-                    <a:ext uri="{9D8B030D-6E8A-4147-A177-3AD203B41FA5}">
-                      <a16:colId xmlns:a16="http://schemas.microsoft.com/office/drawing/2014/main" val="2555341812"/>
-                    </a:ext>
-                  </a:extLst>
-                </a:gridCol>
-                <a:gridCol w="2103120">
-                  <a:extLst>
-                    <a:ext uri="{9D8B030D-6E8A-4147-A177-3AD203B41FA5}">
-                      <a16:colId xmlns:a16="http://schemas.microsoft.com/office/drawing/2014/main" val="1052258667"/>
-                    </a:ext>
-                  </a:extLst>
-                </a:gridCol>
-                <a:gridCol w="2103120">
-                  <a:extLst>
-                    <a:ext uri="{9D8B030D-6E8A-4147-A177-3AD203B41FA5}">
-                      <a16:colId xmlns:a16="http://schemas.microsoft.com/office/drawing/2014/main" val="2132033456"/>
-                    </a:ext>
-                  </a:extLst>
-                </a:gridCol>
-                <a:gridCol w="2103120">
-                  <a:extLst>
-                    <a:ext uri="{9D8B030D-6E8A-4147-A177-3AD203B41FA5}">
-                      <a16:colId xmlns:a16="http://schemas.microsoft.com/office/drawing/2014/main" val="1342537409"/>
-                    </a:ext>
-                  </a:extLst>
-                </a:gridCol>
-              </a:tblGrid>
-              <a:tr h="303634">
-                <a:tc>
-                  <a:txBody>
-                    <a:bodyPr/>
-                    <a:lstStyle/>
-                    <a:p>
-                      <a:pPr algn="l" fontAlgn="b"/>
-                      <a:r>
-                        <a:rPr lang="en-US" sz="2400" b="1" u="none" strike="noStrike" dirty="0">
-                          <a:effectLst/>
-                        </a:rPr>
-                        <a:t>Topic 1</a:t>
-                      </a:r>
-                      <a:endParaRPr lang="en-US" sz="2400" b="1" i="0" u="none" strike="noStrike" dirty="0">
-                        <a:solidFill>
-                          <a:srgbClr val="000000"/>
-                        </a:solidFill>
-                        <a:effectLst/>
-                        <a:latin typeface="Calibri" panose="020F0502020204030204" pitchFamily="34" charset="0"/>
-                      </a:endParaRPr>
-                    </a:p>
-                  </a:txBody>
-                  <a:tcPr marL="9525" marR="9525" marT="9525" marB="0" anchor="b">
-                    <a:lnB w="12700" cap="flat" cmpd="sng" algn="ctr">
-                      <a:solidFill>
-                        <a:schemeClr val="accent1">
-                          <a:lumMod val="60000"/>
-                          <a:lumOff val="40000"/>
-                        </a:schemeClr>
-                      </a:solidFill>
-                      <a:prstDash val="solid"/>
-                      <a:round/>
-                      <a:headEnd type="none" w="med" len="med"/>
-                      <a:tailEnd type="none" w="med" len="med"/>
-                    </a:lnB>
-                  </a:tcPr>
-                </a:tc>
-                <a:tc>
-                  <a:txBody>
-                    <a:bodyPr/>
-                    <a:lstStyle/>
-                    <a:p>
-                      <a:pPr algn="l" fontAlgn="b"/>
-                      <a:r>
-                        <a:rPr lang="en-US" sz="2400" b="1" u="none" strike="noStrike" dirty="0">
-                          <a:effectLst/>
-                        </a:rPr>
-                        <a:t>Topic 2</a:t>
-                      </a:r>
-                      <a:endParaRPr lang="en-US" sz="2400" b="1" i="0" u="none" strike="noStrike" dirty="0">
-                        <a:solidFill>
-                          <a:srgbClr val="000000"/>
-                        </a:solidFill>
-                        <a:effectLst/>
-                        <a:latin typeface="Calibri" panose="020F0502020204030204" pitchFamily="34" charset="0"/>
-                      </a:endParaRPr>
-                    </a:p>
-                  </a:txBody>
-                  <a:tcPr marL="9525" marR="9525" marT="9525" marB="0" anchor="b">
-                    <a:lnB w="12700" cap="flat" cmpd="sng" algn="ctr">
-                      <a:solidFill>
-                        <a:schemeClr val="accent1">
-                          <a:lumMod val="60000"/>
-                          <a:lumOff val="40000"/>
-                        </a:schemeClr>
-                      </a:solidFill>
-                      <a:prstDash val="solid"/>
-                      <a:round/>
-                      <a:headEnd type="none" w="med" len="med"/>
-                      <a:tailEnd type="none" w="med" len="med"/>
-                    </a:lnB>
-                  </a:tcPr>
-                </a:tc>
-                <a:tc>
-                  <a:txBody>
-                    <a:bodyPr/>
-                    <a:lstStyle/>
-                    <a:p>
-                      <a:pPr algn="l" fontAlgn="b"/>
-                      <a:r>
-                        <a:rPr lang="en-US" sz="2400" b="1" u="none" strike="noStrike" dirty="0">
-                          <a:effectLst/>
-                        </a:rPr>
-                        <a:t>Topic 3</a:t>
-                      </a:r>
-                      <a:endParaRPr lang="en-US" sz="2400" b="1" i="0" u="none" strike="noStrike" dirty="0">
-                        <a:solidFill>
-                          <a:srgbClr val="000000"/>
-                        </a:solidFill>
-                        <a:effectLst/>
-                        <a:latin typeface="Calibri" panose="020F0502020204030204" pitchFamily="34" charset="0"/>
-                      </a:endParaRPr>
-                    </a:p>
-                  </a:txBody>
-                  <a:tcPr marL="9525" marR="9525" marT="9525" marB="0" anchor="b">
-                    <a:lnB w="12700" cap="flat" cmpd="sng" algn="ctr">
-                      <a:solidFill>
-                        <a:schemeClr val="accent1">
-                          <a:lumMod val="60000"/>
-                          <a:lumOff val="40000"/>
-                        </a:schemeClr>
-                      </a:solidFill>
-                      <a:prstDash val="solid"/>
-                      <a:round/>
-                      <a:headEnd type="none" w="med" len="med"/>
-                      <a:tailEnd type="none" w="med" len="med"/>
-                    </a:lnB>
-                  </a:tcPr>
-                </a:tc>
-                <a:tc>
-                  <a:txBody>
-                    <a:bodyPr/>
-                    <a:lstStyle/>
-                    <a:p>
-                      <a:pPr algn="l" fontAlgn="b"/>
-                      <a:r>
-                        <a:rPr lang="en-US" sz="2400" b="1" u="none" strike="noStrike" dirty="0">
-                          <a:effectLst/>
-                        </a:rPr>
-                        <a:t>Topic 4</a:t>
-                      </a:r>
-                      <a:endParaRPr lang="en-US" sz="2400" b="1" i="0" u="none" strike="noStrike" dirty="0">
-                        <a:solidFill>
-                          <a:srgbClr val="000000"/>
-                        </a:solidFill>
-                        <a:effectLst/>
-                        <a:latin typeface="Calibri" panose="020F0502020204030204" pitchFamily="34" charset="0"/>
-                      </a:endParaRPr>
-                    </a:p>
-                  </a:txBody>
-                  <a:tcPr marL="9525" marR="9525" marT="9525" marB="0" anchor="b">
-                    <a:lnB w="12700" cap="flat" cmpd="sng" algn="ctr">
-                      <a:solidFill>
-                        <a:schemeClr val="accent1">
-                          <a:lumMod val="60000"/>
-                          <a:lumOff val="40000"/>
-                        </a:schemeClr>
-                      </a:solidFill>
-                      <a:prstDash val="solid"/>
-                      <a:round/>
-                      <a:headEnd type="none" w="med" len="med"/>
-                      <a:tailEnd type="none" w="med" len="med"/>
-                    </a:lnB>
-                  </a:tcPr>
-                </a:tc>
-                <a:tc>
-                  <a:txBody>
-                    <a:bodyPr/>
-                    <a:lstStyle/>
-                    <a:p>
-                      <a:pPr algn="l" fontAlgn="b"/>
-                      <a:r>
-                        <a:rPr lang="en-US" sz="2400" b="1" u="none" strike="noStrike" dirty="0">
-                          <a:effectLst/>
-                        </a:rPr>
-                        <a:t>Topic 5</a:t>
-                      </a:r>
-                      <a:endParaRPr lang="en-US" sz="2400" b="1" i="0" u="none" strike="noStrike" dirty="0">
-                        <a:solidFill>
-                          <a:srgbClr val="000000"/>
-                        </a:solidFill>
-                        <a:effectLst/>
-                        <a:latin typeface="Calibri" panose="020F0502020204030204" pitchFamily="34" charset="0"/>
-                      </a:endParaRPr>
-                    </a:p>
-                  </a:txBody>
-                  <a:tcPr marL="9525" marR="9525" marT="9525" marB="0" anchor="b">
-                    <a:lnB w="12700" cap="flat" cmpd="sng" algn="ctr">
-                      <a:solidFill>
-                        <a:schemeClr val="accent1">
-                          <a:lumMod val="60000"/>
-                          <a:lumOff val="40000"/>
-                        </a:schemeClr>
-                      </a:solidFill>
-                      <a:prstDash val="solid"/>
-                      <a:round/>
-                      <a:headEnd type="none" w="med" len="med"/>
-                      <a:tailEnd type="none" w="med" len="med"/>
-                    </a:lnB>
-                  </a:tcPr>
-                </a:tc>
-                <a:extLst>
-                  <a:ext uri="{0D108BD9-81ED-4DB2-BD59-A6C34878D82A}">
-                    <a16:rowId xmlns:a16="http://schemas.microsoft.com/office/drawing/2014/main" val="2827662962"/>
-                  </a:ext>
-                </a:extLst>
-              </a:tr>
-              <a:tr h="303634">
-                <a:tc>
-                  <a:txBody>
-                    <a:bodyPr/>
-                    <a:lstStyle/>
-                    <a:p>
-                      <a:pPr algn="l" fontAlgn="b"/>
-                      <a:r>
-                        <a:rPr lang="en-US" sz="2400" u="none" strike="noStrike" dirty="0">
-                          <a:effectLst/>
-                        </a:rPr>
-                        <a:t>business</a:t>
-                      </a:r>
-                      <a:endParaRPr lang="en-US" sz="2400" b="0" i="0" u="none" strike="noStrike" dirty="0">
-                        <a:solidFill>
-                          <a:srgbClr val="000000"/>
-                        </a:solidFill>
-                        <a:effectLst/>
-                        <a:latin typeface="Calibri" panose="020F0502020204030204" pitchFamily="34" charset="0"/>
-                      </a:endParaRPr>
-                    </a:p>
-                  </a:txBody>
-                  <a:tcPr marL="9525" marR="9525" marT="9525" marB="0" anchor="b">
-                    <a:lnT w="12700" cap="flat" cmpd="sng" algn="ctr">
-                      <a:solidFill>
-                        <a:schemeClr val="accent1">
-                          <a:lumMod val="60000"/>
-                          <a:lumOff val="40000"/>
-                        </a:schemeClr>
-                      </a:solidFill>
-                      <a:prstDash val="solid"/>
-                      <a:round/>
-                      <a:headEnd type="none" w="med" len="med"/>
-                      <a:tailEnd type="none" w="med" len="med"/>
-                    </a:lnT>
-                  </a:tcPr>
-                </a:tc>
-                <a:tc>
-                  <a:txBody>
-                    <a:bodyPr/>
-                    <a:lstStyle/>
-                    <a:p>
-                      <a:pPr algn="l" fontAlgn="b"/>
-                      <a:r>
-                        <a:rPr lang="en-US" sz="2400" u="none" strike="noStrike" dirty="0">
-                          <a:effectLst/>
-                        </a:rPr>
-                        <a:t>design</a:t>
-                      </a:r>
-                      <a:endParaRPr lang="en-US" sz="2400" b="0" i="0" u="none" strike="noStrike" dirty="0">
-                        <a:solidFill>
-                          <a:srgbClr val="000000"/>
-                        </a:solidFill>
-                        <a:effectLst/>
-                        <a:latin typeface="Calibri" panose="020F0502020204030204" pitchFamily="34" charset="0"/>
-                      </a:endParaRPr>
-                    </a:p>
-                  </a:txBody>
-                  <a:tcPr marL="9525" marR="9525" marT="9525" marB="0" anchor="b">
-                    <a:lnT w="12700" cap="flat" cmpd="sng" algn="ctr">
-                      <a:solidFill>
-                        <a:schemeClr val="accent1">
-                          <a:lumMod val="60000"/>
-                          <a:lumOff val="40000"/>
-                        </a:schemeClr>
-                      </a:solidFill>
-                      <a:prstDash val="solid"/>
-                      <a:round/>
-                      <a:headEnd type="none" w="med" len="med"/>
-                      <a:tailEnd type="none" w="med" len="med"/>
-                    </a:lnT>
-                  </a:tcPr>
-                </a:tc>
-                <a:tc>
-                  <a:txBody>
-                    <a:bodyPr/>
-                    <a:lstStyle/>
-                    <a:p>
-                      <a:pPr algn="l" fontAlgn="b"/>
-                      <a:r>
-                        <a:rPr lang="en-US" sz="2400" u="none" strike="noStrike" dirty="0">
-                          <a:effectLst/>
-                        </a:rPr>
-                        <a:t>technical</a:t>
-                      </a:r>
-                      <a:endParaRPr lang="en-US" sz="2400" b="0" i="0" u="none" strike="noStrike" dirty="0">
-                        <a:solidFill>
-                          <a:srgbClr val="000000"/>
-                        </a:solidFill>
-                        <a:effectLst/>
-                        <a:latin typeface="Calibri" panose="020F0502020204030204" pitchFamily="34" charset="0"/>
-                      </a:endParaRPr>
-                    </a:p>
-                  </a:txBody>
-                  <a:tcPr marL="9525" marR="9525" marT="9525" marB="0" anchor="b">
-                    <a:lnT w="12700" cap="flat" cmpd="sng" algn="ctr">
-                      <a:solidFill>
-                        <a:schemeClr val="accent1">
-                          <a:lumMod val="60000"/>
-                          <a:lumOff val="40000"/>
-                        </a:schemeClr>
-                      </a:solidFill>
-                      <a:prstDash val="solid"/>
-                      <a:round/>
-                      <a:headEnd type="none" w="med" len="med"/>
-                      <a:tailEnd type="none" w="med" len="med"/>
-                    </a:lnT>
-                  </a:tcPr>
-                </a:tc>
-                <a:tc>
-                  <a:txBody>
-                    <a:bodyPr/>
-                    <a:lstStyle/>
-                    <a:p>
-                      <a:pPr algn="l" fontAlgn="b"/>
-                      <a:r>
-                        <a:rPr lang="en-US" sz="2400" u="none" strike="noStrike" dirty="0">
-                          <a:effectLst/>
-                        </a:rPr>
-                        <a:t>team</a:t>
-                      </a:r>
-                      <a:endParaRPr lang="en-US" sz="2400" b="0" i="0" u="none" strike="noStrike" dirty="0">
-                        <a:solidFill>
-                          <a:srgbClr val="000000"/>
-                        </a:solidFill>
-                        <a:effectLst/>
-                        <a:latin typeface="Calibri" panose="020F0502020204030204" pitchFamily="34" charset="0"/>
-                      </a:endParaRPr>
-                    </a:p>
-                  </a:txBody>
-                  <a:tcPr marL="9525" marR="9525" marT="9525" marB="0" anchor="b">
-                    <a:lnT w="12700" cap="flat" cmpd="sng" algn="ctr">
-                      <a:solidFill>
-                        <a:schemeClr val="accent1">
-                          <a:lumMod val="60000"/>
-                          <a:lumOff val="40000"/>
-                        </a:schemeClr>
-                      </a:solidFill>
-                      <a:prstDash val="solid"/>
-                      <a:round/>
-                      <a:headEnd type="none" w="med" len="med"/>
-                      <a:tailEnd type="none" w="med" len="med"/>
-                    </a:lnT>
-                  </a:tcPr>
-                </a:tc>
-                <a:tc>
-                  <a:txBody>
-                    <a:bodyPr/>
-                    <a:lstStyle/>
-                    <a:p>
-                      <a:pPr algn="l" fontAlgn="b"/>
-                      <a:r>
-                        <a:rPr lang="en-US" sz="2400" u="none" strike="noStrike" dirty="0">
-                          <a:effectLst/>
-                        </a:rPr>
-                        <a:t>business</a:t>
-                      </a:r>
-                      <a:endParaRPr lang="en-US" sz="2400" b="0" i="0" u="none" strike="noStrike" dirty="0">
-                        <a:solidFill>
-                          <a:srgbClr val="000000"/>
-                        </a:solidFill>
-                        <a:effectLst/>
-                        <a:latin typeface="Calibri" panose="020F0502020204030204" pitchFamily="34" charset="0"/>
-                      </a:endParaRPr>
-                    </a:p>
-                  </a:txBody>
-                  <a:tcPr marL="9525" marR="9525" marT="9525" marB="0" anchor="b">
-                    <a:lnT w="12700" cap="flat" cmpd="sng" algn="ctr">
-                      <a:solidFill>
-                        <a:schemeClr val="accent1">
-                          <a:lumMod val="60000"/>
-                          <a:lumOff val="40000"/>
-                        </a:schemeClr>
-                      </a:solidFill>
-                      <a:prstDash val="solid"/>
-                      <a:round/>
-                      <a:headEnd type="none" w="med" len="med"/>
-                      <a:tailEnd type="none" w="med" len="med"/>
-                    </a:lnT>
-                  </a:tcPr>
-                </a:tc>
-                <a:extLst>
-                  <a:ext uri="{0D108BD9-81ED-4DB2-BD59-A6C34878D82A}">
-                    <a16:rowId xmlns:a16="http://schemas.microsoft.com/office/drawing/2014/main" val="2894263183"/>
-                  </a:ext>
-                </a:extLst>
-              </a:tr>
-              <a:tr h="303634">
-                <a:tc>
-                  <a:txBody>
-                    <a:bodyPr/>
-                    <a:lstStyle/>
-                    <a:p>
-                      <a:pPr algn="l" fontAlgn="b"/>
-                      <a:r>
-                        <a:rPr lang="en-US" sz="2400" u="none" strike="noStrike" dirty="0">
-                          <a:effectLst/>
-                        </a:rPr>
-                        <a:t>management</a:t>
-                      </a:r>
-                      <a:endParaRPr lang="en-US" sz="2400" b="0" i="0" u="none" strike="noStrike" dirty="0">
-                        <a:solidFill>
-                          <a:srgbClr val="000000"/>
-                        </a:solidFill>
-                        <a:effectLst/>
-                        <a:latin typeface="Calibri" panose="020F0502020204030204" pitchFamily="34" charset="0"/>
-                      </a:endParaRPr>
-                    </a:p>
-                  </a:txBody>
-                  <a:tcPr marL="9525" marR="9525" marT="9525" marB="0" anchor="b"/>
-                </a:tc>
-                <a:tc>
-                  <a:txBody>
-                    <a:bodyPr/>
-                    <a:lstStyle/>
-                    <a:p>
-                      <a:pPr algn="l" fontAlgn="b"/>
-                      <a:r>
-                        <a:rPr lang="en-US" sz="2400" u="none" strike="noStrike">
-                          <a:effectLst/>
-                        </a:rPr>
-                        <a:t>test</a:t>
-                      </a:r>
-                      <a:endParaRPr lang="en-US" sz="2400" b="0" i="0" u="none" strike="noStrike">
-                        <a:solidFill>
-                          <a:srgbClr val="000000"/>
-                        </a:solidFill>
-                        <a:effectLst/>
-                        <a:latin typeface="Calibri" panose="020F0502020204030204" pitchFamily="34" charset="0"/>
-                      </a:endParaRPr>
-                    </a:p>
-                  </a:txBody>
-                  <a:tcPr marL="9525" marR="9525" marT="9525" marB="0" anchor="b"/>
-                </a:tc>
-                <a:tc>
-                  <a:txBody>
-                    <a:bodyPr/>
-                    <a:lstStyle/>
-                    <a:p>
-                      <a:pPr algn="l" fontAlgn="b"/>
-                      <a:r>
-                        <a:rPr lang="en-US" sz="2400" u="none" strike="noStrike" dirty="0">
-                          <a:effectLst/>
-                        </a:rPr>
-                        <a:t>customers</a:t>
-                      </a:r>
-                      <a:endParaRPr lang="en-US" sz="2400" b="0" i="0" u="none" strike="noStrike" dirty="0">
-                        <a:solidFill>
-                          <a:srgbClr val="000000"/>
-                        </a:solidFill>
-                        <a:effectLst/>
-                        <a:latin typeface="Calibri" panose="020F0502020204030204" pitchFamily="34" charset="0"/>
-                      </a:endParaRPr>
-                    </a:p>
-                  </a:txBody>
-                  <a:tcPr marL="9525" marR="9525" marT="9525" marB="0" anchor="b"/>
-                </a:tc>
-                <a:tc>
-                  <a:txBody>
-                    <a:bodyPr/>
-                    <a:lstStyle/>
-                    <a:p>
-                      <a:pPr algn="l" fontAlgn="b"/>
-                      <a:r>
-                        <a:rPr lang="en-US" sz="2400" u="none" strike="noStrike" dirty="0">
-                          <a:effectLst/>
-                        </a:rPr>
-                        <a:t>software</a:t>
-                      </a:r>
-                      <a:endParaRPr lang="en-US" sz="2400" b="0" i="0" u="none" strike="noStrike" dirty="0">
-                        <a:solidFill>
-                          <a:srgbClr val="000000"/>
-                        </a:solidFill>
-                        <a:effectLst/>
-                        <a:latin typeface="Calibri" panose="020F0502020204030204" pitchFamily="34" charset="0"/>
-                      </a:endParaRPr>
-                    </a:p>
-                  </a:txBody>
-                  <a:tcPr marL="9525" marR="9525" marT="9525" marB="0" anchor="b"/>
-                </a:tc>
-                <a:tc>
-                  <a:txBody>
-                    <a:bodyPr/>
-                    <a:lstStyle/>
-                    <a:p>
-                      <a:pPr algn="l" fontAlgn="b"/>
-                      <a:r>
-                        <a:rPr lang="en-US" sz="2400" u="none" strike="noStrike" dirty="0">
-                          <a:effectLst/>
-                        </a:rPr>
-                        <a:t>security</a:t>
-                      </a:r>
-                      <a:endParaRPr lang="en-US" sz="2400" b="0" i="0" u="none" strike="noStrike" dirty="0">
-                        <a:solidFill>
-                          <a:srgbClr val="000000"/>
-                        </a:solidFill>
-                        <a:effectLst/>
-                        <a:latin typeface="Calibri" panose="020F0502020204030204" pitchFamily="34" charset="0"/>
-                      </a:endParaRPr>
-                    </a:p>
-                  </a:txBody>
-                  <a:tcPr marL="9525" marR="9525" marT="9525" marB="0" anchor="b"/>
-                </a:tc>
-                <a:extLst>
-                  <a:ext uri="{0D108BD9-81ED-4DB2-BD59-A6C34878D82A}">
-                    <a16:rowId xmlns:a16="http://schemas.microsoft.com/office/drawing/2014/main" val="2276288165"/>
-                  </a:ext>
-                </a:extLst>
-              </a:tr>
-              <a:tr h="303634">
-                <a:tc>
-                  <a:txBody>
-                    <a:bodyPr/>
-                    <a:lstStyle/>
-                    <a:p>
-                      <a:pPr algn="l" fontAlgn="b"/>
-                      <a:r>
-                        <a:rPr lang="en-US" sz="2400" u="none" strike="noStrike" dirty="0">
-                          <a:effectLst/>
-                        </a:rPr>
-                        <a:t>project</a:t>
-                      </a:r>
-                      <a:endParaRPr lang="en-US" sz="2400" b="0" i="0" u="none" strike="noStrike" dirty="0">
-                        <a:solidFill>
-                          <a:srgbClr val="000000"/>
-                        </a:solidFill>
-                        <a:effectLst/>
-                        <a:latin typeface="Calibri" panose="020F0502020204030204" pitchFamily="34" charset="0"/>
-                      </a:endParaRPr>
-                    </a:p>
-                  </a:txBody>
-                  <a:tcPr marL="9525" marR="9525" marT="9525" marB="0" anchor="b"/>
-                </a:tc>
-                <a:tc>
-                  <a:txBody>
-                    <a:bodyPr/>
-                    <a:lstStyle/>
-                    <a:p>
-                      <a:pPr algn="l" fontAlgn="b"/>
-                      <a:r>
-                        <a:rPr lang="en-US" sz="2400" u="none" strike="noStrike" dirty="0">
-                          <a:effectLst/>
-                        </a:rPr>
-                        <a:t>engineering</a:t>
-                      </a:r>
-                      <a:endParaRPr lang="en-US" sz="2400" b="0" i="0" u="none" strike="noStrike" dirty="0">
-                        <a:solidFill>
-                          <a:srgbClr val="000000"/>
-                        </a:solidFill>
-                        <a:effectLst/>
-                        <a:latin typeface="Calibri" panose="020F0502020204030204" pitchFamily="34" charset="0"/>
-                      </a:endParaRPr>
-                    </a:p>
-                  </a:txBody>
-                  <a:tcPr marL="9525" marR="9525" marT="9525" marB="0" anchor="b"/>
-                </a:tc>
-                <a:tc>
-                  <a:txBody>
-                    <a:bodyPr/>
-                    <a:lstStyle/>
-                    <a:p>
-                      <a:pPr algn="l" fontAlgn="b"/>
-                      <a:r>
-                        <a:rPr lang="en-US" sz="2400" u="none" strike="noStrike" dirty="0">
-                          <a:effectLst/>
-                        </a:rPr>
-                        <a:t>home</a:t>
-                      </a:r>
-                      <a:endParaRPr lang="en-US" sz="2400" b="0" i="0" u="none" strike="noStrike" dirty="0">
-                        <a:solidFill>
-                          <a:srgbClr val="000000"/>
-                        </a:solidFill>
-                        <a:effectLst/>
-                        <a:latin typeface="Calibri" panose="020F0502020204030204" pitchFamily="34" charset="0"/>
-                      </a:endParaRPr>
-                    </a:p>
-                  </a:txBody>
-                  <a:tcPr marL="9525" marR="9525" marT="9525" marB="0" anchor="b"/>
-                </a:tc>
-                <a:tc>
-                  <a:txBody>
-                    <a:bodyPr/>
-                    <a:lstStyle/>
-                    <a:p>
-                      <a:pPr algn="l" fontAlgn="b"/>
-                      <a:r>
-                        <a:rPr lang="en-US" sz="2400" u="none" strike="noStrike" dirty="0">
-                          <a:effectLst/>
-                        </a:rPr>
-                        <a:t>systems</a:t>
-                      </a:r>
-                      <a:endParaRPr lang="en-US" sz="2400" b="0" i="0" u="none" strike="noStrike" dirty="0">
-                        <a:solidFill>
-                          <a:srgbClr val="000000"/>
-                        </a:solidFill>
-                        <a:effectLst/>
-                        <a:latin typeface="Calibri" panose="020F0502020204030204" pitchFamily="34" charset="0"/>
-                      </a:endParaRPr>
-                    </a:p>
-                  </a:txBody>
-                  <a:tcPr marL="9525" marR="9525" marT="9525" marB="0" anchor="b"/>
-                </a:tc>
-                <a:tc>
-                  <a:txBody>
-                    <a:bodyPr/>
-                    <a:lstStyle/>
-                    <a:p>
-                      <a:pPr algn="l" fontAlgn="b"/>
-                      <a:r>
-                        <a:rPr lang="en-US" sz="2400" u="none" strike="noStrike" dirty="0">
-                          <a:effectLst/>
-                        </a:rPr>
-                        <a:t>information</a:t>
-                      </a:r>
-                      <a:endParaRPr lang="en-US" sz="2400" b="0" i="0" u="none" strike="noStrike" dirty="0">
-                        <a:solidFill>
-                          <a:srgbClr val="000000"/>
-                        </a:solidFill>
-                        <a:effectLst/>
-                        <a:latin typeface="Calibri" panose="020F0502020204030204" pitchFamily="34" charset="0"/>
-                      </a:endParaRPr>
-                    </a:p>
-                  </a:txBody>
-                  <a:tcPr marL="9525" marR="9525" marT="9525" marB="0" anchor="b"/>
-                </a:tc>
-                <a:extLst>
-                  <a:ext uri="{0D108BD9-81ED-4DB2-BD59-A6C34878D82A}">
-                    <a16:rowId xmlns:a16="http://schemas.microsoft.com/office/drawing/2014/main" val="1913292412"/>
-                  </a:ext>
-                </a:extLst>
-              </a:tr>
-              <a:tr h="303634">
-                <a:tc>
-                  <a:txBody>
-                    <a:bodyPr/>
-                    <a:lstStyle/>
-                    <a:p>
-                      <a:pPr algn="l" fontAlgn="b"/>
-                      <a:r>
-                        <a:rPr lang="en-US" sz="2400" u="none" strike="noStrike" dirty="0">
-                          <a:effectLst/>
-                        </a:rPr>
-                        <a:t>support</a:t>
-                      </a:r>
-                      <a:endParaRPr lang="en-US" sz="2400" b="0" i="0" u="none" strike="noStrike" dirty="0">
-                        <a:solidFill>
-                          <a:srgbClr val="000000"/>
-                        </a:solidFill>
-                        <a:effectLst/>
-                        <a:latin typeface="Calibri" panose="020F0502020204030204" pitchFamily="34" charset="0"/>
-                      </a:endParaRPr>
-                    </a:p>
-                  </a:txBody>
-                  <a:tcPr marL="9525" marR="9525" marT="9525" marB="0" anchor="b"/>
-                </a:tc>
-                <a:tc>
-                  <a:txBody>
-                    <a:bodyPr/>
-                    <a:lstStyle/>
-                    <a:p>
-                      <a:pPr algn="l" fontAlgn="b"/>
-                      <a:r>
-                        <a:rPr lang="en-US" sz="2400" u="none" strike="noStrike" dirty="0">
-                          <a:effectLst/>
-                        </a:rPr>
-                        <a:t>development</a:t>
-                      </a:r>
-                      <a:endParaRPr lang="en-US" sz="2400" b="0" i="0" u="none" strike="noStrike" dirty="0">
-                        <a:solidFill>
-                          <a:srgbClr val="000000"/>
-                        </a:solidFill>
-                        <a:effectLst/>
-                        <a:latin typeface="Calibri" panose="020F0502020204030204" pitchFamily="34" charset="0"/>
-                      </a:endParaRPr>
-                    </a:p>
-                  </a:txBody>
-                  <a:tcPr marL="9525" marR="9525" marT="9525" marB="0" anchor="b"/>
-                </a:tc>
-                <a:tc>
-                  <a:txBody>
-                    <a:bodyPr/>
-                    <a:lstStyle/>
-                    <a:p>
-                      <a:pPr marL="0" marR="0" lvl="0" indent="0" algn="l" defTabSz="914400" rtl="0" eaLnBrk="1" fontAlgn="auto" latinLnBrk="0" hangingPunct="1">
-                        <a:lnSpc>
-                          <a:spcPct val="100000"/>
-                        </a:lnSpc>
-                        <a:spcBef>
-                          <a:spcPts val="0"/>
-                        </a:spcBef>
-                        <a:spcAft>
-                          <a:spcPts val="0"/>
-                        </a:spcAft>
-                        <a:buClrTx/>
-                        <a:buSzTx/>
-                        <a:buFontTx/>
-                        <a:buNone/>
-                        <a:tabLst/>
-                        <a:defRPr/>
-                      </a:pPr>
-                      <a:r>
-                        <a:rPr lang="en-US" sz="2400" u="none" strike="noStrike" dirty="0">
-                          <a:effectLst/>
-                        </a:rPr>
-                        <a:t>hours</a:t>
-                      </a:r>
-                      <a:endParaRPr lang="en-US" sz="2400" b="0" i="0" u="none" strike="noStrike" dirty="0">
-                        <a:solidFill>
-                          <a:srgbClr val="000000"/>
-                        </a:solidFill>
-                        <a:effectLst/>
-                        <a:latin typeface="Calibri" panose="020F0502020204030204" pitchFamily="34" charset="0"/>
-                      </a:endParaRPr>
-                    </a:p>
-                  </a:txBody>
-                  <a:tcPr marL="9525" marR="9525" marT="9525" marB="0" anchor="b"/>
-                </a:tc>
-                <a:tc>
-                  <a:txBody>
-                    <a:bodyPr/>
-                    <a:lstStyle/>
-                    <a:p>
-                      <a:pPr algn="l" fontAlgn="b"/>
-                      <a:r>
-                        <a:rPr lang="en-US" sz="2400" u="none" strike="noStrike" dirty="0">
-                          <a:effectLst/>
-                        </a:rPr>
-                        <a:t>computer</a:t>
-                      </a:r>
-                      <a:endParaRPr lang="en-US" sz="2400" b="0" i="0" u="none" strike="noStrike" dirty="0">
-                        <a:solidFill>
-                          <a:srgbClr val="000000"/>
-                        </a:solidFill>
-                        <a:effectLst/>
-                        <a:latin typeface="Calibri" panose="020F0502020204030204" pitchFamily="34" charset="0"/>
-                      </a:endParaRPr>
-                    </a:p>
-                  </a:txBody>
-                  <a:tcPr marL="9525" marR="9525" marT="9525" marB="0" anchor="b"/>
-                </a:tc>
-                <a:tc>
-                  <a:txBody>
-                    <a:bodyPr/>
-                    <a:lstStyle/>
-                    <a:p>
-                      <a:pPr algn="l" fontAlgn="b"/>
-                      <a:r>
-                        <a:rPr lang="en-US" sz="2400" u="none" strike="noStrike" dirty="0">
-                          <a:effectLst/>
-                        </a:rPr>
-                        <a:t>analytics</a:t>
-                      </a:r>
-                      <a:endParaRPr lang="en-US" sz="2400" b="0" i="0" u="none" strike="noStrike" dirty="0">
-                        <a:solidFill>
-                          <a:srgbClr val="000000"/>
-                        </a:solidFill>
-                        <a:effectLst/>
-                        <a:latin typeface="Calibri" panose="020F0502020204030204" pitchFamily="34" charset="0"/>
-                      </a:endParaRPr>
-                    </a:p>
-                  </a:txBody>
-                  <a:tcPr marL="9525" marR="9525" marT="9525" marB="0" anchor="b"/>
-                </a:tc>
-                <a:extLst>
-                  <a:ext uri="{0D108BD9-81ED-4DB2-BD59-A6C34878D82A}">
-                    <a16:rowId xmlns:a16="http://schemas.microsoft.com/office/drawing/2014/main" val="330431423"/>
-                  </a:ext>
-                </a:extLst>
-              </a:tr>
-              <a:tr h="303634">
-                <a:tc>
-                  <a:txBody>
-                    <a:bodyPr/>
-                    <a:lstStyle/>
-                    <a:p>
-                      <a:pPr algn="l" fontAlgn="b"/>
-                      <a:r>
-                        <a:rPr lang="en-US" sz="2400" u="none" strike="noStrike" dirty="0">
-                          <a:effectLst/>
-                        </a:rPr>
-                        <a:t>team</a:t>
-                      </a:r>
-                      <a:endParaRPr lang="en-US" sz="2400" b="0" i="0" u="none" strike="noStrike" dirty="0">
-                        <a:solidFill>
-                          <a:srgbClr val="000000"/>
-                        </a:solidFill>
-                        <a:effectLst/>
-                        <a:latin typeface="Calibri" panose="020F0502020204030204" pitchFamily="34" charset="0"/>
-                      </a:endParaRPr>
-                    </a:p>
-                  </a:txBody>
-                  <a:tcPr marL="9525" marR="9525" marT="9525" marB="0" anchor="b"/>
-                </a:tc>
-                <a:tc>
-                  <a:txBody>
-                    <a:bodyPr/>
-                    <a:lstStyle/>
-                    <a:p>
-                      <a:pPr algn="l" fontAlgn="b"/>
-                      <a:r>
-                        <a:rPr lang="en-US" sz="2400" u="none" strike="noStrike" dirty="0">
-                          <a:effectLst/>
-                        </a:rPr>
-                        <a:t>team</a:t>
-                      </a:r>
-                      <a:endParaRPr lang="en-US" sz="2400" b="0" i="0" u="none" strike="noStrike" dirty="0">
-                        <a:solidFill>
-                          <a:srgbClr val="000000"/>
-                        </a:solidFill>
-                        <a:effectLst/>
-                        <a:latin typeface="Calibri" panose="020F0502020204030204" pitchFamily="34" charset="0"/>
-                      </a:endParaRPr>
-                    </a:p>
-                  </a:txBody>
-                  <a:tcPr marL="9525" marR="9525" marT="9525" marB="0" anchor="b"/>
-                </a:tc>
-                <a:tc>
-                  <a:txBody>
-                    <a:bodyPr/>
-                    <a:lstStyle/>
-                    <a:p>
-                      <a:pPr algn="l" fontAlgn="b"/>
-                      <a:r>
-                        <a:rPr lang="en-US" sz="2400" u="none" strike="noStrike" dirty="0">
-                          <a:effectLst/>
-                        </a:rPr>
-                        <a:t>ability</a:t>
-                      </a:r>
-                      <a:endParaRPr lang="en-US" sz="2400" b="0" i="0" u="none" strike="noStrike" dirty="0">
-                        <a:solidFill>
-                          <a:srgbClr val="000000"/>
-                        </a:solidFill>
-                        <a:effectLst/>
-                        <a:latin typeface="Calibri" panose="020F0502020204030204" pitchFamily="34" charset="0"/>
-                      </a:endParaRPr>
-                    </a:p>
-                  </a:txBody>
-                  <a:tcPr marL="9525" marR="9525" marT="9525" marB="0" anchor="b"/>
-                </a:tc>
-                <a:tc>
-                  <a:txBody>
-                    <a:bodyPr/>
-                    <a:lstStyle/>
-                    <a:p>
-                      <a:pPr algn="l" fontAlgn="b"/>
-                      <a:r>
-                        <a:rPr lang="en-US" sz="2400" u="none" strike="noStrike" dirty="0">
-                          <a:effectLst/>
-                        </a:rPr>
-                        <a:t>science</a:t>
-                      </a:r>
-                      <a:endParaRPr lang="en-US" sz="2400" b="0" i="0" u="none" strike="noStrike" dirty="0">
-                        <a:solidFill>
-                          <a:srgbClr val="000000"/>
-                        </a:solidFill>
-                        <a:effectLst/>
-                        <a:latin typeface="Calibri" panose="020F0502020204030204" pitchFamily="34" charset="0"/>
-                      </a:endParaRPr>
-                    </a:p>
-                  </a:txBody>
-                  <a:tcPr marL="9525" marR="9525" marT="9525" marB="0" anchor="b"/>
-                </a:tc>
-                <a:tc>
-                  <a:txBody>
-                    <a:bodyPr/>
-                    <a:lstStyle/>
-                    <a:p>
-                      <a:pPr algn="l" fontAlgn="b"/>
-                      <a:r>
-                        <a:rPr lang="en-US" sz="2400" u="none" strike="noStrike" dirty="0">
-                          <a:effectLst/>
-                        </a:rPr>
-                        <a:t>team</a:t>
-                      </a:r>
-                      <a:endParaRPr lang="en-US" sz="2400" b="0" i="0" u="none" strike="noStrike" dirty="0">
-                        <a:solidFill>
-                          <a:srgbClr val="000000"/>
-                        </a:solidFill>
-                        <a:effectLst/>
-                        <a:latin typeface="Calibri" panose="020F0502020204030204" pitchFamily="34" charset="0"/>
-                      </a:endParaRPr>
-                    </a:p>
-                  </a:txBody>
-                  <a:tcPr marL="9525" marR="9525" marT="9525" marB="0" anchor="b"/>
-                </a:tc>
-                <a:extLst>
-                  <a:ext uri="{0D108BD9-81ED-4DB2-BD59-A6C34878D82A}">
-                    <a16:rowId xmlns:a16="http://schemas.microsoft.com/office/drawing/2014/main" val="2121785788"/>
-                  </a:ext>
-                </a:extLst>
-              </a:tr>
-              <a:tr h="303634">
-                <a:tc>
-                  <a:txBody>
-                    <a:bodyPr/>
-                    <a:lstStyle/>
-                    <a:p>
-                      <a:pPr algn="l" fontAlgn="b"/>
-                      <a:r>
-                        <a:rPr lang="en-US" sz="2400" u="none" strike="noStrike" dirty="0">
-                          <a:effectLst/>
-                        </a:rPr>
-                        <a:t>process</a:t>
-                      </a:r>
-                      <a:endParaRPr lang="en-US" sz="2400" b="0" i="0" u="none" strike="noStrike" dirty="0">
-                        <a:solidFill>
-                          <a:srgbClr val="000000"/>
-                        </a:solidFill>
-                        <a:effectLst/>
-                        <a:latin typeface="Calibri" panose="020F0502020204030204" pitchFamily="34" charset="0"/>
-                      </a:endParaRPr>
-                    </a:p>
-                  </a:txBody>
-                  <a:tcPr marL="9525" marR="9525" marT="9525" marB="0" anchor="b"/>
-                </a:tc>
-                <a:tc>
-                  <a:txBody>
-                    <a:bodyPr/>
-                    <a:lstStyle/>
-                    <a:p>
-                      <a:pPr algn="l" fontAlgn="b"/>
-                      <a:r>
-                        <a:rPr lang="en-US" sz="2400" u="none" strike="noStrike" dirty="0">
-                          <a:effectLst/>
-                        </a:rPr>
-                        <a:t>product</a:t>
-                      </a:r>
-                      <a:endParaRPr lang="en-US" sz="2400" b="0" i="0" u="none" strike="noStrike" dirty="0">
-                        <a:solidFill>
-                          <a:srgbClr val="000000"/>
-                        </a:solidFill>
-                        <a:effectLst/>
-                        <a:latin typeface="Calibri" panose="020F0502020204030204" pitchFamily="34" charset="0"/>
-                      </a:endParaRPr>
-                    </a:p>
-                  </a:txBody>
-                  <a:tcPr marL="9525" marR="9525" marT="9525" marB="0" anchor="b"/>
-                </a:tc>
-                <a:tc>
-                  <a:txBody>
-                    <a:bodyPr/>
-                    <a:lstStyle/>
-                    <a:p>
-                      <a:pPr algn="l" fontAlgn="b"/>
-                      <a:r>
-                        <a:rPr lang="en-US" sz="2400" u="none" strike="noStrike" dirty="0">
-                          <a:effectLst/>
-                        </a:rPr>
-                        <a:t>well</a:t>
-                      </a:r>
-                      <a:endParaRPr lang="en-US" sz="2400" b="0" i="0" u="none" strike="noStrike" dirty="0">
-                        <a:solidFill>
-                          <a:srgbClr val="000000"/>
-                        </a:solidFill>
-                        <a:effectLst/>
-                        <a:latin typeface="Calibri" panose="020F0502020204030204" pitchFamily="34" charset="0"/>
-                      </a:endParaRPr>
-                    </a:p>
-                  </a:txBody>
-                  <a:tcPr marL="9525" marR="9525" marT="9525" marB="0" anchor="b"/>
-                </a:tc>
-                <a:tc>
-                  <a:txBody>
-                    <a:bodyPr/>
-                    <a:lstStyle/>
-                    <a:p>
-                      <a:pPr algn="l" fontAlgn="b"/>
-                      <a:r>
-                        <a:rPr lang="en-US" sz="2400" u="none" strike="noStrike" dirty="0">
-                          <a:effectLst/>
-                        </a:rPr>
-                        <a:t>engineering</a:t>
-                      </a:r>
-                      <a:endParaRPr lang="en-US" sz="2400" b="0" i="0" u="none" strike="noStrike" dirty="0">
-                        <a:solidFill>
-                          <a:srgbClr val="000000"/>
-                        </a:solidFill>
-                        <a:effectLst/>
-                        <a:latin typeface="Calibri" panose="020F0502020204030204" pitchFamily="34" charset="0"/>
-                      </a:endParaRPr>
-                    </a:p>
-                  </a:txBody>
-                  <a:tcPr marL="9525" marR="9525" marT="9525" marB="0" anchor="b"/>
-                </a:tc>
-                <a:tc>
-                  <a:txBody>
-                    <a:bodyPr/>
-                    <a:lstStyle/>
-                    <a:p>
-                      <a:pPr algn="l" fontAlgn="b"/>
-                      <a:r>
-                        <a:rPr lang="en-US" sz="2400" u="none" strike="noStrike" dirty="0">
-                          <a:effectLst/>
-                        </a:rPr>
-                        <a:t>solutions</a:t>
-                      </a:r>
-                      <a:endParaRPr lang="en-US" sz="2400" b="0" i="0" u="none" strike="noStrike" dirty="0">
-                        <a:solidFill>
-                          <a:srgbClr val="000000"/>
-                        </a:solidFill>
-                        <a:effectLst/>
-                        <a:latin typeface="Calibri" panose="020F0502020204030204" pitchFamily="34" charset="0"/>
-                      </a:endParaRPr>
-                    </a:p>
-                  </a:txBody>
-                  <a:tcPr marL="9525" marR="9525" marT="9525" marB="0" anchor="b"/>
-                </a:tc>
-                <a:extLst>
-                  <a:ext uri="{0D108BD9-81ED-4DB2-BD59-A6C34878D82A}">
-                    <a16:rowId xmlns:a16="http://schemas.microsoft.com/office/drawing/2014/main" val="946385162"/>
-                  </a:ext>
-                </a:extLst>
-              </a:tr>
-              <a:tr h="303634">
-                <a:tc>
-                  <a:txBody>
-                    <a:bodyPr/>
-                    <a:lstStyle/>
-                    <a:p>
-                      <a:pPr algn="l" fontAlgn="b"/>
-                      <a:r>
-                        <a:rPr lang="en-US" sz="2400" u="none" strike="noStrike" dirty="0">
-                          <a:effectLst/>
-                        </a:rPr>
-                        <a:t>operations</a:t>
-                      </a:r>
-                      <a:endParaRPr lang="en-US" sz="2400" b="0" i="0" u="none" strike="noStrike" dirty="0">
-                        <a:solidFill>
-                          <a:srgbClr val="000000"/>
-                        </a:solidFill>
-                        <a:effectLst/>
-                        <a:latin typeface="Calibri" panose="020F0502020204030204" pitchFamily="34" charset="0"/>
-                      </a:endParaRPr>
-                    </a:p>
-                  </a:txBody>
-                  <a:tcPr marL="9525" marR="9525" marT="9525" marB="0" anchor="b"/>
-                </a:tc>
-                <a:tc>
-                  <a:txBody>
-                    <a:bodyPr/>
-                    <a:lstStyle/>
-                    <a:p>
-                      <a:pPr algn="l" fontAlgn="b"/>
-                      <a:r>
-                        <a:rPr lang="en-US" sz="2400" u="none" strike="noStrike" dirty="0">
-                          <a:effectLst/>
-                        </a:rPr>
-                        <a:t>system</a:t>
-                      </a:r>
-                      <a:endParaRPr lang="en-US" sz="2400" b="0" i="0" u="none" strike="noStrike" dirty="0">
-                        <a:solidFill>
-                          <a:srgbClr val="000000"/>
-                        </a:solidFill>
-                        <a:effectLst/>
-                        <a:latin typeface="Calibri" panose="020F0502020204030204" pitchFamily="34" charset="0"/>
-                      </a:endParaRPr>
-                    </a:p>
-                  </a:txBody>
-                  <a:tcPr marL="9525" marR="9525" marT="9525" marB="0" anchor="b"/>
-                </a:tc>
-                <a:tc>
-                  <a:txBody>
-                    <a:bodyPr/>
-                    <a:lstStyle/>
-                    <a:p>
-                      <a:pPr algn="l" fontAlgn="b"/>
-                      <a:r>
-                        <a:rPr lang="en-US" sz="2400" u="none" strike="noStrike" dirty="0">
-                          <a:effectLst/>
-                        </a:rPr>
-                        <a:t>training</a:t>
-                      </a:r>
-                      <a:endParaRPr lang="en-US" sz="2400" b="0" i="0" u="none" strike="noStrike" dirty="0">
-                        <a:solidFill>
-                          <a:srgbClr val="000000"/>
-                        </a:solidFill>
-                        <a:effectLst/>
-                        <a:latin typeface="Calibri" panose="020F0502020204030204" pitchFamily="34" charset="0"/>
-                      </a:endParaRPr>
-                    </a:p>
-                  </a:txBody>
-                  <a:tcPr marL="9525" marR="9525" marT="9525" marB="0" anchor="b"/>
-                </a:tc>
-                <a:tc>
-                  <a:txBody>
-                    <a:bodyPr/>
-                    <a:lstStyle/>
-                    <a:p>
-                      <a:pPr algn="l" fontAlgn="b"/>
-                      <a:r>
-                        <a:rPr lang="en-US" sz="2400" u="none" strike="noStrike" dirty="0">
-                          <a:effectLst/>
-                        </a:rPr>
-                        <a:t>services</a:t>
-                      </a:r>
-                      <a:endParaRPr lang="en-US" sz="2400" b="0" i="0" u="none" strike="noStrike" dirty="0">
-                        <a:solidFill>
-                          <a:srgbClr val="000000"/>
-                        </a:solidFill>
-                        <a:effectLst/>
-                        <a:latin typeface="Calibri" panose="020F0502020204030204" pitchFamily="34" charset="0"/>
-                      </a:endParaRPr>
-                    </a:p>
-                  </a:txBody>
-                  <a:tcPr marL="9525" marR="9525" marT="9525" marB="0" anchor="b"/>
-                </a:tc>
-                <a:tc>
-                  <a:txBody>
-                    <a:bodyPr/>
-                    <a:lstStyle/>
-                    <a:p>
-                      <a:pPr algn="l" fontAlgn="b"/>
-                      <a:r>
-                        <a:rPr lang="en-US" sz="2400" u="none" strike="noStrike" dirty="0">
-                          <a:effectLst/>
-                        </a:rPr>
-                        <a:t>services</a:t>
-                      </a:r>
-                      <a:endParaRPr lang="en-US" sz="2400" b="0" i="0" u="none" strike="noStrike" dirty="0">
-                        <a:solidFill>
-                          <a:srgbClr val="000000"/>
-                        </a:solidFill>
-                        <a:effectLst/>
-                        <a:latin typeface="Calibri" panose="020F0502020204030204" pitchFamily="34" charset="0"/>
-                      </a:endParaRPr>
-                    </a:p>
-                  </a:txBody>
-                  <a:tcPr marL="9525" marR="9525" marT="9525" marB="0" anchor="b"/>
-                </a:tc>
-                <a:extLst>
-                  <a:ext uri="{0D108BD9-81ED-4DB2-BD59-A6C34878D82A}">
-                    <a16:rowId xmlns:a16="http://schemas.microsoft.com/office/drawing/2014/main" val="2540218499"/>
-                  </a:ext>
-                </a:extLst>
-              </a:tr>
-              <a:tr h="303634">
-                <a:tc>
-                  <a:txBody>
-                    <a:bodyPr/>
-                    <a:lstStyle/>
-                    <a:p>
-                      <a:pPr algn="l" fontAlgn="b"/>
-                      <a:r>
-                        <a:rPr lang="en-US" sz="2400" u="none" strike="noStrike" dirty="0">
-                          <a:effectLst/>
-                        </a:rPr>
-                        <a:t>ability</a:t>
-                      </a:r>
-                      <a:endParaRPr lang="en-US" sz="2400" b="0" i="0" u="none" strike="noStrike" dirty="0">
-                        <a:solidFill>
-                          <a:srgbClr val="000000"/>
-                        </a:solidFill>
-                        <a:effectLst/>
-                        <a:latin typeface="Calibri" panose="020F0502020204030204" pitchFamily="34" charset="0"/>
-                      </a:endParaRPr>
-                    </a:p>
-                  </a:txBody>
-                  <a:tcPr marL="9525" marR="9525" marT="9525" marB="0" anchor="b"/>
-                </a:tc>
-                <a:tc>
-                  <a:txBody>
-                    <a:bodyPr/>
-                    <a:lstStyle/>
-                    <a:p>
-                      <a:pPr algn="l" fontAlgn="b"/>
-                      <a:r>
-                        <a:rPr lang="en-US" sz="2400" u="none" strike="noStrike" dirty="0">
-                          <a:effectLst/>
-                        </a:rPr>
-                        <a:t>quality</a:t>
-                      </a:r>
-                      <a:endParaRPr lang="en-US" sz="2400" b="0" i="0" u="none" strike="noStrike" dirty="0">
-                        <a:solidFill>
-                          <a:srgbClr val="000000"/>
-                        </a:solidFill>
-                        <a:effectLst/>
-                        <a:latin typeface="Calibri" panose="020F0502020204030204" pitchFamily="34" charset="0"/>
-                      </a:endParaRPr>
-                    </a:p>
-                  </a:txBody>
-                  <a:tcPr marL="9525" marR="9525" marT="9525" marB="0" anchor="b"/>
-                </a:tc>
-                <a:tc>
-                  <a:txBody>
-                    <a:bodyPr/>
-                    <a:lstStyle/>
-                    <a:p>
-                      <a:pPr algn="l" fontAlgn="b"/>
-                      <a:r>
-                        <a:rPr lang="en-US" sz="2400" u="none" strike="noStrike" dirty="0">
-                          <a:effectLst/>
-                        </a:rPr>
-                        <a:t>advisor</a:t>
-                      </a:r>
-                      <a:endParaRPr lang="en-US" sz="2400" b="0" i="0" u="none" strike="noStrike" dirty="0">
-                        <a:solidFill>
-                          <a:srgbClr val="000000"/>
-                        </a:solidFill>
-                        <a:effectLst/>
-                        <a:latin typeface="Calibri" panose="020F0502020204030204" pitchFamily="34" charset="0"/>
-                      </a:endParaRPr>
-                    </a:p>
-                  </a:txBody>
-                  <a:tcPr marL="9525" marR="9525" marT="9525" marB="0" anchor="b"/>
-                </a:tc>
-                <a:tc>
-                  <a:txBody>
-                    <a:bodyPr/>
-                    <a:lstStyle/>
-                    <a:p>
-                      <a:pPr algn="l" fontAlgn="b"/>
-                      <a:r>
-                        <a:rPr lang="en-US" sz="2400" u="none" strike="noStrike" dirty="0">
-                          <a:effectLst/>
-                        </a:rPr>
-                        <a:t>design</a:t>
-                      </a:r>
-                      <a:endParaRPr lang="en-US" sz="2400" b="0" i="0" u="none" strike="noStrike" dirty="0">
-                        <a:solidFill>
-                          <a:srgbClr val="000000"/>
-                        </a:solidFill>
-                        <a:effectLst/>
-                        <a:latin typeface="Calibri" panose="020F0502020204030204" pitchFamily="34" charset="0"/>
-                      </a:endParaRPr>
-                    </a:p>
-                  </a:txBody>
-                  <a:tcPr marL="9525" marR="9525" marT="9525" marB="0" anchor="b"/>
-                </a:tc>
-                <a:tc>
-                  <a:txBody>
-                    <a:bodyPr/>
-                    <a:lstStyle/>
-                    <a:p>
-                      <a:pPr algn="l" fontAlgn="b"/>
-                      <a:r>
-                        <a:rPr lang="en-US" sz="2400" u="none" strike="noStrike" dirty="0">
-                          <a:effectLst/>
-                        </a:rPr>
-                        <a:t>product</a:t>
-                      </a:r>
-                      <a:endParaRPr lang="en-US" sz="2400" b="0" i="0" u="none" strike="noStrike" dirty="0">
-                        <a:solidFill>
-                          <a:srgbClr val="000000"/>
-                        </a:solidFill>
-                        <a:effectLst/>
-                        <a:latin typeface="Calibri" panose="020F0502020204030204" pitchFamily="34" charset="0"/>
-                      </a:endParaRPr>
-                    </a:p>
-                  </a:txBody>
-                  <a:tcPr marL="9525" marR="9525" marT="9525" marB="0" anchor="b"/>
-                </a:tc>
-                <a:extLst>
-                  <a:ext uri="{0D108BD9-81ED-4DB2-BD59-A6C34878D82A}">
-                    <a16:rowId xmlns:a16="http://schemas.microsoft.com/office/drawing/2014/main" val="3238101484"/>
-                  </a:ext>
-                </a:extLst>
-              </a:tr>
-              <a:tr h="303634">
-                <a:tc>
-                  <a:txBody>
-                    <a:bodyPr/>
-                    <a:lstStyle/>
-                    <a:p>
-                      <a:pPr algn="l" fontAlgn="b"/>
-                      <a:r>
-                        <a:rPr lang="en-US" sz="2400" u="none" strike="noStrike" dirty="0">
-                          <a:effectLst/>
-                        </a:rPr>
-                        <a:t>manage</a:t>
-                      </a:r>
-                      <a:endParaRPr lang="en-US" sz="2400" b="0" i="0" u="none" strike="noStrike" dirty="0">
-                        <a:solidFill>
-                          <a:srgbClr val="000000"/>
-                        </a:solidFill>
-                        <a:effectLst/>
-                        <a:latin typeface="Calibri" panose="020F0502020204030204" pitchFamily="34" charset="0"/>
-                      </a:endParaRPr>
-                    </a:p>
-                  </a:txBody>
-                  <a:tcPr marL="9525" marR="9525" marT="9525" marB="0" anchor="b"/>
-                </a:tc>
-                <a:tc>
-                  <a:txBody>
-                    <a:bodyPr/>
-                    <a:lstStyle/>
-                    <a:p>
-                      <a:pPr algn="l" fontAlgn="b"/>
-                      <a:r>
-                        <a:rPr lang="en-US" sz="2400" u="none" strike="noStrike" dirty="0">
-                          <a:effectLst/>
-                        </a:rPr>
-                        <a:t>new</a:t>
-                      </a:r>
-                      <a:endParaRPr lang="en-US" sz="2400" b="0" i="0" u="none" strike="noStrike" dirty="0">
-                        <a:solidFill>
-                          <a:srgbClr val="000000"/>
-                        </a:solidFill>
-                        <a:effectLst/>
-                        <a:latin typeface="Calibri" panose="020F0502020204030204" pitchFamily="34" charset="0"/>
-                      </a:endParaRPr>
-                    </a:p>
-                  </a:txBody>
-                  <a:tcPr marL="9525" marR="9525" marT="9525" marB="0" anchor="b"/>
-                </a:tc>
-                <a:tc>
-                  <a:txBody>
-                    <a:bodyPr/>
-                    <a:lstStyle/>
-                    <a:p>
-                      <a:pPr algn="l" fontAlgn="b"/>
-                      <a:r>
-                        <a:rPr lang="en-US" sz="2400" u="none" strike="noStrike" dirty="0">
-                          <a:effectLst/>
-                        </a:rPr>
-                        <a:t>world</a:t>
-                      </a:r>
-                      <a:endParaRPr lang="en-US" sz="2400" b="0" i="0" u="none" strike="noStrike" dirty="0">
-                        <a:solidFill>
-                          <a:srgbClr val="000000"/>
-                        </a:solidFill>
-                        <a:effectLst/>
-                        <a:latin typeface="Calibri" panose="020F0502020204030204" pitchFamily="34" charset="0"/>
-                      </a:endParaRPr>
-                    </a:p>
-                  </a:txBody>
-                  <a:tcPr marL="9525" marR="9525" marT="9525" marB="0" anchor="b"/>
-                </a:tc>
-                <a:tc>
-                  <a:txBody>
-                    <a:bodyPr/>
-                    <a:lstStyle/>
-                    <a:p>
-                      <a:pPr algn="l" fontAlgn="b"/>
-                      <a:r>
-                        <a:rPr lang="en-US" sz="2400" u="none" strike="noStrike" dirty="0">
-                          <a:effectLst/>
-                        </a:rPr>
-                        <a:t>products</a:t>
-                      </a:r>
-                      <a:endParaRPr lang="en-US" sz="2400" b="0" i="0" u="none" strike="noStrike" dirty="0">
-                        <a:solidFill>
-                          <a:srgbClr val="000000"/>
-                        </a:solidFill>
-                        <a:effectLst/>
-                        <a:latin typeface="Calibri" panose="020F0502020204030204" pitchFamily="34" charset="0"/>
-                      </a:endParaRPr>
-                    </a:p>
-                  </a:txBody>
-                  <a:tcPr marL="9525" marR="9525" marT="9525" marB="0" anchor="b"/>
-                </a:tc>
-                <a:tc>
-                  <a:txBody>
-                    <a:bodyPr/>
-                    <a:lstStyle/>
-                    <a:p>
-                      <a:pPr algn="l" fontAlgn="b"/>
-                      <a:r>
-                        <a:rPr lang="en-US" sz="2400" u="none" strike="noStrike" dirty="0">
-                          <a:effectLst/>
-                        </a:rPr>
-                        <a:t>analysis</a:t>
-                      </a:r>
-                      <a:endParaRPr lang="en-US" sz="2400" b="0" i="0" u="none" strike="noStrike" dirty="0">
-                        <a:solidFill>
-                          <a:srgbClr val="000000"/>
-                        </a:solidFill>
-                        <a:effectLst/>
-                        <a:latin typeface="Calibri" panose="020F0502020204030204" pitchFamily="34" charset="0"/>
-                      </a:endParaRPr>
-                    </a:p>
-                  </a:txBody>
-                  <a:tcPr marL="9525" marR="9525" marT="9525" marB="0" anchor="b"/>
-                </a:tc>
-                <a:extLst>
-                  <a:ext uri="{0D108BD9-81ED-4DB2-BD59-A6C34878D82A}">
-                    <a16:rowId xmlns:a16="http://schemas.microsoft.com/office/drawing/2014/main" val="3424389576"/>
-                  </a:ext>
-                </a:extLst>
-              </a:tr>
-              <a:tr h="303634">
-                <a:tc>
-                  <a:txBody>
-                    <a:bodyPr/>
-                    <a:lstStyle/>
-                    <a:p>
-                      <a:pPr algn="l" fontAlgn="b"/>
-                      <a:r>
-                        <a:rPr lang="en-US" sz="2400" u="none" strike="noStrike" dirty="0">
-                          <a:effectLst/>
-                        </a:rPr>
-                        <a:t>skills</a:t>
-                      </a:r>
-                      <a:endParaRPr lang="en-US" sz="2400" b="0" i="0" u="none" strike="noStrike" dirty="0">
-                        <a:solidFill>
-                          <a:srgbClr val="000000"/>
-                        </a:solidFill>
-                        <a:effectLst/>
-                        <a:latin typeface="Calibri" panose="020F0502020204030204" pitchFamily="34" charset="0"/>
-                      </a:endParaRPr>
-                    </a:p>
-                  </a:txBody>
-                  <a:tcPr marL="9525" marR="9525" marT="9525" marB="0" anchor="b"/>
-                </a:tc>
-                <a:tc>
-                  <a:txBody>
-                    <a:bodyPr/>
-                    <a:lstStyle/>
-                    <a:p>
-                      <a:pPr algn="l" fontAlgn="b"/>
-                      <a:r>
-                        <a:rPr lang="en-US" sz="2400" u="none" strike="noStrike" dirty="0">
-                          <a:effectLst/>
-                        </a:rPr>
-                        <a:t>develop</a:t>
-                      </a:r>
-                      <a:endParaRPr lang="en-US" sz="2400" b="0" i="0" u="none" strike="noStrike" dirty="0">
-                        <a:solidFill>
-                          <a:srgbClr val="000000"/>
-                        </a:solidFill>
-                        <a:effectLst/>
-                        <a:latin typeface="Calibri" panose="020F0502020204030204" pitchFamily="34" charset="0"/>
-                      </a:endParaRPr>
-                    </a:p>
-                  </a:txBody>
-                  <a:tcPr marL="9525" marR="9525" marT="9525" marB="0" anchor="b"/>
-                </a:tc>
-                <a:tc>
-                  <a:txBody>
-                    <a:bodyPr/>
-                    <a:lstStyle/>
-                    <a:p>
-                      <a:pPr marL="0" marR="0" lvl="0" indent="0" algn="l" defTabSz="914400" rtl="0" eaLnBrk="1" fontAlgn="b" latinLnBrk="0" hangingPunct="1">
-                        <a:lnSpc>
-                          <a:spcPct val="100000"/>
-                        </a:lnSpc>
-                        <a:spcBef>
-                          <a:spcPts val="0"/>
-                        </a:spcBef>
-                        <a:spcAft>
-                          <a:spcPts val="0"/>
-                        </a:spcAft>
-                        <a:buClrTx/>
-                        <a:buSzTx/>
-                        <a:buFontTx/>
-                        <a:buNone/>
-                        <a:tabLst/>
-                        <a:defRPr/>
-                      </a:pPr>
-                      <a:r>
-                        <a:rPr lang="en-US" sz="2400" u="none" strike="noStrike" dirty="0">
-                          <a:effectLst/>
-                        </a:rPr>
-                        <a:t>support</a:t>
-                      </a:r>
-                      <a:endParaRPr lang="en-US" sz="2400" b="0" i="0" u="none" strike="noStrike" dirty="0">
-                        <a:solidFill>
-                          <a:srgbClr val="000000"/>
-                        </a:solidFill>
-                        <a:effectLst/>
-                        <a:latin typeface="Calibri" panose="020F0502020204030204" pitchFamily="34" charset="0"/>
-                      </a:endParaRPr>
-                    </a:p>
-                  </a:txBody>
-                  <a:tcPr marL="9525" marR="9525" marT="9525" marB="0" anchor="b"/>
-                </a:tc>
-                <a:tc>
-                  <a:txBody>
-                    <a:bodyPr/>
-                    <a:lstStyle/>
-                    <a:p>
-                      <a:pPr algn="l" fontAlgn="b"/>
-                      <a:r>
-                        <a:rPr lang="en-US" sz="2400" u="none" strike="noStrike" dirty="0">
-                          <a:effectLst/>
-                        </a:rPr>
-                        <a:t>new</a:t>
-                      </a:r>
-                      <a:endParaRPr lang="en-US" sz="2400" b="0" i="0" u="none" strike="noStrike" dirty="0">
-                        <a:solidFill>
-                          <a:srgbClr val="000000"/>
-                        </a:solidFill>
-                        <a:effectLst/>
-                        <a:latin typeface="Calibri" panose="020F0502020204030204" pitchFamily="34" charset="0"/>
-                      </a:endParaRPr>
-                    </a:p>
-                  </a:txBody>
-                  <a:tcPr marL="9525" marR="9525" marT="9525" marB="0" anchor="b"/>
-                </a:tc>
-                <a:tc>
-                  <a:txBody>
-                    <a:bodyPr/>
-                    <a:lstStyle/>
-                    <a:p>
-                      <a:pPr algn="l" fontAlgn="b"/>
-                      <a:r>
-                        <a:rPr lang="en-US" sz="2400" u="none" strike="noStrike" dirty="0">
-                          <a:effectLst/>
-                        </a:rPr>
-                        <a:t>technical</a:t>
-                      </a:r>
-                      <a:endParaRPr lang="en-US" sz="2400" b="0" i="0" u="none" strike="noStrike" dirty="0">
-                        <a:solidFill>
-                          <a:srgbClr val="000000"/>
-                        </a:solidFill>
-                        <a:effectLst/>
-                        <a:latin typeface="Calibri" panose="020F0502020204030204" pitchFamily="34" charset="0"/>
-                      </a:endParaRPr>
-                    </a:p>
-                  </a:txBody>
-                  <a:tcPr marL="9525" marR="9525" marT="9525" marB="0" anchor="b"/>
-                </a:tc>
-                <a:extLst>
-                  <a:ext uri="{0D108BD9-81ED-4DB2-BD59-A6C34878D82A}">
-                    <a16:rowId xmlns:a16="http://schemas.microsoft.com/office/drawing/2014/main" val="3544599095"/>
-                  </a:ext>
-                </a:extLst>
-              </a:tr>
-            </a:tbl>
-          </a:graphicData>
-        </a:graphic>
-      </p:graphicFrame>
-    </p:spTree>
-    <p:extLst>
-      <p:ext uri="{BB962C8B-B14F-4D97-AF65-F5344CB8AC3E}">
-        <p14:creationId xmlns:p14="http://schemas.microsoft.com/office/powerpoint/2010/main" val="508303959"/>
-      </p:ext>
-    </p:extLst>
-  </p:cSld>
-  <p:clrMapOvr>
-    <a:masterClrMapping/>
-  </p:clrMapOvr>
-</p:sld>
-</file>
-
-<file path=ppt/slides/slide18.xml><?xml version="1.0" encoding="utf-8"?>
-<p:sld xmlns:a="http://schemas.openxmlformats.org/drawingml/2006/main" xmlns:r="http://schemas.openxmlformats.org/officeDocument/2006/relationships" xmlns:p="http://schemas.openxmlformats.org/presentationml/2006/main">
-  <p:cSld>
-    <p:spTree>
-      <p:nvGrpSpPr>
-        <p:cNvPr id="1" name=""/>
-        <p:cNvGrpSpPr/>
-        <p:nvPr/>
-      </p:nvGrpSpPr>
-      <p:grpSpPr>
-        <a:xfrm>
-          <a:off x="0" y="0"/>
-          <a:ext cx="0" cy="0"/>
-          <a:chOff x="0" y="0"/>
-          <a:chExt cx="0" cy="0"/>
-        </a:xfrm>
-      </p:grpSpPr>
-      <p:sp>
-        <p:nvSpPr>
-          <p:cNvPr id="2" name="Title 1">
-            <a:extLst>
-              <a:ext uri="{FF2B5EF4-FFF2-40B4-BE49-F238E27FC236}">
                 <a16:creationId xmlns:a16="http://schemas.microsoft.com/office/drawing/2014/main" id="{B8D8FF8A-96C9-49D8-BA5C-977B947079A0}"/>
               </a:ext>
             </a:extLst>
@@ -10993,6 +9360,1640 @@
 </p:sld>
 </file>
 
+<file path=ppt/slides/slide18.xml><?xml version="1.0" encoding="utf-8"?>
+<p:sld xmlns:a="http://schemas.openxmlformats.org/drawingml/2006/main" xmlns:r="http://schemas.openxmlformats.org/officeDocument/2006/relationships" xmlns:p="http://schemas.openxmlformats.org/presentationml/2006/main">
+  <p:cSld>
+    <p:spTree>
+      <p:nvGrpSpPr>
+        <p:cNvPr id="1" name=""/>
+        <p:cNvGrpSpPr/>
+        <p:nvPr/>
+      </p:nvGrpSpPr>
+      <p:grpSpPr>
+        <a:xfrm>
+          <a:off x="0" y="0"/>
+          <a:ext cx="0" cy="0"/>
+          <a:chOff x="0" y="0"/>
+          <a:chExt cx="0" cy="0"/>
+        </a:xfrm>
+      </p:grpSpPr>
+      <p:sp>
+        <p:nvSpPr>
+          <p:cNvPr id="2" name="Title 1">
+            <a:extLst>
+              <a:ext uri="{FF2B5EF4-FFF2-40B4-BE49-F238E27FC236}">
+                <a16:creationId xmlns:a16="http://schemas.microsoft.com/office/drawing/2014/main" id="{E8E1B2DF-8C2C-43CD-8BD5-6DADBF613F07}"/>
+              </a:ext>
+            </a:extLst>
+          </p:cNvPr>
+          <p:cNvSpPr>
+            <a:spLocks noGrp="1"/>
+          </p:cNvSpPr>
+          <p:nvPr>
+            <p:ph type="title"/>
+          </p:nvPr>
+        </p:nvSpPr>
+        <p:spPr/>
+        <p:txBody>
+          <a:bodyPr/>
+          <a:lstStyle/>
+          <a:p>
+            <a:r>
+              <a:rPr lang="en-US" dirty="0"/>
+              <a:t>LDA Top Terms by Topic (k = 5)</a:t>
+            </a:r>
+          </a:p>
+        </p:txBody>
+      </p:sp>
+      <p:graphicFrame>
+        <p:nvGraphicFramePr>
+          <p:cNvPr id="4" name="Content Placeholder 3">
+            <a:extLst>
+              <a:ext uri="{FF2B5EF4-FFF2-40B4-BE49-F238E27FC236}">
+                <a16:creationId xmlns:a16="http://schemas.microsoft.com/office/drawing/2014/main" id="{908340B6-2CC9-4B95-B2DE-D6E6155B8EAC}"/>
+              </a:ext>
+            </a:extLst>
+          </p:cNvPr>
+          <p:cNvGraphicFramePr>
+            <a:graphicFrameLocks noGrp="1"/>
+          </p:cNvGraphicFramePr>
+          <p:nvPr>
+            <p:ph idx="1"/>
+            <p:extLst>
+              <p:ext uri="{D42A27DB-BD31-4B8C-83A1-F6EECF244321}">
+                <p14:modId xmlns:p14="http://schemas.microsoft.com/office/powerpoint/2010/main" val="462073877"/>
+              </p:ext>
+            </p:extLst>
+          </p:nvPr>
+        </p:nvGraphicFramePr>
+        <p:xfrm>
+          <a:off x="838198" y="1835020"/>
+          <a:ext cx="10515600" cy="4128135"/>
+        </p:xfrm>
+        <a:graphic>
+          <a:graphicData uri="http://schemas.openxmlformats.org/drawingml/2006/table">
+            <a:tbl>
+              <a:tblPr>
+                <a:tableStyleId>{3B4B98B0-60AC-42C2-AFA5-B58CD77FA1E5}</a:tableStyleId>
+              </a:tblPr>
+              <a:tblGrid>
+                <a:gridCol w="2103120">
+                  <a:extLst>
+                    <a:ext uri="{9D8B030D-6E8A-4147-A177-3AD203B41FA5}">
+                      <a16:colId xmlns:a16="http://schemas.microsoft.com/office/drawing/2014/main" val="3731036267"/>
+                    </a:ext>
+                  </a:extLst>
+                </a:gridCol>
+                <a:gridCol w="2103120">
+                  <a:extLst>
+                    <a:ext uri="{9D8B030D-6E8A-4147-A177-3AD203B41FA5}">
+                      <a16:colId xmlns:a16="http://schemas.microsoft.com/office/drawing/2014/main" val="2555341812"/>
+                    </a:ext>
+                  </a:extLst>
+                </a:gridCol>
+                <a:gridCol w="2103120">
+                  <a:extLst>
+                    <a:ext uri="{9D8B030D-6E8A-4147-A177-3AD203B41FA5}">
+                      <a16:colId xmlns:a16="http://schemas.microsoft.com/office/drawing/2014/main" val="1052258667"/>
+                    </a:ext>
+                  </a:extLst>
+                </a:gridCol>
+                <a:gridCol w="2103120">
+                  <a:extLst>
+                    <a:ext uri="{9D8B030D-6E8A-4147-A177-3AD203B41FA5}">
+                      <a16:colId xmlns:a16="http://schemas.microsoft.com/office/drawing/2014/main" val="2132033456"/>
+                    </a:ext>
+                  </a:extLst>
+                </a:gridCol>
+                <a:gridCol w="2103120">
+                  <a:extLst>
+                    <a:ext uri="{9D8B030D-6E8A-4147-A177-3AD203B41FA5}">
+                      <a16:colId xmlns:a16="http://schemas.microsoft.com/office/drawing/2014/main" val="1342537409"/>
+                    </a:ext>
+                  </a:extLst>
+                </a:gridCol>
+              </a:tblGrid>
+              <a:tr h="303634">
+                <a:tc>
+                  <a:txBody>
+                    <a:bodyPr/>
+                    <a:lstStyle/>
+                    <a:p>
+                      <a:pPr algn="l" fontAlgn="b"/>
+                      <a:r>
+                        <a:rPr lang="en-US" sz="2400" b="1" u="none" strike="noStrike" dirty="0">
+                          <a:effectLst/>
+                        </a:rPr>
+                        <a:t>Topic 1</a:t>
+                      </a:r>
+                      <a:endParaRPr lang="en-US" sz="2400" b="1" i="0" u="none" strike="noStrike" dirty="0">
+                        <a:solidFill>
+                          <a:srgbClr val="000000"/>
+                        </a:solidFill>
+                        <a:effectLst/>
+                        <a:latin typeface="Calibri" panose="020F0502020204030204" pitchFamily="34" charset="0"/>
+                      </a:endParaRPr>
+                    </a:p>
+                  </a:txBody>
+                  <a:tcPr marL="9525" marR="9525" marT="9525" marB="0" anchor="b">
+                    <a:lnB w="12700" cap="flat" cmpd="sng" algn="ctr">
+                      <a:solidFill>
+                        <a:schemeClr val="accent1">
+                          <a:lumMod val="60000"/>
+                          <a:lumOff val="40000"/>
+                        </a:schemeClr>
+                      </a:solidFill>
+                      <a:prstDash val="solid"/>
+                      <a:round/>
+                      <a:headEnd type="none" w="med" len="med"/>
+                      <a:tailEnd type="none" w="med" len="med"/>
+                    </a:lnB>
+                  </a:tcPr>
+                </a:tc>
+                <a:tc>
+                  <a:txBody>
+                    <a:bodyPr/>
+                    <a:lstStyle/>
+                    <a:p>
+                      <a:pPr algn="l" fontAlgn="b"/>
+                      <a:r>
+                        <a:rPr lang="en-US" sz="2400" b="1" u="none" strike="noStrike" dirty="0">
+                          <a:effectLst/>
+                        </a:rPr>
+                        <a:t>Topic 2</a:t>
+                      </a:r>
+                      <a:endParaRPr lang="en-US" sz="2400" b="1" i="0" u="none" strike="noStrike" dirty="0">
+                        <a:solidFill>
+                          <a:srgbClr val="000000"/>
+                        </a:solidFill>
+                        <a:effectLst/>
+                        <a:latin typeface="Calibri" panose="020F0502020204030204" pitchFamily="34" charset="0"/>
+                      </a:endParaRPr>
+                    </a:p>
+                  </a:txBody>
+                  <a:tcPr marL="9525" marR="9525" marT="9525" marB="0" anchor="b">
+                    <a:lnB w="12700" cap="flat" cmpd="sng" algn="ctr">
+                      <a:solidFill>
+                        <a:schemeClr val="accent1">
+                          <a:lumMod val="60000"/>
+                          <a:lumOff val="40000"/>
+                        </a:schemeClr>
+                      </a:solidFill>
+                      <a:prstDash val="solid"/>
+                      <a:round/>
+                      <a:headEnd type="none" w="med" len="med"/>
+                      <a:tailEnd type="none" w="med" len="med"/>
+                    </a:lnB>
+                  </a:tcPr>
+                </a:tc>
+                <a:tc>
+                  <a:txBody>
+                    <a:bodyPr/>
+                    <a:lstStyle/>
+                    <a:p>
+                      <a:pPr algn="l" fontAlgn="b"/>
+                      <a:r>
+                        <a:rPr lang="en-US" sz="2400" b="1" u="none" strike="noStrike" dirty="0">
+                          <a:effectLst/>
+                        </a:rPr>
+                        <a:t>Topic 3</a:t>
+                      </a:r>
+                      <a:endParaRPr lang="en-US" sz="2400" b="1" i="0" u="none" strike="noStrike" dirty="0">
+                        <a:solidFill>
+                          <a:srgbClr val="000000"/>
+                        </a:solidFill>
+                        <a:effectLst/>
+                        <a:latin typeface="Calibri" panose="020F0502020204030204" pitchFamily="34" charset="0"/>
+                      </a:endParaRPr>
+                    </a:p>
+                  </a:txBody>
+                  <a:tcPr marL="9525" marR="9525" marT="9525" marB="0" anchor="b">
+                    <a:lnB w="12700" cap="flat" cmpd="sng" algn="ctr">
+                      <a:solidFill>
+                        <a:schemeClr val="accent1">
+                          <a:lumMod val="60000"/>
+                          <a:lumOff val="40000"/>
+                        </a:schemeClr>
+                      </a:solidFill>
+                      <a:prstDash val="solid"/>
+                      <a:round/>
+                      <a:headEnd type="none" w="med" len="med"/>
+                      <a:tailEnd type="none" w="med" len="med"/>
+                    </a:lnB>
+                  </a:tcPr>
+                </a:tc>
+                <a:tc>
+                  <a:txBody>
+                    <a:bodyPr/>
+                    <a:lstStyle/>
+                    <a:p>
+                      <a:pPr algn="l" fontAlgn="b"/>
+                      <a:r>
+                        <a:rPr lang="en-US" sz="2400" b="1" u="none" strike="noStrike" dirty="0">
+                          <a:effectLst/>
+                        </a:rPr>
+                        <a:t>Topic 4</a:t>
+                      </a:r>
+                      <a:endParaRPr lang="en-US" sz="2400" b="1" i="0" u="none" strike="noStrike" dirty="0">
+                        <a:solidFill>
+                          <a:srgbClr val="000000"/>
+                        </a:solidFill>
+                        <a:effectLst/>
+                        <a:latin typeface="Calibri" panose="020F0502020204030204" pitchFamily="34" charset="0"/>
+                      </a:endParaRPr>
+                    </a:p>
+                  </a:txBody>
+                  <a:tcPr marL="9525" marR="9525" marT="9525" marB="0" anchor="b">
+                    <a:lnB w="12700" cap="flat" cmpd="sng" algn="ctr">
+                      <a:solidFill>
+                        <a:schemeClr val="accent1">
+                          <a:lumMod val="60000"/>
+                          <a:lumOff val="40000"/>
+                        </a:schemeClr>
+                      </a:solidFill>
+                      <a:prstDash val="solid"/>
+                      <a:round/>
+                      <a:headEnd type="none" w="med" len="med"/>
+                      <a:tailEnd type="none" w="med" len="med"/>
+                    </a:lnB>
+                  </a:tcPr>
+                </a:tc>
+                <a:tc>
+                  <a:txBody>
+                    <a:bodyPr/>
+                    <a:lstStyle/>
+                    <a:p>
+                      <a:pPr algn="l" fontAlgn="b"/>
+                      <a:r>
+                        <a:rPr lang="en-US" sz="2400" b="1" u="none" strike="noStrike" dirty="0">
+                          <a:effectLst/>
+                        </a:rPr>
+                        <a:t>Topic 5</a:t>
+                      </a:r>
+                      <a:endParaRPr lang="en-US" sz="2400" b="1" i="0" u="none" strike="noStrike" dirty="0">
+                        <a:solidFill>
+                          <a:srgbClr val="000000"/>
+                        </a:solidFill>
+                        <a:effectLst/>
+                        <a:latin typeface="Calibri" panose="020F0502020204030204" pitchFamily="34" charset="0"/>
+                      </a:endParaRPr>
+                    </a:p>
+                  </a:txBody>
+                  <a:tcPr marL="9525" marR="9525" marT="9525" marB="0" anchor="b">
+                    <a:lnB w="12700" cap="flat" cmpd="sng" algn="ctr">
+                      <a:solidFill>
+                        <a:schemeClr val="accent1">
+                          <a:lumMod val="60000"/>
+                          <a:lumOff val="40000"/>
+                        </a:schemeClr>
+                      </a:solidFill>
+                      <a:prstDash val="solid"/>
+                      <a:round/>
+                      <a:headEnd type="none" w="med" len="med"/>
+                      <a:tailEnd type="none" w="med" len="med"/>
+                    </a:lnB>
+                  </a:tcPr>
+                </a:tc>
+                <a:extLst>
+                  <a:ext uri="{0D108BD9-81ED-4DB2-BD59-A6C34878D82A}">
+                    <a16:rowId xmlns:a16="http://schemas.microsoft.com/office/drawing/2014/main" val="2827662962"/>
+                  </a:ext>
+                </a:extLst>
+              </a:tr>
+              <a:tr h="303634">
+                <a:tc>
+                  <a:txBody>
+                    <a:bodyPr/>
+                    <a:lstStyle/>
+                    <a:p>
+                      <a:pPr algn="l" fontAlgn="b"/>
+                      <a:r>
+                        <a:rPr lang="en-US" sz="2400" u="none" strike="noStrike" dirty="0">
+                          <a:effectLst/>
+                        </a:rPr>
+                        <a:t>business</a:t>
+                      </a:r>
+                      <a:endParaRPr lang="en-US" sz="2400" b="0" i="0" u="none" strike="noStrike" dirty="0">
+                        <a:solidFill>
+                          <a:srgbClr val="000000"/>
+                        </a:solidFill>
+                        <a:effectLst/>
+                        <a:latin typeface="Calibri" panose="020F0502020204030204" pitchFamily="34" charset="0"/>
+                      </a:endParaRPr>
+                    </a:p>
+                  </a:txBody>
+                  <a:tcPr marL="9525" marR="9525" marT="9525" marB="0" anchor="b">
+                    <a:lnT w="12700" cap="flat" cmpd="sng" algn="ctr">
+                      <a:solidFill>
+                        <a:schemeClr val="accent1">
+                          <a:lumMod val="60000"/>
+                          <a:lumOff val="40000"/>
+                        </a:schemeClr>
+                      </a:solidFill>
+                      <a:prstDash val="solid"/>
+                      <a:round/>
+                      <a:headEnd type="none" w="med" len="med"/>
+                      <a:tailEnd type="none" w="med" len="med"/>
+                    </a:lnT>
+                  </a:tcPr>
+                </a:tc>
+                <a:tc>
+                  <a:txBody>
+                    <a:bodyPr/>
+                    <a:lstStyle/>
+                    <a:p>
+                      <a:pPr algn="l" fontAlgn="b"/>
+                      <a:r>
+                        <a:rPr lang="en-US" sz="2400" u="none" strike="noStrike" dirty="0">
+                          <a:effectLst/>
+                        </a:rPr>
+                        <a:t>design</a:t>
+                      </a:r>
+                      <a:endParaRPr lang="en-US" sz="2400" b="0" i="0" u="none" strike="noStrike" dirty="0">
+                        <a:solidFill>
+                          <a:srgbClr val="000000"/>
+                        </a:solidFill>
+                        <a:effectLst/>
+                        <a:latin typeface="Calibri" panose="020F0502020204030204" pitchFamily="34" charset="0"/>
+                      </a:endParaRPr>
+                    </a:p>
+                  </a:txBody>
+                  <a:tcPr marL="9525" marR="9525" marT="9525" marB="0" anchor="b">
+                    <a:lnT w="12700" cap="flat" cmpd="sng" algn="ctr">
+                      <a:solidFill>
+                        <a:schemeClr val="accent1">
+                          <a:lumMod val="60000"/>
+                          <a:lumOff val="40000"/>
+                        </a:schemeClr>
+                      </a:solidFill>
+                      <a:prstDash val="solid"/>
+                      <a:round/>
+                      <a:headEnd type="none" w="med" len="med"/>
+                      <a:tailEnd type="none" w="med" len="med"/>
+                    </a:lnT>
+                  </a:tcPr>
+                </a:tc>
+                <a:tc>
+                  <a:txBody>
+                    <a:bodyPr/>
+                    <a:lstStyle/>
+                    <a:p>
+                      <a:pPr algn="l" fontAlgn="b"/>
+                      <a:r>
+                        <a:rPr lang="en-US" sz="2400" u="none" strike="noStrike" dirty="0">
+                          <a:effectLst/>
+                        </a:rPr>
+                        <a:t>technical</a:t>
+                      </a:r>
+                      <a:endParaRPr lang="en-US" sz="2400" b="0" i="0" u="none" strike="noStrike" dirty="0">
+                        <a:solidFill>
+                          <a:srgbClr val="000000"/>
+                        </a:solidFill>
+                        <a:effectLst/>
+                        <a:latin typeface="Calibri" panose="020F0502020204030204" pitchFamily="34" charset="0"/>
+                      </a:endParaRPr>
+                    </a:p>
+                  </a:txBody>
+                  <a:tcPr marL="9525" marR="9525" marT="9525" marB="0" anchor="b">
+                    <a:lnT w="12700" cap="flat" cmpd="sng" algn="ctr">
+                      <a:solidFill>
+                        <a:schemeClr val="accent1">
+                          <a:lumMod val="60000"/>
+                          <a:lumOff val="40000"/>
+                        </a:schemeClr>
+                      </a:solidFill>
+                      <a:prstDash val="solid"/>
+                      <a:round/>
+                      <a:headEnd type="none" w="med" len="med"/>
+                      <a:tailEnd type="none" w="med" len="med"/>
+                    </a:lnT>
+                  </a:tcPr>
+                </a:tc>
+                <a:tc>
+                  <a:txBody>
+                    <a:bodyPr/>
+                    <a:lstStyle/>
+                    <a:p>
+                      <a:pPr algn="l" fontAlgn="b"/>
+                      <a:r>
+                        <a:rPr lang="en-US" sz="2400" u="none" strike="noStrike" dirty="0">
+                          <a:effectLst/>
+                        </a:rPr>
+                        <a:t>team</a:t>
+                      </a:r>
+                      <a:endParaRPr lang="en-US" sz="2400" b="0" i="0" u="none" strike="noStrike" dirty="0">
+                        <a:solidFill>
+                          <a:srgbClr val="000000"/>
+                        </a:solidFill>
+                        <a:effectLst/>
+                        <a:latin typeface="Calibri" panose="020F0502020204030204" pitchFamily="34" charset="0"/>
+                      </a:endParaRPr>
+                    </a:p>
+                  </a:txBody>
+                  <a:tcPr marL="9525" marR="9525" marT="9525" marB="0" anchor="b">
+                    <a:lnT w="12700" cap="flat" cmpd="sng" algn="ctr">
+                      <a:solidFill>
+                        <a:schemeClr val="accent1">
+                          <a:lumMod val="60000"/>
+                          <a:lumOff val="40000"/>
+                        </a:schemeClr>
+                      </a:solidFill>
+                      <a:prstDash val="solid"/>
+                      <a:round/>
+                      <a:headEnd type="none" w="med" len="med"/>
+                      <a:tailEnd type="none" w="med" len="med"/>
+                    </a:lnT>
+                  </a:tcPr>
+                </a:tc>
+                <a:tc>
+                  <a:txBody>
+                    <a:bodyPr/>
+                    <a:lstStyle/>
+                    <a:p>
+                      <a:pPr algn="l" fontAlgn="b"/>
+                      <a:r>
+                        <a:rPr lang="en-US" sz="2400" u="none" strike="noStrike" dirty="0">
+                          <a:effectLst/>
+                        </a:rPr>
+                        <a:t>business</a:t>
+                      </a:r>
+                      <a:endParaRPr lang="en-US" sz="2400" b="0" i="0" u="none" strike="noStrike" dirty="0">
+                        <a:solidFill>
+                          <a:srgbClr val="000000"/>
+                        </a:solidFill>
+                        <a:effectLst/>
+                        <a:latin typeface="Calibri" panose="020F0502020204030204" pitchFamily="34" charset="0"/>
+                      </a:endParaRPr>
+                    </a:p>
+                  </a:txBody>
+                  <a:tcPr marL="9525" marR="9525" marT="9525" marB="0" anchor="b">
+                    <a:lnT w="12700" cap="flat" cmpd="sng" algn="ctr">
+                      <a:solidFill>
+                        <a:schemeClr val="accent1">
+                          <a:lumMod val="60000"/>
+                          <a:lumOff val="40000"/>
+                        </a:schemeClr>
+                      </a:solidFill>
+                      <a:prstDash val="solid"/>
+                      <a:round/>
+                      <a:headEnd type="none" w="med" len="med"/>
+                      <a:tailEnd type="none" w="med" len="med"/>
+                    </a:lnT>
+                  </a:tcPr>
+                </a:tc>
+                <a:extLst>
+                  <a:ext uri="{0D108BD9-81ED-4DB2-BD59-A6C34878D82A}">
+                    <a16:rowId xmlns:a16="http://schemas.microsoft.com/office/drawing/2014/main" val="2894263183"/>
+                  </a:ext>
+                </a:extLst>
+              </a:tr>
+              <a:tr h="303634">
+                <a:tc>
+                  <a:txBody>
+                    <a:bodyPr/>
+                    <a:lstStyle/>
+                    <a:p>
+                      <a:pPr algn="l" fontAlgn="b"/>
+                      <a:r>
+                        <a:rPr lang="en-US" sz="2400" u="none" strike="noStrike" dirty="0">
+                          <a:effectLst/>
+                        </a:rPr>
+                        <a:t>management</a:t>
+                      </a:r>
+                      <a:endParaRPr lang="en-US" sz="2400" b="0" i="0" u="none" strike="noStrike" dirty="0">
+                        <a:solidFill>
+                          <a:srgbClr val="000000"/>
+                        </a:solidFill>
+                        <a:effectLst/>
+                        <a:latin typeface="Calibri" panose="020F0502020204030204" pitchFamily="34" charset="0"/>
+                      </a:endParaRPr>
+                    </a:p>
+                  </a:txBody>
+                  <a:tcPr marL="9525" marR="9525" marT="9525" marB="0" anchor="b"/>
+                </a:tc>
+                <a:tc>
+                  <a:txBody>
+                    <a:bodyPr/>
+                    <a:lstStyle/>
+                    <a:p>
+                      <a:pPr algn="l" fontAlgn="b"/>
+                      <a:r>
+                        <a:rPr lang="en-US" sz="2400" u="none" strike="noStrike">
+                          <a:effectLst/>
+                        </a:rPr>
+                        <a:t>test</a:t>
+                      </a:r>
+                      <a:endParaRPr lang="en-US" sz="2400" b="0" i="0" u="none" strike="noStrike">
+                        <a:solidFill>
+                          <a:srgbClr val="000000"/>
+                        </a:solidFill>
+                        <a:effectLst/>
+                        <a:latin typeface="Calibri" panose="020F0502020204030204" pitchFamily="34" charset="0"/>
+                      </a:endParaRPr>
+                    </a:p>
+                  </a:txBody>
+                  <a:tcPr marL="9525" marR="9525" marT="9525" marB="0" anchor="b"/>
+                </a:tc>
+                <a:tc>
+                  <a:txBody>
+                    <a:bodyPr/>
+                    <a:lstStyle/>
+                    <a:p>
+                      <a:pPr algn="l" fontAlgn="b"/>
+                      <a:r>
+                        <a:rPr lang="en-US" sz="2400" u="none" strike="noStrike" dirty="0">
+                          <a:effectLst/>
+                        </a:rPr>
+                        <a:t>customers</a:t>
+                      </a:r>
+                      <a:endParaRPr lang="en-US" sz="2400" b="0" i="0" u="none" strike="noStrike" dirty="0">
+                        <a:solidFill>
+                          <a:srgbClr val="000000"/>
+                        </a:solidFill>
+                        <a:effectLst/>
+                        <a:latin typeface="Calibri" panose="020F0502020204030204" pitchFamily="34" charset="0"/>
+                      </a:endParaRPr>
+                    </a:p>
+                  </a:txBody>
+                  <a:tcPr marL="9525" marR="9525" marT="9525" marB="0" anchor="b"/>
+                </a:tc>
+                <a:tc>
+                  <a:txBody>
+                    <a:bodyPr/>
+                    <a:lstStyle/>
+                    <a:p>
+                      <a:pPr algn="l" fontAlgn="b"/>
+                      <a:r>
+                        <a:rPr lang="en-US" sz="2400" u="none" strike="noStrike" dirty="0">
+                          <a:effectLst/>
+                        </a:rPr>
+                        <a:t>software</a:t>
+                      </a:r>
+                      <a:endParaRPr lang="en-US" sz="2400" b="0" i="0" u="none" strike="noStrike" dirty="0">
+                        <a:solidFill>
+                          <a:srgbClr val="000000"/>
+                        </a:solidFill>
+                        <a:effectLst/>
+                        <a:latin typeface="Calibri" panose="020F0502020204030204" pitchFamily="34" charset="0"/>
+                      </a:endParaRPr>
+                    </a:p>
+                  </a:txBody>
+                  <a:tcPr marL="9525" marR="9525" marT="9525" marB="0" anchor="b"/>
+                </a:tc>
+                <a:tc>
+                  <a:txBody>
+                    <a:bodyPr/>
+                    <a:lstStyle/>
+                    <a:p>
+                      <a:pPr algn="l" fontAlgn="b"/>
+                      <a:r>
+                        <a:rPr lang="en-US" sz="2400" u="none" strike="noStrike" dirty="0">
+                          <a:effectLst/>
+                        </a:rPr>
+                        <a:t>security</a:t>
+                      </a:r>
+                      <a:endParaRPr lang="en-US" sz="2400" b="0" i="0" u="none" strike="noStrike" dirty="0">
+                        <a:solidFill>
+                          <a:srgbClr val="000000"/>
+                        </a:solidFill>
+                        <a:effectLst/>
+                        <a:latin typeface="Calibri" panose="020F0502020204030204" pitchFamily="34" charset="0"/>
+                      </a:endParaRPr>
+                    </a:p>
+                  </a:txBody>
+                  <a:tcPr marL="9525" marR="9525" marT="9525" marB="0" anchor="b"/>
+                </a:tc>
+                <a:extLst>
+                  <a:ext uri="{0D108BD9-81ED-4DB2-BD59-A6C34878D82A}">
+                    <a16:rowId xmlns:a16="http://schemas.microsoft.com/office/drawing/2014/main" val="2276288165"/>
+                  </a:ext>
+                </a:extLst>
+              </a:tr>
+              <a:tr h="303634">
+                <a:tc>
+                  <a:txBody>
+                    <a:bodyPr/>
+                    <a:lstStyle/>
+                    <a:p>
+                      <a:pPr algn="l" fontAlgn="b"/>
+                      <a:r>
+                        <a:rPr lang="en-US" sz="2400" u="none" strike="noStrike" dirty="0">
+                          <a:effectLst/>
+                        </a:rPr>
+                        <a:t>project</a:t>
+                      </a:r>
+                      <a:endParaRPr lang="en-US" sz="2400" b="0" i="0" u="none" strike="noStrike" dirty="0">
+                        <a:solidFill>
+                          <a:srgbClr val="000000"/>
+                        </a:solidFill>
+                        <a:effectLst/>
+                        <a:latin typeface="Calibri" panose="020F0502020204030204" pitchFamily="34" charset="0"/>
+                      </a:endParaRPr>
+                    </a:p>
+                  </a:txBody>
+                  <a:tcPr marL="9525" marR="9525" marT="9525" marB="0" anchor="b"/>
+                </a:tc>
+                <a:tc>
+                  <a:txBody>
+                    <a:bodyPr/>
+                    <a:lstStyle/>
+                    <a:p>
+                      <a:pPr algn="l" fontAlgn="b"/>
+                      <a:r>
+                        <a:rPr lang="en-US" sz="2400" u="none" strike="noStrike" dirty="0">
+                          <a:effectLst/>
+                        </a:rPr>
+                        <a:t>engineering</a:t>
+                      </a:r>
+                      <a:endParaRPr lang="en-US" sz="2400" b="0" i="0" u="none" strike="noStrike" dirty="0">
+                        <a:solidFill>
+                          <a:srgbClr val="000000"/>
+                        </a:solidFill>
+                        <a:effectLst/>
+                        <a:latin typeface="Calibri" panose="020F0502020204030204" pitchFamily="34" charset="0"/>
+                      </a:endParaRPr>
+                    </a:p>
+                  </a:txBody>
+                  <a:tcPr marL="9525" marR="9525" marT="9525" marB="0" anchor="b"/>
+                </a:tc>
+                <a:tc>
+                  <a:txBody>
+                    <a:bodyPr/>
+                    <a:lstStyle/>
+                    <a:p>
+                      <a:pPr algn="l" fontAlgn="b"/>
+                      <a:r>
+                        <a:rPr lang="en-US" sz="2400" u="none" strike="noStrike" dirty="0">
+                          <a:effectLst/>
+                        </a:rPr>
+                        <a:t>home</a:t>
+                      </a:r>
+                      <a:endParaRPr lang="en-US" sz="2400" b="0" i="0" u="none" strike="noStrike" dirty="0">
+                        <a:solidFill>
+                          <a:srgbClr val="000000"/>
+                        </a:solidFill>
+                        <a:effectLst/>
+                        <a:latin typeface="Calibri" panose="020F0502020204030204" pitchFamily="34" charset="0"/>
+                      </a:endParaRPr>
+                    </a:p>
+                  </a:txBody>
+                  <a:tcPr marL="9525" marR="9525" marT="9525" marB="0" anchor="b"/>
+                </a:tc>
+                <a:tc>
+                  <a:txBody>
+                    <a:bodyPr/>
+                    <a:lstStyle/>
+                    <a:p>
+                      <a:pPr algn="l" fontAlgn="b"/>
+                      <a:r>
+                        <a:rPr lang="en-US" sz="2400" u="none" strike="noStrike" dirty="0">
+                          <a:effectLst/>
+                        </a:rPr>
+                        <a:t>systems</a:t>
+                      </a:r>
+                      <a:endParaRPr lang="en-US" sz="2400" b="0" i="0" u="none" strike="noStrike" dirty="0">
+                        <a:solidFill>
+                          <a:srgbClr val="000000"/>
+                        </a:solidFill>
+                        <a:effectLst/>
+                        <a:latin typeface="Calibri" panose="020F0502020204030204" pitchFamily="34" charset="0"/>
+                      </a:endParaRPr>
+                    </a:p>
+                  </a:txBody>
+                  <a:tcPr marL="9525" marR="9525" marT="9525" marB="0" anchor="b"/>
+                </a:tc>
+                <a:tc>
+                  <a:txBody>
+                    <a:bodyPr/>
+                    <a:lstStyle/>
+                    <a:p>
+                      <a:pPr algn="l" fontAlgn="b"/>
+                      <a:r>
+                        <a:rPr lang="en-US" sz="2400" u="none" strike="noStrike" dirty="0">
+                          <a:effectLst/>
+                        </a:rPr>
+                        <a:t>information</a:t>
+                      </a:r>
+                      <a:endParaRPr lang="en-US" sz="2400" b="0" i="0" u="none" strike="noStrike" dirty="0">
+                        <a:solidFill>
+                          <a:srgbClr val="000000"/>
+                        </a:solidFill>
+                        <a:effectLst/>
+                        <a:latin typeface="Calibri" panose="020F0502020204030204" pitchFamily="34" charset="0"/>
+                      </a:endParaRPr>
+                    </a:p>
+                  </a:txBody>
+                  <a:tcPr marL="9525" marR="9525" marT="9525" marB="0" anchor="b"/>
+                </a:tc>
+                <a:extLst>
+                  <a:ext uri="{0D108BD9-81ED-4DB2-BD59-A6C34878D82A}">
+                    <a16:rowId xmlns:a16="http://schemas.microsoft.com/office/drawing/2014/main" val="1913292412"/>
+                  </a:ext>
+                </a:extLst>
+              </a:tr>
+              <a:tr h="303634">
+                <a:tc>
+                  <a:txBody>
+                    <a:bodyPr/>
+                    <a:lstStyle/>
+                    <a:p>
+                      <a:pPr algn="l" fontAlgn="b"/>
+                      <a:r>
+                        <a:rPr lang="en-US" sz="2400" u="none" strike="noStrike" dirty="0">
+                          <a:effectLst/>
+                        </a:rPr>
+                        <a:t>support</a:t>
+                      </a:r>
+                      <a:endParaRPr lang="en-US" sz="2400" b="0" i="0" u="none" strike="noStrike" dirty="0">
+                        <a:solidFill>
+                          <a:srgbClr val="000000"/>
+                        </a:solidFill>
+                        <a:effectLst/>
+                        <a:latin typeface="Calibri" panose="020F0502020204030204" pitchFamily="34" charset="0"/>
+                      </a:endParaRPr>
+                    </a:p>
+                  </a:txBody>
+                  <a:tcPr marL="9525" marR="9525" marT="9525" marB="0" anchor="b"/>
+                </a:tc>
+                <a:tc>
+                  <a:txBody>
+                    <a:bodyPr/>
+                    <a:lstStyle/>
+                    <a:p>
+                      <a:pPr algn="l" fontAlgn="b"/>
+                      <a:r>
+                        <a:rPr lang="en-US" sz="2400" u="none" strike="noStrike" dirty="0">
+                          <a:effectLst/>
+                        </a:rPr>
+                        <a:t>development</a:t>
+                      </a:r>
+                      <a:endParaRPr lang="en-US" sz="2400" b="0" i="0" u="none" strike="noStrike" dirty="0">
+                        <a:solidFill>
+                          <a:srgbClr val="000000"/>
+                        </a:solidFill>
+                        <a:effectLst/>
+                        <a:latin typeface="Calibri" panose="020F0502020204030204" pitchFamily="34" charset="0"/>
+                      </a:endParaRPr>
+                    </a:p>
+                  </a:txBody>
+                  <a:tcPr marL="9525" marR="9525" marT="9525" marB="0" anchor="b"/>
+                </a:tc>
+                <a:tc>
+                  <a:txBody>
+                    <a:bodyPr/>
+                    <a:lstStyle/>
+                    <a:p>
+                      <a:pPr marL="0" marR="0" lvl="0" indent="0" algn="l" defTabSz="914400" rtl="0" eaLnBrk="1" fontAlgn="auto" latinLnBrk="0" hangingPunct="1">
+                        <a:lnSpc>
+                          <a:spcPct val="100000"/>
+                        </a:lnSpc>
+                        <a:spcBef>
+                          <a:spcPts val="0"/>
+                        </a:spcBef>
+                        <a:spcAft>
+                          <a:spcPts val="0"/>
+                        </a:spcAft>
+                        <a:buClrTx/>
+                        <a:buSzTx/>
+                        <a:buFontTx/>
+                        <a:buNone/>
+                        <a:tabLst/>
+                        <a:defRPr/>
+                      </a:pPr>
+                      <a:r>
+                        <a:rPr lang="en-US" sz="2400" u="none" strike="noStrike" dirty="0">
+                          <a:effectLst/>
+                        </a:rPr>
+                        <a:t>hours</a:t>
+                      </a:r>
+                      <a:endParaRPr lang="en-US" sz="2400" b="0" i="0" u="none" strike="noStrike" dirty="0">
+                        <a:solidFill>
+                          <a:srgbClr val="000000"/>
+                        </a:solidFill>
+                        <a:effectLst/>
+                        <a:latin typeface="Calibri" panose="020F0502020204030204" pitchFamily="34" charset="0"/>
+                      </a:endParaRPr>
+                    </a:p>
+                  </a:txBody>
+                  <a:tcPr marL="9525" marR="9525" marT="9525" marB="0" anchor="b"/>
+                </a:tc>
+                <a:tc>
+                  <a:txBody>
+                    <a:bodyPr/>
+                    <a:lstStyle/>
+                    <a:p>
+                      <a:pPr algn="l" fontAlgn="b"/>
+                      <a:r>
+                        <a:rPr lang="en-US" sz="2400" u="none" strike="noStrike" dirty="0">
+                          <a:effectLst/>
+                        </a:rPr>
+                        <a:t>computer</a:t>
+                      </a:r>
+                      <a:endParaRPr lang="en-US" sz="2400" b="0" i="0" u="none" strike="noStrike" dirty="0">
+                        <a:solidFill>
+                          <a:srgbClr val="000000"/>
+                        </a:solidFill>
+                        <a:effectLst/>
+                        <a:latin typeface="Calibri" panose="020F0502020204030204" pitchFamily="34" charset="0"/>
+                      </a:endParaRPr>
+                    </a:p>
+                  </a:txBody>
+                  <a:tcPr marL="9525" marR="9525" marT="9525" marB="0" anchor="b"/>
+                </a:tc>
+                <a:tc>
+                  <a:txBody>
+                    <a:bodyPr/>
+                    <a:lstStyle/>
+                    <a:p>
+                      <a:pPr algn="l" fontAlgn="b"/>
+                      <a:r>
+                        <a:rPr lang="en-US" sz="2400" u="none" strike="noStrike" dirty="0">
+                          <a:effectLst/>
+                        </a:rPr>
+                        <a:t>analytics</a:t>
+                      </a:r>
+                      <a:endParaRPr lang="en-US" sz="2400" b="0" i="0" u="none" strike="noStrike" dirty="0">
+                        <a:solidFill>
+                          <a:srgbClr val="000000"/>
+                        </a:solidFill>
+                        <a:effectLst/>
+                        <a:latin typeface="Calibri" panose="020F0502020204030204" pitchFamily="34" charset="0"/>
+                      </a:endParaRPr>
+                    </a:p>
+                  </a:txBody>
+                  <a:tcPr marL="9525" marR="9525" marT="9525" marB="0" anchor="b"/>
+                </a:tc>
+                <a:extLst>
+                  <a:ext uri="{0D108BD9-81ED-4DB2-BD59-A6C34878D82A}">
+                    <a16:rowId xmlns:a16="http://schemas.microsoft.com/office/drawing/2014/main" val="330431423"/>
+                  </a:ext>
+                </a:extLst>
+              </a:tr>
+              <a:tr h="303634">
+                <a:tc>
+                  <a:txBody>
+                    <a:bodyPr/>
+                    <a:lstStyle/>
+                    <a:p>
+                      <a:pPr algn="l" fontAlgn="b"/>
+                      <a:r>
+                        <a:rPr lang="en-US" sz="2400" u="none" strike="noStrike" dirty="0">
+                          <a:effectLst/>
+                        </a:rPr>
+                        <a:t>team</a:t>
+                      </a:r>
+                      <a:endParaRPr lang="en-US" sz="2400" b="0" i="0" u="none" strike="noStrike" dirty="0">
+                        <a:solidFill>
+                          <a:srgbClr val="000000"/>
+                        </a:solidFill>
+                        <a:effectLst/>
+                        <a:latin typeface="Calibri" panose="020F0502020204030204" pitchFamily="34" charset="0"/>
+                      </a:endParaRPr>
+                    </a:p>
+                  </a:txBody>
+                  <a:tcPr marL="9525" marR="9525" marT="9525" marB="0" anchor="b"/>
+                </a:tc>
+                <a:tc>
+                  <a:txBody>
+                    <a:bodyPr/>
+                    <a:lstStyle/>
+                    <a:p>
+                      <a:pPr algn="l" fontAlgn="b"/>
+                      <a:r>
+                        <a:rPr lang="en-US" sz="2400" u="none" strike="noStrike" dirty="0">
+                          <a:effectLst/>
+                        </a:rPr>
+                        <a:t>team</a:t>
+                      </a:r>
+                      <a:endParaRPr lang="en-US" sz="2400" b="0" i="0" u="none" strike="noStrike" dirty="0">
+                        <a:solidFill>
+                          <a:srgbClr val="000000"/>
+                        </a:solidFill>
+                        <a:effectLst/>
+                        <a:latin typeface="Calibri" panose="020F0502020204030204" pitchFamily="34" charset="0"/>
+                      </a:endParaRPr>
+                    </a:p>
+                  </a:txBody>
+                  <a:tcPr marL="9525" marR="9525" marT="9525" marB="0" anchor="b"/>
+                </a:tc>
+                <a:tc>
+                  <a:txBody>
+                    <a:bodyPr/>
+                    <a:lstStyle/>
+                    <a:p>
+                      <a:pPr algn="l" fontAlgn="b"/>
+                      <a:r>
+                        <a:rPr lang="en-US" sz="2400" u="none" strike="noStrike" dirty="0">
+                          <a:effectLst/>
+                        </a:rPr>
+                        <a:t>ability</a:t>
+                      </a:r>
+                      <a:endParaRPr lang="en-US" sz="2400" b="0" i="0" u="none" strike="noStrike" dirty="0">
+                        <a:solidFill>
+                          <a:srgbClr val="000000"/>
+                        </a:solidFill>
+                        <a:effectLst/>
+                        <a:latin typeface="Calibri" panose="020F0502020204030204" pitchFamily="34" charset="0"/>
+                      </a:endParaRPr>
+                    </a:p>
+                  </a:txBody>
+                  <a:tcPr marL="9525" marR="9525" marT="9525" marB="0" anchor="b"/>
+                </a:tc>
+                <a:tc>
+                  <a:txBody>
+                    <a:bodyPr/>
+                    <a:lstStyle/>
+                    <a:p>
+                      <a:pPr algn="l" fontAlgn="b"/>
+                      <a:r>
+                        <a:rPr lang="en-US" sz="2400" u="none" strike="noStrike" dirty="0">
+                          <a:effectLst/>
+                        </a:rPr>
+                        <a:t>science</a:t>
+                      </a:r>
+                      <a:endParaRPr lang="en-US" sz="2400" b="0" i="0" u="none" strike="noStrike" dirty="0">
+                        <a:solidFill>
+                          <a:srgbClr val="000000"/>
+                        </a:solidFill>
+                        <a:effectLst/>
+                        <a:latin typeface="Calibri" panose="020F0502020204030204" pitchFamily="34" charset="0"/>
+                      </a:endParaRPr>
+                    </a:p>
+                  </a:txBody>
+                  <a:tcPr marL="9525" marR="9525" marT="9525" marB="0" anchor="b"/>
+                </a:tc>
+                <a:tc>
+                  <a:txBody>
+                    <a:bodyPr/>
+                    <a:lstStyle/>
+                    <a:p>
+                      <a:pPr algn="l" fontAlgn="b"/>
+                      <a:r>
+                        <a:rPr lang="en-US" sz="2400" u="none" strike="noStrike" dirty="0">
+                          <a:effectLst/>
+                        </a:rPr>
+                        <a:t>team</a:t>
+                      </a:r>
+                      <a:endParaRPr lang="en-US" sz="2400" b="0" i="0" u="none" strike="noStrike" dirty="0">
+                        <a:solidFill>
+                          <a:srgbClr val="000000"/>
+                        </a:solidFill>
+                        <a:effectLst/>
+                        <a:latin typeface="Calibri" panose="020F0502020204030204" pitchFamily="34" charset="0"/>
+                      </a:endParaRPr>
+                    </a:p>
+                  </a:txBody>
+                  <a:tcPr marL="9525" marR="9525" marT="9525" marB="0" anchor="b"/>
+                </a:tc>
+                <a:extLst>
+                  <a:ext uri="{0D108BD9-81ED-4DB2-BD59-A6C34878D82A}">
+                    <a16:rowId xmlns:a16="http://schemas.microsoft.com/office/drawing/2014/main" val="2121785788"/>
+                  </a:ext>
+                </a:extLst>
+              </a:tr>
+              <a:tr h="303634">
+                <a:tc>
+                  <a:txBody>
+                    <a:bodyPr/>
+                    <a:lstStyle/>
+                    <a:p>
+                      <a:pPr algn="l" fontAlgn="b"/>
+                      <a:r>
+                        <a:rPr lang="en-US" sz="2400" u="none" strike="noStrike" dirty="0">
+                          <a:effectLst/>
+                        </a:rPr>
+                        <a:t>process</a:t>
+                      </a:r>
+                      <a:endParaRPr lang="en-US" sz="2400" b="0" i="0" u="none" strike="noStrike" dirty="0">
+                        <a:solidFill>
+                          <a:srgbClr val="000000"/>
+                        </a:solidFill>
+                        <a:effectLst/>
+                        <a:latin typeface="Calibri" panose="020F0502020204030204" pitchFamily="34" charset="0"/>
+                      </a:endParaRPr>
+                    </a:p>
+                  </a:txBody>
+                  <a:tcPr marL="9525" marR="9525" marT="9525" marB="0" anchor="b"/>
+                </a:tc>
+                <a:tc>
+                  <a:txBody>
+                    <a:bodyPr/>
+                    <a:lstStyle/>
+                    <a:p>
+                      <a:pPr algn="l" fontAlgn="b"/>
+                      <a:r>
+                        <a:rPr lang="en-US" sz="2400" u="none" strike="noStrike" dirty="0">
+                          <a:effectLst/>
+                        </a:rPr>
+                        <a:t>product</a:t>
+                      </a:r>
+                      <a:endParaRPr lang="en-US" sz="2400" b="0" i="0" u="none" strike="noStrike" dirty="0">
+                        <a:solidFill>
+                          <a:srgbClr val="000000"/>
+                        </a:solidFill>
+                        <a:effectLst/>
+                        <a:latin typeface="Calibri" panose="020F0502020204030204" pitchFamily="34" charset="0"/>
+                      </a:endParaRPr>
+                    </a:p>
+                  </a:txBody>
+                  <a:tcPr marL="9525" marR="9525" marT="9525" marB="0" anchor="b"/>
+                </a:tc>
+                <a:tc>
+                  <a:txBody>
+                    <a:bodyPr/>
+                    <a:lstStyle/>
+                    <a:p>
+                      <a:pPr algn="l" fontAlgn="b"/>
+                      <a:r>
+                        <a:rPr lang="en-US" sz="2400" u="none" strike="noStrike" dirty="0">
+                          <a:effectLst/>
+                        </a:rPr>
+                        <a:t>well</a:t>
+                      </a:r>
+                      <a:endParaRPr lang="en-US" sz="2400" b="0" i="0" u="none" strike="noStrike" dirty="0">
+                        <a:solidFill>
+                          <a:srgbClr val="000000"/>
+                        </a:solidFill>
+                        <a:effectLst/>
+                        <a:latin typeface="Calibri" panose="020F0502020204030204" pitchFamily="34" charset="0"/>
+                      </a:endParaRPr>
+                    </a:p>
+                  </a:txBody>
+                  <a:tcPr marL="9525" marR="9525" marT="9525" marB="0" anchor="b"/>
+                </a:tc>
+                <a:tc>
+                  <a:txBody>
+                    <a:bodyPr/>
+                    <a:lstStyle/>
+                    <a:p>
+                      <a:pPr algn="l" fontAlgn="b"/>
+                      <a:r>
+                        <a:rPr lang="en-US" sz="2400" u="none" strike="noStrike" dirty="0">
+                          <a:effectLst/>
+                        </a:rPr>
+                        <a:t>engineering</a:t>
+                      </a:r>
+                      <a:endParaRPr lang="en-US" sz="2400" b="0" i="0" u="none" strike="noStrike" dirty="0">
+                        <a:solidFill>
+                          <a:srgbClr val="000000"/>
+                        </a:solidFill>
+                        <a:effectLst/>
+                        <a:latin typeface="Calibri" panose="020F0502020204030204" pitchFamily="34" charset="0"/>
+                      </a:endParaRPr>
+                    </a:p>
+                  </a:txBody>
+                  <a:tcPr marL="9525" marR="9525" marT="9525" marB="0" anchor="b"/>
+                </a:tc>
+                <a:tc>
+                  <a:txBody>
+                    <a:bodyPr/>
+                    <a:lstStyle/>
+                    <a:p>
+                      <a:pPr algn="l" fontAlgn="b"/>
+                      <a:r>
+                        <a:rPr lang="en-US" sz="2400" u="none" strike="noStrike" dirty="0">
+                          <a:effectLst/>
+                        </a:rPr>
+                        <a:t>solutions</a:t>
+                      </a:r>
+                      <a:endParaRPr lang="en-US" sz="2400" b="0" i="0" u="none" strike="noStrike" dirty="0">
+                        <a:solidFill>
+                          <a:srgbClr val="000000"/>
+                        </a:solidFill>
+                        <a:effectLst/>
+                        <a:latin typeface="Calibri" panose="020F0502020204030204" pitchFamily="34" charset="0"/>
+                      </a:endParaRPr>
+                    </a:p>
+                  </a:txBody>
+                  <a:tcPr marL="9525" marR="9525" marT="9525" marB="0" anchor="b"/>
+                </a:tc>
+                <a:extLst>
+                  <a:ext uri="{0D108BD9-81ED-4DB2-BD59-A6C34878D82A}">
+                    <a16:rowId xmlns:a16="http://schemas.microsoft.com/office/drawing/2014/main" val="946385162"/>
+                  </a:ext>
+                </a:extLst>
+              </a:tr>
+              <a:tr h="303634">
+                <a:tc>
+                  <a:txBody>
+                    <a:bodyPr/>
+                    <a:lstStyle/>
+                    <a:p>
+                      <a:pPr algn="l" fontAlgn="b"/>
+                      <a:r>
+                        <a:rPr lang="en-US" sz="2400" u="none" strike="noStrike" dirty="0">
+                          <a:effectLst/>
+                        </a:rPr>
+                        <a:t>operations</a:t>
+                      </a:r>
+                      <a:endParaRPr lang="en-US" sz="2400" b="0" i="0" u="none" strike="noStrike" dirty="0">
+                        <a:solidFill>
+                          <a:srgbClr val="000000"/>
+                        </a:solidFill>
+                        <a:effectLst/>
+                        <a:latin typeface="Calibri" panose="020F0502020204030204" pitchFamily="34" charset="0"/>
+                      </a:endParaRPr>
+                    </a:p>
+                  </a:txBody>
+                  <a:tcPr marL="9525" marR="9525" marT="9525" marB="0" anchor="b"/>
+                </a:tc>
+                <a:tc>
+                  <a:txBody>
+                    <a:bodyPr/>
+                    <a:lstStyle/>
+                    <a:p>
+                      <a:pPr algn="l" fontAlgn="b"/>
+                      <a:r>
+                        <a:rPr lang="en-US" sz="2400" u="none" strike="noStrike" dirty="0">
+                          <a:effectLst/>
+                        </a:rPr>
+                        <a:t>system</a:t>
+                      </a:r>
+                      <a:endParaRPr lang="en-US" sz="2400" b="0" i="0" u="none" strike="noStrike" dirty="0">
+                        <a:solidFill>
+                          <a:srgbClr val="000000"/>
+                        </a:solidFill>
+                        <a:effectLst/>
+                        <a:latin typeface="Calibri" panose="020F0502020204030204" pitchFamily="34" charset="0"/>
+                      </a:endParaRPr>
+                    </a:p>
+                  </a:txBody>
+                  <a:tcPr marL="9525" marR="9525" marT="9525" marB="0" anchor="b"/>
+                </a:tc>
+                <a:tc>
+                  <a:txBody>
+                    <a:bodyPr/>
+                    <a:lstStyle/>
+                    <a:p>
+                      <a:pPr algn="l" fontAlgn="b"/>
+                      <a:r>
+                        <a:rPr lang="en-US" sz="2400" u="none" strike="noStrike" dirty="0">
+                          <a:effectLst/>
+                        </a:rPr>
+                        <a:t>training</a:t>
+                      </a:r>
+                      <a:endParaRPr lang="en-US" sz="2400" b="0" i="0" u="none" strike="noStrike" dirty="0">
+                        <a:solidFill>
+                          <a:srgbClr val="000000"/>
+                        </a:solidFill>
+                        <a:effectLst/>
+                        <a:latin typeface="Calibri" panose="020F0502020204030204" pitchFamily="34" charset="0"/>
+                      </a:endParaRPr>
+                    </a:p>
+                  </a:txBody>
+                  <a:tcPr marL="9525" marR="9525" marT="9525" marB="0" anchor="b"/>
+                </a:tc>
+                <a:tc>
+                  <a:txBody>
+                    <a:bodyPr/>
+                    <a:lstStyle/>
+                    <a:p>
+                      <a:pPr algn="l" fontAlgn="b"/>
+                      <a:r>
+                        <a:rPr lang="en-US" sz="2400" u="none" strike="noStrike" dirty="0">
+                          <a:effectLst/>
+                        </a:rPr>
+                        <a:t>services</a:t>
+                      </a:r>
+                      <a:endParaRPr lang="en-US" sz="2400" b="0" i="0" u="none" strike="noStrike" dirty="0">
+                        <a:solidFill>
+                          <a:srgbClr val="000000"/>
+                        </a:solidFill>
+                        <a:effectLst/>
+                        <a:latin typeface="Calibri" panose="020F0502020204030204" pitchFamily="34" charset="0"/>
+                      </a:endParaRPr>
+                    </a:p>
+                  </a:txBody>
+                  <a:tcPr marL="9525" marR="9525" marT="9525" marB="0" anchor="b"/>
+                </a:tc>
+                <a:tc>
+                  <a:txBody>
+                    <a:bodyPr/>
+                    <a:lstStyle/>
+                    <a:p>
+                      <a:pPr algn="l" fontAlgn="b"/>
+                      <a:r>
+                        <a:rPr lang="en-US" sz="2400" u="none" strike="noStrike" dirty="0">
+                          <a:effectLst/>
+                        </a:rPr>
+                        <a:t>services</a:t>
+                      </a:r>
+                      <a:endParaRPr lang="en-US" sz="2400" b="0" i="0" u="none" strike="noStrike" dirty="0">
+                        <a:solidFill>
+                          <a:srgbClr val="000000"/>
+                        </a:solidFill>
+                        <a:effectLst/>
+                        <a:latin typeface="Calibri" panose="020F0502020204030204" pitchFamily="34" charset="0"/>
+                      </a:endParaRPr>
+                    </a:p>
+                  </a:txBody>
+                  <a:tcPr marL="9525" marR="9525" marT="9525" marB="0" anchor="b"/>
+                </a:tc>
+                <a:extLst>
+                  <a:ext uri="{0D108BD9-81ED-4DB2-BD59-A6C34878D82A}">
+                    <a16:rowId xmlns:a16="http://schemas.microsoft.com/office/drawing/2014/main" val="2540218499"/>
+                  </a:ext>
+                </a:extLst>
+              </a:tr>
+              <a:tr h="303634">
+                <a:tc>
+                  <a:txBody>
+                    <a:bodyPr/>
+                    <a:lstStyle/>
+                    <a:p>
+                      <a:pPr algn="l" fontAlgn="b"/>
+                      <a:r>
+                        <a:rPr lang="en-US" sz="2400" u="none" strike="noStrike" dirty="0">
+                          <a:effectLst/>
+                        </a:rPr>
+                        <a:t>ability</a:t>
+                      </a:r>
+                      <a:endParaRPr lang="en-US" sz="2400" b="0" i="0" u="none" strike="noStrike" dirty="0">
+                        <a:solidFill>
+                          <a:srgbClr val="000000"/>
+                        </a:solidFill>
+                        <a:effectLst/>
+                        <a:latin typeface="Calibri" panose="020F0502020204030204" pitchFamily="34" charset="0"/>
+                      </a:endParaRPr>
+                    </a:p>
+                  </a:txBody>
+                  <a:tcPr marL="9525" marR="9525" marT="9525" marB="0" anchor="b"/>
+                </a:tc>
+                <a:tc>
+                  <a:txBody>
+                    <a:bodyPr/>
+                    <a:lstStyle/>
+                    <a:p>
+                      <a:pPr algn="l" fontAlgn="b"/>
+                      <a:r>
+                        <a:rPr lang="en-US" sz="2400" u="none" strike="noStrike" dirty="0">
+                          <a:effectLst/>
+                        </a:rPr>
+                        <a:t>quality</a:t>
+                      </a:r>
+                      <a:endParaRPr lang="en-US" sz="2400" b="0" i="0" u="none" strike="noStrike" dirty="0">
+                        <a:solidFill>
+                          <a:srgbClr val="000000"/>
+                        </a:solidFill>
+                        <a:effectLst/>
+                        <a:latin typeface="Calibri" panose="020F0502020204030204" pitchFamily="34" charset="0"/>
+                      </a:endParaRPr>
+                    </a:p>
+                  </a:txBody>
+                  <a:tcPr marL="9525" marR="9525" marT="9525" marB="0" anchor="b"/>
+                </a:tc>
+                <a:tc>
+                  <a:txBody>
+                    <a:bodyPr/>
+                    <a:lstStyle/>
+                    <a:p>
+                      <a:pPr algn="l" fontAlgn="b"/>
+                      <a:r>
+                        <a:rPr lang="en-US" sz="2400" u="none" strike="noStrike" dirty="0">
+                          <a:effectLst/>
+                        </a:rPr>
+                        <a:t>advisor</a:t>
+                      </a:r>
+                      <a:endParaRPr lang="en-US" sz="2400" b="0" i="0" u="none" strike="noStrike" dirty="0">
+                        <a:solidFill>
+                          <a:srgbClr val="000000"/>
+                        </a:solidFill>
+                        <a:effectLst/>
+                        <a:latin typeface="Calibri" panose="020F0502020204030204" pitchFamily="34" charset="0"/>
+                      </a:endParaRPr>
+                    </a:p>
+                  </a:txBody>
+                  <a:tcPr marL="9525" marR="9525" marT="9525" marB="0" anchor="b"/>
+                </a:tc>
+                <a:tc>
+                  <a:txBody>
+                    <a:bodyPr/>
+                    <a:lstStyle/>
+                    <a:p>
+                      <a:pPr algn="l" fontAlgn="b"/>
+                      <a:r>
+                        <a:rPr lang="en-US" sz="2400" u="none" strike="noStrike" dirty="0">
+                          <a:effectLst/>
+                        </a:rPr>
+                        <a:t>design</a:t>
+                      </a:r>
+                      <a:endParaRPr lang="en-US" sz="2400" b="0" i="0" u="none" strike="noStrike" dirty="0">
+                        <a:solidFill>
+                          <a:srgbClr val="000000"/>
+                        </a:solidFill>
+                        <a:effectLst/>
+                        <a:latin typeface="Calibri" panose="020F0502020204030204" pitchFamily="34" charset="0"/>
+                      </a:endParaRPr>
+                    </a:p>
+                  </a:txBody>
+                  <a:tcPr marL="9525" marR="9525" marT="9525" marB="0" anchor="b"/>
+                </a:tc>
+                <a:tc>
+                  <a:txBody>
+                    <a:bodyPr/>
+                    <a:lstStyle/>
+                    <a:p>
+                      <a:pPr algn="l" fontAlgn="b"/>
+                      <a:r>
+                        <a:rPr lang="en-US" sz="2400" u="none" strike="noStrike" dirty="0">
+                          <a:effectLst/>
+                        </a:rPr>
+                        <a:t>product</a:t>
+                      </a:r>
+                      <a:endParaRPr lang="en-US" sz="2400" b="0" i="0" u="none" strike="noStrike" dirty="0">
+                        <a:solidFill>
+                          <a:srgbClr val="000000"/>
+                        </a:solidFill>
+                        <a:effectLst/>
+                        <a:latin typeface="Calibri" panose="020F0502020204030204" pitchFamily="34" charset="0"/>
+                      </a:endParaRPr>
+                    </a:p>
+                  </a:txBody>
+                  <a:tcPr marL="9525" marR="9525" marT="9525" marB="0" anchor="b"/>
+                </a:tc>
+                <a:extLst>
+                  <a:ext uri="{0D108BD9-81ED-4DB2-BD59-A6C34878D82A}">
+                    <a16:rowId xmlns:a16="http://schemas.microsoft.com/office/drawing/2014/main" val="3238101484"/>
+                  </a:ext>
+                </a:extLst>
+              </a:tr>
+              <a:tr h="303634">
+                <a:tc>
+                  <a:txBody>
+                    <a:bodyPr/>
+                    <a:lstStyle/>
+                    <a:p>
+                      <a:pPr algn="l" fontAlgn="b"/>
+                      <a:r>
+                        <a:rPr lang="en-US" sz="2400" u="none" strike="noStrike" dirty="0">
+                          <a:effectLst/>
+                        </a:rPr>
+                        <a:t>manage</a:t>
+                      </a:r>
+                      <a:endParaRPr lang="en-US" sz="2400" b="0" i="0" u="none" strike="noStrike" dirty="0">
+                        <a:solidFill>
+                          <a:srgbClr val="000000"/>
+                        </a:solidFill>
+                        <a:effectLst/>
+                        <a:latin typeface="Calibri" panose="020F0502020204030204" pitchFamily="34" charset="0"/>
+                      </a:endParaRPr>
+                    </a:p>
+                  </a:txBody>
+                  <a:tcPr marL="9525" marR="9525" marT="9525" marB="0" anchor="b"/>
+                </a:tc>
+                <a:tc>
+                  <a:txBody>
+                    <a:bodyPr/>
+                    <a:lstStyle/>
+                    <a:p>
+                      <a:pPr algn="l" fontAlgn="b"/>
+                      <a:r>
+                        <a:rPr lang="en-US" sz="2400" u="none" strike="noStrike" dirty="0">
+                          <a:effectLst/>
+                        </a:rPr>
+                        <a:t>new</a:t>
+                      </a:r>
+                      <a:endParaRPr lang="en-US" sz="2400" b="0" i="0" u="none" strike="noStrike" dirty="0">
+                        <a:solidFill>
+                          <a:srgbClr val="000000"/>
+                        </a:solidFill>
+                        <a:effectLst/>
+                        <a:latin typeface="Calibri" panose="020F0502020204030204" pitchFamily="34" charset="0"/>
+                      </a:endParaRPr>
+                    </a:p>
+                  </a:txBody>
+                  <a:tcPr marL="9525" marR="9525" marT="9525" marB="0" anchor="b"/>
+                </a:tc>
+                <a:tc>
+                  <a:txBody>
+                    <a:bodyPr/>
+                    <a:lstStyle/>
+                    <a:p>
+                      <a:pPr algn="l" fontAlgn="b"/>
+                      <a:r>
+                        <a:rPr lang="en-US" sz="2400" u="none" strike="noStrike" dirty="0">
+                          <a:effectLst/>
+                        </a:rPr>
+                        <a:t>world</a:t>
+                      </a:r>
+                      <a:endParaRPr lang="en-US" sz="2400" b="0" i="0" u="none" strike="noStrike" dirty="0">
+                        <a:solidFill>
+                          <a:srgbClr val="000000"/>
+                        </a:solidFill>
+                        <a:effectLst/>
+                        <a:latin typeface="Calibri" panose="020F0502020204030204" pitchFamily="34" charset="0"/>
+                      </a:endParaRPr>
+                    </a:p>
+                  </a:txBody>
+                  <a:tcPr marL="9525" marR="9525" marT="9525" marB="0" anchor="b"/>
+                </a:tc>
+                <a:tc>
+                  <a:txBody>
+                    <a:bodyPr/>
+                    <a:lstStyle/>
+                    <a:p>
+                      <a:pPr algn="l" fontAlgn="b"/>
+                      <a:r>
+                        <a:rPr lang="en-US" sz="2400" u="none" strike="noStrike" dirty="0">
+                          <a:effectLst/>
+                        </a:rPr>
+                        <a:t>products</a:t>
+                      </a:r>
+                      <a:endParaRPr lang="en-US" sz="2400" b="0" i="0" u="none" strike="noStrike" dirty="0">
+                        <a:solidFill>
+                          <a:srgbClr val="000000"/>
+                        </a:solidFill>
+                        <a:effectLst/>
+                        <a:latin typeface="Calibri" panose="020F0502020204030204" pitchFamily="34" charset="0"/>
+                      </a:endParaRPr>
+                    </a:p>
+                  </a:txBody>
+                  <a:tcPr marL="9525" marR="9525" marT="9525" marB="0" anchor="b"/>
+                </a:tc>
+                <a:tc>
+                  <a:txBody>
+                    <a:bodyPr/>
+                    <a:lstStyle/>
+                    <a:p>
+                      <a:pPr algn="l" fontAlgn="b"/>
+                      <a:r>
+                        <a:rPr lang="en-US" sz="2400" u="none" strike="noStrike" dirty="0">
+                          <a:effectLst/>
+                        </a:rPr>
+                        <a:t>analysis</a:t>
+                      </a:r>
+                      <a:endParaRPr lang="en-US" sz="2400" b="0" i="0" u="none" strike="noStrike" dirty="0">
+                        <a:solidFill>
+                          <a:srgbClr val="000000"/>
+                        </a:solidFill>
+                        <a:effectLst/>
+                        <a:latin typeface="Calibri" panose="020F0502020204030204" pitchFamily="34" charset="0"/>
+                      </a:endParaRPr>
+                    </a:p>
+                  </a:txBody>
+                  <a:tcPr marL="9525" marR="9525" marT="9525" marB="0" anchor="b"/>
+                </a:tc>
+                <a:extLst>
+                  <a:ext uri="{0D108BD9-81ED-4DB2-BD59-A6C34878D82A}">
+                    <a16:rowId xmlns:a16="http://schemas.microsoft.com/office/drawing/2014/main" val="3424389576"/>
+                  </a:ext>
+                </a:extLst>
+              </a:tr>
+              <a:tr h="303634">
+                <a:tc>
+                  <a:txBody>
+                    <a:bodyPr/>
+                    <a:lstStyle/>
+                    <a:p>
+                      <a:pPr algn="l" fontAlgn="b"/>
+                      <a:r>
+                        <a:rPr lang="en-US" sz="2400" u="none" strike="noStrike" dirty="0">
+                          <a:effectLst/>
+                        </a:rPr>
+                        <a:t>skills</a:t>
+                      </a:r>
+                      <a:endParaRPr lang="en-US" sz="2400" b="0" i="0" u="none" strike="noStrike" dirty="0">
+                        <a:solidFill>
+                          <a:srgbClr val="000000"/>
+                        </a:solidFill>
+                        <a:effectLst/>
+                        <a:latin typeface="Calibri" panose="020F0502020204030204" pitchFamily="34" charset="0"/>
+                      </a:endParaRPr>
+                    </a:p>
+                  </a:txBody>
+                  <a:tcPr marL="9525" marR="9525" marT="9525" marB="0" anchor="b"/>
+                </a:tc>
+                <a:tc>
+                  <a:txBody>
+                    <a:bodyPr/>
+                    <a:lstStyle/>
+                    <a:p>
+                      <a:pPr algn="l" fontAlgn="b"/>
+                      <a:r>
+                        <a:rPr lang="en-US" sz="2400" u="none" strike="noStrike" dirty="0">
+                          <a:effectLst/>
+                        </a:rPr>
+                        <a:t>develop</a:t>
+                      </a:r>
+                      <a:endParaRPr lang="en-US" sz="2400" b="0" i="0" u="none" strike="noStrike" dirty="0">
+                        <a:solidFill>
+                          <a:srgbClr val="000000"/>
+                        </a:solidFill>
+                        <a:effectLst/>
+                        <a:latin typeface="Calibri" panose="020F0502020204030204" pitchFamily="34" charset="0"/>
+                      </a:endParaRPr>
+                    </a:p>
+                  </a:txBody>
+                  <a:tcPr marL="9525" marR="9525" marT="9525" marB="0" anchor="b"/>
+                </a:tc>
+                <a:tc>
+                  <a:txBody>
+                    <a:bodyPr/>
+                    <a:lstStyle/>
+                    <a:p>
+                      <a:pPr marL="0" marR="0" lvl="0" indent="0" algn="l" defTabSz="914400" rtl="0" eaLnBrk="1" fontAlgn="b" latinLnBrk="0" hangingPunct="1">
+                        <a:lnSpc>
+                          <a:spcPct val="100000"/>
+                        </a:lnSpc>
+                        <a:spcBef>
+                          <a:spcPts val="0"/>
+                        </a:spcBef>
+                        <a:spcAft>
+                          <a:spcPts val="0"/>
+                        </a:spcAft>
+                        <a:buClrTx/>
+                        <a:buSzTx/>
+                        <a:buFontTx/>
+                        <a:buNone/>
+                        <a:tabLst/>
+                        <a:defRPr/>
+                      </a:pPr>
+                      <a:r>
+                        <a:rPr lang="en-US" sz="2400" u="none" strike="noStrike" dirty="0">
+                          <a:effectLst/>
+                        </a:rPr>
+                        <a:t>support</a:t>
+                      </a:r>
+                      <a:endParaRPr lang="en-US" sz="2400" b="0" i="0" u="none" strike="noStrike" dirty="0">
+                        <a:solidFill>
+                          <a:srgbClr val="000000"/>
+                        </a:solidFill>
+                        <a:effectLst/>
+                        <a:latin typeface="Calibri" panose="020F0502020204030204" pitchFamily="34" charset="0"/>
+                      </a:endParaRPr>
+                    </a:p>
+                  </a:txBody>
+                  <a:tcPr marL="9525" marR="9525" marT="9525" marB="0" anchor="b"/>
+                </a:tc>
+                <a:tc>
+                  <a:txBody>
+                    <a:bodyPr/>
+                    <a:lstStyle/>
+                    <a:p>
+                      <a:pPr algn="l" fontAlgn="b"/>
+                      <a:r>
+                        <a:rPr lang="en-US" sz="2400" u="none" strike="noStrike" dirty="0">
+                          <a:effectLst/>
+                        </a:rPr>
+                        <a:t>new</a:t>
+                      </a:r>
+                      <a:endParaRPr lang="en-US" sz="2400" b="0" i="0" u="none" strike="noStrike" dirty="0">
+                        <a:solidFill>
+                          <a:srgbClr val="000000"/>
+                        </a:solidFill>
+                        <a:effectLst/>
+                        <a:latin typeface="Calibri" panose="020F0502020204030204" pitchFamily="34" charset="0"/>
+                      </a:endParaRPr>
+                    </a:p>
+                  </a:txBody>
+                  <a:tcPr marL="9525" marR="9525" marT="9525" marB="0" anchor="b"/>
+                </a:tc>
+                <a:tc>
+                  <a:txBody>
+                    <a:bodyPr/>
+                    <a:lstStyle/>
+                    <a:p>
+                      <a:pPr algn="l" fontAlgn="b"/>
+                      <a:r>
+                        <a:rPr lang="en-US" sz="2400" u="none" strike="noStrike" dirty="0">
+                          <a:effectLst/>
+                        </a:rPr>
+                        <a:t>technical</a:t>
+                      </a:r>
+                      <a:endParaRPr lang="en-US" sz="2400" b="0" i="0" u="none" strike="noStrike" dirty="0">
+                        <a:solidFill>
+                          <a:srgbClr val="000000"/>
+                        </a:solidFill>
+                        <a:effectLst/>
+                        <a:latin typeface="Calibri" panose="020F0502020204030204" pitchFamily="34" charset="0"/>
+                      </a:endParaRPr>
+                    </a:p>
+                  </a:txBody>
+                  <a:tcPr marL="9525" marR="9525" marT="9525" marB="0" anchor="b"/>
+                </a:tc>
+                <a:extLst>
+                  <a:ext uri="{0D108BD9-81ED-4DB2-BD59-A6C34878D82A}">
+                    <a16:rowId xmlns:a16="http://schemas.microsoft.com/office/drawing/2014/main" val="3544599095"/>
+                  </a:ext>
+                </a:extLst>
+              </a:tr>
+            </a:tbl>
+          </a:graphicData>
+        </a:graphic>
+      </p:graphicFrame>
+    </p:spTree>
+    <p:extLst>
+      <p:ext uri="{BB962C8B-B14F-4D97-AF65-F5344CB8AC3E}">
+        <p14:creationId xmlns:p14="http://schemas.microsoft.com/office/powerpoint/2010/main" val="508303959"/>
+      </p:ext>
+    </p:extLst>
+  </p:cSld>
+  <p:clrMapOvr>
+    <a:masterClrMapping/>
+  </p:clrMapOvr>
+</p:sld>
+</file>
+
 <file path=ppt/slides/slide19.xml><?xml version="1.0" encoding="utf-8"?>
 <p:sld xmlns:a="http://schemas.openxmlformats.org/drawingml/2006/main" xmlns:r="http://schemas.openxmlformats.org/officeDocument/2006/relationships" xmlns:p="http://schemas.openxmlformats.org/presentationml/2006/main">
   <p:cSld>
@@ -12752,6 +12753,1443 @@
           <p:cNvPr id="2" name="Title 1">
             <a:extLst>
               <a:ext uri="{FF2B5EF4-FFF2-40B4-BE49-F238E27FC236}">
+                <a16:creationId xmlns:a16="http://schemas.microsoft.com/office/drawing/2014/main" id="{E8E1B2DF-8C2C-43CD-8BD5-6DADBF613F07}"/>
+              </a:ext>
+            </a:extLst>
+          </p:cNvPr>
+          <p:cNvSpPr>
+            <a:spLocks noGrp="1"/>
+          </p:cNvSpPr>
+          <p:nvPr>
+            <p:ph type="title"/>
+          </p:nvPr>
+        </p:nvSpPr>
+        <p:spPr/>
+        <p:txBody>
+          <a:bodyPr/>
+          <a:lstStyle/>
+          <a:p>
+            <a:r>
+              <a:rPr lang="en-US" dirty="0"/>
+              <a:t>LDA Top Terms by Topic (k = 50)</a:t>
+            </a:r>
+          </a:p>
+        </p:txBody>
+      </p:sp>
+      <p:graphicFrame>
+        <p:nvGraphicFramePr>
+          <p:cNvPr id="4" name="Content Placeholder 3">
+            <a:extLst>
+              <a:ext uri="{FF2B5EF4-FFF2-40B4-BE49-F238E27FC236}">
+                <a16:creationId xmlns:a16="http://schemas.microsoft.com/office/drawing/2014/main" id="{908340B6-2CC9-4B95-B2DE-D6E6155B8EAC}"/>
+              </a:ext>
+            </a:extLst>
+          </p:cNvPr>
+          <p:cNvGraphicFramePr>
+            <a:graphicFrameLocks noGrp="1"/>
+          </p:cNvGraphicFramePr>
+          <p:nvPr>
+            <p:ph idx="1"/>
+            <p:extLst>
+              <p:ext uri="{D42A27DB-BD31-4B8C-83A1-F6EECF244321}">
+                <p14:modId xmlns:p14="http://schemas.microsoft.com/office/powerpoint/2010/main" val="2073317362"/>
+              </p:ext>
+            </p:extLst>
+          </p:nvPr>
+        </p:nvGraphicFramePr>
+        <p:xfrm>
+          <a:off x="838198" y="1835020"/>
+          <a:ext cx="10515600" cy="4128135"/>
+        </p:xfrm>
+        <a:graphic>
+          <a:graphicData uri="http://schemas.openxmlformats.org/drawingml/2006/table">
+            <a:tbl>
+              <a:tblPr>
+                <a:tableStyleId>{3B4B98B0-60AC-42C2-AFA5-B58CD77FA1E5}</a:tableStyleId>
+              </a:tblPr>
+              <a:tblGrid>
+                <a:gridCol w="2103120">
+                  <a:extLst>
+                    <a:ext uri="{9D8B030D-6E8A-4147-A177-3AD203B41FA5}">
+                      <a16:colId xmlns:a16="http://schemas.microsoft.com/office/drawing/2014/main" val="3731036267"/>
+                    </a:ext>
+                  </a:extLst>
+                </a:gridCol>
+                <a:gridCol w="2103120">
+                  <a:extLst>
+                    <a:ext uri="{9D8B030D-6E8A-4147-A177-3AD203B41FA5}">
+                      <a16:colId xmlns:a16="http://schemas.microsoft.com/office/drawing/2014/main" val="2555341812"/>
+                    </a:ext>
+                  </a:extLst>
+                </a:gridCol>
+                <a:gridCol w="2103120">
+                  <a:extLst>
+                    <a:ext uri="{9D8B030D-6E8A-4147-A177-3AD203B41FA5}">
+                      <a16:colId xmlns:a16="http://schemas.microsoft.com/office/drawing/2014/main" val="1052258667"/>
+                    </a:ext>
+                  </a:extLst>
+                </a:gridCol>
+                <a:gridCol w="2103120">
+                  <a:extLst>
+                    <a:ext uri="{9D8B030D-6E8A-4147-A177-3AD203B41FA5}">
+                      <a16:colId xmlns:a16="http://schemas.microsoft.com/office/drawing/2014/main" val="2132033456"/>
+                    </a:ext>
+                  </a:extLst>
+                </a:gridCol>
+                <a:gridCol w="2103120">
+                  <a:extLst>
+                    <a:ext uri="{9D8B030D-6E8A-4147-A177-3AD203B41FA5}">
+                      <a16:colId xmlns:a16="http://schemas.microsoft.com/office/drawing/2014/main" val="1342537409"/>
+                    </a:ext>
+                  </a:extLst>
+                </a:gridCol>
+              </a:tblGrid>
+              <a:tr h="303634">
+                <a:tc>
+                  <a:txBody>
+                    <a:bodyPr/>
+                    <a:lstStyle/>
+                    <a:p>
+                      <a:pPr algn="l" fontAlgn="b"/>
+                      <a:r>
+                        <a:rPr lang="en-US" sz="2400" b="1" i="0" u="none" strike="noStrike" dirty="0">
+                          <a:solidFill>
+                            <a:srgbClr val="000000"/>
+                          </a:solidFill>
+                          <a:effectLst/>
+                          <a:latin typeface="Calibri" panose="020F0502020204030204" pitchFamily="34" charset="0"/>
+                        </a:rPr>
+                        <a:t>Topic 3</a:t>
+                      </a:r>
+                    </a:p>
+                  </a:txBody>
+                  <a:tcPr marL="9525" marR="9525" marT="9525" marB="0" anchor="b">
+                    <a:lnB w="12700" cap="flat" cmpd="sng" algn="ctr">
+                      <a:solidFill>
+                        <a:schemeClr val="accent1">
+                          <a:lumMod val="60000"/>
+                          <a:lumOff val="40000"/>
+                        </a:schemeClr>
+                      </a:solidFill>
+                      <a:prstDash val="solid"/>
+                      <a:round/>
+                      <a:headEnd type="none" w="med" len="med"/>
+                      <a:tailEnd type="none" w="med" len="med"/>
+                    </a:lnB>
+                  </a:tcPr>
+                </a:tc>
+                <a:tc>
+                  <a:txBody>
+                    <a:bodyPr/>
+                    <a:lstStyle/>
+                    <a:p>
+                      <a:pPr algn="l" fontAlgn="b"/>
+                      <a:r>
+                        <a:rPr lang="en-US" sz="2400" b="1" i="0" u="none" strike="noStrike" dirty="0">
+                          <a:solidFill>
+                            <a:srgbClr val="000000"/>
+                          </a:solidFill>
+                          <a:effectLst/>
+                          <a:latin typeface="Calibri" panose="020F0502020204030204" pitchFamily="34" charset="0"/>
+                        </a:rPr>
+                        <a:t>Topic 9</a:t>
+                      </a:r>
+                    </a:p>
+                  </a:txBody>
+                  <a:tcPr marL="9525" marR="9525" marT="9525" marB="0" anchor="b">
+                    <a:lnB w="12700" cap="flat" cmpd="sng" algn="ctr">
+                      <a:solidFill>
+                        <a:schemeClr val="accent1">
+                          <a:lumMod val="60000"/>
+                          <a:lumOff val="40000"/>
+                        </a:schemeClr>
+                      </a:solidFill>
+                      <a:prstDash val="solid"/>
+                      <a:round/>
+                      <a:headEnd type="none" w="med" len="med"/>
+                      <a:tailEnd type="none" w="med" len="med"/>
+                    </a:lnB>
+                  </a:tcPr>
+                </a:tc>
+                <a:tc>
+                  <a:txBody>
+                    <a:bodyPr/>
+                    <a:lstStyle/>
+                    <a:p>
+                      <a:pPr algn="l" fontAlgn="b"/>
+                      <a:r>
+                        <a:rPr lang="en-US" sz="2400" b="1" i="0" u="none" strike="noStrike" dirty="0">
+                          <a:solidFill>
+                            <a:srgbClr val="000000"/>
+                          </a:solidFill>
+                          <a:effectLst/>
+                          <a:latin typeface="Calibri" panose="020F0502020204030204" pitchFamily="34" charset="0"/>
+                        </a:rPr>
+                        <a:t>Topic 46</a:t>
+                      </a:r>
+                    </a:p>
+                  </a:txBody>
+                  <a:tcPr marL="9525" marR="9525" marT="9525" marB="0" anchor="b">
+                    <a:lnB w="12700" cap="flat" cmpd="sng" algn="ctr">
+                      <a:solidFill>
+                        <a:schemeClr val="accent1">
+                          <a:lumMod val="60000"/>
+                          <a:lumOff val="40000"/>
+                        </a:schemeClr>
+                      </a:solidFill>
+                      <a:prstDash val="solid"/>
+                      <a:round/>
+                      <a:headEnd type="none" w="med" len="med"/>
+                      <a:tailEnd type="none" w="med" len="med"/>
+                    </a:lnB>
+                  </a:tcPr>
+                </a:tc>
+                <a:tc>
+                  <a:txBody>
+                    <a:bodyPr/>
+                    <a:lstStyle/>
+                    <a:p>
+                      <a:pPr algn="l" fontAlgn="b"/>
+                      <a:r>
+                        <a:rPr lang="en-US" sz="2400" b="1" i="0" u="none" strike="noStrike" dirty="0">
+                          <a:solidFill>
+                            <a:srgbClr val="000000"/>
+                          </a:solidFill>
+                          <a:effectLst/>
+                          <a:latin typeface="Calibri" panose="020F0502020204030204" pitchFamily="34" charset="0"/>
+                        </a:rPr>
+                        <a:t>Topic 37</a:t>
+                      </a:r>
+                    </a:p>
+                  </a:txBody>
+                  <a:tcPr marL="9525" marR="9525" marT="9525" marB="0" anchor="b">
+                    <a:lnB w="12700" cap="flat" cmpd="sng" algn="ctr">
+                      <a:solidFill>
+                        <a:schemeClr val="accent1">
+                          <a:lumMod val="60000"/>
+                          <a:lumOff val="40000"/>
+                        </a:schemeClr>
+                      </a:solidFill>
+                      <a:prstDash val="solid"/>
+                      <a:round/>
+                      <a:headEnd type="none" w="med" len="med"/>
+                      <a:tailEnd type="none" w="med" len="med"/>
+                    </a:lnB>
+                  </a:tcPr>
+                </a:tc>
+                <a:tc>
+                  <a:txBody>
+                    <a:bodyPr/>
+                    <a:lstStyle/>
+                    <a:p>
+                      <a:pPr algn="l" fontAlgn="b"/>
+                      <a:r>
+                        <a:rPr lang="en-US" sz="2400" b="1" i="0" u="none" strike="noStrike" dirty="0">
+                          <a:solidFill>
+                            <a:srgbClr val="000000"/>
+                          </a:solidFill>
+                          <a:effectLst/>
+                          <a:latin typeface="Calibri" panose="020F0502020204030204" pitchFamily="34" charset="0"/>
+                        </a:rPr>
+                        <a:t>Topic 12</a:t>
+                      </a:r>
+                    </a:p>
+                  </a:txBody>
+                  <a:tcPr marL="9525" marR="9525" marT="9525" marB="0" anchor="b">
+                    <a:lnB w="12700" cap="flat" cmpd="sng" algn="ctr">
+                      <a:solidFill>
+                        <a:schemeClr val="accent1">
+                          <a:lumMod val="60000"/>
+                          <a:lumOff val="40000"/>
+                        </a:schemeClr>
+                      </a:solidFill>
+                      <a:prstDash val="solid"/>
+                      <a:round/>
+                      <a:headEnd type="none" w="med" len="med"/>
+                      <a:tailEnd type="none" w="med" len="med"/>
+                    </a:lnB>
+                  </a:tcPr>
+                </a:tc>
+                <a:extLst>
+                  <a:ext uri="{0D108BD9-81ED-4DB2-BD59-A6C34878D82A}">
+                    <a16:rowId xmlns:a16="http://schemas.microsoft.com/office/drawing/2014/main" val="2827662962"/>
+                  </a:ext>
+                </a:extLst>
+              </a:tr>
+              <a:tr h="303634">
+                <a:tc>
+                  <a:txBody>
+                    <a:bodyPr/>
+                    <a:lstStyle/>
+                    <a:p>
+                      <a:pPr algn="l" fontAlgn="b"/>
+                      <a:r>
+                        <a:rPr lang="en-US" sz="2400" b="0" i="0" u="none" strike="noStrike">
+                          <a:solidFill>
+                            <a:srgbClr val="000000"/>
+                          </a:solidFill>
+                          <a:effectLst/>
+                          <a:latin typeface="Calibri" panose="020F0502020204030204" pitchFamily="34" charset="0"/>
+                        </a:rPr>
+                        <a:t>data</a:t>
+                      </a:r>
+                    </a:p>
+                  </a:txBody>
+                  <a:tcPr marL="9525" marR="9525" marT="9525" marB="0" anchor="b">
+                    <a:lnT w="12700" cap="flat" cmpd="sng" algn="ctr">
+                      <a:solidFill>
+                        <a:schemeClr val="accent1">
+                          <a:lumMod val="60000"/>
+                          <a:lumOff val="40000"/>
+                        </a:schemeClr>
+                      </a:solidFill>
+                      <a:prstDash val="solid"/>
+                      <a:round/>
+                      <a:headEnd type="none" w="med" len="med"/>
+                      <a:tailEnd type="none" w="med" len="med"/>
+                    </a:lnT>
+                  </a:tcPr>
+                </a:tc>
+                <a:tc>
+                  <a:txBody>
+                    <a:bodyPr/>
+                    <a:lstStyle/>
+                    <a:p>
+                      <a:pPr algn="l" fontAlgn="b"/>
+                      <a:r>
+                        <a:rPr lang="en-US" sz="2400" b="0" i="0" u="none" strike="noStrike">
+                          <a:solidFill>
+                            <a:srgbClr val="000000"/>
+                          </a:solidFill>
+                          <a:effectLst/>
+                          <a:latin typeface="Calibri" panose="020F0502020204030204" pitchFamily="34" charset="0"/>
+                        </a:rPr>
+                        <a:t>business</a:t>
+                      </a:r>
+                    </a:p>
+                  </a:txBody>
+                  <a:tcPr marL="9525" marR="9525" marT="9525" marB="0" anchor="b">
+                    <a:lnT w="12700" cap="flat" cmpd="sng" algn="ctr">
+                      <a:solidFill>
+                        <a:schemeClr val="accent1">
+                          <a:lumMod val="60000"/>
+                          <a:lumOff val="40000"/>
+                        </a:schemeClr>
+                      </a:solidFill>
+                      <a:prstDash val="solid"/>
+                      <a:round/>
+                      <a:headEnd type="none" w="med" len="med"/>
+                      <a:tailEnd type="none" w="med" len="med"/>
+                    </a:lnT>
+                  </a:tcPr>
+                </a:tc>
+                <a:tc>
+                  <a:txBody>
+                    <a:bodyPr/>
+                    <a:lstStyle/>
+                    <a:p>
+                      <a:pPr algn="l" fontAlgn="b"/>
+                      <a:r>
+                        <a:rPr lang="en-US" sz="2400" b="0" i="0" u="none" strike="noStrike">
+                          <a:solidFill>
+                            <a:srgbClr val="000000"/>
+                          </a:solidFill>
+                          <a:effectLst/>
+                          <a:latin typeface="Calibri" panose="020F0502020204030204" pitchFamily="34" charset="0"/>
+                        </a:rPr>
+                        <a:t>care</a:t>
+                      </a:r>
+                    </a:p>
+                  </a:txBody>
+                  <a:tcPr marL="9525" marR="9525" marT="9525" marB="0" anchor="b">
+                    <a:lnT w="12700" cap="flat" cmpd="sng" algn="ctr">
+                      <a:solidFill>
+                        <a:schemeClr val="accent1">
+                          <a:lumMod val="60000"/>
+                          <a:lumOff val="40000"/>
+                        </a:schemeClr>
+                      </a:solidFill>
+                      <a:prstDash val="solid"/>
+                      <a:round/>
+                      <a:headEnd type="none" w="med" len="med"/>
+                      <a:tailEnd type="none" w="med" len="med"/>
+                    </a:lnT>
+                  </a:tcPr>
+                </a:tc>
+                <a:tc>
+                  <a:txBody>
+                    <a:bodyPr/>
+                    <a:lstStyle/>
+                    <a:p>
+                      <a:pPr algn="l" fontAlgn="b"/>
+                      <a:r>
+                        <a:rPr lang="en-US" sz="2400" b="0" i="0" u="none" strike="noStrike">
+                          <a:solidFill>
+                            <a:srgbClr val="000000"/>
+                          </a:solidFill>
+                          <a:effectLst/>
+                          <a:latin typeface="Calibri" panose="020F0502020204030204" pitchFamily="34" charset="0"/>
+                        </a:rPr>
+                        <a:t>finance</a:t>
+                      </a:r>
+                    </a:p>
+                  </a:txBody>
+                  <a:tcPr marL="9525" marR="9525" marT="9525" marB="0" anchor="b">
+                    <a:lnT w="12700" cap="flat" cmpd="sng" algn="ctr">
+                      <a:solidFill>
+                        <a:schemeClr val="accent1">
+                          <a:lumMod val="60000"/>
+                          <a:lumOff val="40000"/>
+                        </a:schemeClr>
+                      </a:solidFill>
+                      <a:prstDash val="solid"/>
+                      <a:round/>
+                      <a:headEnd type="none" w="med" len="med"/>
+                      <a:tailEnd type="none" w="med" len="med"/>
+                    </a:lnT>
+                  </a:tcPr>
+                </a:tc>
+                <a:tc>
+                  <a:txBody>
+                    <a:bodyPr/>
+                    <a:lstStyle/>
+                    <a:p>
+                      <a:pPr algn="l" fontAlgn="b"/>
+                      <a:r>
+                        <a:rPr lang="en-US" sz="2400" b="0" i="0" u="none" strike="noStrike">
+                          <a:solidFill>
+                            <a:srgbClr val="000000"/>
+                          </a:solidFill>
+                          <a:effectLst/>
+                          <a:latin typeface="Calibri" panose="020F0502020204030204" pitchFamily="34" charset="0"/>
+                        </a:rPr>
+                        <a:t>data</a:t>
+                      </a:r>
+                    </a:p>
+                  </a:txBody>
+                  <a:tcPr marL="9525" marR="9525" marT="9525" marB="0" anchor="b">
+                    <a:lnT w="12700" cap="flat" cmpd="sng" algn="ctr">
+                      <a:solidFill>
+                        <a:schemeClr val="accent1">
+                          <a:lumMod val="60000"/>
+                          <a:lumOff val="40000"/>
+                        </a:schemeClr>
+                      </a:solidFill>
+                      <a:prstDash val="solid"/>
+                      <a:round/>
+                      <a:headEnd type="none" w="med" len="med"/>
+                      <a:tailEnd type="none" w="med" len="med"/>
+                    </a:lnT>
+                  </a:tcPr>
+                </a:tc>
+                <a:extLst>
+                  <a:ext uri="{0D108BD9-81ED-4DB2-BD59-A6C34878D82A}">
+                    <a16:rowId xmlns:a16="http://schemas.microsoft.com/office/drawing/2014/main" val="2894263183"/>
+                  </a:ext>
+                </a:extLst>
+              </a:tr>
+              <a:tr h="303634">
+                <a:tc>
+                  <a:txBody>
+                    <a:bodyPr/>
+                    <a:lstStyle/>
+                    <a:p>
+                      <a:pPr algn="l" fontAlgn="b"/>
+                      <a:r>
+                        <a:rPr lang="en-US" sz="2400" b="0" i="0" u="none" strike="noStrike">
+                          <a:solidFill>
+                            <a:srgbClr val="000000"/>
+                          </a:solidFill>
+                          <a:effectLst/>
+                          <a:latin typeface="Calibri" panose="020F0502020204030204" pitchFamily="34" charset="0"/>
+                        </a:rPr>
+                        <a:t>business</a:t>
+                      </a:r>
+                    </a:p>
+                  </a:txBody>
+                  <a:tcPr marL="9525" marR="9525" marT="9525" marB="0" anchor="b"/>
+                </a:tc>
+                <a:tc>
+                  <a:txBody>
+                    <a:bodyPr/>
+                    <a:lstStyle/>
+                    <a:p>
+                      <a:pPr algn="l" fontAlgn="b"/>
+                      <a:r>
+                        <a:rPr lang="en-US" sz="2400" b="0" i="0" u="none" strike="noStrike">
+                          <a:solidFill>
+                            <a:srgbClr val="000000"/>
+                          </a:solidFill>
+                          <a:effectLst/>
+                          <a:latin typeface="Calibri" panose="020F0502020204030204" pitchFamily="34" charset="0"/>
+                        </a:rPr>
+                        <a:t>finance</a:t>
+                      </a:r>
+                    </a:p>
+                  </a:txBody>
+                  <a:tcPr marL="9525" marR="9525" marT="9525" marB="0" anchor="b"/>
+                </a:tc>
+                <a:tc>
+                  <a:txBody>
+                    <a:bodyPr/>
+                    <a:lstStyle/>
+                    <a:p>
+                      <a:pPr algn="l" fontAlgn="b"/>
+                      <a:r>
+                        <a:rPr lang="en-US" sz="2400" b="0" i="0" u="none" strike="noStrike">
+                          <a:solidFill>
+                            <a:srgbClr val="000000"/>
+                          </a:solidFill>
+                          <a:effectLst/>
+                          <a:latin typeface="Calibri" panose="020F0502020204030204" pitchFamily="34" charset="0"/>
+                        </a:rPr>
+                        <a:t>health</a:t>
+                      </a:r>
+                    </a:p>
+                  </a:txBody>
+                  <a:tcPr marL="9525" marR="9525" marT="9525" marB="0" anchor="b"/>
+                </a:tc>
+                <a:tc>
+                  <a:txBody>
+                    <a:bodyPr/>
+                    <a:lstStyle/>
+                    <a:p>
+                      <a:pPr algn="l" fontAlgn="b"/>
+                      <a:r>
+                        <a:rPr lang="en-US" sz="2400" b="0" i="0" u="none" strike="noStrike">
+                          <a:solidFill>
+                            <a:srgbClr val="000000"/>
+                          </a:solidFill>
+                          <a:effectLst/>
+                          <a:latin typeface="Calibri" panose="020F0502020204030204" pitchFamily="34" charset="0"/>
+                        </a:rPr>
+                        <a:t>team</a:t>
+                      </a:r>
+                    </a:p>
+                  </a:txBody>
+                  <a:tcPr marL="9525" marR="9525" marT="9525" marB="0" anchor="b"/>
+                </a:tc>
+                <a:tc>
+                  <a:txBody>
+                    <a:bodyPr/>
+                    <a:lstStyle/>
+                    <a:p>
+                      <a:pPr algn="l" fontAlgn="b"/>
+                      <a:r>
+                        <a:rPr lang="en-US" sz="2400" b="0" i="0" u="none" strike="noStrike">
+                          <a:solidFill>
+                            <a:srgbClr val="000000"/>
+                          </a:solidFill>
+                          <a:effectLst/>
+                          <a:latin typeface="Calibri" panose="020F0502020204030204" pitchFamily="34" charset="0"/>
+                        </a:rPr>
+                        <a:t>status</a:t>
+                      </a:r>
+                    </a:p>
+                  </a:txBody>
+                  <a:tcPr marL="9525" marR="9525" marT="9525" marB="0" anchor="b"/>
+                </a:tc>
+                <a:extLst>
+                  <a:ext uri="{0D108BD9-81ED-4DB2-BD59-A6C34878D82A}">
+                    <a16:rowId xmlns:a16="http://schemas.microsoft.com/office/drawing/2014/main" val="2276288165"/>
+                  </a:ext>
+                </a:extLst>
+              </a:tr>
+              <a:tr h="303634">
+                <a:tc>
+                  <a:txBody>
+                    <a:bodyPr/>
+                    <a:lstStyle/>
+                    <a:p>
+                      <a:pPr algn="l" fontAlgn="b"/>
+                      <a:r>
+                        <a:rPr lang="en-US" sz="2400" b="0" i="0" u="none" strike="noStrike">
+                          <a:solidFill>
+                            <a:srgbClr val="000000"/>
+                          </a:solidFill>
+                          <a:effectLst/>
+                          <a:latin typeface="Calibri" panose="020F0502020204030204" pitchFamily="34" charset="0"/>
+                        </a:rPr>
+                        <a:t>information</a:t>
+                      </a:r>
+                    </a:p>
+                  </a:txBody>
+                  <a:tcPr marL="9525" marR="9525" marT="9525" marB="0" anchor="b"/>
+                </a:tc>
+                <a:tc>
+                  <a:txBody>
+                    <a:bodyPr/>
+                    <a:lstStyle/>
+                    <a:p>
+                      <a:pPr algn="l" fontAlgn="b"/>
+                      <a:r>
+                        <a:rPr lang="en-US" sz="2400" b="0" i="0" u="none" strike="noStrike">
+                          <a:solidFill>
+                            <a:srgbClr val="000000"/>
+                          </a:solidFill>
+                          <a:effectLst/>
+                          <a:latin typeface="Calibri" panose="020F0502020204030204" pitchFamily="34" charset="0"/>
+                        </a:rPr>
+                        <a:t>operations</a:t>
+                      </a:r>
+                    </a:p>
+                  </a:txBody>
+                  <a:tcPr marL="9525" marR="9525" marT="9525" marB="0" anchor="b"/>
+                </a:tc>
+                <a:tc>
+                  <a:txBody>
+                    <a:bodyPr/>
+                    <a:lstStyle/>
+                    <a:p>
+                      <a:pPr algn="l" fontAlgn="b"/>
+                      <a:r>
+                        <a:rPr lang="en-US" sz="2400" b="0" i="0" u="none" strike="noStrike">
+                          <a:solidFill>
+                            <a:srgbClr val="000000"/>
+                          </a:solidFill>
+                          <a:effectLst/>
+                          <a:latin typeface="Calibri" panose="020F0502020204030204" pitchFamily="34" charset="0"/>
+                        </a:rPr>
+                        <a:t>role</a:t>
+                      </a:r>
+                    </a:p>
+                  </a:txBody>
+                  <a:tcPr marL="9525" marR="9525" marT="9525" marB="0" anchor="b"/>
+                </a:tc>
+                <a:tc>
+                  <a:txBody>
+                    <a:bodyPr/>
+                    <a:lstStyle/>
+                    <a:p>
+                      <a:pPr algn="l" fontAlgn="b"/>
+                      <a:r>
+                        <a:rPr lang="en-US" sz="2400" b="0" i="0" u="none" strike="noStrike">
+                          <a:solidFill>
+                            <a:srgbClr val="000000"/>
+                          </a:solidFill>
+                          <a:effectLst/>
+                          <a:latin typeface="Calibri" panose="020F0502020204030204" pitchFamily="34" charset="0"/>
+                        </a:rPr>
+                        <a:t>customers</a:t>
+                      </a:r>
+                    </a:p>
+                  </a:txBody>
+                  <a:tcPr marL="9525" marR="9525" marT="9525" marB="0" anchor="b"/>
+                </a:tc>
+                <a:tc>
+                  <a:txBody>
+                    <a:bodyPr/>
+                    <a:lstStyle/>
+                    <a:p>
+                      <a:pPr algn="l" fontAlgn="b"/>
+                      <a:r>
+                        <a:rPr lang="en-US" sz="2400" b="0" i="0" u="none" strike="noStrike">
+                          <a:solidFill>
+                            <a:srgbClr val="000000"/>
+                          </a:solidFill>
+                          <a:effectLst/>
+                          <a:latin typeface="Calibri" panose="020F0502020204030204" pitchFamily="34" charset="0"/>
+                        </a:rPr>
+                        <a:t>protected</a:t>
+                      </a:r>
+                    </a:p>
+                  </a:txBody>
+                  <a:tcPr marL="9525" marR="9525" marT="9525" marB="0" anchor="b"/>
+                </a:tc>
+                <a:extLst>
+                  <a:ext uri="{0D108BD9-81ED-4DB2-BD59-A6C34878D82A}">
+                    <a16:rowId xmlns:a16="http://schemas.microsoft.com/office/drawing/2014/main" val="1913292412"/>
+                  </a:ext>
+                </a:extLst>
+              </a:tr>
+              <a:tr h="303634">
+                <a:tc>
+                  <a:txBody>
+                    <a:bodyPr/>
+                    <a:lstStyle/>
+                    <a:p>
+                      <a:pPr algn="l" fontAlgn="b"/>
+                      <a:r>
+                        <a:rPr lang="en-US" sz="2400" b="0" i="0" u="none" strike="noStrike">
+                          <a:solidFill>
+                            <a:srgbClr val="000000"/>
+                          </a:solidFill>
+                          <a:effectLst/>
+                          <a:latin typeface="Calibri" panose="020F0502020204030204" pitchFamily="34" charset="0"/>
+                        </a:rPr>
+                        <a:t>years</a:t>
+                      </a:r>
+                    </a:p>
+                  </a:txBody>
+                  <a:tcPr marL="9525" marR="9525" marT="9525" marB="0" anchor="b"/>
+                </a:tc>
+                <a:tc>
+                  <a:txBody>
+                    <a:bodyPr/>
+                    <a:lstStyle/>
+                    <a:p>
+                      <a:pPr algn="l" fontAlgn="b"/>
+                      <a:r>
+                        <a:rPr lang="en-US" sz="2400" b="0" i="0" u="none" strike="noStrike" dirty="0">
+                          <a:solidFill>
+                            <a:srgbClr val="000000"/>
+                          </a:solidFill>
+                          <a:effectLst/>
+                          <a:latin typeface="Calibri" panose="020F0502020204030204" pitchFamily="34" charset="0"/>
+                        </a:rPr>
+                        <a:t>accounting</a:t>
+                      </a:r>
+                    </a:p>
+                  </a:txBody>
+                  <a:tcPr marL="9525" marR="9525" marT="9525" marB="0" anchor="b"/>
+                </a:tc>
+                <a:tc>
+                  <a:txBody>
+                    <a:bodyPr/>
+                    <a:lstStyle/>
+                    <a:p>
+                      <a:pPr algn="l" fontAlgn="b"/>
+                      <a:r>
+                        <a:rPr lang="en-US" sz="2400" b="0" i="0" u="none" strike="noStrike">
+                          <a:solidFill>
+                            <a:srgbClr val="000000"/>
+                          </a:solidFill>
+                          <a:effectLst/>
+                          <a:latin typeface="Calibri" panose="020F0502020204030204" pitchFamily="34" charset="0"/>
+                        </a:rPr>
+                        <a:t>skills</a:t>
+                      </a:r>
+                    </a:p>
+                  </a:txBody>
+                  <a:tcPr marL="9525" marR="9525" marT="9525" marB="0" anchor="b"/>
+                </a:tc>
+                <a:tc>
+                  <a:txBody>
+                    <a:bodyPr/>
+                    <a:lstStyle/>
+                    <a:p>
+                      <a:pPr algn="l" fontAlgn="b"/>
+                      <a:r>
+                        <a:rPr lang="en-US" sz="2400" b="0" i="0" u="none" strike="noStrike">
+                          <a:solidFill>
+                            <a:srgbClr val="000000"/>
+                          </a:solidFill>
+                          <a:effectLst/>
+                          <a:latin typeface="Calibri" panose="020F0502020204030204" pitchFamily="34" charset="0"/>
+                        </a:rPr>
+                        <a:t>shipping</a:t>
+                      </a:r>
+                    </a:p>
+                  </a:txBody>
+                  <a:tcPr marL="9525" marR="9525" marT="9525" marB="0" anchor="b"/>
+                </a:tc>
+                <a:tc>
+                  <a:txBody>
+                    <a:bodyPr/>
+                    <a:lstStyle/>
+                    <a:p>
+                      <a:pPr algn="l" fontAlgn="b"/>
+                      <a:r>
+                        <a:rPr lang="en-US" sz="2400" b="0" i="0" u="none" strike="noStrike">
+                          <a:solidFill>
+                            <a:srgbClr val="000000"/>
+                          </a:solidFill>
+                          <a:effectLst/>
+                          <a:latin typeface="Calibri" panose="020F0502020204030204" pitchFamily="34" charset="0"/>
+                        </a:rPr>
+                        <a:t>cloud</a:t>
+                      </a:r>
+                    </a:p>
+                  </a:txBody>
+                  <a:tcPr marL="9525" marR="9525" marT="9525" marB="0" anchor="b"/>
+                </a:tc>
+                <a:extLst>
+                  <a:ext uri="{0D108BD9-81ED-4DB2-BD59-A6C34878D82A}">
+                    <a16:rowId xmlns:a16="http://schemas.microsoft.com/office/drawing/2014/main" val="330431423"/>
+                  </a:ext>
+                </a:extLst>
+              </a:tr>
+              <a:tr h="303634">
+                <a:tc>
+                  <a:txBody>
+                    <a:bodyPr/>
+                    <a:lstStyle/>
+                    <a:p>
+                      <a:pPr algn="l" fontAlgn="b"/>
+                      <a:r>
+                        <a:rPr lang="en-US" sz="2400" b="0" i="0" u="none" strike="noStrike">
+                          <a:solidFill>
+                            <a:srgbClr val="000000"/>
+                          </a:solidFill>
+                          <a:effectLst/>
+                          <a:latin typeface="Calibri" panose="020F0502020204030204" pitchFamily="34" charset="0"/>
+                        </a:rPr>
+                        <a:t>management</a:t>
+                      </a:r>
+                    </a:p>
+                  </a:txBody>
+                  <a:tcPr marL="9525" marR="9525" marT="9525" marB="0" anchor="b"/>
+                </a:tc>
+                <a:tc>
+                  <a:txBody>
+                    <a:bodyPr/>
+                    <a:lstStyle/>
+                    <a:p>
+                      <a:pPr algn="l" fontAlgn="b"/>
+                      <a:r>
+                        <a:rPr lang="en-US" sz="2400" b="0" i="0" u="none" strike="noStrike">
+                          <a:solidFill>
+                            <a:srgbClr val="000000"/>
+                          </a:solidFill>
+                          <a:effectLst/>
+                          <a:latin typeface="Calibri" panose="020F0502020204030204" pitchFamily="34" charset="0"/>
+                        </a:rPr>
+                        <a:t>support</a:t>
+                      </a:r>
+                    </a:p>
+                  </a:txBody>
+                  <a:tcPr marL="9525" marR="9525" marT="9525" marB="0" anchor="b"/>
+                </a:tc>
+                <a:tc>
+                  <a:txBody>
+                    <a:bodyPr/>
+                    <a:lstStyle/>
+                    <a:p>
+                      <a:pPr algn="l" fontAlgn="b"/>
+                      <a:r>
+                        <a:rPr lang="en-US" sz="2400" b="0" i="0" u="none" strike="noStrike">
+                          <a:solidFill>
+                            <a:srgbClr val="000000"/>
+                          </a:solidFill>
+                          <a:effectLst/>
+                          <a:latin typeface="Calibri" panose="020F0502020204030204" pitchFamily="34" charset="0"/>
+                        </a:rPr>
+                        <a:t>home</a:t>
+                      </a:r>
+                    </a:p>
+                  </a:txBody>
+                  <a:tcPr marL="9525" marR="9525" marT="9525" marB="0" anchor="b"/>
+                </a:tc>
+                <a:tc>
+                  <a:txBody>
+                    <a:bodyPr/>
+                    <a:lstStyle/>
+                    <a:p>
+                      <a:pPr algn="l" fontAlgn="b"/>
+                      <a:r>
+                        <a:rPr lang="en-US" sz="2400" b="0" i="0" u="none" strike="noStrike">
+                          <a:solidFill>
+                            <a:srgbClr val="000000"/>
+                          </a:solidFill>
+                          <a:effectLst/>
+                          <a:latin typeface="Calibri" panose="020F0502020204030204" pitchFamily="34" charset="0"/>
+                        </a:rPr>
+                        <a:t>products</a:t>
+                      </a:r>
+                    </a:p>
+                  </a:txBody>
+                  <a:tcPr marL="9525" marR="9525" marT="9525" marB="0" anchor="b"/>
+                </a:tc>
+                <a:tc>
+                  <a:txBody>
+                    <a:bodyPr/>
+                    <a:lstStyle/>
+                    <a:p>
+                      <a:pPr algn="l" fontAlgn="b"/>
+                      <a:r>
+                        <a:rPr lang="en-US" sz="2400" b="0" i="0" u="none" strike="noStrike">
+                          <a:solidFill>
+                            <a:srgbClr val="000000"/>
+                          </a:solidFill>
+                          <a:effectLst/>
+                          <a:latin typeface="Calibri" panose="020F0502020204030204" pitchFamily="34" charset="0"/>
+                        </a:rPr>
+                        <a:t>disability</a:t>
+                      </a:r>
+                    </a:p>
+                  </a:txBody>
+                  <a:tcPr marL="9525" marR="9525" marT="9525" marB="0" anchor="b"/>
+                </a:tc>
+                <a:extLst>
+                  <a:ext uri="{0D108BD9-81ED-4DB2-BD59-A6C34878D82A}">
+                    <a16:rowId xmlns:a16="http://schemas.microsoft.com/office/drawing/2014/main" val="2121785788"/>
+                  </a:ext>
+                </a:extLst>
+              </a:tr>
+              <a:tr h="303634">
+                <a:tc>
+                  <a:txBody>
+                    <a:bodyPr/>
+                    <a:lstStyle/>
+                    <a:p>
+                      <a:pPr algn="l" fontAlgn="b"/>
+                      <a:r>
+                        <a:rPr lang="en-US" sz="2400" b="0" i="0" u="none" strike="noStrike">
+                          <a:solidFill>
+                            <a:srgbClr val="000000"/>
+                          </a:solidFill>
+                          <a:effectLst/>
+                          <a:latin typeface="Calibri" panose="020F0502020204030204" pitchFamily="34" charset="0"/>
+                        </a:rPr>
+                        <a:t>technology</a:t>
+                      </a:r>
+                    </a:p>
+                  </a:txBody>
+                  <a:tcPr marL="9525" marR="9525" marT="9525" marB="0" anchor="b"/>
+                </a:tc>
+                <a:tc>
+                  <a:txBody>
+                    <a:bodyPr/>
+                    <a:lstStyle/>
+                    <a:p>
+                      <a:pPr algn="l" fontAlgn="b"/>
+                      <a:r>
+                        <a:rPr lang="en-US" sz="2400" b="0" i="0" u="none" strike="noStrike">
+                          <a:solidFill>
+                            <a:srgbClr val="000000"/>
+                          </a:solidFill>
+                          <a:effectLst/>
+                          <a:latin typeface="Calibri" panose="020F0502020204030204" pitchFamily="34" charset="0"/>
+                        </a:rPr>
+                        <a:t>forecast</a:t>
+                      </a:r>
+                    </a:p>
+                  </a:txBody>
+                  <a:tcPr marL="9525" marR="9525" marT="9525" marB="0" anchor="b"/>
+                </a:tc>
+                <a:tc>
+                  <a:txBody>
+                    <a:bodyPr/>
+                    <a:lstStyle/>
+                    <a:p>
+                      <a:pPr algn="l" fontAlgn="b"/>
+                      <a:r>
+                        <a:rPr lang="en-US" sz="2400" b="0" i="0" u="none" strike="noStrike">
+                          <a:solidFill>
+                            <a:srgbClr val="000000"/>
+                          </a:solidFill>
+                          <a:effectLst/>
+                          <a:latin typeface="Calibri" panose="020F0502020204030204" pitchFamily="34" charset="0"/>
+                        </a:rPr>
+                        <a:t>members</a:t>
+                      </a:r>
+                    </a:p>
+                  </a:txBody>
+                  <a:tcPr marL="9525" marR="9525" marT="9525" marB="0" anchor="b"/>
+                </a:tc>
+                <a:tc>
+                  <a:txBody>
+                    <a:bodyPr/>
+                    <a:lstStyle/>
+                    <a:p>
+                      <a:pPr algn="l" fontAlgn="b"/>
+                      <a:r>
+                        <a:rPr lang="en-US" sz="2400" b="0" i="0" u="none" strike="noStrike">
+                          <a:solidFill>
+                            <a:srgbClr val="000000"/>
+                          </a:solidFill>
+                          <a:effectLst/>
+                          <a:latin typeface="Calibri" panose="020F0502020204030204" pitchFamily="34" charset="0"/>
+                        </a:rPr>
+                        <a:t>support</a:t>
+                      </a:r>
+                    </a:p>
+                  </a:txBody>
+                  <a:tcPr marL="9525" marR="9525" marT="9525" marB="0" anchor="b"/>
+                </a:tc>
+                <a:tc>
+                  <a:txBody>
+                    <a:bodyPr/>
+                    <a:lstStyle/>
+                    <a:p>
+                      <a:pPr algn="l" fontAlgn="b"/>
+                      <a:r>
+                        <a:rPr lang="en-US" sz="2400" b="0" i="0" u="none" strike="noStrike">
+                          <a:solidFill>
+                            <a:srgbClr val="000000"/>
+                          </a:solidFill>
+                          <a:effectLst/>
+                          <a:latin typeface="Calibri" panose="020F0502020204030204" pitchFamily="34" charset="0"/>
+                        </a:rPr>
+                        <a:t>medical</a:t>
+                      </a:r>
+                    </a:p>
+                  </a:txBody>
+                  <a:tcPr marL="9525" marR="9525" marT="9525" marB="0" anchor="b"/>
+                </a:tc>
+                <a:extLst>
+                  <a:ext uri="{0D108BD9-81ED-4DB2-BD59-A6C34878D82A}">
+                    <a16:rowId xmlns:a16="http://schemas.microsoft.com/office/drawing/2014/main" val="946385162"/>
+                  </a:ext>
+                </a:extLst>
+              </a:tr>
+              <a:tr h="303634">
+                <a:tc>
+                  <a:txBody>
+                    <a:bodyPr/>
+                    <a:lstStyle/>
+                    <a:p>
+                      <a:pPr algn="l" fontAlgn="b"/>
+                      <a:r>
+                        <a:rPr lang="en-US" sz="2400" b="0" i="0" u="none" strike="noStrike">
+                          <a:solidFill>
+                            <a:srgbClr val="000000"/>
+                          </a:solidFill>
+                          <a:effectLst/>
+                          <a:latin typeface="Calibri" panose="020F0502020204030204" pitchFamily="34" charset="0"/>
+                        </a:rPr>
+                        <a:t>time</a:t>
+                      </a:r>
+                    </a:p>
+                  </a:txBody>
+                  <a:tcPr marL="9525" marR="9525" marT="9525" marB="0" anchor="b"/>
+                </a:tc>
+                <a:tc>
+                  <a:txBody>
+                    <a:bodyPr/>
+                    <a:lstStyle/>
+                    <a:p>
+                      <a:pPr algn="l" fontAlgn="b"/>
+                      <a:r>
+                        <a:rPr lang="en-US" sz="2400" b="0" i="0" u="none" strike="noStrike">
+                          <a:solidFill>
+                            <a:srgbClr val="000000"/>
+                          </a:solidFill>
+                          <a:effectLst/>
+                          <a:latin typeface="Calibri" panose="020F0502020204030204" pitchFamily="34" charset="0"/>
+                        </a:rPr>
+                        <a:t>analyst</a:t>
+                      </a:r>
+                    </a:p>
+                  </a:txBody>
+                  <a:tcPr marL="9525" marR="9525" marT="9525" marB="0" anchor="b"/>
+                </a:tc>
+                <a:tc>
+                  <a:txBody>
+                    <a:bodyPr/>
+                    <a:lstStyle/>
+                    <a:p>
+                      <a:pPr algn="l" fontAlgn="b"/>
+                      <a:r>
+                        <a:rPr lang="en-US" sz="2400" b="0" i="0" u="none" strike="noStrike">
+                          <a:solidFill>
+                            <a:srgbClr val="000000"/>
+                          </a:solidFill>
+                          <a:effectLst/>
+                          <a:latin typeface="Calibri" panose="020F0502020204030204" pitchFamily="34" charset="0"/>
+                        </a:rPr>
+                        <a:t>healthcare</a:t>
+                      </a:r>
+                    </a:p>
+                  </a:txBody>
+                  <a:tcPr marL="9525" marR="9525" marT="9525" marB="0" anchor="b"/>
+                </a:tc>
+                <a:tc>
+                  <a:txBody>
+                    <a:bodyPr/>
+                    <a:lstStyle/>
+                    <a:p>
+                      <a:pPr algn="l" fontAlgn="b"/>
+                      <a:r>
+                        <a:rPr lang="en-US" sz="2400" b="0" i="0" u="none" strike="noStrike">
+                          <a:solidFill>
+                            <a:srgbClr val="000000"/>
+                          </a:solidFill>
+                          <a:effectLst/>
+                          <a:latin typeface="Calibri" panose="020F0502020204030204" pitchFamily="34" charset="0"/>
+                        </a:rPr>
+                        <a:t>organization</a:t>
+                      </a:r>
+                    </a:p>
+                  </a:txBody>
+                  <a:tcPr marL="9525" marR="9525" marT="9525" marB="0" anchor="b"/>
+                </a:tc>
+                <a:tc>
+                  <a:txBody>
+                    <a:bodyPr/>
+                    <a:lstStyle/>
+                    <a:p>
+                      <a:pPr algn="l" fontAlgn="b"/>
+                      <a:r>
+                        <a:rPr lang="en-US" sz="2400" b="0" i="0" u="none" strike="noStrike">
+                          <a:solidFill>
+                            <a:srgbClr val="000000"/>
+                          </a:solidFill>
+                          <a:effectLst/>
+                          <a:latin typeface="Calibri" panose="020F0502020204030204" pitchFamily="34" charset="0"/>
+                        </a:rPr>
+                        <a:t>team</a:t>
+                      </a:r>
+                    </a:p>
+                  </a:txBody>
+                  <a:tcPr marL="9525" marR="9525" marT="9525" marB="0" anchor="b"/>
+                </a:tc>
+                <a:extLst>
+                  <a:ext uri="{0D108BD9-81ED-4DB2-BD59-A6C34878D82A}">
+                    <a16:rowId xmlns:a16="http://schemas.microsoft.com/office/drawing/2014/main" val="2540218499"/>
+                  </a:ext>
+                </a:extLst>
+              </a:tr>
+              <a:tr h="303634">
+                <a:tc>
+                  <a:txBody>
+                    <a:bodyPr/>
+                    <a:lstStyle/>
+                    <a:p>
+                      <a:pPr algn="l" fontAlgn="b"/>
+                      <a:r>
+                        <a:rPr lang="en-US" sz="2400" b="0" i="0" u="none" strike="noStrike">
+                          <a:solidFill>
+                            <a:srgbClr val="000000"/>
+                          </a:solidFill>
+                          <a:effectLst/>
+                          <a:latin typeface="Calibri" panose="020F0502020204030204" pitchFamily="34" charset="0"/>
+                        </a:rPr>
+                        <a:t>sql</a:t>
+                      </a:r>
+                    </a:p>
+                  </a:txBody>
+                  <a:tcPr marL="9525" marR="9525" marT="9525" marB="0" anchor="b"/>
+                </a:tc>
+                <a:tc>
+                  <a:txBody>
+                    <a:bodyPr/>
+                    <a:lstStyle/>
+                    <a:p>
+                      <a:pPr algn="l" fontAlgn="b"/>
+                      <a:r>
+                        <a:rPr lang="en-US" sz="2400" b="0" i="0" u="none" strike="noStrike">
+                          <a:solidFill>
+                            <a:srgbClr val="000000"/>
+                          </a:solidFill>
+                          <a:effectLst/>
+                          <a:latin typeface="Calibri" panose="020F0502020204030204" pitchFamily="34" charset="0"/>
+                        </a:rPr>
+                        <a:t>analysis</a:t>
+                      </a:r>
+                    </a:p>
+                  </a:txBody>
+                  <a:tcPr marL="9525" marR="9525" marT="9525" marB="0" anchor="b"/>
+                </a:tc>
+                <a:tc>
+                  <a:txBody>
+                    <a:bodyPr/>
+                    <a:lstStyle/>
+                    <a:p>
+                      <a:pPr algn="l" fontAlgn="b"/>
+                      <a:r>
+                        <a:rPr lang="en-US" sz="2400" b="0" i="0" u="none" strike="noStrike">
+                          <a:solidFill>
+                            <a:srgbClr val="000000"/>
+                          </a:solidFill>
+                          <a:effectLst/>
+                          <a:latin typeface="Calibri" panose="020F0502020204030204" pitchFamily="34" charset="0"/>
+                        </a:rPr>
+                        <a:t>knowledge</a:t>
+                      </a:r>
+                    </a:p>
+                  </a:txBody>
+                  <a:tcPr marL="9525" marR="9525" marT="9525" marB="0" anchor="b"/>
+                </a:tc>
+                <a:tc>
+                  <a:txBody>
+                    <a:bodyPr/>
+                    <a:lstStyle/>
+                    <a:p>
+                      <a:pPr algn="l" fontAlgn="b"/>
+                      <a:r>
+                        <a:rPr lang="en-US" sz="2400" b="0" i="0" u="none" strike="noStrike">
+                          <a:solidFill>
+                            <a:srgbClr val="000000"/>
+                          </a:solidFill>
+                          <a:effectLst/>
+                          <a:latin typeface="Calibri" panose="020F0502020204030204" pitchFamily="34" charset="0"/>
+                        </a:rPr>
+                        <a:t>integrity</a:t>
+                      </a:r>
+                    </a:p>
+                  </a:txBody>
+                  <a:tcPr marL="9525" marR="9525" marT="9525" marB="0" anchor="b"/>
+                </a:tc>
+                <a:tc>
+                  <a:txBody>
+                    <a:bodyPr/>
+                    <a:lstStyle/>
+                    <a:p>
+                      <a:pPr algn="l" fontAlgn="b"/>
+                      <a:r>
+                        <a:rPr lang="en-US" sz="2400" b="0" i="0" u="none" strike="noStrike">
+                          <a:solidFill>
+                            <a:srgbClr val="000000"/>
+                          </a:solidFill>
+                          <a:effectLst/>
+                          <a:latin typeface="Calibri" panose="020F0502020204030204" pitchFamily="34" charset="0"/>
+                        </a:rPr>
+                        <a:t>customers</a:t>
+                      </a:r>
+                    </a:p>
+                  </a:txBody>
+                  <a:tcPr marL="9525" marR="9525" marT="9525" marB="0" anchor="b"/>
+                </a:tc>
+                <a:extLst>
+                  <a:ext uri="{0D108BD9-81ED-4DB2-BD59-A6C34878D82A}">
+                    <a16:rowId xmlns:a16="http://schemas.microsoft.com/office/drawing/2014/main" val="3238101484"/>
+                  </a:ext>
+                </a:extLst>
+              </a:tr>
+              <a:tr h="303634">
+                <a:tc>
+                  <a:txBody>
+                    <a:bodyPr/>
+                    <a:lstStyle/>
+                    <a:p>
+                      <a:pPr algn="l" fontAlgn="b"/>
+                      <a:r>
+                        <a:rPr lang="en-US" sz="2400" b="0" i="0" u="none" strike="noStrike">
+                          <a:solidFill>
+                            <a:srgbClr val="000000"/>
+                          </a:solidFill>
+                          <a:effectLst/>
+                          <a:latin typeface="Calibri" panose="020F0502020204030204" pitchFamily="34" charset="0"/>
+                        </a:rPr>
+                        <a:t>full</a:t>
+                      </a:r>
+                    </a:p>
+                  </a:txBody>
+                  <a:tcPr marL="9525" marR="9525" marT="9525" marB="0" anchor="b"/>
+                </a:tc>
+                <a:tc>
+                  <a:txBody>
+                    <a:bodyPr/>
+                    <a:lstStyle/>
+                    <a:p>
+                      <a:pPr algn="l" fontAlgn="b"/>
+                      <a:r>
+                        <a:rPr lang="en-US" sz="2400" b="0" i="0" u="none" strike="noStrike">
+                          <a:solidFill>
+                            <a:srgbClr val="000000"/>
+                          </a:solidFill>
+                          <a:effectLst/>
+                          <a:latin typeface="Calibri" panose="020F0502020204030204" pitchFamily="34" charset="0"/>
+                        </a:rPr>
+                        <a:t>new</a:t>
+                      </a:r>
+                    </a:p>
+                  </a:txBody>
+                  <a:tcPr marL="9525" marR="9525" marT="9525" marB="0" anchor="b"/>
+                </a:tc>
+                <a:tc>
+                  <a:txBody>
+                    <a:bodyPr/>
+                    <a:lstStyle/>
+                    <a:p>
+                      <a:pPr algn="l" fontAlgn="b"/>
+                      <a:r>
+                        <a:rPr lang="en-US" sz="2400" b="0" i="0" u="none" strike="noStrike">
+                          <a:solidFill>
+                            <a:srgbClr val="000000"/>
+                          </a:solidFill>
+                          <a:effectLst/>
+                          <a:latin typeface="Calibri" panose="020F0502020204030204" pitchFamily="34" charset="0"/>
+                        </a:rPr>
+                        <a:t>patient</a:t>
+                      </a:r>
+                    </a:p>
+                  </a:txBody>
+                  <a:tcPr marL="9525" marR="9525" marT="9525" marB="0" anchor="b"/>
+                </a:tc>
+                <a:tc>
+                  <a:txBody>
+                    <a:bodyPr/>
+                    <a:lstStyle/>
+                    <a:p>
+                      <a:pPr algn="l" fontAlgn="b"/>
+                      <a:r>
+                        <a:rPr lang="en-US" sz="2400" b="0" i="0" u="none" strike="noStrike">
+                          <a:solidFill>
+                            <a:srgbClr val="000000"/>
+                          </a:solidFill>
+                          <a:effectLst/>
+                          <a:latin typeface="Calibri" panose="020F0502020204030204" pitchFamily="34" charset="0"/>
+                        </a:rPr>
+                        <a:t>share</a:t>
+                      </a:r>
+                    </a:p>
+                  </a:txBody>
+                  <a:tcPr marL="9525" marR="9525" marT="9525" marB="0" anchor="b"/>
+                </a:tc>
+                <a:tc>
+                  <a:txBody>
+                    <a:bodyPr/>
+                    <a:lstStyle/>
+                    <a:p>
+                      <a:pPr algn="l" fontAlgn="b"/>
+                      <a:r>
+                        <a:rPr lang="en-US" sz="2400" b="0" i="0" u="none" strike="noStrike">
+                          <a:solidFill>
+                            <a:srgbClr val="000000"/>
+                          </a:solidFill>
+                          <a:effectLst/>
+                          <a:latin typeface="Calibri" panose="020F0502020204030204" pitchFamily="34" charset="0"/>
+                        </a:rPr>
+                        <a:t>services</a:t>
+                      </a:r>
+                    </a:p>
+                  </a:txBody>
+                  <a:tcPr marL="9525" marR="9525" marT="9525" marB="0" anchor="b"/>
+                </a:tc>
+                <a:extLst>
+                  <a:ext uri="{0D108BD9-81ED-4DB2-BD59-A6C34878D82A}">
+                    <a16:rowId xmlns:a16="http://schemas.microsoft.com/office/drawing/2014/main" val="3424389576"/>
+                  </a:ext>
+                </a:extLst>
+              </a:tr>
+              <a:tr h="303634">
+                <a:tc>
+                  <a:txBody>
+                    <a:bodyPr/>
+                    <a:lstStyle/>
+                    <a:p>
+                      <a:pPr algn="l" fontAlgn="b"/>
+                      <a:r>
+                        <a:rPr lang="en-US" sz="2400" b="0" i="0" u="none" strike="noStrike">
+                          <a:solidFill>
+                            <a:srgbClr val="000000"/>
+                          </a:solidFill>
+                          <a:effectLst/>
+                          <a:latin typeface="Calibri" panose="020F0502020204030204" pitchFamily="34" charset="0"/>
+                        </a:rPr>
+                        <a:t>solutions</a:t>
+                      </a:r>
+                    </a:p>
+                  </a:txBody>
+                  <a:tcPr marL="9525" marR="9525" marT="9525" marB="0" anchor="b"/>
+                </a:tc>
+                <a:tc>
+                  <a:txBody>
+                    <a:bodyPr/>
+                    <a:lstStyle/>
+                    <a:p>
+                      <a:pPr algn="l" fontAlgn="b"/>
+                      <a:r>
+                        <a:rPr lang="en-US" sz="2400" b="0" i="0" u="none" strike="noStrike">
+                          <a:solidFill>
+                            <a:srgbClr val="000000"/>
+                          </a:solidFill>
+                          <a:effectLst/>
+                          <a:latin typeface="Calibri" panose="020F0502020204030204" pitchFamily="34" charset="0"/>
+                        </a:rPr>
+                        <a:t>management</a:t>
+                      </a:r>
+                    </a:p>
+                  </a:txBody>
+                  <a:tcPr marL="9525" marR="9525" marT="9525" marB="0" anchor="b"/>
+                </a:tc>
+                <a:tc>
+                  <a:txBody>
+                    <a:bodyPr/>
+                    <a:lstStyle/>
+                    <a:p>
+                      <a:pPr algn="l" fontAlgn="b"/>
+                      <a:r>
+                        <a:rPr lang="en-US" sz="2400" b="0" i="0" u="none" strike="noStrike">
+                          <a:solidFill>
+                            <a:srgbClr val="000000"/>
+                          </a:solidFill>
+                          <a:effectLst/>
+                          <a:latin typeface="Calibri" panose="020F0502020204030204" pitchFamily="34" charset="0"/>
+                        </a:rPr>
+                        <a:t>clinical</a:t>
+                      </a:r>
+                    </a:p>
+                  </a:txBody>
+                  <a:tcPr marL="9525" marR="9525" marT="9525" marB="0" anchor="b"/>
+                </a:tc>
+                <a:tc>
+                  <a:txBody>
+                    <a:bodyPr/>
+                    <a:lstStyle/>
+                    <a:p>
+                      <a:pPr algn="l" fontAlgn="b"/>
+                      <a:r>
+                        <a:rPr lang="en-US" sz="2400" b="0" i="0" u="none" strike="noStrike">
+                          <a:solidFill>
+                            <a:srgbClr val="000000"/>
+                          </a:solidFill>
+                          <a:effectLst/>
+                          <a:latin typeface="Calibri" panose="020F0502020204030204" pitchFamily="34" charset="0"/>
+                        </a:rPr>
+                        <a:t>positive</a:t>
+                      </a:r>
+                    </a:p>
+                  </a:txBody>
+                  <a:tcPr marL="9525" marR="9525" marT="9525" marB="0" anchor="b"/>
+                </a:tc>
+                <a:tc>
+                  <a:txBody>
+                    <a:bodyPr/>
+                    <a:lstStyle/>
+                    <a:p>
+                      <a:pPr algn="l" fontAlgn="b"/>
+                      <a:r>
+                        <a:rPr lang="en-US" sz="2400" b="0" i="0" u="none" strike="noStrike" dirty="0">
+                          <a:solidFill>
+                            <a:srgbClr val="000000"/>
+                          </a:solidFill>
+                          <a:effectLst/>
+                          <a:latin typeface="Calibri" panose="020F0502020204030204" pitchFamily="34" charset="0"/>
+                        </a:rPr>
+                        <a:t>azure</a:t>
+                      </a:r>
+                    </a:p>
+                  </a:txBody>
+                  <a:tcPr marL="9525" marR="9525" marT="9525" marB="0" anchor="b"/>
+                </a:tc>
+                <a:extLst>
+                  <a:ext uri="{0D108BD9-81ED-4DB2-BD59-A6C34878D82A}">
+                    <a16:rowId xmlns:a16="http://schemas.microsoft.com/office/drawing/2014/main" val="3544599095"/>
+                  </a:ext>
+                </a:extLst>
+              </a:tr>
+            </a:tbl>
+          </a:graphicData>
+        </a:graphic>
+      </p:graphicFrame>
+    </p:spTree>
+    <p:extLst>
+      <p:ext uri="{BB962C8B-B14F-4D97-AF65-F5344CB8AC3E}">
+        <p14:creationId xmlns:p14="http://schemas.microsoft.com/office/powerpoint/2010/main" val="3715044050"/>
+      </p:ext>
+    </p:extLst>
+  </p:cSld>
+  <p:clrMapOvr>
+    <a:masterClrMapping/>
+  </p:clrMapOvr>
+</p:sld>
+</file>
+
+<file path=ppt/slides/slide21.xml><?xml version="1.0" encoding="utf-8"?>
+<p:sld xmlns:a="http://schemas.openxmlformats.org/drawingml/2006/main" xmlns:r="http://schemas.openxmlformats.org/officeDocument/2006/relationships" xmlns:p="http://schemas.openxmlformats.org/presentationml/2006/main">
+  <p:cSld>
+    <p:spTree>
+      <p:nvGrpSpPr>
+        <p:cNvPr id="1" name=""/>
+        <p:cNvGrpSpPr/>
+        <p:nvPr/>
+      </p:nvGrpSpPr>
+      <p:grpSpPr>
+        <a:xfrm>
+          <a:off x="0" y="0"/>
+          <a:ext cx="0" cy="0"/>
+          <a:chOff x="0" y="0"/>
+          <a:chExt cx="0" cy="0"/>
+        </a:xfrm>
+      </p:grpSpPr>
+      <p:sp>
+        <p:nvSpPr>
+          <p:cNvPr id="2" name="Title 1">
+            <a:extLst>
+              <a:ext uri="{FF2B5EF4-FFF2-40B4-BE49-F238E27FC236}">
                 <a16:creationId xmlns:a16="http://schemas.microsoft.com/office/drawing/2014/main" id="{69EB7ECF-A088-47A2-9B6D-A520E90F0F1F}"/>
               </a:ext>
             </a:extLst>
@@ -12813,7 +14251,7 @@
 </p:sld>
 </file>
 
-<file path=ppt/slides/slide21.xml><?xml version="1.0" encoding="utf-8"?>
+<file path=ppt/slides/slide22.xml><?xml version="1.0" encoding="utf-8"?>
 <p:sld xmlns:a="http://schemas.openxmlformats.org/drawingml/2006/main" xmlns:r="http://schemas.openxmlformats.org/officeDocument/2006/relationships" xmlns:p="http://schemas.openxmlformats.org/presentationml/2006/main">
   <p:cSld>
     <p:spTree>
@@ -12893,7 +14331,7 @@
 </p:sld>
 </file>
 
-<file path=ppt/slides/slide22.xml><?xml version="1.0" encoding="utf-8"?>
+<file path=ppt/slides/slide23.xml><?xml version="1.0" encoding="utf-8"?>
 <p:sld xmlns:a="http://schemas.openxmlformats.org/drawingml/2006/main" xmlns:r="http://schemas.openxmlformats.org/officeDocument/2006/relationships" xmlns:p="http://schemas.openxmlformats.org/presentationml/2006/main">
   <p:cSld>
     <p:spTree>
@@ -12976,7 +14414,7 @@
 </p:sld>
 </file>
 
-<file path=ppt/slides/slide23.xml><?xml version="1.0" encoding="utf-8"?>
+<file path=ppt/slides/slide24.xml><?xml version="1.0" encoding="utf-8"?>
 <p:sld xmlns:a="http://schemas.openxmlformats.org/drawingml/2006/main" xmlns:r="http://schemas.openxmlformats.org/officeDocument/2006/relationships" xmlns:p="http://schemas.openxmlformats.org/presentationml/2006/main">
   <p:cSld>
     <p:spTree>
